--- a/Slides/Introductie R.pptx
+++ b/Slides/Introductie R.pptx
@@ -6,7 +6,7 @@
     <p:sldMasterId id="2147483677" r:id="rId2"/>
   </p:sldMasterIdLst>
   <p:notesMasterIdLst>
-    <p:notesMasterId r:id="rId80"/>
+    <p:notesMasterId r:id="rId81"/>
   </p:notesMasterIdLst>
   <p:sldIdLst>
     <p:sldId id="260" r:id="rId3"/>
@@ -14,78 +14,79 @@
     <p:sldId id="579" r:id="rId5"/>
     <p:sldId id="578" r:id="rId6"/>
     <p:sldId id="580" r:id="rId7"/>
-    <p:sldId id="504" r:id="rId8"/>
-    <p:sldId id="528" r:id="rId9"/>
-    <p:sldId id="514" r:id="rId10"/>
-    <p:sldId id="505" r:id="rId11"/>
-    <p:sldId id="511" r:id="rId12"/>
-    <p:sldId id="510" r:id="rId13"/>
-    <p:sldId id="509" r:id="rId14"/>
-    <p:sldId id="508" r:id="rId15"/>
-    <p:sldId id="507" r:id="rId16"/>
-    <p:sldId id="506" r:id="rId17"/>
-    <p:sldId id="512" r:id="rId18"/>
-    <p:sldId id="513" r:id="rId19"/>
-    <p:sldId id="515" r:id="rId20"/>
-    <p:sldId id="516" r:id="rId21"/>
-    <p:sldId id="517" r:id="rId22"/>
-    <p:sldId id="518" r:id="rId23"/>
-    <p:sldId id="519" r:id="rId24"/>
-    <p:sldId id="520" r:id="rId25"/>
-    <p:sldId id="536" r:id="rId26"/>
-    <p:sldId id="521" r:id="rId27"/>
-    <p:sldId id="522" r:id="rId28"/>
-    <p:sldId id="523" r:id="rId29"/>
-    <p:sldId id="524" r:id="rId30"/>
-    <p:sldId id="525" r:id="rId31"/>
-    <p:sldId id="527" r:id="rId32"/>
-    <p:sldId id="526" r:id="rId33"/>
-    <p:sldId id="529" r:id="rId34"/>
-    <p:sldId id="530" r:id="rId35"/>
-    <p:sldId id="532" r:id="rId36"/>
-    <p:sldId id="533" r:id="rId37"/>
-    <p:sldId id="534" r:id="rId38"/>
-    <p:sldId id="535" r:id="rId39"/>
-    <p:sldId id="531" r:id="rId40"/>
-    <p:sldId id="537" r:id="rId41"/>
-    <p:sldId id="538" r:id="rId42"/>
-    <p:sldId id="539" r:id="rId43"/>
-    <p:sldId id="540" r:id="rId44"/>
-    <p:sldId id="541" r:id="rId45"/>
-    <p:sldId id="542" r:id="rId46"/>
-    <p:sldId id="576" r:id="rId47"/>
-    <p:sldId id="572" r:id="rId48"/>
-    <p:sldId id="570" r:id="rId49"/>
-    <p:sldId id="571" r:id="rId50"/>
-    <p:sldId id="573" r:id="rId51"/>
-    <p:sldId id="574" r:id="rId52"/>
-    <p:sldId id="575" r:id="rId53"/>
-    <p:sldId id="581" r:id="rId54"/>
-    <p:sldId id="543" r:id="rId55"/>
-    <p:sldId id="544" r:id="rId56"/>
-    <p:sldId id="545" r:id="rId57"/>
-    <p:sldId id="546" r:id="rId58"/>
-    <p:sldId id="547" r:id="rId59"/>
-    <p:sldId id="548" r:id="rId60"/>
-    <p:sldId id="549" r:id="rId61"/>
-    <p:sldId id="556" r:id="rId62"/>
-    <p:sldId id="559" r:id="rId63"/>
-    <p:sldId id="568" r:id="rId64"/>
-    <p:sldId id="560" r:id="rId65"/>
-    <p:sldId id="567" r:id="rId66"/>
-    <p:sldId id="566" r:id="rId67"/>
-    <p:sldId id="565" r:id="rId68"/>
-    <p:sldId id="557" r:id="rId69"/>
-    <p:sldId id="558" r:id="rId70"/>
-    <p:sldId id="561" r:id="rId71"/>
-    <p:sldId id="562" r:id="rId72"/>
-    <p:sldId id="564" r:id="rId73"/>
-    <p:sldId id="550" r:id="rId74"/>
-    <p:sldId id="551" r:id="rId75"/>
-    <p:sldId id="552" r:id="rId76"/>
-    <p:sldId id="553" r:id="rId77"/>
-    <p:sldId id="554" r:id="rId78"/>
-    <p:sldId id="555" r:id="rId79"/>
+    <p:sldId id="582" r:id="rId8"/>
+    <p:sldId id="504" r:id="rId9"/>
+    <p:sldId id="528" r:id="rId10"/>
+    <p:sldId id="514" r:id="rId11"/>
+    <p:sldId id="505" r:id="rId12"/>
+    <p:sldId id="511" r:id="rId13"/>
+    <p:sldId id="510" r:id="rId14"/>
+    <p:sldId id="509" r:id="rId15"/>
+    <p:sldId id="508" r:id="rId16"/>
+    <p:sldId id="507" r:id="rId17"/>
+    <p:sldId id="506" r:id="rId18"/>
+    <p:sldId id="512" r:id="rId19"/>
+    <p:sldId id="513" r:id="rId20"/>
+    <p:sldId id="515" r:id="rId21"/>
+    <p:sldId id="516" r:id="rId22"/>
+    <p:sldId id="517" r:id="rId23"/>
+    <p:sldId id="518" r:id="rId24"/>
+    <p:sldId id="519" r:id="rId25"/>
+    <p:sldId id="520" r:id="rId26"/>
+    <p:sldId id="536" r:id="rId27"/>
+    <p:sldId id="521" r:id="rId28"/>
+    <p:sldId id="522" r:id="rId29"/>
+    <p:sldId id="523" r:id="rId30"/>
+    <p:sldId id="524" r:id="rId31"/>
+    <p:sldId id="525" r:id="rId32"/>
+    <p:sldId id="527" r:id="rId33"/>
+    <p:sldId id="526" r:id="rId34"/>
+    <p:sldId id="529" r:id="rId35"/>
+    <p:sldId id="530" r:id="rId36"/>
+    <p:sldId id="532" r:id="rId37"/>
+    <p:sldId id="533" r:id="rId38"/>
+    <p:sldId id="534" r:id="rId39"/>
+    <p:sldId id="535" r:id="rId40"/>
+    <p:sldId id="531" r:id="rId41"/>
+    <p:sldId id="537" r:id="rId42"/>
+    <p:sldId id="538" r:id="rId43"/>
+    <p:sldId id="539" r:id="rId44"/>
+    <p:sldId id="540" r:id="rId45"/>
+    <p:sldId id="541" r:id="rId46"/>
+    <p:sldId id="542" r:id="rId47"/>
+    <p:sldId id="576" r:id="rId48"/>
+    <p:sldId id="572" r:id="rId49"/>
+    <p:sldId id="570" r:id="rId50"/>
+    <p:sldId id="571" r:id="rId51"/>
+    <p:sldId id="573" r:id="rId52"/>
+    <p:sldId id="574" r:id="rId53"/>
+    <p:sldId id="575" r:id="rId54"/>
+    <p:sldId id="581" r:id="rId55"/>
+    <p:sldId id="543" r:id="rId56"/>
+    <p:sldId id="544" r:id="rId57"/>
+    <p:sldId id="545" r:id="rId58"/>
+    <p:sldId id="546" r:id="rId59"/>
+    <p:sldId id="547" r:id="rId60"/>
+    <p:sldId id="548" r:id="rId61"/>
+    <p:sldId id="549" r:id="rId62"/>
+    <p:sldId id="556" r:id="rId63"/>
+    <p:sldId id="559" r:id="rId64"/>
+    <p:sldId id="568" r:id="rId65"/>
+    <p:sldId id="560" r:id="rId66"/>
+    <p:sldId id="567" r:id="rId67"/>
+    <p:sldId id="566" r:id="rId68"/>
+    <p:sldId id="565" r:id="rId69"/>
+    <p:sldId id="557" r:id="rId70"/>
+    <p:sldId id="558" r:id="rId71"/>
+    <p:sldId id="561" r:id="rId72"/>
+    <p:sldId id="562" r:id="rId73"/>
+    <p:sldId id="564" r:id="rId74"/>
+    <p:sldId id="550" r:id="rId75"/>
+    <p:sldId id="551" r:id="rId76"/>
+    <p:sldId id="552" r:id="rId77"/>
+    <p:sldId id="553" r:id="rId78"/>
+    <p:sldId id="554" r:id="rId79"/>
+    <p:sldId id="555" r:id="rId80"/>
   </p:sldIdLst>
   <p:sldSz cx="9144000" cy="6858000" type="screen4x3"/>
   <p:notesSz cx="6858000" cy="9144000"/>
@@ -194,6 +195,7 @@
             <p14:sldId id="579"/>
             <p14:sldId id="578"/>
             <p14:sldId id="580"/>
+            <p14:sldId id="582"/>
             <p14:sldId id="504"/>
             <p14:sldId id="528"/>
             <p14:sldId id="514"/>
@@ -366,7 +368,7 @@
           <a:p>
             <a:fld id="{5701FE53-C772-8A48-A80E-A99D5A57F0FA}" type="datetimeFigureOut">
               <a:rPr lang="nl-NL" smtClean="0"/>
-              <a:t>22-02-2022</a:t>
+              <a:t>23-02-2022</a:t>
             </a:fld>
             <a:endParaRPr lang="nl-NL"/>
           </a:p>
@@ -688,7 +690,7 @@
           <a:p>
             <a:fld id="{B8C0F69F-1B94-5545-AB74-99CABF8C4086}" type="slidenum">
               <a:rPr lang="nl-NL" smtClean="0"/>
-              <a:t>8</a:t>
+              <a:t>9</a:t>
             </a:fld>
             <a:endParaRPr lang="nl-NL"/>
           </a:p>
@@ -775,7 +777,7 @@
           <a:p>
             <a:fld id="{B8C0F69F-1B94-5545-AB74-99CABF8C4086}" type="slidenum">
               <a:rPr lang="nl-NL" smtClean="0"/>
-              <a:t>48</a:t>
+              <a:t>49</a:t>
             </a:fld>
             <a:endParaRPr lang="nl-NL"/>
           </a:p>
@@ -874,7 +876,7 @@
           <a:p>
             <a:fld id="{B8C0F69F-1B94-5545-AB74-99CABF8C4086}" type="slidenum">
               <a:rPr lang="nl-NL" smtClean="0"/>
-              <a:t>51</a:t>
+              <a:t>52</a:t>
             </a:fld>
             <a:endParaRPr lang="nl-NL"/>
           </a:p>
@@ -961,7 +963,7 @@
           <a:p>
             <a:fld id="{B8C0F69F-1B94-5545-AB74-99CABF8C4086}" type="slidenum">
               <a:rPr lang="nl-NL" smtClean="0"/>
-              <a:t>52</a:t>
+              <a:t>53</a:t>
             </a:fld>
             <a:endParaRPr lang="nl-NL"/>
           </a:p>
@@ -1063,7 +1065,7 @@
           <a:p>
             <a:fld id="{B8C0F69F-1B94-5545-AB74-99CABF8C4086}" type="slidenum">
               <a:rPr lang="nl-NL" smtClean="0"/>
-              <a:t>63</a:t>
+              <a:t>64</a:t>
             </a:fld>
             <a:endParaRPr lang="nl-NL"/>
           </a:p>
@@ -1150,7 +1152,7 @@
           <a:p>
             <a:fld id="{B8C0F69F-1B94-5545-AB74-99CABF8C4086}" type="slidenum">
               <a:rPr lang="nl-NL" smtClean="0"/>
-              <a:t>65</a:t>
+              <a:t>66</a:t>
             </a:fld>
             <a:endParaRPr lang="nl-NL"/>
           </a:p>
@@ -1214,20 +1216,16 @@
           <a:lstStyle/>
           <a:p>
             <a:r>
-              <a:rPr lang="nl-NL"/>
-              <a:t>https://ggplot2.tidyverse.org/reference/index.html</a:t>
-            </a:r>
-          </a:p>
-          <a:p>
-            <a:r>
-              <a:rPr lang="nl-NL"/>
-              <a:t>https://www.geeksforgeeks.org/data-visualization-with-r-and-ggplot2/?ref=lbp</a:t>
-            </a:r>
-          </a:p>
-          <a:p>
-            <a:r>
-              <a:rPr lang="nl-NL"/>
-              <a:t>https://statisticsglobe.com/graphics-in-r</a:t>
+              <a:rPr lang="nl-NL" sz="1200" b="1" i="0" u="none" strike="noStrike" kern="1200">
+                <a:solidFill>
+                  <a:schemeClr val="tx1"/>
+                </a:solidFill>
+                <a:effectLst/>
+                <a:latin typeface="+mn-lt"/>
+                <a:ea typeface="+mn-ea"/>
+                <a:cs typeface="+mn-cs"/>
+              </a:rPr>
+              <a:t>Working on large data sets in R - https://www.analyticsvidhya.com/blog/2016/05/data-table-data-frame-work-large-data-sets/</a:t>
             </a:r>
           </a:p>
         </p:txBody>
@@ -1258,7 +1256,7 @@
     </p:spTree>
     <p:extLst>
       <p:ext uri="{BB962C8B-B14F-4D97-AF65-F5344CB8AC3E}">
-        <p14:creationId xmlns:p14="http://schemas.microsoft.com/office/powerpoint/2010/main" val="2281713524"/>
+        <p14:creationId xmlns:p14="http://schemas.microsoft.com/office/powerpoint/2010/main" val="1148935872"/>
       </p:ext>
     </p:extLst>
   </p:cSld>
@@ -1314,13 +1312,19 @@
           <a:p>
             <a:r>
               <a:rPr lang="nl-NL"/>
-              <a:t>https://dplyr.tidyverse.org/reference/index.html</a:t>
-            </a:r>
-          </a:p>
-          <a:p>
-            <a:r>
-              <a:rPr lang="nl-NL"/>
-              <a:t>https://r4ds.had.co.nz/transform.html</a:t>
+              <a:t>https://ggplot2.tidyverse.org/reference/index.html</a:t>
+            </a:r>
+          </a:p>
+          <a:p>
+            <a:r>
+              <a:rPr lang="nl-NL"/>
+              <a:t>https://www.geeksforgeeks.org/data-visualization-with-r-and-ggplot2/?ref=lbp</a:t>
+            </a:r>
+          </a:p>
+          <a:p>
+            <a:r>
+              <a:rPr lang="nl-NL"/>
+              <a:t>https://statisticsglobe.com/graphics-in-r</a:t>
             </a:r>
           </a:p>
         </p:txBody>
@@ -1351,7 +1355,7 @@
     </p:spTree>
     <p:extLst>
       <p:ext uri="{BB962C8B-B14F-4D97-AF65-F5344CB8AC3E}">
-        <p14:creationId xmlns:p14="http://schemas.microsoft.com/office/powerpoint/2010/main" val="634775161"/>
+        <p14:creationId xmlns:p14="http://schemas.microsoft.com/office/powerpoint/2010/main" val="2281713524"/>
       </p:ext>
     </p:extLst>
   </p:cSld>
@@ -1406,262 +1410,15 @@
           <a:lstStyle/>
           <a:p>
             <a:r>
-              <a:rPr lang="nl-NL" sz="1200" u="none" strike="noStrike" kern="1200">
-                <a:solidFill>
-                  <a:schemeClr val="tx1"/>
-                </a:solidFill>
-                <a:effectLst/>
-                <a:latin typeface="+mn-lt"/>
-                <a:ea typeface="+mn-ea"/>
-                <a:cs typeface="+mn-cs"/>
-                <a:hlinkClick r:id="rId3"/>
-              </a:rPr>
-              <a:t>https://tidyr.tidyverse.org/reference/index.html</a:t>
-            </a:r>
-          </a:p>
-          <a:p>
-            <a:endParaRPr lang="nl-NL" sz="1200" u="none" strike="noStrike" kern="1200">
-              <a:solidFill>
-                <a:schemeClr val="tx1"/>
-              </a:solidFill>
-              <a:effectLst/>
-              <a:latin typeface="+mn-lt"/>
-              <a:ea typeface="+mn-ea"/>
-              <a:cs typeface="+mn-cs"/>
-              <a:hlinkClick r:id="rId3"/>
-            </a:endParaRPr>
-          </a:p>
-          <a:p>
-            <a:endParaRPr lang="nl-NL" sz="1200" u="none" strike="noStrike" kern="1200">
-              <a:solidFill>
-                <a:schemeClr val="tx1"/>
-              </a:solidFill>
-              <a:effectLst/>
-              <a:latin typeface="+mn-lt"/>
-              <a:ea typeface="+mn-ea"/>
-              <a:cs typeface="+mn-cs"/>
-              <a:hlinkClick r:id="rId3"/>
-            </a:endParaRPr>
-          </a:p>
-          <a:p>
-            <a:endParaRPr lang="nl-NL" sz="1200" u="none" strike="noStrike" kern="1200">
-              <a:solidFill>
-                <a:schemeClr val="tx1"/>
-              </a:solidFill>
-              <a:effectLst/>
-              <a:latin typeface="+mn-lt"/>
-              <a:ea typeface="+mn-ea"/>
-              <a:cs typeface="+mn-cs"/>
-              <a:hlinkClick r:id="rId3"/>
-            </a:endParaRPr>
-          </a:p>
-          <a:p>
-            <a:r>
-              <a:rPr lang="nl-NL" sz="1200" u="none" strike="noStrike" kern="1200">
-                <a:solidFill>
-                  <a:schemeClr val="tx1"/>
-                </a:solidFill>
-                <a:effectLst/>
-                <a:latin typeface="+mn-lt"/>
-                <a:ea typeface="+mn-ea"/>
-                <a:cs typeface="+mn-cs"/>
-                <a:hlinkClick r:id="rId3"/>
-              </a:rPr>
-              <a:t>library</a:t>
-            </a:r>
-            <a:r>
-              <a:rPr lang="nl-NL">
-                <a:effectLst/>
-              </a:rPr>
-              <a:t>(</a:t>
-            </a:r>
-            <a:r>
-              <a:rPr lang="nl-NL" sz="1200" u="none" strike="noStrike" kern="1200">
-                <a:solidFill>
-                  <a:schemeClr val="tx1"/>
-                </a:solidFill>
-                <a:effectLst/>
-                <a:latin typeface="+mn-lt"/>
-                <a:ea typeface="+mn-ea"/>
-                <a:cs typeface="+mn-cs"/>
-                <a:hlinkClick r:id="rId4"/>
-              </a:rPr>
-              <a:t>data.table</a:t>
-            </a:r>
-            <a:r>
-              <a:rPr lang="nl-NL">
-                <a:effectLst/>
-              </a:rPr>
-              <a:t>)</a:t>
-            </a:r>
-            <a:r>
-              <a:rPr lang="nl-NL"/>
-              <a:t> </a:t>
-            </a:r>
-          </a:p>
-          <a:p>
-            <a:r>
-              <a:rPr lang="nl-NL">
-                <a:effectLst/>
-              </a:rPr>
-              <a:t>DT</a:t>
-            </a:r>
-            <a:r>
-              <a:rPr lang="nl-NL"/>
-              <a:t> </a:t>
-            </a:r>
-            <a:r>
-              <a:rPr lang="nl-NL">
-                <a:effectLst/>
-              </a:rPr>
-              <a:t>=</a:t>
-            </a:r>
-            <a:r>
-              <a:rPr lang="nl-NL"/>
-              <a:t> </a:t>
-            </a:r>
-            <a:r>
-              <a:rPr lang="nl-NL" sz="1200" u="none" strike="noStrike" kern="1200">
-                <a:solidFill>
-                  <a:schemeClr val="tx1"/>
-                </a:solidFill>
-                <a:effectLst/>
-                <a:latin typeface="+mn-lt"/>
-                <a:ea typeface="+mn-ea"/>
-                <a:cs typeface="+mn-cs"/>
-                <a:hlinkClick r:id="rId5"/>
-              </a:rPr>
-              <a:t>as.data.table</a:t>
-            </a:r>
-            <a:r>
-              <a:rPr lang="nl-NL">
-                <a:effectLst/>
-              </a:rPr>
-              <a:t>(iris)</a:t>
-            </a:r>
-            <a:r>
-              <a:rPr lang="nl-NL"/>
-              <a:t> </a:t>
-            </a:r>
-          </a:p>
-          <a:p>
-            <a:r>
-              <a:rPr lang="nl-NL" sz="1200" kern="1200">
-                <a:solidFill>
-                  <a:schemeClr val="tx1"/>
-                </a:solidFill>
-                <a:effectLst/>
-                <a:latin typeface="+mn-lt"/>
-                <a:ea typeface="+mn-ea"/>
-                <a:cs typeface="+mn-cs"/>
-              </a:rPr>
-              <a:t># FROM[WHERE, SELECT, GROUP BY]</a:t>
-            </a:r>
-            <a:r>
-              <a:rPr lang="nl-NL"/>
-              <a:t> </a:t>
-            </a:r>
-          </a:p>
-          <a:p>
-            <a:r>
-              <a:rPr lang="nl-NL" sz="1200" kern="1200">
-                <a:solidFill>
-                  <a:schemeClr val="tx1"/>
-                </a:solidFill>
-                <a:effectLst/>
-                <a:latin typeface="+mn-lt"/>
-                <a:ea typeface="+mn-ea"/>
-                <a:cs typeface="+mn-cs"/>
-              </a:rPr>
-              <a:t># DT [i, j, by]</a:t>
-            </a:r>
-            <a:r>
-              <a:rPr lang="nl-NL"/>
-              <a:t> </a:t>
-            </a:r>
-          </a:p>
-          <a:p>
-            <a:endParaRPr lang="nl-NL">
-              <a:effectLst/>
-            </a:endParaRPr>
-          </a:p>
-          <a:p>
-            <a:r>
-              <a:rPr lang="nl-NL">
-                <a:effectLst/>
-              </a:rPr>
-              <a:t>DT[Petal.Width</a:t>
-            </a:r>
-            <a:r>
-              <a:rPr lang="nl-NL"/>
-              <a:t> </a:t>
-            </a:r>
-            <a:r>
-              <a:rPr lang="nl-NL">
-                <a:effectLst/>
-              </a:rPr>
-              <a:t>&gt;</a:t>
-            </a:r>
-            <a:r>
-              <a:rPr lang="nl-NL"/>
-              <a:t> </a:t>
-            </a:r>
-            <a:r>
-              <a:rPr lang="nl-NL" sz="1200" kern="1200">
-                <a:solidFill>
-                  <a:schemeClr val="tx1"/>
-                </a:solidFill>
-                <a:effectLst/>
-                <a:latin typeface="+mn-lt"/>
-                <a:ea typeface="+mn-ea"/>
-                <a:cs typeface="+mn-cs"/>
-              </a:rPr>
-              <a:t>1.0</a:t>
-            </a:r>
-            <a:r>
-              <a:rPr lang="nl-NL"/>
-              <a:t>, </a:t>
-            </a:r>
-            <a:r>
-              <a:rPr lang="nl-NL" sz="1200" u="none" strike="noStrike" kern="1200">
-                <a:solidFill>
-                  <a:schemeClr val="tx1"/>
-                </a:solidFill>
-                <a:effectLst/>
-                <a:latin typeface="+mn-lt"/>
-                <a:ea typeface="+mn-ea"/>
-                <a:cs typeface="+mn-cs"/>
-                <a:hlinkClick r:id="rId6"/>
-              </a:rPr>
-              <a:t>mean</a:t>
-            </a:r>
-            <a:r>
-              <a:rPr lang="nl-NL">
-                <a:effectLst/>
-              </a:rPr>
-              <a:t>(Petal.Length)</a:t>
-            </a:r>
-            <a:r>
-              <a:rPr lang="nl-NL"/>
-              <a:t>, by </a:t>
-            </a:r>
-            <a:r>
-              <a:rPr lang="nl-NL">
-                <a:effectLst/>
-              </a:rPr>
-              <a:t>=</a:t>
-            </a:r>
-            <a:r>
-              <a:rPr lang="nl-NL"/>
-              <a:t> </a:t>
-            </a:r>
-            <a:r>
-              <a:rPr lang="nl-NL">
-                <a:effectLst/>
-              </a:rPr>
-              <a:t>Species]</a:t>
-            </a:r>
-            <a:endParaRPr lang="nl-NL"/>
+              <a:rPr lang="nl-NL"/>
+              <a:t>https://dplyr.tidyverse.org/reference/index.html</a:t>
+            </a:r>
+          </a:p>
+          <a:p>
+            <a:r>
+              <a:rPr lang="nl-NL"/>
+              <a:t>https://r4ds.had.co.nz/transform.html</a:t>
+            </a:r>
           </a:p>
         </p:txBody>
       </p:sp>
@@ -1691,7 +1448,7 @@
     </p:spTree>
     <p:extLst>
       <p:ext uri="{BB962C8B-B14F-4D97-AF65-F5344CB8AC3E}">
-        <p14:creationId xmlns:p14="http://schemas.microsoft.com/office/powerpoint/2010/main" val="1747516107"/>
+        <p14:creationId xmlns:p14="http://schemas.microsoft.com/office/powerpoint/2010/main" val="634775161"/>
       </p:ext>
     </p:extLst>
   </p:cSld>
@@ -1746,9 +1503,262 @@
           <a:lstStyle/>
           <a:p>
             <a:r>
-              <a:rPr lang="nl-NL"/>
-              <a:t>https://readr.tidyverse.org/reference/index.html</a:t>
-            </a:r>
+              <a:rPr lang="nl-NL" sz="1200" u="none" strike="noStrike" kern="1200">
+                <a:solidFill>
+                  <a:schemeClr val="tx1"/>
+                </a:solidFill>
+                <a:effectLst/>
+                <a:latin typeface="+mn-lt"/>
+                <a:ea typeface="+mn-ea"/>
+                <a:cs typeface="+mn-cs"/>
+                <a:hlinkClick r:id="rId3"/>
+              </a:rPr>
+              <a:t>https://tidyr.tidyverse.org/reference/index.html</a:t>
+            </a:r>
+          </a:p>
+          <a:p>
+            <a:endParaRPr lang="nl-NL" sz="1200" u="none" strike="noStrike" kern="1200">
+              <a:solidFill>
+                <a:schemeClr val="tx1"/>
+              </a:solidFill>
+              <a:effectLst/>
+              <a:latin typeface="+mn-lt"/>
+              <a:ea typeface="+mn-ea"/>
+              <a:cs typeface="+mn-cs"/>
+              <a:hlinkClick r:id="rId3"/>
+            </a:endParaRPr>
+          </a:p>
+          <a:p>
+            <a:endParaRPr lang="nl-NL" sz="1200" u="none" strike="noStrike" kern="1200">
+              <a:solidFill>
+                <a:schemeClr val="tx1"/>
+              </a:solidFill>
+              <a:effectLst/>
+              <a:latin typeface="+mn-lt"/>
+              <a:ea typeface="+mn-ea"/>
+              <a:cs typeface="+mn-cs"/>
+              <a:hlinkClick r:id="rId3"/>
+            </a:endParaRPr>
+          </a:p>
+          <a:p>
+            <a:endParaRPr lang="nl-NL" sz="1200" u="none" strike="noStrike" kern="1200">
+              <a:solidFill>
+                <a:schemeClr val="tx1"/>
+              </a:solidFill>
+              <a:effectLst/>
+              <a:latin typeface="+mn-lt"/>
+              <a:ea typeface="+mn-ea"/>
+              <a:cs typeface="+mn-cs"/>
+              <a:hlinkClick r:id="rId3"/>
+            </a:endParaRPr>
+          </a:p>
+          <a:p>
+            <a:r>
+              <a:rPr lang="nl-NL" sz="1200" u="none" strike="noStrike" kern="1200">
+                <a:solidFill>
+                  <a:schemeClr val="tx1"/>
+                </a:solidFill>
+                <a:effectLst/>
+                <a:latin typeface="+mn-lt"/>
+                <a:ea typeface="+mn-ea"/>
+                <a:cs typeface="+mn-cs"/>
+                <a:hlinkClick r:id="rId3"/>
+              </a:rPr>
+              <a:t>library</a:t>
+            </a:r>
+            <a:r>
+              <a:rPr lang="nl-NL">
+                <a:effectLst/>
+              </a:rPr>
+              <a:t>(</a:t>
+            </a:r>
+            <a:r>
+              <a:rPr lang="nl-NL" sz="1200" u="none" strike="noStrike" kern="1200">
+                <a:solidFill>
+                  <a:schemeClr val="tx1"/>
+                </a:solidFill>
+                <a:effectLst/>
+                <a:latin typeface="+mn-lt"/>
+                <a:ea typeface="+mn-ea"/>
+                <a:cs typeface="+mn-cs"/>
+                <a:hlinkClick r:id="rId4"/>
+              </a:rPr>
+              <a:t>data.table</a:t>
+            </a:r>
+            <a:r>
+              <a:rPr lang="nl-NL">
+                <a:effectLst/>
+              </a:rPr>
+              <a:t>)</a:t>
+            </a:r>
+            <a:r>
+              <a:rPr lang="nl-NL"/>
+              <a:t> </a:t>
+            </a:r>
+          </a:p>
+          <a:p>
+            <a:r>
+              <a:rPr lang="nl-NL">
+                <a:effectLst/>
+              </a:rPr>
+              <a:t>DT</a:t>
+            </a:r>
+            <a:r>
+              <a:rPr lang="nl-NL"/>
+              <a:t> </a:t>
+            </a:r>
+            <a:r>
+              <a:rPr lang="nl-NL">
+                <a:effectLst/>
+              </a:rPr>
+              <a:t>=</a:t>
+            </a:r>
+            <a:r>
+              <a:rPr lang="nl-NL"/>
+              <a:t> </a:t>
+            </a:r>
+            <a:r>
+              <a:rPr lang="nl-NL" sz="1200" u="none" strike="noStrike" kern="1200">
+                <a:solidFill>
+                  <a:schemeClr val="tx1"/>
+                </a:solidFill>
+                <a:effectLst/>
+                <a:latin typeface="+mn-lt"/>
+                <a:ea typeface="+mn-ea"/>
+                <a:cs typeface="+mn-cs"/>
+                <a:hlinkClick r:id="rId5"/>
+              </a:rPr>
+              <a:t>as.data.table</a:t>
+            </a:r>
+            <a:r>
+              <a:rPr lang="nl-NL">
+                <a:effectLst/>
+              </a:rPr>
+              <a:t>(iris)</a:t>
+            </a:r>
+            <a:r>
+              <a:rPr lang="nl-NL"/>
+              <a:t> </a:t>
+            </a:r>
+          </a:p>
+          <a:p>
+            <a:r>
+              <a:rPr lang="nl-NL" sz="1200" kern="1200">
+                <a:solidFill>
+                  <a:schemeClr val="tx1"/>
+                </a:solidFill>
+                <a:effectLst/>
+                <a:latin typeface="+mn-lt"/>
+                <a:ea typeface="+mn-ea"/>
+                <a:cs typeface="+mn-cs"/>
+              </a:rPr>
+              <a:t># FROM[WHERE, SELECT, GROUP BY]</a:t>
+            </a:r>
+            <a:r>
+              <a:rPr lang="nl-NL"/>
+              <a:t> </a:t>
+            </a:r>
+          </a:p>
+          <a:p>
+            <a:r>
+              <a:rPr lang="nl-NL" sz="1200" kern="1200">
+                <a:solidFill>
+                  <a:schemeClr val="tx1"/>
+                </a:solidFill>
+                <a:effectLst/>
+                <a:latin typeface="+mn-lt"/>
+                <a:ea typeface="+mn-ea"/>
+                <a:cs typeface="+mn-cs"/>
+              </a:rPr>
+              <a:t># DT [i, j, by]</a:t>
+            </a:r>
+            <a:r>
+              <a:rPr lang="nl-NL"/>
+              <a:t> </a:t>
+            </a:r>
+          </a:p>
+          <a:p>
+            <a:endParaRPr lang="nl-NL">
+              <a:effectLst/>
+            </a:endParaRPr>
+          </a:p>
+          <a:p>
+            <a:r>
+              <a:rPr lang="nl-NL">
+                <a:effectLst/>
+              </a:rPr>
+              <a:t>DT[Petal.Width</a:t>
+            </a:r>
+            <a:r>
+              <a:rPr lang="nl-NL"/>
+              <a:t> </a:t>
+            </a:r>
+            <a:r>
+              <a:rPr lang="nl-NL">
+                <a:effectLst/>
+              </a:rPr>
+              <a:t>&gt;</a:t>
+            </a:r>
+            <a:r>
+              <a:rPr lang="nl-NL"/>
+              <a:t> </a:t>
+            </a:r>
+            <a:r>
+              <a:rPr lang="nl-NL" sz="1200" kern="1200">
+                <a:solidFill>
+                  <a:schemeClr val="tx1"/>
+                </a:solidFill>
+                <a:effectLst/>
+                <a:latin typeface="+mn-lt"/>
+                <a:ea typeface="+mn-ea"/>
+                <a:cs typeface="+mn-cs"/>
+              </a:rPr>
+              <a:t>1.0</a:t>
+            </a:r>
+            <a:r>
+              <a:rPr lang="nl-NL"/>
+              <a:t>, </a:t>
+            </a:r>
+            <a:r>
+              <a:rPr lang="nl-NL" sz="1200" u="none" strike="noStrike" kern="1200">
+                <a:solidFill>
+                  <a:schemeClr val="tx1"/>
+                </a:solidFill>
+                <a:effectLst/>
+                <a:latin typeface="+mn-lt"/>
+                <a:ea typeface="+mn-ea"/>
+                <a:cs typeface="+mn-cs"/>
+                <a:hlinkClick r:id="rId6"/>
+              </a:rPr>
+              <a:t>mean</a:t>
+            </a:r>
+            <a:r>
+              <a:rPr lang="nl-NL">
+                <a:effectLst/>
+              </a:rPr>
+              <a:t>(Petal.Length)</a:t>
+            </a:r>
+            <a:r>
+              <a:rPr lang="nl-NL"/>
+              <a:t>, by </a:t>
+            </a:r>
+            <a:r>
+              <a:rPr lang="nl-NL">
+                <a:effectLst/>
+              </a:rPr>
+              <a:t>=</a:t>
+            </a:r>
+            <a:r>
+              <a:rPr lang="nl-NL"/>
+              <a:t> </a:t>
+            </a:r>
+            <a:r>
+              <a:rPr lang="nl-NL">
+                <a:effectLst/>
+              </a:rPr>
+              <a:t>Species]</a:t>
+            </a:r>
+            <a:endParaRPr lang="nl-NL"/>
           </a:p>
         </p:txBody>
       </p:sp>
@@ -1778,7 +1788,7 @@
     </p:spTree>
     <p:extLst>
       <p:ext uri="{BB962C8B-B14F-4D97-AF65-F5344CB8AC3E}">
-        <p14:creationId xmlns:p14="http://schemas.microsoft.com/office/powerpoint/2010/main" val="1921630207"/>
+        <p14:creationId xmlns:p14="http://schemas.microsoft.com/office/powerpoint/2010/main" val="1747516107"/>
       </p:ext>
     </p:extLst>
   </p:cSld>
@@ -1834,17 +1844,8 @@
           <a:p>
             <a:r>
               <a:rPr lang="nl-NL"/>
-              <a:t>https://stringr.tidyverse.org/reference/index.html</a:t>
-            </a:r>
-          </a:p>
-          <a:p>
-            <a:r>
-              <a:rPr lang="nl-NL"/>
-              <a:t>https://r4ds.had.co.nz/strings.html</a:t>
-            </a:r>
-          </a:p>
-          <a:p>
-            <a:endParaRPr lang="nl-NL"/>
+              <a:t>https://readr.tidyverse.org/reference/index.html</a:t>
+            </a:r>
           </a:p>
         </p:txBody>
       </p:sp>
@@ -1874,7 +1875,7 @@
     </p:spTree>
     <p:extLst>
       <p:ext uri="{BB962C8B-B14F-4D97-AF65-F5344CB8AC3E}">
-        <p14:creationId xmlns:p14="http://schemas.microsoft.com/office/powerpoint/2010/main" val="157136956"/>
+        <p14:creationId xmlns:p14="http://schemas.microsoft.com/office/powerpoint/2010/main" val="1921630207"/>
       </p:ext>
     </p:extLst>
   </p:cSld>
@@ -1949,7 +1950,7 @@
           <a:p>
             <a:fld id="{B8C0F69F-1B94-5545-AB74-99CABF8C4086}" type="slidenum">
               <a:rPr lang="nl-NL" smtClean="0"/>
-              <a:t>22</a:t>
+              <a:t>23</a:t>
             </a:fld>
             <a:endParaRPr lang="nl-NL"/>
           </a:p>
@@ -2012,6 +2013,18 @@
           <a:bodyPr/>
           <a:lstStyle/>
           <a:p>
+            <a:r>
+              <a:rPr lang="nl-NL"/>
+              <a:t>https://stringr.tidyverse.org/reference/index.html</a:t>
+            </a:r>
+          </a:p>
+          <a:p>
+            <a:r>
+              <a:rPr lang="nl-NL"/>
+              <a:t>https://r4ds.had.co.nz/strings.html</a:t>
+            </a:r>
+          </a:p>
+          <a:p>
             <a:endParaRPr lang="nl-NL"/>
           </a:p>
         </p:txBody>
@@ -2033,7 +2046,7 @@
           <a:p>
             <a:fld id="{B8C0F69F-1B94-5545-AB74-99CABF8C4086}" type="slidenum">
               <a:rPr lang="nl-NL" smtClean="0"/>
-              <a:t>74</a:t>
+              <a:t>72</a:t>
             </a:fld>
             <a:endParaRPr lang="nl-NL"/>
           </a:p>
@@ -2042,7 +2055,7 @@
     </p:spTree>
     <p:extLst>
       <p:ext uri="{BB962C8B-B14F-4D97-AF65-F5344CB8AC3E}">
-        <p14:creationId xmlns:p14="http://schemas.microsoft.com/office/powerpoint/2010/main" val="3903702234"/>
+        <p14:creationId xmlns:p14="http://schemas.microsoft.com/office/powerpoint/2010/main" val="157136956"/>
       </p:ext>
     </p:extLst>
   </p:cSld>
@@ -2126,7 +2139,7 @@
     </p:spTree>
     <p:extLst>
       <p:ext uri="{BB962C8B-B14F-4D97-AF65-F5344CB8AC3E}">
-        <p14:creationId xmlns:p14="http://schemas.microsoft.com/office/powerpoint/2010/main" val="3194422894"/>
+        <p14:creationId xmlns:p14="http://schemas.microsoft.com/office/powerpoint/2010/main" val="3903702234"/>
       </p:ext>
     </p:extLst>
   </p:cSld>
@@ -2210,7 +2223,7 @@
     </p:spTree>
     <p:extLst>
       <p:ext uri="{BB962C8B-B14F-4D97-AF65-F5344CB8AC3E}">
-        <p14:creationId xmlns:p14="http://schemas.microsoft.com/office/powerpoint/2010/main" val="484341125"/>
+        <p14:creationId xmlns:p14="http://schemas.microsoft.com/office/powerpoint/2010/main" val="3194422894"/>
       </p:ext>
     </p:extLst>
   </p:cSld>
@@ -2286,6 +2299,90 @@
             <a:fld id="{B8C0F69F-1B94-5545-AB74-99CABF8C4086}" type="slidenum">
               <a:rPr lang="nl-NL" smtClean="0"/>
               <a:t>77</a:t>
+            </a:fld>
+            <a:endParaRPr lang="nl-NL"/>
+          </a:p>
+        </p:txBody>
+      </p:sp>
+    </p:spTree>
+    <p:extLst>
+      <p:ext uri="{BB962C8B-B14F-4D97-AF65-F5344CB8AC3E}">
+        <p14:creationId xmlns:p14="http://schemas.microsoft.com/office/powerpoint/2010/main" val="484341125"/>
+      </p:ext>
+    </p:extLst>
+  </p:cSld>
+  <p:clrMapOvr>
+    <a:masterClrMapping/>
+  </p:clrMapOvr>
+</p:notes>
+</file>
+
+<file path=ppt/notesSlides/notesSlide24.xml><?xml version="1.0" encoding="utf-8"?>
+<p:notes xmlns:a="http://schemas.openxmlformats.org/drawingml/2006/main" xmlns:r="http://schemas.openxmlformats.org/officeDocument/2006/relationships" xmlns:p="http://schemas.openxmlformats.org/presentationml/2006/main">
+  <p:cSld>
+    <p:spTree>
+      <p:nvGrpSpPr>
+        <p:cNvPr id="1" name=""/>
+        <p:cNvGrpSpPr/>
+        <p:nvPr/>
+      </p:nvGrpSpPr>
+      <p:grpSpPr>
+        <a:xfrm>
+          <a:off x="0" y="0"/>
+          <a:ext cx="0" cy="0"/>
+          <a:chOff x="0" y="0"/>
+          <a:chExt cx="0" cy="0"/>
+        </a:xfrm>
+      </p:grpSpPr>
+      <p:sp>
+        <p:nvSpPr>
+          <p:cNvPr id="2" name="Tijdelijke aanduiding voor dia-afbeelding 1"/>
+          <p:cNvSpPr>
+            <a:spLocks noGrp="1" noRot="1" noChangeAspect="1"/>
+          </p:cNvSpPr>
+          <p:nvPr>
+            <p:ph type="sldImg"/>
+          </p:nvPr>
+        </p:nvSpPr>
+        <p:spPr/>
+      </p:sp>
+      <p:sp>
+        <p:nvSpPr>
+          <p:cNvPr id="3" name="Tijdelijke aanduiding voor notities 2"/>
+          <p:cNvSpPr>
+            <a:spLocks noGrp="1"/>
+          </p:cNvSpPr>
+          <p:nvPr>
+            <p:ph type="body" idx="1"/>
+          </p:nvPr>
+        </p:nvSpPr>
+        <p:spPr/>
+        <p:txBody>
+          <a:bodyPr/>
+          <a:lstStyle/>
+          <a:p>
+            <a:endParaRPr lang="nl-NL"/>
+          </a:p>
+        </p:txBody>
+      </p:sp>
+      <p:sp>
+        <p:nvSpPr>
+          <p:cNvPr id="4" name="Tijdelijke aanduiding voor dianummer 3"/>
+          <p:cNvSpPr>
+            <a:spLocks noGrp="1"/>
+          </p:cNvSpPr>
+          <p:nvPr>
+            <p:ph type="sldNum" sz="quarter" idx="5"/>
+          </p:nvPr>
+        </p:nvSpPr>
+        <p:spPr/>
+        <p:txBody>
+          <a:bodyPr/>
+          <a:lstStyle/>
+          <a:p>
+            <a:fld id="{B8C0F69F-1B94-5545-AB74-99CABF8C4086}" type="slidenum">
+              <a:rPr lang="nl-NL" smtClean="0"/>
+              <a:t>78</a:t>
             </a:fld>
             <a:endParaRPr lang="nl-NL"/>
           </a:p>
@@ -2465,7 +2562,7 @@
           <a:p>
             <a:fld id="{B8C0F69F-1B94-5545-AB74-99CABF8C4086}" type="slidenum">
               <a:rPr lang="nl-NL" smtClean="0"/>
-              <a:t>23</a:t>
+              <a:t>24</a:t>
             </a:fld>
             <a:endParaRPr lang="nl-NL"/>
           </a:p>
@@ -2559,7 +2656,7 @@
           <a:p>
             <a:fld id="{B8C0F69F-1B94-5545-AB74-99CABF8C4086}" type="slidenum">
               <a:rPr lang="nl-NL" smtClean="0"/>
-              <a:t>28</a:t>
+              <a:t>29</a:t>
             </a:fld>
             <a:endParaRPr lang="nl-NL"/>
           </a:p>
@@ -2643,7 +2740,7 @@
           <a:p>
             <a:fld id="{B8C0F69F-1B94-5545-AB74-99CABF8C4086}" type="slidenum">
               <a:rPr lang="nl-NL" smtClean="0"/>
-              <a:t>30</a:t>
+              <a:t>31</a:t>
             </a:fld>
             <a:endParaRPr lang="nl-NL"/>
           </a:p>
@@ -2733,7 +2830,7 @@
           <a:p>
             <a:fld id="{B8C0F69F-1B94-5545-AB74-99CABF8C4086}" type="slidenum">
               <a:rPr lang="nl-NL" smtClean="0"/>
-              <a:t>32</a:t>
+              <a:t>33</a:t>
             </a:fld>
             <a:endParaRPr lang="nl-NL"/>
           </a:p>
@@ -2829,7 +2926,7 @@
           <a:p>
             <a:fld id="{B8C0F69F-1B94-5545-AB74-99CABF8C4086}" type="slidenum">
               <a:rPr lang="nl-NL" smtClean="0"/>
-              <a:t>34</a:t>
+              <a:t>35</a:t>
             </a:fld>
             <a:endParaRPr lang="nl-NL"/>
           </a:p>
@@ -2913,7 +3010,7 @@
           <a:p>
             <a:fld id="{B8C0F69F-1B94-5545-AB74-99CABF8C4086}" type="slidenum">
               <a:rPr lang="nl-NL" smtClean="0"/>
-              <a:t>42</a:t>
+              <a:t>43</a:t>
             </a:fld>
             <a:endParaRPr lang="nl-NL"/>
           </a:p>
@@ -3000,7 +3097,7 @@
           <a:p>
             <a:fld id="{B8C0F69F-1B94-5545-AB74-99CABF8C4086}" type="slidenum">
               <a:rPr lang="nl-NL" smtClean="0"/>
-              <a:t>47</a:t>
+              <a:t>48</a:t>
             </a:fld>
             <a:endParaRPr lang="nl-NL"/>
           </a:p>
@@ -4194,7 +4291,7 @@
           <p:cNvPr id="2" name="Titel 1">
             <a:extLst>
               <a:ext uri="{FF2B5EF4-FFF2-40B4-BE49-F238E27FC236}">
-                <a16:creationId xmlns:a16="http://schemas.microsoft.com/office/drawing/2014/main" id="{9046C497-85DB-D641-9538-1AE0F48C8D58}"/>
+                <a16:creationId xmlns:a16="http://schemas.microsoft.com/office/drawing/2014/main" id="{DBFAB6D8-1327-C046-B3A9-6A691E0DACAA}"/>
               </a:ext>
             </a:extLst>
           </p:cNvPr>
@@ -4212,131 +4309,65 @@
           <a:p>
             <a:r>
               <a:rPr lang="nl-NL"/>
+              <a:t>Datastructures</a:t>
+            </a:r>
+          </a:p>
+        </p:txBody>
+      </p:sp>
+      <p:sp>
+        <p:nvSpPr>
+          <p:cNvPr id="3" name="Tijdelijke aanduiding voor inhoud 2">
+            <a:extLst>
+              <a:ext uri="{FF2B5EF4-FFF2-40B4-BE49-F238E27FC236}">
+                <a16:creationId xmlns:a16="http://schemas.microsoft.com/office/drawing/2014/main" id="{1E013B34-89F6-FD4C-9259-935892DB1EF4}"/>
+              </a:ext>
+            </a:extLst>
+          </p:cNvPr>
+          <p:cNvSpPr>
+            <a:spLocks noGrp="1"/>
+          </p:cNvSpPr>
+          <p:nvPr>
+            <p:ph idx="1"/>
+          </p:nvPr>
+        </p:nvSpPr>
+        <p:spPr/>
+        <p:txBody>
+          <a:bodyPr/>
+          <a:lstStyle/>
+          <a:p>
+            <a:r>
+              <a:rPr lang="nl-NL"/>
               <a:t>Vector</a:t>
             </a:r>
           </a:p>
-        </p:txBody>
-      </p:sp>
-      <p:sp>
-        <p:nvSpPr>
-          <p:cNvPr id="3" name="Tijdelijke aanduiding voor inhoud 2">
-            <a:extLst>
-              <a:ext uri="{FF2B5EF4-FFF2-40B4-BE49-F238E27FC236}">
-                <a16:creationId xmlns:a16="http://schemas.microsoft.com/office/drawing/2014/main" id="{715F5329-C71B-0046-9B05-3DB62DB4CA1C}"/>
-              </a:ext>
-            </a:extLst>
-          </p:cNvPr>
-          <p:cNvSpPr>
-            <a:spLocks noGrp="1"/>
-          </p:cNvSpPr>
-          <p:nvPr>
-            <p:ph idx="1"/>
-          </p:nvPr>
-        </p:nvSpPr>
-        <p:spPr/>
-        <p:txBody>
-          <a:bodyPr/>
-          <a:lstStyle/>
-          <a:p>
-            <a:pPr>
-              <a:buNone/>
-              <a:tabLst>
-                <a:tab pos="1768475" algn="l"/>
-              </a:tabLst>
-            </a:pPr>
-            <a:r>
-              <a:rPr lang="nl-NL"/>
-              <a:t>6 Data Types of these atomic vectors:</a:t>
-            </a:r>
-          </a:p>
-          <a:p>
-            <a:pPr>
-              <a:tabLst>
-                <a:tab pos="1768475" algn="l"/>
-              </a:tabLst>
-            </a:pPr>
-            <a:r>
-              <a:rPr lang="nl-NL"/>
-              <a:t>Logical	TRUE, FALSE</a:t>
-            </a:r>
-          </a:p>
-          <a:p>
-            <a:pPr>
-              <a:tabLst>
-                <a:tab pos="1768475" algn="l"/>
-              </a:tabLst>
-            </a:pPr>
-            <a:r>
-              <a:rPr lang="nl-NL"/>
-              <a:t>Numeric	12.3, 5, 999</a:t>
-            </a:r>
-          </a:p>
-          <a:p>
-            <a:pPr>
-              <a:tabLst>
-                <a:tab pos="1768475" algn="l"/>
-              </a:tabLst>
-            </a:pPr>
-            <a:r>
-              <a:rPr lang="nl-NL"/>
-              <a:t>Integer	2L, 34L, 0L</a:t>
-            </a:r>
-          </a:p>
-          <a:p>
-            <a:pPr>
-              <a:tabLst>
-                <a:tab pos="1768475" algn="l"/>
-              </a:tabLst>
-            </a:pPr>
-            <a:r>
-              <a:rPr lang="nl-NL"/>
-              <a:t>Complex	3 + 2i</a:t>
-            </a:r>
-          </a:p>
-          <a:p>
-            <a:pPr>
-              <a:tabLst>
-                <a:tab pos="1768475" algn="l"/>
-              </a:tabLst>
-            </a:pPr>
-            <a:r>
-              <a:rPr lang="nl-NL"/>
-              <a:t>Character	'a' , '"good", "TRUE", '23.4'</a:t>
-            </a:r>
-          </a:p>
-          <a:p>
-            <a:pPr>
-              <a:tabLst>
-                <a:tab pos="1768475" algn="l"/>
-              </a:tabLst>
-            </a:pPr>
-            <a:r>
-              <a:rPr lang="nl-NL"/>
-              <a:t>Raw</a:t>
-            </a:r>
-          </a:p>
-          <a:p>
-            <a:pPr>
-              <a:tabLst>
-                <a:tab pos="1768475" algn="l"/>
-              </a:tabLst>
-            </a:pPr>
-            <a:endParaRPr lang="nl-NL"/>
-          </a:p>
-          <a:p>
-            <a:pPr marL="0" indent="0">
-              <a:buNone/>
-              <a:tabLst>
-                <a:tab pos="1768475" algn="l"/>
-              </a:tabLst>
-            </a:pPr>
-            <a:r>
-              <a:rPr lang="nl-NL"/>
-              <a:t>Create a vector with more than one element with </a:t>
-            </a:r>
-            <a:r>
-              <a:rPr lang="nl-NL" b="1"/>
-              <a:t>c()</a:t>
+          <a:p>
+            <a:r>
+              <a:rPr lang="nl-NL"/>
+              <a:t>List</a:t>
+            </a:r>
+          </a:p>
+          <a:p>
+            <a:r>
+              <a:rPr lang="nl-NL"/>
+              <a:t>Matrice</a:t>
+            </a:r>
+          </a:p>
+          <a:p>
+            <a:r>
+              <a:rPr lang="nl-NL"/>
+              <a:t>Array</a:t>
+            </a:r>
+          </a:p>
+          <a:p>
+            <a:r>
+              <a:rPr lang="nl-NL"/>
+              <a:t>Factor</a:t>
+            </a:r>
+          </a:p>
+          <a:p>
+            <a:r>
+              <a:rPr lang="nl-NL"/>
+              <a:t>Data Frame</a:t>
             </a:r>
           </a:p>
         </p:txBody>
@@ -4344,7 +4375,7 @@
     </p:spTree>
     <p:extLst>
       <p:ext uri="{BB962C8B-B14F-4D97-AF65-F5344CB8AC3E}">
-        <p14:creationId xmlns:p14="http://schemas.microsoft.com/office/powerpoint/2010/main" val="2936091908"/>
+        <p14:creationId xmlns:p14="http://schemas.microsoft.com/office/powerpoint/2010/main" val="530213883"/>
       </p:ext>
     </p:extLst>
   </p:cSld>
@@ -4376,7 +4407,7 @@
           <p:cNvPr id="2" name="Titel 1">
             <a:extLst>
               <a:ext uri="{FF2B5EF4-FFF2-40B4-BE49-F238E27FC236}">
-                <a16:creationId xmlns:a16="http://schemas.microsoft.com/office/drawing/2014/main" id="{C4008B13-F691-BC44-9574-39BCFBDC871B}"/>
+                <a16:creationId xmlns:a16="http://schemas.microsoft.com/office/drawing/2014/main" id="{9046C497-85DB-D641-9538-1AE0F48C8D58}"/>
               </a:ext>
             </a:extLst>
           </p:cNvPr>
@@ -4394,7 +4425,7 @@
           <a:p>
             <a:r>
               <a:rPr lang="nl-NL"/>
-              <a:t>List</a:t>
+              <a:t>Vector</a:t>
             </a:r>
           </a:p>
         </p:txBody>
@@ -4404,7 +4435,7 @@
           <p:cNvPr id="3" name="Tijdelijke aanduiding voor inhoud 2">
             <a:extLst>
               <a:ext uri="{FF2B5EF4-FFF2-40B4-BE49-F238E27FC236}">
-                <a16:creationId xmlns:a16="http://schemas.microsoft.com/office/drawing/2014/main" id="{F19B109C-B926-864A-A02A-2EE54E27730D}"/>
+                <a16:creationId xmlns:a16="http://schemas.microsoft.com/office/drawing/2014/main" id="{715F5329-C71B-0046-9B05-3DB62DB4CA1C}"/>
               </a:ext>
             </a:extLst>
           </p:cNvPr>
@@ -4420,17 +4451,105 @@
           <a:bodyPr/>
           <a:lstStyle/>
           <a:p>
-            <a:r>
-              <a:rPr lang="nl-NL"/>
-              <a:t>A </a:t>
+            <a:pPr>
+              <a:buNone/>
+              <a:tabLst>
+                <a:tab pos="1768475" algn="l"/>
+              </a:tabLst>
+            </a:pPr>
+            <a:r>
+              <a:rPr lang="nl-NL"/>
+              <a:t>6 Data Types of these atomic vectors:</a:t>
+            </a:r>
+          </a:p>
+          <a:p>
+            <a:pPr>
+              <a:tabLst>
+                <a:tab pos="1768475" algn="l"/>
+              </a:tabLst>
+            </a:pPr>
+            <a:r>
+              <a:rPr lang="nl-NL"/>
+              <a:t>Logical	TRUE, FALSE</a:t>
+            </a:r>
+          </a:p>
+          <a:p>
+            <a:pPr>
+              <a:tabLst>
+                <a:tab pos="1768475" algn="l"/>
+              </a:tabLst>
+            </a:pPr>
+            <a:r>
+              <a:rPr lang="nl-NL"/>
+              <a:t>Numeric	12.3, 5, 999</a:t>
+            </a:r>
+          </a:p>
+          <a:p>
+            <a:pPr>
+              <a:tabLst>
+                <a:tab pos="1768475" algn="l"/>
+              </a:tabLst>
+            </a:pPr>
+            <a:r>
+              <a:rPr lang="nl-NL"/>
+              <a:t>Integer	2L, 34L, 0L</a:t>
+            </a:r>
+          </a:p>
+          <a:p>
+            <a:pPr>
+              <a:tabLst>
+                <a:tab pos="1768475" algn="l"/>
+              </a:tabLst>
+            </a:pPr>
+            <a:r>
+              <a:rPr lang="nl-NL"/>
+              <a:t>Complex	3 + 2i</a:t>
+            </a:r>
+          </a:p>
+          <a:p>
+            <a:pPr>
+              <a:tabLst>
+                <a:tab pos="1768475" algn="l"/>
+              </a:tabLst>
+            </a:pPr>
+            <a:r>
+              <a:rPr lang="nl-NL"/>
+              <a:t>Character	'a' , '"good", "TRUE", '23.4'</a:t>
+            </a:r>
+          </a:p>
+          <a:p>
+            <a:pPr>
+              <a:tabLst>
+                <a:tab pos="1768475" algn="l"/>
+              </a:tabLst>
+            </a:pPr>
+            <a:r>
+              <a:rPr lang="nl-NL"/>
+              <a:t>Raw</a:t>
+            </a:r>
+          </a:p>
+          <a:p>
+            <a:pPr>
+              <a:tabLst>
+                <a:tab pos="1768475" algn="l"/>
+              </a:tabLst>
+            </a:pPr>
+            <a:endParaRPr lang="nl-NL"/>
+          </a:p>
+          <a:p>
+            <a:pPr marL="0" indent="0">
+              <a:buNone/>
+              <a:tabLst>
+                <a:tab pos="1768475" algn="l"/>
+              </a:tabLst>
+            </a:pPr>
+            <a:r>
+              <a:rPr lang="nl-NL"/>
+              <a:t>Create a vector with more than one element with </a:t>
             </a:r>
             <a:r>
               <a:rPr lang="nl-NL" b="1"/>
-              <a:t>list</a:t>
-            </a:r>
-            <a:r>
-              <a:rPr lang="nl-NL"/>
-              <a:t> is an R-object which can contain many different types of elements inside it like vectors, functions and even another list inside it.</a:t>
+              <a:t>c()</a:t>
             </a:r>
           </a:p>
         </p:txBody>
@@ -4438,7 +4557,7 @@
     </p:spTree>
     <p:extLst>
       <p:ext uri="{BB962C8B-B14F-4D97-AF65-F5344CB8AC3E}">
-        <p14:creationId xmlns:p14="http://schemas.microsoft.com/office/powerpoint/2010/main" val="532624125"/>
+        <p14:creationId xmlns:p14="http://schemas.microsoft.com/office/powerpoint/2010/main" val="2936091908"/>
       </p:ext>
     </p:extLst>
   </p:cSld>
@@ -4470,7 +4589,7 @@
           <p:cNvPr id="2" name="Titel 1">
             <a:extLst>
               <a:ext uri="{FF2B5EF4-FFF2-40B4-BE49-F238E27FC236}">
-                <a16:creationId xmlns:a16="http://schemas.microsoft.com/office/drawing/2014/main" id="{5C7A31DC-1F4F-5147-9B06-70BF3D757C6D}"/>
+                <a16:creationId xmlns:a16="http://schemas.microsoft.com/office/drawing/2014/main" id="{C4008B13-F691-BC44-9574-39BCFBDC871B}"/>
               </a:ext>
             </a:extLst>
           </p:cNvPr>
@@ -4488,7 +4607,7 @@
           <a:p>
             <a:r>
               <a:rPr lang="nl-NL"/>
-              <a:t>Matrix</a:t>
+              <a:t>List</a:t>
             </a:r>
           </a:p>
         </p:txBody>
@@ -4498,7 +4617,7 @@
           <p:cNvPr id="3" name="Tijdelijke aanduiding voor inhoud 2">
             <a:extLst>
               <a:ext uri="{FF2B5EF4-FFF2-40B4-BE49-F238E27FC236}">
-                <a16:creationId xmlns:a16="http://schemas.microsoft.com/office/drawing/2014/main" id="{4BEBC06F-8243-1B43-9AF6-BE73079CBDCF}"/>
+                <a16:creationId xmlns:a16="http://schemas.microsoft.com/office/drawing/2014/main" id="{F19B109C-B926-864A-A02A-2EE54E27730D}"/>
               </a:ext>
             </a:extLst>
           </p:cNvPr>
@@ -4520,11 +4639,11 @@
             </a:r>
             <a:r>
               <a:rPr lang="nl-NL" b="1"/>
-              <a:t>matrix</a:t>
-            </a:r>
-            <a:r>
-              <a:rPr lang="nl-NL"/>
-              <a:t> is a two-dimensional rectangular data set. It can be created using a vector input to the matrix function.</a:t>
+              <a:t>list</a:t>
+            </a:r>
+            <a:r>
+              <a:rPr lang="nl-NL"/>
+              <a:t> is an R-object which can contain many different types of elements inside it like vectors, functions and even another list inside it.</a:t>
             </a:r>
           </a:p>
         </p:txBody>
@@ -4532,7 +4651,7 @@
     </p:spTree>
     <p:extLst>
       <p:ext uri="{BB962C8B-B14F-4D97-AF65-F5344CB8AC3E}">
-        <p14:creationId xmlns:p14="http://schemas.microsoft.com/office/powerpoint/2010/main" val="4156273428"/>
+        <p14:creationId xmlns:p14="http://schemas.microsoft.com/office/powerpoint/2010/main" val="532624125"/>
       </p:ext>
     </p:extLst>
   </p:cSld>
@@ -4564,6 +4683,100 @@
           <p:cNvPr id="2" name="Titel 1">
             <a:extLst>
               <a:ext uri="{FF2B5EF4-FFF2-40B4-BE49-F238E27FC236}">
+                <a16:creationId xmlns:a16="http://schemas.microsoft.com/office/drawing/2014/main" id="{5C7A31DC-1F4F-5147-9B06-70BF3D757C6D}"/>
+              </a:ext>
+            </a:extLst>
+          </p:cNvPr>
+          <p:cNvSpPr>
+            <a:spLocks noGrp="1"/>
+          </p:cNvSpPr>
+          <p:nvPr>
+            <p:ph type="title"/>
+          </p:nvPr>
+        </p:nvSpPr>
+        <p:spPr/>
+        <p:txBody>
+          <a:bodyPr/>
+          <a:lstStyle/>
+          <a:p>
+            <a:r>
+              <a:rPr lang="nl-NL"/>
+              <a:t>Matrix</a:t>
+            </a:r>
+          </a:p>
+        </p:txBody>
+      </p:sp>
+      <p:sp>
+        <p:nvSpPr>
+          <p:cNvPr id="3" name="Tijdelijke aanduiding voor inhoud 2">
+            <a:extLst>
+              <a:ext uri="{FF2B5EF4-FFF2-40B4-BE49-F238E27FC236}">
+                <a16:creationId xmlns:a16="http://schemas.microsoft.com/office/drawing/2014/main" id="{4BEBC06F-8243-1B43-9AF6-BE73079CBDCF}"/>
+              </a:ext>
+            </a:extLst>
+          </p:cNvPr>
+          <p:cNvSpPr>
+            <a:spLocks noGrp="1"/>
+          </p:cNvSpPr>
+          <p:nvPr>
+            <p:ph idx="1"/>
+          </p:nvPr>
+        </p:nvSpPr>
+        <p:spPr/>
+        <p:txBody>
+          <a:bodyPr/>
+          <a:lstStyle/>
+          <a:p>
+            <a:r>
+              <a:rPr lang="nl-NL"/>
+              <a:t>A </a:t>
+            </a:r>
+            <a:r>
+              <a:rPr lang="nl-NL" b="1"/>
+              <a:t>matrix</a:t>
+            </a:r>
+            <a:r>
+              <a:rPr lang="nl-NL"/>
+              <a:t> is a two-dimensional rectangular data set. It can be created using a vector input to the matrix function.</a:t>
+            </a:r>
+          </a:p>
+        </p:txBody>
+      </p:sp>
+    </p:spTree>
+    <p:extLst>
+      <p:ext uri="{BB962C8B-B14F-4D97-AF65-F5344CB8AC3E}">
+        <p14:creationId xmlns:p14="http://schemas.microsoft.com/office/powerpoint/2010/main" val="4156273428"/>
+      </p:ext>
+    </p:extLst>
+  </p:cSld>
+  <p:clrMapOvr>
+    <a:masterClrMapping/>
+  </p:clrMapOvr>
+</p:sld>
+</file>
+
+<file path=ppt/slides/slide14.xml><?xml version="1.0" encoding="utf-8"?>
+<p:sld xmlns:a="http://schemas.openxmlformats.org/drawingml/2006/main" xmlns:r="http://schemas.openxmlformats.org/officeDocument/2006/relationships" xmlns:p="http://schemas.openxmlformats.org/presentationml/2006/main">
+  <p:cSld>
+    <p:spTree>
+      <p:nvGrpSpPr>
+        <p:cNvPr id="1" name=""/>
+        <p:cNvGrpSpPr/>
+        <p:nvPr/>
+      </p:nvGrpSpPr>
+      <p:grpSpPr>
+        <a:xfrm>
+          <a:off x="0" y="0"/>
+          <a:ext cx="0" cy="0"/>
+          <a:chOff x="0" y="0"/>
+          <a:chExt cx="0" cy="0"/>
+        </a:xfrm>
+      </p:grpSpPr>
+      <p:sp>
+        <p:nvSpPr>
+          <p:cNvPr id="2" name="Titel 1">
+            <a:extLst>
+              <a:ext uri="{FF2B5EF4-FFF2-40B4-BE49-F238E27FC236}">
                 <a16:creationId xmlns:a16="http://schemas.microsoft.com/office/drawing/2014/main" id="{BF08035B-2AD9-BA44-8683-5B573B424B01}"/>
               </a:ext>
             </a:extLst>
@@ -4628,7 +4841,7 @@
 </p:sld>
 </file>
 
-<file path=ppt/slides/slide14.xml><?xml version="1.0" encoding="utf-8"?>
+<file path=ppt/slides/slide15.xml><?xml version="1.0" encoding="utf-8"?>
 <p:sld xmlns:a="http://schemas.openxmlformats.org/drawingml/2006/main" xmlns:r="http://schemas.openxmlformats.org/officeDocument/2006/relationships" xmlns:p="http://schemas.openxmlformats.org/presentationml/2006/main">
   <p:cSld>
     <p:spTree>
@@ -4790,7 +5003,7 @@
 </p:sld>
 </file>
 
-<file path=ppt/slides/slide15.xml><?xml version="1.0" encoding="utf-8"?>
+<file path=ppt/slides/slide16.xml><?xml version="1.0" encoding="utf-8"?>
 <p:sld xmlns:a="http://schemas.openxmlformats.org/drawingml/2006/main" xmlns:r="http://schemas.openxmlformats.org/officeDocument/2006/relationships" xmlns:p="http://schemas.openxmlformats.org/presentationml/2006/main">
   <p:cSld>
     <p:spTree>
@@ -4927,142 +5140,6 @@
 </p:sld>
 </file>
 
-<file path=ppt/slides/slide16.xml><?xml version="1.0" encoding="utf-8"?>
-<p:sld xmlns:a="http://schemas.openxmlformats.org/drawingml/2006/main" xmlns:r="http://schemas.openxmlformats.org/officeDocument/2006/relationships" xmlns:p="http://schemas.openxmlformats.org/presentationml/2006/main">
-  <p:cSld>
-    <p:spTree>
-      <p:nvGrpSpPr>
-        <p:cNvPr id="1" name=""/>
-        <p:cNvGrpSpPr/>
-        <p:nvPr/>
-      </p:nvGrpSpPr>
-      <p:grpSpPr>
-        <a:xfrm>
-          <a:off x="0" y="0"/>
-          <a:ext cx="0" cy="0"/>
-          <a:chOff x="0" y="0"/>
-          <a:chExt cx="0" cy="0"/>
-        </a:xfrm>
-      </p:grpSpPr>
-      <p:sp>
-        <p:nvSpPr>
-          <p:cNvPr id="2" name="Titel 1">
-            <a:extLst>
-              <a:ext uri="{FF2B5EF4-FFF2-40B4-BE49-F238E27FC236}">
-                <a16:creationId xmlns:a16="http://schemas.microsoft.com/office/drawing/2014/main" id="{D7C34CCB-87D1-3043-82B5-AD08DFD6ECC3}"/>
-              </a:ext>
-            </a:extLst>
-          </p:cNvPr>
-          <p:cNvSpPr>
-            <a:spLocks noGrp="1"/>
-          </p:cNvSpPr>
-          <p:nvPr>
-            <p:ph type="title"/>
-          </p:nvPr>
-        </p:nvSpPr>
-        <p:spPr/>
-        <p:txBody>
-          <a:bodyPr/>
-          <a:lstStyle/>
-          <a:p>
-            <a:r>
-              <a:rPr lang="nl-NL"/>
-              <a:t>Variable</a:t>
-            </a:r>
-          </a:p>
-        </p:txBody>
-      </p:sp>
-      <p:sp>
-        <p:nvSpPr>
-          <p:cNvPr id="3" name="Tijdelijke aanduiding voor inhoud 2">
-            <a:extLst>
-              <a:ext uri="{FF2B5EF4-FFF2-40B4-BE49-F238E27FC236}">
-                <a16:creationId xmlns:a16="http://schemas.microsoft.com/office/drawing/2014/main" id="{1A42759E-8F55-0144-B418-9D9C19D454EA}"/>
-              </a:ext>
-            </a:extLst>
-          </p:cNvPr>
-          <p:cNvSpPr>
-            <a:spLocks noGrp="1"/>
-          </p:cNvSpPr>
-          <p:nvPr>
-            <p:ph idx="1"/>
-          </p:nvPr>
-        </p:nvSpPr>
-        <p:spPr/>
-        <p:txBody>
-          <a:bodyPr/>
-          <a:lstStyle/>
-          <a:p>
-            <a:r>
-              <a:rPr lang="nl-NL"/>
-              <a:t>A </a:t>
-            </a:r>
-            <a:r>
-              <a:rPr lang="nl-NL" b="1"/>
-              <a:t>variable</a:t>
-            </a:r>
-            <a:r>
-              <a:rPr lang="nl-NL"/>
-              <a:t> provides us with named storage that our programs can manipulate </a:t>
-            </a:r>
-          </a:p>
-          <a:p>
-            <a:r>
-              <a:rPr lang="nl-NL"/>
-              <a:t>A valid variable name consists of </a:t>
-            </a:r>
-            <a:r>
-              <a:rPr lang="nl-NL" b="1"/>
-              <a:t>letters, numbers and the dot or underline characters</a:t>
-            </a:r>
-            <a:r>
-              <a:rPr lang="nl-NL"/>
-              <a:t>. The variable name starts with a letter or the dot not followed by a number.</a:t>
-            </a:r>
-          </a:p>
-          <a:p>
-            <a:r>
-              <a:rPr lang="nl-NL"/>
-              <a:t>The variables can be assigned values using </a:t>
-            </a:r>
-            <a:r>
-              <a:rPr lang="nl-NL" b="1"/>
-              <a:t>leftward, rightward and equal to operator</a:t>
-            </a:r>
-            <a:r>
-              <a:rPr lang="nl-NL"/>
-              <a:t>.</a:t>
-            </a:r>
-          </a:p>
-          <a:p>
-            <a:r>
-              <a:rPr lang="nl-NL"/>
-              <a:t>In R, a variable itself is not declared of any data type, rather it gets the data type of the R - object assigned to it. So R is called a </a:t>
-            </a:r>
-            <a:r>
-              <a:rPr lang="nl-NL" b="1"/>
-              <a:t>dynamically typed language</a:t>
-            </a:r>
-            <a:r>
-              <a:rPr lang="nl-NL"/>
-              <a:t>, which means that we can change a variable’s data type of the same variable again and again when using it in a program.</a:t>
-            </a:r>
-          </a:p>
-        </p:txBody>
-      </p:sp>
-    </p:spTree>
-    <p:extLst>
-      <p:ext uri="{BB962C8B-B14F-4D97-AF65-F5344CB8AC3E}">
-        <p14:creationId xmlns:p14="http://schemas.microsoft.com/office/powerpoint/2010/main" val="3820755032"/>
-      </p:ext>
-    </p:extLst>
-  </p:cSld>
-  <p:clrMapOvr>
-    <a:masterClrMapping/>
-  </p:clrMapOvr>
-</p:sld>
-</file>
-
 <file path=ppt/slides/slide17.xml><?xml version="1.0" encoding="utf-8"?>
 <p:sld xmlns:a="http://schemas.openxmlformats.org/drawingml/2006/main" xmlns:r="http://schemas.openxmlformats.org/officeDocument/2006/relationships" xmlns:p="http://schemas.openxmlformats.org/presentationml/2006/main">
   <p:cSld>
@@ -5085,7 +5162,7 @@
           <p:cNvPr id="2" name="Titel 1">
             <a:extLst>
               <a:ext uri="{FF2B5EF4-FFF2-40B4-BE49-F238E27FC236}">
-                <a16:creationId xmlns:a16="http://schemas.microsoft.com/office/drawing/2014/main" id="{A703E438-158A-1840-8FFC-C3CC08412735}"/>
+                <a16:creationId xmlns:a16="http://schemas.microsoft.com/office/drawing/2014/main" id="{D7C34CCB-87D1-3043-82B5-AD08DFD6ECC3}"/>
               </a:ext>
             </a:extLst>
           </p:cNvPr>
@@ -5103,7 +5180,7 @@
           <a:p>
             <a:r>
               <a:rPr lang="nl-NL"/>
-              <a:t>Workspace</a:t>
+              <a:t>Variable</a:t>
             </a:r>
           </a:p>
         </p:txBody>
@@ -5113,7 +5190,7 @@
           <p:cNvPr id="3" name="Tijdelijke aanduiding voor inhoud 2">
             <a:extLst>
               <a:ext uri="{FF2B5EF4-FFF2-40B4-BE49-F238E27FC236}">
-                <a16:creationId xmlns:a16="http://schemas.microsoft.com/office/drawing/2014/main" id="{567AD2F7-8B5B-5747-ADFB-B9DAB8677045}"/>
+                <a16:creationId xmlns:a16="http://schemas.microsoft.com/office/drawing/2014/main" id="{1A42759E-8F55-0144-B418-9D9C19D454EA}"/>
               </a:ext>
             </a:extLst>
           </p:cNvPr>
@@ -5131,56 +5208,57 @@
           <a:p>
             <a:r>
               <a:rPr lang="nl-NL"/>
-              <a:t>To know all the variables currently available in the workspace we use the </a:t>
+              <a:t>A </a:t>
             </a:r>
             <a:r>
               <a:rPr lang="nl-NL" b="1"/>
-              <a:t>ls()</a:t>
-            </a:r>
-            <a:r>
-              <a:rPr lang="nl-NL"/>
-              <a:t> function.</a:t>
-            </a:r>
-          </a:p>
-          <a:p>
-            <a:r>
-              <a:rPr lang="nl-NL"/>
-              <a:t>The ls() function can use patterns to match the variable names with the pattern argument.</a:t>
-            </a:r>
-          </a:p>
-          <a:p>
-            <a:r>
-              <a:rPr lang="nl-NL"/>
-              <a:t>The variables starting with </a:t>
+              <a:t>variable</a:t>
+            </a:r>
+            <a:r>
+              <a:rPr lang="nl-NL"/>
+              <a:t> provides us with named storage that our programs can manipulate </a:t>
+            </a:r>
+          </a:p>
+          <a:p>
+            <a:r>
+              <a:rPr lang="nl-NL"/>
+              <a:t>A valid variable name consists of </a:t>
             </a:r>
             <a:r>
               <a:rPr lang="nl-NL" b="1"/>
-              <a:t>dot(.)</a:t>
-            </a:r>
-            <a:r>
-              <a:rPr lang="nl-NL"/>
-              <a:t> are hidden, they can be listed using </a:t>
-            </a:r>
-            <a:br>
-              <a:rPr lang="nl-NL"/>
-            </a:br>
-            <a:r>
-              <a:rPr lang="nl-NL"/>
-              <a:t>"all.names = TRUE" argument to ls() function.</a:t>
-            </a:r>
-          </a:p>
-          <a:p>
-            <a:r>
-              <a:rPr lang="nl-NL"/>
-              <a:t>Variables can be deleted by using the </a:t>
+              <a:t>letters, numbers and the dot or underline characters</a:t>
+            </a:r>
+            <a:r>
+              <a:rPr lang="nl-NL"/>
+              <a:t>. The variable name starts with a letter or the dot not followed by a number.</a:t>
+            </a:r>
+          </a:p>
+          <a:p>
+            <a:r>
+              <a:rPr lang="nl-NL"/>
+              <a:t>The variables can be assigned values using </a:t>
             </a:r>
             <a:r>
               <a:rPr lang="nl-NL" b="1"/>
-              <a:t>rm()</a:t>
-            </a:r>
-            <a:r>
-              <a:rPr lang="nl-NL"/>
-              <a:t> function.</a:t>
+              <a:t>leftward, rightward and equal to operator</a:t>
+            </a:r>
+            <a:r>
+              <a:rPr lang="nl-NL"/>
+              <a:t>.</a:t>
+            </a:r>
+          </a:p>
+          <a:p>
+            <a:r>
+              <a:rPr lang="nl-NL"/>
+              <a:t>In R, a variable itself is not declared of any data type, rather it gets the data type of the R - object assigned to it. So R is called a </a:t>
+            </a:r>
+            <a:r>
+              <a:rPr lang="nl-NL" b="1"/>
+              <a:t>dynamically typed language</a:t>
+            </a:r>
+            <a:r>
+              <a:rPr lang="nl-NL"/>
+              <a:t>, which means that we can change a variable’s data type of the same variable again and again when using it in a program.</a:t>
             </a:r>
           </a:p>
         </p:txBody>
@@ -5188,7 +5266,7 @@
     </p:spTree>
     <p:extLst>
       <p:ext uri="{BB962C8B-B14F-4D97-AF65-F5344CB8AC3E}">
-        <p14:creationId xmlns:p14="http://schemas.microsoft.com/office/powerpoint/2010/main" val="2174701318"/>
+        <p14:creationId xmlns:p14="http://schemas.microsoft.com/office/powerpoint/2010/main" val="3820755032"/>
       </p:ext>
     </p:extLst>
   </p:cSld>
@@ -5220,7 +5298,7 @@
           <p:cNvPr id="2" name="Titel 1">
             <a:extLst>
               <a:ext uri="{FF2B5EF4-FFF2-40B4-BE49-F238E27FC236}">
-                <a16:creationId xmlns:a16="http://schemas.microsoft.com/office/drawing/2014/main" id="{BC201CB7-E4DC-324E-BE50-885E8E6FB916}"/>
+                <a16:creationId xmlns:a16="http://schemas.microsoft.com/office/drawing/2014/main" id="{A703E438-158A-1840-8FFC-C3CC08412735}"/>
               </a:ext>
             </a:extLst>
           </p:cNvPr>
@@ -5238,7 +5316,7 @@
           <a:p>
             <a:r>
               <a:rPr lang="nl-NL"/>
-              <a:t>Operators</a:t>
+              <a:t>Workspace</a:t>
             </a:r>
           </a:p>
         </p:txBody>
@@ -5248,7 +5326,7 @@
           <p:cNvPr id="3" name="Tijdelijke aanduiding voor inhoud 2">
             <a:extLst>
               <a:ext uri="{FF2B5EF4-FFF2-40B4-BE49-F238E27FC236}">
-                <a16:creationId xmlns:a16="http://schemas.microsoft.com/office/drawing/2014/main" id="{4E823234-BCDA-DD4D-B464-062176914FD8}"/>
+                <a16:creationId xmlns:a16="http://schemas.microsoft.com/office/drawing/2014/main" id="{567AD2F7-8B5B-5747-ADFB-B9DAB8677045}"/>
               </a:ext>
             </a:extLst>
           </p:cNvPr>
@@ -5266,42 +5344,64 @@
           <a:p>
             <a:r>
               <a:rPr lang="nl-NL"/>
-              <a:t>Arithmetic Operators</a:t>
-            </a:r>
-          </a:p>
-          <a:p>
-            <a:r>
-              <a:rPr lang="nl-NL"/>
-              <a:t>Relational Operators</a:t>
-            </a:r>
-          </a:p>
-          <a:p>
-            <a:r>
-              <a:rPr lang="nl-NL"/>
-              <a:t>Logical Operators</a:t>
-            </a:r>
-          </a:p>
-          <a:p>
-            <a:r>
-              <a:rPr lang="nl-NL"/>
-              <a:t>Assignment Operators</a:t>
-            </a:r>
-          </a:p>
-          <a:p>
-            <a:r>
-              <a:rPr lang="nl-NL"/>
-              <a:t>Miscellaneous Operators</a:t>
-            </a:r>
-          </a:p>
-          <a:p>
-            <a:endParaRPr lang="nl-NL"/>
+              <a:t>To know all the variables currently available in the workspace we use the </a:t>
+            </a:r>
+            <a:r>
+              <a:rPr lang="nl-NL" b="1"/>
+              <a:t>ls()</a:t>
+            </a:r>
+            <a:r>
+              <a:rPr lang="nl-NL"/>
+              <a:t> function.</a:t>
+            </a:r>
+          </a:p>
+          <a:p>
+            <a:r>
+              <a:rPr lang="nl-NL"/>
+              <a:t>The ls() function can use patterns to match the variable names with the pattern argument.</a:t>
+            </a:r>
+          </a:p>
+          <a:p>
+            <a:r>
+              <a:rPr lang="nl-NL"/>
+              <a:t>The variables starting with </a:t>
+            </a:r>
+            <a:r>
+              <a:rPr lang="nl-NL" b="1"/>
+              <a:t>dot(.)</a:t>
+            </a:r>
+            <a:r>
+              <a:rPr lang="nl-NL"/>
+              <a:t> are hidden, they can be listed using </a:t>
+            </a:r>
+            <a:br>
+              <a:rPr lang="nl-NL"/>
+            </a:br>
+            <a:r>
+              <a:rPr lang="nl-NL"/>
+              <a:t>"all.names = TRUE" argument to ls() function.</a:t>
+            </a:r>
+          </a:p>
+          <a:p>
+            <a:r>
+              <a:rPr lang="nl-NL"/>
+              <a:t>Variables can be deleted by using the </a:t>
+            </a:r>
+            <a:r>
+              <a:rPr lang="nl-NL" b="1"/>
+              <a:t>rm()</a:t>
+            </a:r>
+            <a:r>
+              <a:rPr lang="nl-NL"/>
+              <a:t> function.</a:t>
+            </a:r>
           </a:p>
         </p:txBody>
       </p:sp>
     </p:spTree>
     <p:extLst>
       <p:ext uri="{BB962C8B-B14F-4D97-AF65-F5344CB8AC3E}">
-        <p14:creationId xmlns:p14="http://schemas.microsoft.com/office/powerpoint/2010/main" val="1774699252"/>
+        <p14:creationId xmlns:p14="http://schemas.microsoft.com/office/powerpoint/2010/main" val="2174701318"/>
       </p:ext>
     </p:extLst>
   </p:cSld>
@@ -5333,7 +5433,7 @@
           <p:cNvPr id="2" name="Titel 1">
             <a:extLst>
               <a:ext uri="{FF2B5EF4-FFF2-40B4-BE49-F238E27FC236}">
-                <a16:creationId xmlns:a16="http://schemas.microsoft.com/office/drawing/2014/main" id="{A920069A-74B7-0344-9815-6435C278DDE2}"/>
+                <a16:creationId xmlns:a16="http://schemas.microsoft.com/office/drawing/2014/main" id="{BC201CB7-E4DC-324E-BE50-885E8E6FB916}"/>
               </a:ext>
             </a:extLst>
           </p:cNvPr>
@@ -5351,220 +5451,70 @@
           <a:p>
             <a:r>
               <a:rPr lang="nl-NL"/>
+              <a:t>Operators</a:t>
+            </a:r>
+          </a:p>
+        </p:txBody>
+      </p:sp>
+      <p:sp>
+        <p:nvSpPr>
+          <p:cNvPr id="3" name="Tijdelijke aanduiding voor inhoud 2">
+            <a:extLst>
+              <a:ext uri="{FF2B5EF4-FFF2-40B4-BE49-F238E27FC236}">
+                <a16:creationId xmlns:a16="http://schemas.microsoft.com/office/drawing/2014/main" id="{4E823234-BCDA-DD4D-B464-062176914FD8}"/>
+              </a:ext>
+            </a:extLst>
+          </p:cNvPr>
+          <p:cNvSpPr>
+            <a:spLocks noGrp="1"/>
+          </p:cNvSpPr>
+          <p:nvPr>
+            <p:ph idx="1"/>
+          </p:nvPr>
+        </p:nvSpPr>
+        <p:spPr/>
+        <p:txBody>
+          <a:bodyPr/>
+          <a:lstStyle/>
+          <a:p>
+            <a:r>
+              <a:rPr lang="nl-NL"/>
               <a:t>Arithmetic Operators</a:t>
             </a:r>
           </a:p>
-        </p:txBody>
-      </p:sp>
-      <p:sp>
-        <p:nvSpPr>
-          <p:cNvPr id="3" name="Tijdelijke aanduiding voor inhoud 2">
-            <a:extLst>
-              <a:ext uri="{FF2B5EF4-FFF2-40B4-BE49-F238E27FC236}">
-                <a16:creationId xmlns:a16="http://schemas.microsoft.com/office/drawing/2014/main" id="{A3C58858-8511-7F4D-89FC-3845F9188E1E}"/>
-              </a:ext>
-            </a:extLst>
-          </p:cNvPr>
-          <p:cNvSpPr>
-            <a:spLocks noGrp="1"/>
-          </p:cNvSpPr>
-          <p:nvPr>
-            <p:ph idx="1"/>
-          </p:nvPr>
-        </p:nvSpPr>
-        <p:spPr/>
-        <p:txBody>
-          <a:bodyPr/>
-          <a:lstStyle/>
-          <a:p>
-            <a:pPr marL="0" indent="0">
-              <a:buNone/>
-              <a:tabLst>
-                <a:tab pos="2309813" algn="l"/>
-              </a:tabLst>
-            </a:pPr>
-            <a:r>
-              <a:rPr lang="nl-NL">
-                <a:solidFill>
-                  <a:schemeClr val="tx1"/>
-                </a:solidFill>
-              </a:rPr>
-              <a:t>All operations are vectorized!</a:t>
-            </a:r>
-          </a:p>
-          <a:p>
-            <a:pPr>
-              <a:tabLst>
-                <a:tab pos="2309813" algn="l"/>
-              </a:tabLst>
-            </a:pPr>
-            <a:endParaRPr lang="nl-NL">
-              <a:solidFill>
-                <a:schemeClr val="tx1"/>
-              </a:solidFill>
-            </a:endParaRPr>
-          </a:p>
-          <a:p>
-            <a:pPr>
-              <a:tabLst>
-                <a:tab pos="2309813" algn="l"/>
-              </a:tabLst>
-            </a:pPr>
-            <a:r>
-              <a:rPr lang="nl-NL"/>
-              <a:t>Addition	+</a:t>
-            </a:r>
-          </a:p>
-          <a:p>
-            <a:pPr>
-              <a:tabLst>
-                <a:tab pos="2309813" algn="l"/>
-              </a:tabLst>
-            </a:pPr>
-            <a:r>
-              <a:rPr lang="nl-NL"/>
-              <a:t>Subtraction	-</a:t>
-            </a:r>
-          </a:p>
-          <a:p>
-            <a:pPr>
-              <a:tabLst>
-                <a:tab pos="2309813" algn="l"/>
-              </a:tabLst>
-            </a:pPr>
-            <a:r>
-              <a:rPr lang="nl-NL"/>
-              <a:t>Multiplication	*</a:t>
-            </a:r>
-          </a:p>
-          <a:p>
-            <a:pPr>
-              <a:tabLst>
-                <a:tab pos="2309813" algn="l"/>
-              </a:tabLst>
-            </a:pPr>
-            <a:r>
-              <a:rPr lang="nl-NL"/>
-              <a:t>Division	/</a:t>
-            </a:r>
-          </a:p>
-          <a:p>
-            <a:pPr>
-              <a:tabLst>
-                <a:tab pos="2309813" algn="l"/>
-              </a:tabLst>
-            </a:pPr>
-            <a:r>
-              <a:rPr lang="nl-NL"/>
-              <a:t>Remainder	%%</a:t>
-            </a:r>
-          </a:p>
-          <a:p>
-            <a:pPr>
-              <a:tabLst>
-                <a:tab pos="2309813" algn="l"/>
-              </a:tabLst>
-            </a:pPr>
-            <a:r>
-              <a:rPr lang="nl-NL"/>
-              <a:t>Floored division	%/%</a:t>
-            </a:r>
-          </a:p>
-          <a:p>
-            <a:pPr>
-              <a:tabLst>
-                <a:tab pos="2309813" algn="l"/>
-              </a:tabLst>
-            </a:pPr>
-            <a:r>
-              <a:rPr lang="nl-NL"/>
-              <a:t>Power	^</a:t>
-            </a:r>
-          </a:p>
-        </p:txBody>
-      </p:sp>
-      <p:sp>
-        <p:nvSpPr>
-          <p:cNvPr id="4" name="Tekstvak 3">
-            <a:extLst>
-              <a:ext uri="{FF2B5EF4-FFF2-40B4-BE49-F238E27FC236}">
-                <a16:creationId xmlns:a16="http://schemas.microsoft.com/office/drawing/2014/main" id="{F08DD152-7CC7-B64C-B82E-4C383BBD72DE}"/>
-              </a:ext>
-            </a:extLst>
-          </p:cNvPr>
-          <p:cNvSpPr txBox="1"/>
-          <p:nvPr/>
-        </p:nvSpPr>
-        <p:spPr>
-          <a:xfrm>
-            <a:off x="4933741" y="2609949"/>
-            <a:ext cx="3695696" cy="1675807"/>
-          </a:xfrm>
-          <a:prstGeom prst="rect">
-            <a:avLst/>
-          </a:prstGeom>
-          <a:solidFill>
-            <a:schemeClr val="accent6">
-              <a:lumMod val="20000"/>
-              <a:lumOff val="80000"/>
-            </a:schemeClr>
-          </a:solidFill>
-          <a:ln>
-            <a:solidFill>
-              <a:schemeClr val="bg2">
-                <a:lumMod val="50000"/>
-              </a:schemeClr>
-            </a:solidFill>
-          </a:ln>
-          <a:effectLst>
-            <a:outerShdw blurRad="50800" dist="38100" dir="2700000" algn="tl" rotWithShape="0">
-              <a:prstClr val="black">
-                <a:alpha val="40000"/>
-              </a:prstClr>
-            </a:outerShdw>
-          </a:effectLst>
-        </p:spPr>
-        <p:txBody>
-          <a:bodyPr wrap="square" tIns="144000" bIns="144000" rtlCol="0">
-            <a:spAutoFit/>
-          </a:bodyPr>
-          <a:lstStyle/>
-          <a:p>
-            <a:pPr algn="ctr"/>
-            <a:r>
-              <a:rPr lang="nl-NL" b="1">
-                <a:solidFill>
-                  <a:srgbClr val="C00000"/>
-                </a:solidFill>
-              </a:rPr>
-              <a:t>Vectorized Operations</a:t>
-            </a:r>
-          </a:p>
-          <a:p>
-            <a:pPr algn="ctr"/>
-            <a:endParaRPr lang="nl-NL" b="1">
-              <a:solidFill>
-                <a:srgbClr val="C00000"/>
-              </a:solidFill>
-            </a:endParaRPr>
-          </a:p>
-          <a:p>
-            <a:pPr algn="ctr"/>
-            <a:r>
-              <a:rPr lang="nl-NL">
-                <a:solidFill>
-                  <a:srgbClr val="C00000"/>
-                </a:solidFill>
-              </a:rPr>
-              <a:t>Each element of the first vector is compared with the corresponding element of the second vector. </a:t>
-            </a:r>
+          <a:p>
+            <a:r>
+              <a:rPr lang="nl-NL"/>
+              <a:t>Relational Operators</a:t>
+            </a:r>
+          </a:p>
+          <a:p>
+            <a:r>
+              <a:rPr lang="nl-NL"/>
+              <a:t>Logical Operators</a:t>
+            </a:r>
+          </a:p>
+          <a:p>
+            <a:r>
+              <a:rPr lang="nl-NL"/>
+              <a:t>Assignment Operators</a:t>
+            </a:r>
+          </a:p>
+          <a:p>
+            <a:r>
+              <a:rPr lang="nl-NL"/>
+              <a:t>Miscellaneous Operators</a:t>
+            </a:r>
+          </a:p>
+          <a:p>
+            <a:endParaRPr lang="nl-NL"/>
           </a:p>
         </p:txBody>
       </p:sp>
     </p:spTree>
     <p:extLst>
       <p:ext uri="{BB962C8B-B14F-4D97-AF65-F5344CB8AC3E}">
-        <p14:creationId xmlns:p14="http://schemas.microsoft.com/office/powerpoint/2010/main" val="3776719623"/>
+        <p14:creationId xmlns:p14="http://schemas.microsoft.com/office/powerpoint/2010/main" val="1774699252"/>
       </p:ext>
     </p:extLst>
   </p:cSld>
@@ -5788,7 +5738,7 @@
           <p:cNvPr id="2" name="Titel 1">
             <a:extLst>
               <a:ext uri="{FF2B5EF4-FFF2-40B4-BE49-F238E27FC236}">
-                <a16:creationId xmlns:a16="http://schemas.microsoft.com/office/drawing/2014/main" id="{16B502E1-1D0D-4646-AB3C-AACC2597975A}"/>
+                <a16:creationId xmlns:a16="http://schemas.microsoft.com/office/drawing/2014/main" id="{A920069A-74B7-0344-9815-6435C278DDE2}"/>
               </a:ext>
             </a:extLst>
           </p:cNvPr>
@@ -5806,7 +5756,7 @@
           <a:p>
             <a:r>
               <a:rPr lang="nl-NL"/>
-              <a:t>Relational Operators</a:t>
+              <a:t>Arithmetic Operators</a:t>
             </a:r>
           </a:p>
         </p:txBody>
@@ -5816,7 +5766,7 @@
           <p:cNvPr id="3" name="Tijdelijke aanduiding voor inhoud 2">
             <a:extLst>
               <a:ext uri="{FF2B5EF4-FFF2-40B4-BE49-F238E27FC236}">
-                <a16:creationId xmlns:a16="http://schemas.microsoft.com/office/drawing/2014/main" id="{96641A16-9713-E442-9DDF-BF22CE310DB9}"/>
+                <a16:creationId xmlns:a16="http://schemas.microsoft.com/office/drawing/2014/main" id="{A3C58858-8511-7F4D-89FC-3845F9188E1E}"/>
               </a:ext>
             </a:extLst>
           </p:cNvPr>
@@ -5839,18 +5789,13 @@
               </a:tabLst>
             </a:pPr>
             <a:r>
-              <a:rPr lang="nl-NL"/>
-              <a:t> The result of comparison is a Boolean value (TRUE or FALSE).</a:t>
-            </a:r>
-          </a:p>
-          <a:p>
-            <a:pPr marL="0" indent="0">
-              <a:buNone/>
-              <a:tabLst>
-                <a:tab pos="2309813" algn="l"/>
-              </a:tabLst>
-            </a:pPr>
-            <a:endParaRPr lang="nl-NL"/>
+              <a:rPr lang="nl-NL">
+                <a:solidFill>
+                  <a:schemeClr val="tx1"/>
+                </a:solidFill>
+              </a:rPr>
+              <a:t>All operations are vectorized!</a:t>
+            </a:r>
           </a:p>
           <a:p>
             <a:pPr>
@@ -5858,10 +5803,11 @@
                 <a:tab pos="2309813" algn="l"/>
               </a:tabLst>
             </a:pPr>
-            <a:r>
-              <a:rPr lang="nl-NL"/>
-              <a:t>Greater	&gt;</a:t>
-            </a:r>
+            <a:endParaRPr lang="nl-NL">
+              <a:solidFill>
+                <a:schemeClr val="tx1"/>
+              </a:solidFill>
+            </a:endParaRPr>
           </a:p>
           <a:p>
             <a:pPr>
@@ -5871,7 +5817,7 @@
             </a:pPr>
             <a:r>
               <a:rPr lang="nl-NL"/>
-              <a:t>Greater or equal	&gt;=</a:t>
+              <a:t>Addition	+</a:t>
             </a:r>
           </a:p>
           <a:p>
@@ -5882,7 +5828,7 @@
             </a:pPr>
             <a:r>
               <a:rPr lang="nl-NL"/>
-              <a:t>Less	&lt;</a:t>
+              <a:t>Subtraction	-</a:t>
             </a:r>
           </a:p>
           <a:p>
@@ -5893,7 +5839,7 @@
             </a:pPr>
             <a:r>
               <a:rPr lang="nl-NL"/>
-              <a:t>Less or equal	&lt;=</a:t>
+              <a:t>Multiplication	*</a:t>
             </a:r>
           </a:p>
           <a:p>
@@ -5904,7 +5850,7 @@
             </a:pPr>
             <a:r>
               <a:rPr lang="nl-NL"/>
-              <a:t>Equal	==</a:t>
+              <a:t>Division	/</a:t>
             </a:r>
           </a:p>
           <a:p>
@@ -5915,7 +5861,107 @@
             </a:pPr>
             <a:r>
               <a:rPr lang="nl-NL"/>
-              <a:t>Not equal	!=</a:t>
+              <a:t>Remainder	%%</a:t>
+            </a:r>
+          </a:p>
+          <a:p>
+            <a:pPr>
+              <a:tabLst>
+                <a:tab pos="2309813" algn="l"/>
+              </a:tabLst>
+            </a:pPr>
+            <a:r>
+              <a:rPr lang="nl-NL"/>
+              <a:t>Floored division	%/%</a:t>
+            </a:r>
+          </a:p>
+          <a:p>
+            <a:pPr>
+              <a:tabLst>
+                <a:tab pos="2309813" algn="l"/>
+              </a:tabLst>
+            </a:pPr>
+            <a:r>
+              <a:rPr lang="nl-NL"/>
+              <a:t>Power	^</a:t>
+            </a:r>
+          </a:p>
+        </p:txBody>
+      </p:sp>
+      <p:sp>
+        <p:nvSpPr>
+          <p:cNvPr id="4" name="Tekstvak 3">
+            <a:extLst>
+              <a:ext uri="{FF2B5EF4-FFF2-40B4-BE49-F238E27FC236}">
+                <a16:creationId xmlns:a16="http://schemas.microsoft.com/office/drawing/2014/main" id="{F08DD152-7CC7-B64C-B82E-4C383BBD72DE}"/>
+              </a:ext>
+            </a:extLst>
+          </p:cNvPr>
+          <p:cNvSpPr txBox="1"/>
+          <p:nvPr/>
+        </p:nvSpPr>
+        <p:spPr>
+          <a:xfrm>
+            <a:off x="4933741" y="2609949"/>
+            <a:ext cx="3695696" cy="1675807"/>
+          </a:xfrm>
+          <a:prstGeom prst="rect">
+            <a:avLst/>
+          </a:prstGeom>
+          <a:solidFill>
+            <a:schemeClr val="accent6">
+              <a:lumMod val="20000"/>
+              <a:lumOff val="80000"/>
+            </a:schemeClr>
+          </a:solidFill>
+          <a:ln>
+            <a:solidFill>
+              <a:schemeClr val="bg2">
+                <a:lumMod val="50000"/>
+              </a:schemeClr>
+            </a:solidFill>
+          </a:ln>
+          <a:effectLst>
+            <a:outerShdw blurRad="50800" dist="38100" dir="2700000" algn="tl" rotWithShape="0">
+              <a:prstClr val="black">
+                <a:alpha val="40000"/>
+              </a:prstClr>
+            </a:outerShdw>
+          </a:effectLst>
+        </p:spPr>
+        <p:txBody>
+          <a:bodyPr wrap="square" tIns="144000" bIns="144000" rtlCol="0">
+            <a:spAutoFit/>
+          </a:bodyPr>
+          <a:lstStyle/>
+          <a:p>
+            <a:pPr algn="ctr"/>
+            <a:r>
+              <a:rPr lang="nl-NL" b="1">
+                <a:solidFill>
+                  <a:srgbClr val="C00000"/>
+                </a:solidFill>
+              </a:rPr>
+              <a:t>Vectorized Operations</a:t>
+            </a:r>
+          </a:p>
+          <a:p>
+            <a:pPr algn="ctr"/>
+            <a:endParaRPr lang="nl-NL" b="1">
+              <a:solidFill>
+                <a:srgbClr val="C00000"/>
+              </a:solidFill>
+            </a:endParaRPr>
+          </a:p>
+          <a:p>
+            <a:pPr algn="ctr"/>
+            <a:r>
+              <a:rPr lang="nl-NL">
+                <a:solidFill>
+                  <a:srgbClr val="C00000"/>
+                </a:solidFill>
+              </a:rPr>
+              <a:t>Each element of the first vector is compared with the corresponding element of the second vector. </a:t>
             </a:r>
           </a:p>
         </p:txBody>
@@ -5923,7 +5969,7 @@
     </p:spTree>
     <p:extLst>
       <p:ext uri="{BB962C8B-B14F-4D97-AF65-F5344CB8AC3E}">
-        <p14:creationId xmlns:p14="http://schemas.microsoft.com/office/powerpoint/2010/main" val="1238280020"/>
+        <p14:creationId xmlns:p14="http://schemas.microsoft.com/office/powerpoint/2010/main" val="3776719623"/>
       </p:ext>
     </p:extLst>
   </p:cSld>
@@ -5955,7 +6001,7 @@
           <p:cNvPr id="2" name="Titel 1">
             <a:extLst>
               <a:ext uri="{FF2B5EF4-FFF2-40B4-BE49-F238E27FC236}">
-                <a16:creationId xmlns:a16="http://schemas.microsoft.com/office/drawing/2014/main" id="{0976F3A4-84F1-5E48-BE29-E047758180D9}"/>
+                <a16:creationId xmlns:a16="http://schemas.microsoft.com/office/drawing/2014/main" id="{16B502E1-1D0D-4646-AB3C-AACC2597975A}"/>
               </a:ext>
             </a:extLst>
           </p:cNvPr>
@@ -5973,7 +6019,7 @@
           <a:p>
             <a:r>
               <a:rPr lang="nl-NL"/>
-              <a:t>Logical Operators</a:t>
+              <a:t>Relational Operators</a:t>
             </a:r>
           </a:p>
         </p:txBody>
@@ -5983,7 +6029,7 @@
           <p:cNvPr id="3" name="Tijdelijke aanduiding voor inhoud 2">
             <a:extLst>
               <a:ext uri="{FF2B5EF4-FFF2-40B4-BE49-F238E27FC236}">
-                <a16:creationId xmlns:a16="http://schemas.microsoft.com/office/drawing/2014/main" id="{3D9AC716-C8A0-3142-AD18-CF2AE7A36AA0}"/>
+                <a16:creationId xmlns:a16="http://schemas.microsoft.com/office/drawing/2014/main" id="{96641A16-9713-E442-9DDF-BF22CE310DB9}"/>
               </a:ext>
             </a:extLst>
           </p:cNvPr>
@@ -6007,7 +6053,7 @@
             </a:pPr>
             <a:r>
               <a:rPr lang="nl-NL"/>
-              <a:t>Non-zero value are evaluated to TRUE</a:t>
+              <a:t> The result of comparison is a Boolean value (TRUE or FALSE).</a:t>
             </a:r>
           </a:p>
           <a:p>
@@ -6027,7 +6073,7 @@
             </a:pPr>
             <a:r>
               <a:rPr lang="nl-NL"/>
-              <a:t>Logical And	&amp;</a:t>
+              <a:t>Greater	&gt;</a:t>
             </a:r>
           </a:p>
           <a:p>
@@ -6038,7 +6084,7 @@
             </a:pPr>
             <a:r>
               <a:rPr lang="nl-NL"/>
-              <a:t>Logical Or	|</a:t>
+              <a:t>Greater or equal	&gt;=</a:t>
             </a:r>
           </a:p>
           <a:p>
@@ -6049,18 +6095,48 @@
             </a:pPr>
             <a:r>
               <a:rPr lang="nl-NL"/>
-              <a:t>Logical Not	!</a:t>
-            </a:r>
-          </a:p>
-          <a:p>
-            <a:endParaRPr lang="nl-NL"/>
+              <a:t>Less	&lt;</a:t>
+            </a:r>
+          </a:p>
+          <a:p>
+            <a:pPr>
+              <a:tabLst>
+                <a:tab pos="2309813" algn="l"/>
+              </a:tabLst>
+            </a:pPr>
+            <a:r>
+              <a:rPr lang="nl-NL"/>
+              <a:t>Less or equal	&lt;=</a:t>
+            </a:r>
+          </a:p>
+          <a:p>
+            <a:pPr>
+              <a:tabLst>
+                <a:tab pos="2309813" algn="l"/>
+              </a:tabLst>
+            </a:pPr>
+            <a:r>
+              <a:rPr lang="nl-NL"/>
+              <a:t>Equal	==</a:t>
+            </a:r>
+          </a:p>
+          <a:p>
+            <a:pPr>
+              <a:tabLst>
+                <a:tab pos="2309813" algn="l"/>
+              </a:tabLst>
+            </a:pPr>
+            <a:r>
+              <a:rPr lang="nl-NL"/>
+              <a:t>Not equal	!=</a:t>
+            </a:r>
           </a:p>
         </p:txBody>
       </p:sp>
     </p:spTree>
     <p:extLst>
       <p:ext uri="{BB962C8B-B14F-4D97-AF65-F5344CB8AC3E}">
-        <p14:creationId xmlns:p14="http://schemas.microsoft.com/office/powerpoint/2010/main" val="601688377"/>
+        <p14:creationId xmlns:p14="http://schemas.microsoft.com/office/powerpoint/2010/main" val="1238280020"/>
       </p:ext>
     </p:extLst>
   </p:cSld>
@@ -6092,6 +6168,143 @@
           <p:cNvPr id="2" name="Titel 1">
             <a:extLst>
               <a:ext uri="{FF2B5EF4-FFF2-40B4-BE49-F238E27FC236}">
+                <a16:creationId xmlns:a16="http://schemas.microsoft.com/office/drawing/2014/main" id="{0976F3A4-84F1-5E48-BE29-E047758180D9}"/>
+              </a:ext>
+            </a:extLst>
+          </p:cNvPr>
+          <p:cNvSpPr>
+            <a:spLocks noGrp="1"/>
+          </p:cNvSpPr>
+          <p:nvPr>
+            <p:ph type="title"/>
+          </p:nvPr>
+        </p:nvSpPr>
+        <p:spPr/>
+        <p:txBody>
+          <a:bodyPr/>
+          <a:lstStyle/>
+          <a:p>
+            <a:r>
+              <a:rPr lang="nl-NL"/>
+              <a:t>Logical Operators</a:t>
+            </a:r>
+          </a:p>
+        </p:txBody>
+      </p:sp>
+      <p:sp>
+        <p:nvSpPr>
+          <p:cNvPr id="3" name="Tijdelijke aanduiding voor inhoud 2">
+            <a:extLst>
+              <a:ext uri="{FF2B5EF4-FFF2-40B4-BE49-F238E27FC236}">
+                <a16:creationId xmlns:a16="http://schemas.microsoft.com/office/drawing/2014/main" id="{3D9AC716-C8A0-3142-AD18-CF2AE7A36AA0}"/>
+              </a:ext>
+            </a:extLst>
+          </p:cNvPr>
+          <p:cNvSpPr>
+            <a:spLocks noGrp="1"/>
+          </p:cNvSpPr>
+          <p:nvPr>
+            <p:ph idx="1"/>
+          </p:nvPr>
+        </p:nvSpPr>
+        <p:spPr/>
+        <p:txBody>
+          <a:bodyPr/>
+          <a:lstStyle/>
+          <a:p>
+            <a:pPr marL="0" indent="0">
+              <a:buNone/>
+              <a:tabLst>
+                <a:tab pos="2309813" algn="l"/>
+              </a:tabLst>
+            </a:pPr>
+            <a:r>
+              <a:rPr lang="nl-NL"/>
+              <a:t>Non-zero value are evaluated to TRUE</a:t>
+            </a:r>
+          </a:p>
+          <a:p>
+            <a:pPr marL="0" indent="0">
+              <a:buNone/>
+              <a:tabLst>
+                <a:tab pos="2309813" algn="l"/>
+              </a:tabLst>
+            </a:pPr>
+            <a:endParaRPr lang="nl-NL"/>
+          </a:p>
+          <a:p>
+            <a:pPr>
+              <a:tabLst>
+                <a:tab pos="2309813" algn="l"/>
+              </a:tabLst>
+            </a:pPr>
+            <a:r>
+              <a:rPr lang="nl-NL"/>
+              <a:t>Logical And	&amp;</a:t>
+            </a:r>
+          </a:p>
+          <a:p>
+            <a:pPr>
+              <a:tabLst>
+                <a:tab pos="2309813" algn="l"/>
+              </a:tabLst>
+            </a:pPr>
+            <a:r>
+              <a:rPr lang="nl-NL"/>
+              <a:t>Logical Or	|</a:t>
+            </a:r>
+          </a:p>
+          <a:p>
+            <a:pPr>
+              <a:tabLst>
+                <a:tab pos="2309813" algn="l"/>
+              </a:tabLst>
+            </a:pPr>
+            <a:r>
+              <a:rPr lang="nl-NL"/>
+              <a:t>Logical Not	!</a:t>
+            </a:r>
+          </a:p>
+          <a:p>
+            <a:endParaRPr lang="nl-NL"/>
+          </a:p>
+        </p:txBody>
+      </p:sp>
+    </p:spTree>
+    <p:extLst>
+      <p:ext uri="{BB962C8B-B14F-4D97-AF65-F5344CB8AC3E}">
+        <p14:creationId xmlns:p14="http://schemas.microsoft.com/office/powerpoint/2010/main" val="601688377"/>
+      </p:ext>
+    </p:extLst>
+  </p:cSld>
+  <p:clrMapOvr>
+    <a:masterClrMapping/>
+  </p:clrMapOvr>
+</p:sld>
+</file>
+
+<file path=ppt/slides/slide23.xml><?xml version="1.0" encoding="utf-8"?>
+<p:sld xmlns:a="http://schemas.openxmlformats.org/drawingml/2006/main" xmlns:r="http://schemas.openxmlformats.org/officeDocument/2006/relationships" xmlns:p="http://schemas.openxmlformats.org/presentationml/2006/main">
+  <p:cSld>
+    <p:spTree>
+      <p:nvGrpSpPr>
+        <p:cNvPr id="1" name=""/>
+        <p:cNvGrpSpPr/>
+        <p:nvPr/>
+      </p:nvGrpSpPr>
+      <p:grpSpPr>
+        <a:xfrm>
+          <a:off x="0" y="0"/>
+          <a:ext cx="0" cy="0"/>
+          <a:chOff x="0" y="0"/>
+          <a:chExt cx="0" cy="0"/>
+        </a:xfrm>
+      </p:grpSpPr>
+      <p:sp>
+        <p:nvSpPr>
+          <p:cNvPr id="2" name="Titel 1">
+            <a:extLst>
+              <a:ext uri="{FF2B5EF4-FFF2-40B4-BE49-F238E27FC236}">
                 <a16:creationId xmlns:a16="http://schemas.microsoft.com/office/drawing/2014/main" id="{D7ADCBB1-4B02-E74F-B335-29B7D9B5AA7B}"/>
               </a:ext>
             </a:extLst>
@@ -6209,7 +6422,7 @@
 </p:sld>
 </file>
 
-<file path=ppt/slides/slide23.xml><?xml version="1.0" encoding="utf-8"?>
+<file path=ppt/slides/slide24.xml><?xml version="1.0" encoding="utf-8"?>
 <p:sld xmlns:a="http://schemas.openxmlformats.org/drawingml/2006/main" xmlns:r="http://schemas.openxmlformats.org/officeDocument/2006/relationships" xmlns:p="http://schemas.openxmlformats.org/presentationml/2006/main">
   <p:cSld>
     <p:spTree>
@@ -6565,175 +6778,6 @@
 </p:sld>
 </file>
 
-<file path=ppt/slides/slide24.xml><?xml version="1.0" encoding="utf-8"?>
-<p:sld xmlns:a="http://schemas.openxmlformats.org/drawingml/2006/main" xmlns:r="http://schemas.openxmlformats.org/officeDocument/2006/relationships" xmlns:p="http://schemas.openxmlformats.org/presentationml/2006/main">
-  <p:cSld>
-    <p:spTree>
-      <p:nvGrpSpPr>
-        <p:cNvPr id="1" name=""/>
-        <p:cNvGrpSpPr/>
-        <p:nvPr/>
-      </p:nvGrpSpPr>
-      <p:grpSpPr>
-        <a:xfrm>
-          <a:off x="0" y="0"/>
-          <a:ext cx="0" cy="0"/>
-          <a:chOff x="0" y="0"/>
-          <a:chExt cx="0" cy="0"/>
-        </a:xfrm>
-      </p:grpSpPr>
-      <p:sp>
-        <p:nvSpPr>
-          <p:cNvPr id="2" name="Titel 1">
-            <a:extLst>
-              <a:ext uri="{FF2B5EF4-FFF2-40B4-BE49-F238E27FC236}">
-                <a16:creationId xmlns:a16="http://schemas.microsoft.com/office/drawing/2014/main" id="{3B6239D9-0184-B641-B18B-CC79021921FE}"/>
-              </a:ext>
-            </a:extLst>
-          </p:cNvPr>
-          <p:cNvSpPr>
-            <a:spLocks noGrp="1"/>
-          </p:cNvSpPr>
-          <p:nvPr>
-            <p:ph type="title"/>
-          </p:nvPr>
-        </p:nvSpPr>
-        <p:spPr/>
-        <p:txBody>
-          <a:bodyPr/>
-          <a:lstStyle/>
-          <a:p>
-            <a:r>
-              <a:rPr lang="nl-NL"/>
-              <a:t>Strings</a:t>
-            </a:r>
-          </a:p>
-        </p:txBody>
-      </p:sp>
-      <p:sp>
-        <p:nvSpPr>
-          <p:cNvPr id="3" name="Tijdelijke aanduiding voor inhoud 2">
-            <a:extLst>
-              <a:ext uri="{FF2B5EF4-FFF2-40B4-BE49-F238E27FC236}">
-                <a16:creationId xmlns:a16="http://schemas.microsoft.com/office/drawing/2014/main" id="{848A6A4A-C592-2547-BEE1-46E40A8642A3}"/>
-              </a:ext>
-            </a:extLst>
-          </p:cNvPr>
-          <p:cNvSpPr>
-            <a:spLocks noGrp="1"/>
-          </p:cNvSpPr>
-          <p:nvPr>
-            <p:ph idx="1"/>
-          </p:nvPr>
-        </p:nvSpPr>
-        <p:spPr>
-          <a:xfrm>
-            <a:off x="628650" y="1825625"/>
-            <a:ext cx="7886700" cy="4918075"/>
-          </a:xfrm>
-        </p:spPr>
-        <p:txBody>
-          <a:bodyPr>
-            <a:normAutofit/>
-          </a:bodyPr>
-          <a:lstStyle/>
-          <a:p>
-            <a:pPr>
-              <a:tabLst>
-                <a:tab pos="4568825" algn="l"/>
-              </a:tabLst>
-            </a:pPr>
-            <a:r>
-              <a:rPr lang="nl-NL"/>
-              <a:t>Any value written within a pair of single quote or double quotes in R is treated as a string.</a:t>
-            </a:r>
-          </a:p>
-          <a:p>
-            <a:pPr>
-              <a:tabLst>
-                <a:tab pos="4568825" algn="l"/>
-              </a:tabLst>
-            </a:pPr>
-            <a:endParaRPr lang="nl-NL"/>
-          </a:p>
-          <a:p>
-            <a:pPr>
-              <a:tabLst>
-                <a:tab pos="4568825" algn="l"/>
-              </a:tabLst>
-            </a:pPr>
-            <a:r>
-              <a:rPr lang="nl-NL"/>
-              <a:t>Concatenating Strings	paste()</a:t>
-            </a:r>
-          </a:p>
-          <a:p>
-            <a:pPr>
-              <a:tabLst>
-                <a:tab pos="4568825" algn="l"/>
-              </a:tabLst>
-            </a:pPr>
-            <a:r>
-              <a:rPr lang="nl-NL"/>
-              <a:t>Formatting numbers &amp; strings	format()</a:t>
-            </a:r>
-          </a:p>
-          <a:p>
-            <a:pPr>
-              <a:tabLst>
-                <a:tab pos="4568825" algn="l"/>
-              </a:tabLst>
-            </a:pPr>
-            <a:r>
-              <a:rPr lang="nl-NL"/>
-              <a:t>Counting number of characters in a string	nchar()</a:t>
-            </a:r>
-          </a:p>
-          <a:p>
-            <a:pPr>
-              <a:tabLst>
-                <a:tab pos="4568825" algn="l"/>
-              </a:tabLst>
-            </a:pPr>
-            <a:r>
-              <a:rPr lang="nl-NL"/>
-              <a:t>Changing the case	toupper() &amp; tolower()</a:t>
-            </a:r>
-          </a:p>
-          <a:p>
-            <a:pPr>
-              <a:tabLst>
-                <a:tab pos="4568825" algn="l"/>
-              </a:tabLst>
-            </a:pPr>
-            <a:r>
-              <a:rPr lang="nl-NL"/>
-              <a:t>Extracting parts of a string	substring()</a:t>
-            </a:r>
-          </a:p>
-          <a:p>
-            <a:pPr>
-              <a:tabLst>
-                <a:tab pos="4568825" algn="l"/>
-              </a:tabLst>
-            </a:pPr>
-            <a:endParaRPr lang="nl-NL"/>
-          </a:p>
-        </p:txBody>
-      </p:sp>
-    </p:spTree>
-    <p:extLst>
-      <p:ext uri="{BB962C8B-B14F-4D97-AF65-F5344CB8AC3E}">
-        <p14:creationId xmlns:p14="http://schemas.microsoft.com/office/powerpoint/2010/main" val="238618187"/>
-      </p:ext>
-    </p:extLst>
-  </p:cSld>
-  <p:clrMapOvr>
-    <a:masterClrMapping/>
-  </p:clrMapOvr>
-</p:sld>
-</file>
-
 <file path=ppt/slides/slide25.xml><?xml version="1.0" encoding="utf-8"?>
 <p:sld xmlns:a="http://schemas.openxmlformats.org/drawingml/2006/main" xmlns:r="http://schemas.openxmlformats.org/officeDocument/2006/relationships" xmlns:p="http://schemas.openxmlformats.org/presentationml/2006/main">
   <p:cSld>
@@ -6756,7 +6800,7 @@
           <p:cNvPr id="2" name="Titel 1">
             <a:extLst>
               <a:ext uri="{FF2B5EF4-FFF2-40B4-BE49-F238E27FC236}">
-                <a16:creationId xmlns:a16="http://schemas.microsoft.com/office/drawing/2014/main" id="{268AE3E8-B991-FF4D-AE8F-A4302F142511}"/>
+                <a16:creationId xmlns:a16="http://schemas.microsoft.com/office/drawing/2014/main" id="{3B6239D9-0184-B641-B18B-CC79021921FE}"/>
               </a:ext>
             </a:extLst>
           </p:cNvPr>
@@ -6774,7 +6818,7 @@
           <a:p>
             <a:r>
               <a:rPr lang="nl-NL"/>
-              <a:t>Conditional Statements</a:t>
+              <a:t>Strings</a:t>
             </a:r>
           </a:p>
         </p:txBody>
@@ -6784,7 +6828,7 @@
           <p:cNvPr id="3" name="Tijdelijke aanduiding voor inhoud 2">
             <a:extLst>
               <a:ext uri="{FF2B5EF4-FFF2-40B4-BE49-F238E27FC236}">
-                <a16:creationId xmlns:a16="http://schemas.microsoft.com/office/drawing/2014/main" id="{33DAE9B9-4148-8146-A491-F7E479E48E08}"/>
+                <a16:creationId xmlns:a16="http://schemas.microsoft.com/office/drawing/2014/main" id="{848A6A4A-C592-2547-BEE1-46E40A8642A3}"/>
               </a:ext>
             </a:extLst>
           </p:cNvPr>
@@ -6795,54 +6839,105 @@
             <p:ph idx="1"/>
           </p:nvPr>
         </p:nvSpPr>
-        <p:spPr/>
-        <p:txBody>
-          <a:bodyPr/>
-          <a:lstStyle/>
-          <a:p>
-            <a:r>
-              <a:rPr lang="nl-NL" b="1"/>
-              <a:t>if</a:t>
-            </a:r>
-            <a:r>
-              <a:rPr lang="nl-NL"/>
-              <a:t> statement</a:t>
-            </a:r>
-          </a:p>
-          <a:p>
-            <a:r>
-              <a:rPr lang="nl-NL" b="1"/>
-              <a:t>if</a:t>
-            </a:r>
-            <a:r>
-              <a:rPr lang="nl-NL"/>
-              <a:t> – </a:t>
-            </a:r>
-            <a:r>
-              <a:rPr lang="nl-NL" b="1"/>
-              <a:t>else</a:t>
-            </a:r>
-            <a:r>
-              <a:rPr lang="nl-NL"/>
-              <a:t> statement</a:t>
-            </a:r>
-          </a:p>
-          <a:p>
-            <a:r>
-              <a:rPr lang="nl-NL" b="1"/>
-              <a:t>switch</a:t>
-            </a:r>
-            <a:r>
-              <a:rPr lang="nl-NL"/>
-              <a:t> statement</a:t>
-            </a:r>
+        <p:spPr>
+          <a:xfrm>
+            <a:off x="628650" y="1825625"/>
+            <a:ext cx="7886700" cy="4918075"/>
+          </a:xfrm>
+        </p:spPr>
+        <p:txBody>
+          <a:bodyPr>
+            <a:normAutofit/>
+          </a:bodyPr>
+          <a:lstStyle/>
+          <a:p>
+            <a:pPr>
+              <a:tabLst>
+                <a:tab pos="4568825" algn="l"/>
+              </a:tabLst>
+            </a:pPr>
+            <a:r>
+              <a:rPr lang="nl-NL"/>
+              <a:t>Any value written within a pair of single quote or double quotes in R is treated as a string.</a:t>
+            </a:r>
+          </a:p>
+          <a:p>
+            <a:pPr>
+              <a:tabLst>
+                <a:tab pos="4568825" algn="l"/>
+              </a:tabLst>
+            </a:pPr>
+            <a:endParaRPr lang="nl-NL"/>
+          </a:p>
+          <a:p>
+            <a:pPr>
+              <a:tabLst>
+                <a:tab pos="4568825" algn="l"/>
+              </a:tabLst>
+            </a:pPr>
+            <a:r>
+              <a:rPr lang="nl-NL"/>
+              <a:t>Concatenating Strings	paste()</a:t>
+            </a:r>
+          </a:p>
+          <a:p>
+            <a:pPr>
+              <a:tabLst>
+                <a:tab pos="4568825" algn="l"/>
+              </a:tabLst>
+            </a:pPr>
+            <a:r>
+              <a:rPr lang="nl-NL"/>
+              <a:t>Formatting numbers &amp; strings	format()</a:t>
+            </a:r>
+          </a:p>
+          <a:p>
+            <a:pPr>
+              <a:tabLst>
+                <a:tab pos="4568825" algn="l"/>
+              </a:tabLst>
+            </a:pPr>
+            <a:r>
+              <a:rPr lang="nl-NL"/>
+              <a:t>Counting number of characters in a string	nchar()</a:t>
+            </a:r>
+          </a:p>
+          <a:p>
+            <a:pPr>
+              <a:tabLst>
+                <a:tab pos="4568825" algn="l"/>
+              </a:tabLst>
+            </a:pPr>
+            <a:r>
+              <a:rPr lang="nl-NL"/>
+              <a:t>Changing the case	toupper() &amp; tolower()</a:t>
+            </a:r>
+          </a:p>
+          <a:p>
+            <a:pPr>
+              <a:tabLst>
+                <a:tab pos="4568825" algn="l"/>
+              </a:tabLst>
+            </a:pPr>
+            <a:r>
+              <a:rPr lang="nl-NL"/>
+              <a:t>Extracting parts of a string	substring()</a:t>
+            </a:r>
+          </a:p>
+          <a:p>
+            <a:pPr>
+              <a:tabLst>
+                <a:tab pos="4568825" algn="l"/>
+              </a:tabLst>
+            </a:pPr>
+            <a:endParaRPr lang="nl-NL"/>
           </a:p>
         </p:txBody>
       </p:sp>
     </p:spTree>
     <p:extLst>
       <p:ext uri="{BB962C8B-B14F-4D97-AF65-F5344CB8AC3E}">
-        <p14:creationId xmlns:p14="http://schemas.microsoft.com/office/powerpoint/2010/main" val="2176802401"/>
+        <p14:creationId xmlns:p14="http://schemas.microsoft.com/office/powerpoint/2010/main" val="238618187"/>
       </p:ext>
     </p:extLst>
   </p:cSld>
@@ -6874,6 +6969,124 @@
           <p:cNvPr id="2" name="Titel 1">
             <a:extLst>
               <a:ext uri="{FF2B5EF4-FFF2-40B4-BE49-F238E27FC236}">
+                <a16:creationId xmlns:a16="http://schemas.microsoft.com/office/drawing/2014/main" id="{268AE3E8-B991-FF4D-AE8F-A4302F142511}"/>
+              </a:ext>
+            </a:extLst>
+          </p:cNvPr>
+          <p:cNvSpPr>
+            <a:spLocks noGrp="1"/>
+          </p:cNvSpPr>
+          <p:nvPr>
+            <p:ph type="title"/>
+          </p:nvPr>
+        </p:nvSpPr>
+        <p:spPr/>
+        <p:txBody>
+          <a:bodyPr/>
+          <a:lstStyle/>
+          <a:p>
+            <a:r>
+              <a:rPr lang="nl-NL"/>
+              <a:t>Conditional Statements</a:t>
+            </a:r>
+          </a:p>
+        </p:txBody>
+      </p:sp>
+      <p:sp>
+        <p:nvSpPr>
+          <p:cNvPr id="3" name="Tijdelijke aanduiding voor inhoud 2">
+            <a:extLst>
+              <a:ext uri="{FF2B5EF4-FFF2-40B4-BE49-F238E27FC236}">
+                <a16:creationId xmlns:a16="http://schemas.microsoft.com/office/drawing/2014/main" id="{33DAE9B9-4148-8146-A491-F7E479E48E08}"/>
+              </a:ext>
+            </a:extLst>
+          </p:cNvPr>
+          <p:cNvSpPr>
+            <a:spLocks noGrp="1"/>
+          </p:cNvSpPr>
+          <p:nvPr>
+            <p:ph idx="1"/>
+          </p:nvPr>
+        </p:nvSpPr>
+        <p:spPr/>
+        <p:txBody>
+          <a:bodyPr/>
+          <a:lstStyle/>
+          <a:p>
+            <a:r>
+              <a:rPr lang="nl-NL" b="1"/>
+              <a:t>if</a:t>
+            </a:r>
+            <a:r>
+              <a:rPr lang="nl-NL"/>
+              <a:t> statement</a:t>
+            </a:r>
+          </a:p>
+          <a:p>
+            <a:r>
+              <a:rPr lang="nl-NL" b="1"/>
+              <a:t>if</a:t>
+            </a:r>
+            <a:r>
+              <a:rPr lang="nl-NL"/>
+              <a:t> – </a:t>
+            </a:r>
+            <a:r>
+              <a:rPr lang="nl-NL" b="1"/>
+              <a:t>else</a:t>
+            </a:r>
+            <a:r>
+              <a:rPr lang="nl-NL"/>
+              <a:t> statement</a:t>
+            </a:r>
+          </a:p>
+          <a:p>
+            <a:r>
+              <a:rPr lang="nl-NL" b="1"/>
+              <a:t>switch</a:t>
+            </a:r>
+            <a:r>
+              <a:rPr lang="nl-NL"/>
+              <a:t> statement</a:t>
+            </a:r>
+          </a:p>
+        </p:txBody>
+      </p:sp>
+    </p:spTree>
+    <p:extLst>
+      <p:ext uri="{BB962C8B-B14F-4D97-AF65-F5344CB8AC3E}">
+        <p14:creationId xmlns:p14="http://schemas.microsoft.com/office/powerpoint/2010/main" val="2176802401"/>
+      </p:ext>
+    </p:extLst>
+  </p:cSld>
+  <p:clrMapOvr>
+    <a:masterClrMapping/>
+  </p:clrMapOvr>
+</p:sld>
+</file>
+
+<file path=ppt/slides/slide27.xml><?xml version="1.0" encoding="utf-8"?>
+<p:sld xmlns:a="http://schemas.openxmlformats.org/drawingml/2006/main" xmlns:r="http://schemas.openxmlformats.org/officeDocument/2006/relationships" xmlns:p="http://schemas.openxmlformats.org/presentationml/2006/main">
+  <p:cSld>
+    <p:spTree>
+      <p:nvGrpSpPr>
+        <p:cNvPr id="1" name=""/>
+        <p:cNvGrpSpPr/>
+        <p:nvPr/>
+      </p:nvGrpSpPr>
+      <p:grpSpPr>
+        <a:xfrm>
+          <a:off x="0" y="0"/>
+          <a:ext cx="0" cy="0"/>
+          <a:chOff x="0" y="0"/>
+          <a:chExt cx="0" cy="0"/>
+        </a:xfrm>
+      </p:grpSpPr>
+      <p:sp>
+        <p:nvSpPr>
+          <p:cNvPr id="2" name="Titel 1">
+            <a:extLst>
+              <a:ext uri="{FF2B5EF4-FFF2-40B4-BE49-F238E27FC236}">
                 <a16:creationId xmlns:a16="http://schemas.microsoft.com/office/drawing/2014/main" id="{0BACA11D-0B17-2548-86F7-5C72556BE4EB}"/>
               </a:ext>
             </a:extLst>
@@ -7031,7 +7244,7 @@
 </p:sld>
 </file>
 
-<file path=ppt/slides/slide27.xml><?xml version="1.0" encoding="utf-8"?>
+<file path=ppt/slides/slide28.xml><?xml version="1.0" encoding="utf-8"?>
 <p:sld xmlns:a="http://schemas.openxmlformats.org/drawingml/2006/main" xmlns:r="http://schemas.openxmlformats.org/officeDocument/2006/relationships" xmlns:p="http://schemas.openxmlformats.org/presentationml/2006/main">
   <p:cSld>
     <p:spTree>
@@ -7295,7 +7508,7 @@
 </p:sld>
 </file>
 
-<file path=ppt/slides/slide28.xml><?xml version="1.0" encoding="utf-8"?>
+<file path=ppt/slides/slide29.xml><?xml version="1.0" encoding="utf-8"?>
 <p:sld xmlns:a="http://schemas.openxmlformats.org/drawingml/2006/main" xmlns:r="http://schemas.openxmlformats.org/officeDocument/2006/relationships" xmlns:p="http://schemas.openxmlformats.org/presentationml/2006/main">
   <p:cSld>
     <p:spTree>
@@ -9355,177 +9568,6 @@
 </p:sld>
 </file>
 
-<file path=ppt/slides/slide29.xml><?xml version="1.0" encoding="utf-8"?>
-<p:sld xmlns:a="http://schemas.openxmlformats.org/drawingml/2006/main" xmlns:r="http://schemas.openxmlformats.org/officeDocument/2006/relationships" xmlns:p="http://schemas.openxmlformats.org/presentationml/2006/main">
-  <p:cSld>
-    <p:spTree>
-      <p:nvGrpSpPr>
-        <p:cNvPr id="1" name=""/>
-        <p:cNvGrpSpPr/>
-        <p:nvPr/>
-      </p:nvGrpSpPr>
-      <p:grpSpPr>
-        <a:xfrm>
-          <a:off x="0" y="0"/>
-          <a:ext cx="0" cy="0"/>
-          <a:chOff x="0" y="0"/>
-          <a:chExt cx="0" cy="0"/>
-        </a:xfrm>
-      </p:grpSpPr>
-      <p:sp>
-        <p:nvSpPr>
-          <p:cNvPr id="2" name="Titel 1">
-            <a:extLst>
-              <a:ext uri="{FF2B5EF4-FFF2-40B4-BE49-F238E27FC236}">
-                <a16:creationId xmlns:a16="http://schemas.microsoft.com/office/drawing/2014/main" id="{B559ECA2-CD48-9640-8140-F673B619D0C6}"/>
-              </a:ext>
-            </a:extLst>
-          </p:cNvPr>
-          <p:cNvSpPr>
-            <a:spLocks noGrp="1"/>
-          </p:cNvSpPr>
-          <p:nvPr>
-            <p:ph type="title"/>
-          </p:nvPr>
-        </p:nvSpPr>
-        <p:spPr/>
-        <p:txBody>
-          <a:bodyPr/>
-          <a:lstStyle/>
-          <a:p>
-            <a:r>
-              <a:rPr lang="nl-NL"/>
-              <a:t>Calling a Function</a:t>
-            </a:r>
-          </a:p>
-        </p:txBody>
-      </p:sp>
-      <p:sp>
-        <p:nvSpPr>
-          <p:cNvPr id="3" name="Tijdelijke aanduiding voor inhoud 2">
-            <a:extLst>
-              <a:ext uri="{FF2B5EF4-FFF2-40B4-BE49-F238E27FC236}">
-                <a16:creationId xmlns:a16="http://schemas.microsoft.com/office/drawing/2014/main" id="{A2E853B1-D680-B94D-96D2-63B8AB4EE10C}"/>
-              </a:ext>
-            </a:extLst>
-          </p:cNvPr>
-          <p:cNvSpPr>
-            <a:spLocks noGrp="1"/>
-          </p:cNvSpPr>
-          <p:nvPr>
-            <p:ph idx="1"/>
-          </p:nvPr>
-        </p:nvSpPr>
-        <p:spPr/>
-        <p:txBody>
-          <a:bodyPr/>
-          <a:lstStyle/>
-          <a:p>
-            <a:r>
-              <a:rPr lang="nl-NL"/>
-              <a:t>function_name(arg1, arg2, …)</a:t>
-            </a:r>
-          </a:p>
-          <a:p>
-            <a:r>
-              <a:rPr lang="nl-NL"/>
-              <a:t>do.call("function_name", arg1, arg2, …)</a:t>
-            </a:r>
-          </a:p>
-          <a:p>
-            <a:r>
-              <a:rPr lang="nl-NL"/>
-              <a:t>call("function_name", arg1, arg2, …)</a:t>
-            </a:r>
-          </a:p>
-          <a:p>
-            <a:endParaRPr lang="nl-NL"/>
-          </a:p>
-        </p:txBody>
-      </p:sp>
-      <p:sp>
-        <p:nvSpPr>
-          <p:cNvPr id="5" name="Tekstvak 4">
-            <a:extLst>
-              <a:ext uri="{FF2B5EF4-FFF2-40B4-BE49-F238E27FC236}">
-                <a16:creationId xmlns:a16="http://schemas.microsoft.com/office/drawing/2014/main" id="{F4E6998D-6DE4-BD4E-939D-939CF28C5ADE}"/>
-              </a:ext>
-            </a:extLst>
-          </p:cNvPr>
-          <p:cNvSpPr txBox="1"/>
-          <p:nvPr/>
-        </p:nvSpPr>
-        <p:spPr>
-          <a:xfrm>
-            <a:off x="2286000" y="3364542"/>
-            <a:ext cx="4572000" cy="819607"/>
-          </a:xfrm>
-          <a:prstGeom prst="rect">
-            <a:avLst/>
-          </a:prstGeom>
-          <a:solidFill>
-            <a:schemeClr val="accent1">
-              <a:lumMod val="20000"/>
-              <a:lumOff val="80000"/>
-            </a:schemeClr>
-          </a:solidFill>
-          <a:ln>
-            <a:solidFill>
-              <a:schemeClr val="bg2">
-                <a:lumMod val="50000"/>
-              </a:schemeClr>
-            </a:solidFill>
-          </a:ln>
-          <a:effectLst>
-            <a:outerShdw blurRad="50800" dist="38100" dir="2700000" algn="tl" rotWithShape="0">
-              <a:prstClr val="black">
-                <a:alpha val="40000"/>
-              </a:prstClr>
-            </a:outerShdw>
-          </a:effectLst>
-        </p:spPr>
-        <p:txBody>
-          <a:bodyPr wrap="square" lIns="144000" tIns="144000" bIns="180000" rtlCol="0">
-            <a:spAutoFit/>
-          </a:bodyPr>
-          <a:lstStyle>
-            <a:defPPr>
-              <a:defRPr lang="nl-NL"/>
-            </a:defPPr>
-            <a:lvl1pPr>
-              <a:defRPr sz="1600">
-                <a:latin typeface="Consolas" panose="020B0609020204030204" pitchFamily="49" charset="0"/>
-                <a:cs typeface="Consolas" panose="020B0609020204030204" pitchFamily="49" charset="0"/>
-              </a:defRPr>
-            </a:lvl1pPr>
-          </a:lstStyle>
-          <a:p>
-            <a:r>
-              <a:rPr lang="nl-NL"/>
-              <a:t>&gt; sum(c(2,3,4))</a:t>
-            </a:r>
-          </a:p>
-          <a:p>
-            <a:r>
-              <a:rPr lang="nl-NL"/>
-              <a:t>[1] 9</a:t>
-            </a:r>
-          </a:p>
-        </p:txBody>
-      </p:sp>
-    </p:spTree>
-    <p:extLst>
-      <p:ext uri="{BB962C8B-B14F-4D97-AF65-F5344CB8AC3E}">
-        <p14:creationId xmlns:p14="http://schemas.microsoft.com/office/powerpoint/2010/main" val="1002650209"/>
-      </p:ext>
-    </p:extLst>
-  </p:cSld>
-  <p:clrMapOvr>
-    <a:masterClrMapping/>
-  </p:clrMapOvr>
-</p:sld>
-</file>
-
 <file path=ppt/slides/slide3.xml><?xml version="1.0" encoding="utf-8"?>
 <p:sld xmlns:a="http://schemas.openxmlformats.org/drawingml/2006/main" xmlns:r="http://schemas.openxmlformats.org/officeDocument/2006/relationships" xmlns:p="http://schemas.openxmlformats.org/presentationml/2006/main">
   <p:cSld>
@@ -9716,6 +9758,177 @@
           <p:cNvPr id="2" name="Titel 1">
             <a:extLst>
               <a:ext uri="{FF2B5EF4-FFF2-40B4-BE49-F238E27FC236}">
+                <a16:creationId xmlns:a16="http://schemas.microsoft.com/office/drawing/2014/main" id="{B559ECA2-CD48-9640-8140-F673B619D0C6}"/>
+              </a:ext>
+            </a:extLst>
+          </p:cNvPr>
+          <p:cNvSpPr>
+            <a:spLocks noGrp="1"/>
+          </p:cNvSpPr>
+          <p:nvPr>
+            <p:ph type="title"/>
+          </p:nvPr>
+        </p:nvSpPr>
+        <p:spPr/>
+        <p:txBody>
+          <a:bodyPr/>
+          <a:lstStyle/>
+          <a:p>
+            <a:r>
+              <a:rPr lang="nl-NL"/>
+              <a:t>Calling a Function</a:t>
+            </a:r>
+          </a:p>
+        </p:txBody>
+      </p:sp>
+      <p:sp>
+        <p:nvSpPr>
+          <p:cNvPr id="3" name="Tijdelijke aanduiding voor inhoud 2">
+            <a:extLst>
+              <a:ext uri="{FF2B5EF4-FFF2-40B4-BE49-F238E27FC236}">
+                <a16:creationId xmlns:a16="http://schemas.microsoft.com/office/drawing/2014/main" id="{A2E853B1-D680-B94D-96D2-63B8AB4EE10C}"/>
+              </a:ext>
+            </a:extLst>
+          </p:cNvPr>
+          <p:cNvSpPr>
+            <a:spLocks noGrp="1"/>
+          </p:cNvSpPr>
+          <p:nvPr>
+            <p:ph idx="1"/>
+          </p:nvPr>
+        </p:nvSpPr>
+        <p:spPr/>
+        <p:txBody>
+          <a:bodyPr/>
+          <a:lstStyle/>
+          <a:p>
+            <a:r>
+              <a:rPr lang="nl-NL"/>
+              <a:t>function_name(arg1, arg2, …)</a:t>
+            </a:r>
+          </a:p>
+          <a:p>
+            <a:r>
+              <a:rPr lang="nl-NL"/>
+              <a:t>do.call("function_name", arg1, arg2, …)</a:t>
+            </a:r>
+          </a:p>
+          <a:p>
+            <a:r>
+              <a:rPr lang="nl-NL"/>
+              <a:t>call("function_name", arg1, arg2, …)</a:t>
+            </a:r>
+          </a:p>
+          <a:p>
+            <a:endParaRPr lang="nl-NL"/>
+          </a:p>
+        </p:txBody>
+      </p:sp>
+      <p:sp>
+        <p:nvSpPr>
+          <p:cNvPr id="5" name="Tekstvak 4">
+            <a:extLst>
+              <a:ext uri="{FF2B5EF4-FFF2-40B4-BE49-F238E27FC236}">
+                <a16:creationId xmlns:a16="http://schemas.microsoft.com/office/drawing/2014/main" id="{F4E6998D-6DE4-BD4E-939D-939CF28C5ADE}"/>
+              </a:ext>
+            </a:extLst>
+          </p:cNvPr>
+          <p:cNvSpPr txBox="1"/>
+          <p:nvPr/>
+        </p:nvSpPr>
+        <p:spPr>
+          <a:xfrm>
+            <a:off x="2286000" y="3364542"/>
+            <a:ext cx="4572000" cy="819607"/>
+          </a:xfrm>
+          <a:prstGeom prst="rect">
+            <a:avLst/>
+          </a:prstGeom>
+          <a:solidFill>
+            <a:schemeClr val="accent1">
+              <a:lumMod val="20000"/>
+              <a:lumOff val="80000"/>
+            </a:schemeClr>
+          </a:solidFill>
+          <a:ln>
+            <a:solidFill>
+              <a:schemeClr val="bg2">
+                <a:lumMod val="50000"/>
+              </a:schemeClr>
+            </a:solidFill>
+          </a:ln>
+          <a:effectLst>
+            <a:outerShdw blurRad="50800" dist="38100" dir="2700000" algn="tl" rotWithShape="0">
+              <a:prstClr val="black">
+                <a:alpha val="40000"/>
+              </a:prstClr>
+            </a:outerShdw>
+          </a:effectLst>
+        </p:spPr>
+        <p:txBody>
+          <a:bodyPr wrap="square" lIns="144000" tIns="144000" bIns="180000" rtlCol="0">
+            <a:spAutoFit/>
+          </a:bodyPr>
+          <a:lstStyle>
+            <a:defPPr>
+              <a:defRPr lang="nl-NL"/>
+            </a:defPPr>
+            <a:lvl1pPr>
+              <a:defRPr sz="1600">
+                <a:latin typeface="Consolas" panose="020B0609020204030204" pitchFamily="49" charset="0"/>
+                <a:cs typeface="Consolas" panose="020B0609020204030204" pitchFamily="49" charset="0"/>
+              </a:defRPr>
+            </a:lvl1pPr>
+          </a:lstStyle>
+          <a:p>
+            <a:r>
+              <a:rPr lang="nl-NL"/>
+              <a:t>&gt; sum(c(2,3,4))</a:t>
+            </a:r>
+          </a:p>
+          <a:p>
+            <a:r>
+              <a:rPr lang="nl-NL"/>
+              <a:t>[1] 9</a:t>
+            </a:r>
+          </a:p>
+        </p:txBody>
+      </p:sp>
+    </p:spTree>
+    <p:extLst>
+      <p:ext uri="{BB962C8B-B14F-4D97-AF65-F5344CB8AC3E}">
+        <p14:creationId xmlns:p14="http://schemas.microsoft.com/office/powerpoint/2010/main" val="1002650209"/>
+      </p:ext>
+    </p:extLst>
+  </p:cSld>
+  <p:clrMapOvr>
+    <a:masterClrMapping/>
+  </p:clrMapOvr>
+</p:sld>
+</file>
+
+<file path=ppt/slides/slide31.xml><?xml version="1.0" encoding="utf-8"?>
+<p:sld xmlns:a="http://schemas.openxmlformats.org/drawingml/2006/main" xmlns:r="http://schemas.openxmlformats.org/officeDocument/2006/relationships" xmlns:p="http://schemas.openxmlformats.org/presentationml/2006/main">
+  <p:cSld>
+    <p:spTree>
+      <p:nvGrpSpPr>
+        <p:cNvPr id="1" name=""/>
+        <p:cNvGrpSpPr/>
+        <p:nvPr/>
+      </p:nvGrpSpPr>
+      <p:grpSpPr>
+        <a:xfrm>
+          <a:off x="0" y="0"/>
+          <a:ext cx="0" cy="0"/>
+          <a:chOff x="0" y="0"/>
+          <a:chExt cx="0" cy="0"/>
+        </a:xfrm>
+      </p:grpSpPr>
+      <p:sp>
+        <p:nvSpPr>
+          <p:cNvPr id="2" name="Titel 1">
+            <a:extLst>
+              <a:ext uri="{FF2B5EF4-FFF2-40B4-BE49-F238E27FC236}">
                 <a16:creationId xmlns:a16="http://schemas.microsoft.com/office/drawing/2014/main" id="{C985749C-D368-B54A-9361-E286828F27C6}"/>
               </a:ext>
             </a:extLst>
@@ -9926,7 +10139,7 @@
 </p:sld>
 </file>
 
-<file path=ppt/slides/slide31.xml><?xml version="1.0" encoding="utf-8"?>
+<file path=ppt/slides/slide32.xml><?xml version="1.0" encoding="utf-8"?>
 <p:sld xmlns:a="http://schemas.openxmlformats.org/drawingml/2006/main" xmlns:r="http://schemas.openxmlformats.org/officeDocument/2006/relationships" xmlns:p="http://schemas.openxmlformats.org/presentationml/2006/main">
   <p:cSld>
     <p:spTree>
@@ -10123,7 +10336,7 @@
 </p:sld>
 </file>
 
-<file path=ppt/slides/slide32.xml><?xml version="1.0" encoding="utf-8"?>
+<file path=ppt/slides/slide33.xml><?xml version="1.0" encoding="utf-8"?>
 <p:sld xmlns:a="http://schemas.openxmlformats.org/drawingml/2006/main" xmlns:r="http://schemas.openxmlformats.org/officeDocument/2006/relationships" xmlns:p="http://schemas.openxmlformats.org/presentationml/2006/main">
   <p:cSld>
     <p:spTree>
@@ -10392,7 +10605,7 @@
 </p:sld>
 </file>
 
-<file path=ppt/slides/slide33.xml><?xml version="1.0" encoding="utf-8"?>
+<file path=ppt/slides/slide34.xml><?xml version="1.0" encoding="utf-8"?>
 <p:sld xmlns:a="http://schemas.openxmlformats.org/drawingml/2006/main" xmlns:r="http://schemas.openxmlformats.org/officeDocument/2006/relationships" xmlns:p="http://schemas.openxmlformats.org/presentationml/2006/main">
   <p:cSld>
     <p:spTree>
@@ -10450,7 +10663,7 @@
 </p:sld>
 </file>
 
-<file path=ppt/slides/slide34.xml><?xml version="1.0" encoding="utf-8"?>
+<file path=ppt/slides/slide35.xml><?xml version="1.0" encoding="utf-8"?>
 <p:sld xmlns:a="http://schemas.openxmlformats.org/drawingml/2006/main" xmlns:r="http://schemas.openxmlformats.org/officeDocument/2006/relationships" xmlns:p="http://schemas.openxmlformats.org/presentationml/2006/main">
   <p:cSld>
     <p:spTree>
@@ -10663,98 +10876,6 @@
 </p:sld>
 </file>
 
-<file path=ppt/slides/slide35.xml><?xml version="1.0" encoding="utf-8"?>
-<p:sld xmlns:a="http://schemas.openxmlformats.org/drawingml/2006/main" xmlns:r="http://schemas.openxmlformats.org/officeDocument/2006/relationships" xmlns:p="http://schemas.openxmlformats.org/presentationml/2006/main">
-  <p:cSld>
-    <p:spTree>
-      <p:nvGrpSpPr>
-        <p:cNvPr id="1" name=""/>
-        <p:cNvGrpSpPr/>
-        <p:nvPr/>
-      </p:nvGrpSpPr>
-      <p:grpSpPr>
-        <a:xfrm>
-          <a:off x="0" y="0"/>
-          <a:ext cx="0" cy="0"/>
-          <a:chOff x="0" y="0"/>
-          <a:chExt cx="0" cy="0"/>
-        </a:xfrm>
-      </p:grpSpPr>
-      <p:sp>
-        <p:nvSpPr>
-          <p:cNvPr id="2" name="Titel 1">
-            <a:extLst>
-              <a:ext uri="{FF2B5EF4-FFF2-40B4-BE49-F238E27FC236}">
-                <a16:creationId xmlns:a16="http://schemas.microsoft.com/office/drawing/2014/main" id="{195BCEBD-14B4-9940-AEB7-A6C95CC68184}"/>
-              </a:ext>
-            </a:extLst>
-          </p:cNvPr>
-          <p:cNvSpPr>
-            <a:spLocks noGrp="1"/>
-          </p:cNvSpPr>
-          <p:nvPr>
-            <p:ph type="title"/>
-          </p:nvPr>
-        </p:nvSpPr>
-        <p:spPr/>
-        <p:txBody>
-          <a:bodyPr/>
-          <a:lstStyle/>
-          <a:p>
-            <a:r>
-              <a:rPr lang="nl-NL"/>
-              <a:t>Exploring a Data Frame</a:t>
-            </a:r>
-          </a:p>
-        </p:txBody>
-      </p:sp>
-      <p:sp>
-        <p:nvSpPr>
-          <p:cNvPr id="3" name="Tijdelijke aanduiding voor inhoud 2">
-            <a:extLst>
-              <a:ext uri="{FF2B5EF4-FFF2-40B4-BE49-F238E27FC236}">
-                <a16:creationId xmlns:a16="http://schemas.microsoft.com/office/drawing/2014/main" id="{747A9BA6-2963-A648-BFC2-EB8634A60271}"/>
-              </a:ext>
-            </a:extLst>
-          </p:cNvPr>
-          <p:cNvSpPr>
-            <a:spLocks noGrp="1"/>
-          </p:cNvSpPr>
-          <p:nvPr>
-            <p:ph idx="1"/>
-          </p:nvPr>
-        </p:nvSpPr>
-        <p:spPr/>
-        <p:txBody>
-          <a:bodyPr/>
-          <a:lstStyle/>
-          <a:p>
-            <a:r>
-              <a:rPr lang="nl-NL"/>
-              <a:t>Get the structure		str()	</a:t>
-            </a:r>
-          </a:p>
-          <a:p>
-            <a:r>
-              <a:rPr lang="nl-NL"/>
-              <a:t>Get the summary	summary()	</a:t>
-            </a:r>
-          </a:p>
-        </p:txBody>
-      </p:sp>
-    </p:spTree>
-    <p:extLst>
-      <p:ext uri="{BB962C8B-B14F-4D97-AF65-F5344CB8AC3E}">
-        <p14:creationId xmlns:p14="http://schemas.microsoft.com/office/powerpoint/2010/main" val="1862768834"/>
-      </p:ext>
-    </p:extLst>
-  </p:cSld>
-  <p:clrMapOvr>
-    <a:masterClrMapping/>
-  </p:clrMapOvr>
-</p:sld>
-</file>
-
 <file path=ppt/slides/slide36.xml><?xml version="1.0" encoding="utf-8"?>
 <p:sld xmlns:a="http://schemas.openxmlformats.org/drawingml/2006/main" xmlns:r="http://schemas.openxmlformats.org/officeDocument/2006/relationships" xmlns:p="http://schemas.openxmlformats.org/presentationml/2006/main">
   <p:cSld>
@@ -10777,7 +10898,7 @@
           <p:cNvPr id="2" name="Titel 1">
             <a:extLst>
               <a:ext uri="{FF2B5EF4-FFF2-40B4-BE49-F238E27FC236}">
-                <a16:creationId xmlns:a16="http://schemas.microsoft.com/office/drawing/2014/main" id="{3BE7A487-876F-D546-B170-B61309D6E15D}"/>
+                <a16:creationId xmlns:a16="http://schemas.microsoft.com/office/drawing/2014/main" id="{195BCEBD-14B4-9940-AEB7-A6C95CC68184}"/>
               </a:ext>
             </a:extLst>
           </p:cNvPr>
@@ -10795,7 +10916,7 @@
           <a:p>
             <a:r>
               <a:rPr lang="nl-NL"/>
-              <a:t>Indexing and subsetting</a:t>
+              <a:t>Exploring a Data Frame</a:t>
             </a:r>
           </a:p>
         </p:txBody>
@@ -10805,7 +10926,7 @@
           <p:cNvPr id="3" name="Tijdelijke aanduiding voor inhoud 2">
             <a:extLst>
               <a:ext uri="{FF2B5EF4-FFF2-40B4-BE49-F238E27FC236}">
-                <a16:creationId xmlns:a16="http://schemas.microsoft.com/office/drawing/2014/main" id="{09D88BCF-A1EF-874A-9EC0-DFA906EF7B0B}"/>
+                <a16:creationId xmlns:a16="http://schemas.microsoft.com/office/drawing/2014/main" id="{747A9BA6-2963-A648-BFC2-EB8634A60271}"/>
               </a:ext>
             </a:extLst>
           </p:cNvPr>
@@ -10816,106 +10937,20 @@
             <p:ph idx="1"/>
           </p:nvPr>
         </p:nvSpPr>
-        <p:spPr>
-          <a:xfrm>
-            <a:off x="628650" y="1825625"/>
-            <a:ext cx="8263890" cy="3897443"/>
-          </a:xfrm>
-        </p:spPr>
+        <p:spPr/>
         <p:txBody>
           <a:bodyPr/>
           <a:lstStyle/>
           <a:p>
-            <a:pPr>
-              <a:tabLst>
-                <a:tab pos="3594100" algn="l"/>
-              </a:tabLst>
-            </a:pPr>
-            <a:r>
-              <a:rPr lang="nl-NL"/>
-              <a:t>df$x	Select Column By Name</a:t>
-            </a:r>
-          </a:p>
-          <a:p>
-            <a:pPr>
-              <a:tabLst>
-                <a:tab pos="3594100" algn="l"/>
-              </a:tabLst>
-            </a:pPr>
-            <a:r>
-              <a:rPr lang="nl-NL"/>
-              <a:t>df[["x"]]	Select Column By Names</a:t>
-            </a:r>
-          </a:p>
-          <a:p>
-            <a:pPr>
-              <a:tabLst>
-                <a:tab pos="3594100" algn="l"/>
-              </a:tabLst>
-            </a:pPr>
-            <a:r>
-              <a:rPr lang="nl-NL"/>
-              <a:t>df[[1]]	Select Column By Index</a:t>
-            </a:r>
-          </a:p>
-          <a:p>
-            <a:pPr>
-              <a:tabLst>
-                <a:tab pos="3594100" algn="l"/>
-              </a:tabLst>
-            </a:pPr>
-            <a:endParaRPr lang="nl-NL"/>
-          </a:p>
-          <a:p>
-            <a:pPr>
-              <a:tabLst>
-                <a:tab pos="3594100" algn="l"/>
-              </a:tabLst>
-            </a:pPr>
-            <a:r>
-              <a:rPr lang="nl-NL"/>
-              <a:t>df["x"]</a:t>
-            </a:r>
-          </a:p>
-          <a:p>
-            <a:pPr>
-              <a:tabLst>
-                <a:tab pos="3594100" algn="l"/>
-              </a:tabLst>
-            </a:pPr>
-            <a:endParaRPr lang="nl-NL"/>
-          </a:p>
-          <a:p>
-            <a:pPr>
-              <a:tabLst>
-                <a:tab pos="3594100" algn="l"/>
-              </a:tabLst>
-            </a:pPr>
-            <a:r>
-              <a:rPr lang="nl-NL"/>
-              <a:t>df[, c(column_indexes)]	Select Columns By Index</a:t>
-            </a:r>
-          </a:p>
-          <a:p>
-            <a:pPr>
-              <a:tabLst>
-                <a:tab pos="3594100" algn="l"/>
-              </a:tabLst>
-            </a:pPr>
-            <a:r>
-              <a:rPr lang="nl-NL"/>
-              <a:t>dataframe[, start:end]	Select Columns In The Index Range</a:t>
-            </a:r>
-          </a:p>
-          <a:p>
-            <a:pPr>
-              <a:tabLst>
-                <a:tab pos="3594100" algn="l"/>
-              </a:tabLst>
-            </a:pPr>
-            <a:r>
-              <a:rPr lang="nl-NL"/>
-              <a:t>dataframe[, -c(column_indexes)]	Select Columns By Excluding Columns Indexes</a:t>
+            <a:r>
+              <a:rPr lang="nl-NL"/>
+              <a:t>Get the structure		str()	</a:t>
+            </a:r>
+          </a:p>
+          <a:p>
+            <a:r>
+              <a:rPr lang="nl-NL"/>
+              <a:t>Get the summary	summary()	</a:t>
             </a:r>
           </a:p>
         </p:txBody>
@@ -10923,7 +10958,7 @@
     </p:spTree>
     <p:extLst>
       <p:ext uri="{BB962C8B-B14F-4D97-AF65-F5344CB8AC3E}">
-        <p14:creationId xmlns:p14="http://schemas.microsoft.com/office/powerpoint/2010/main" val="3589754901"/>
+        <p14:creationId xmlns:p14="http://schemas.microsoft.com/office/powerpoint/2010/main" val="1862768834"/>
       </p:ext>
     </p:extLst>
   </p:cSld>
@@ -10955,7 +10990,7 @@
           <p:cNvPr id="2" name="Titel 1">
             <a:extLst>
               <a:ext uri="{FF2B5EF4-FFF2-40B4-BE49-F238E27FC236}">
-                <a16:creationId xmlns:a16="http://schemas.microsoft.com/office/drawing/2014/main" id="{7DA84B73-4124-9947-9F97-363F301C6432}"/>
+                <a16:creationId xmlns:a16="http://schemas.microsoft.com/office/drawing/2014/main" id="{3BE7A487-876F-D546-B170-B61309D6E15D}"/>
               </a:ext>
             </a:extLst>
           </p:cNvPr>
@@ -10973,7 +11008,7 @@
           <a:p>
             <a:r>
               <a:rPr lang="nl-NL"/>
-              <a:t>Expanding a Data Frame</a:t>
+              <a:t>Indexing and subsetting</a:t>
             </a:r>
           </a:p>
         </p:txBody>
@@ -10983,7 +11018,7 @@
           <p:cNvPr id="3" name="Tijdelijke aanduiding voor inhoud 2">
             <a:extLst>
               <a:ext uri="{FF2B5EF4-FFF2-40B4-BE49-F238E27FC236}">
-                <a16:creationId xmlns:a16="http://schemas.microsoft.com/office/drawing/2014/main" id="{FA175030-F1B6-AA4E-B574-F36F5DB69086}"/>
+                <a16:creationId xmlns:a16="http://schemas.microsoft.com/office/drawing/2014/main" id="{09D88BCF-A1EF-874A-9EC0-DFA906EF7B0B}"/>
               </a:ext>
             </a:extLst>
           </p:cNvPr>
@@ -10994,47 +11029,52 @@
             <p:ph idx="1"/>
           </p:nvPr>
         </p:nvSpPr>
-        <p:spPr/>
+        <p:spPr>
+          <a:xfrm>
+            <a:off x="628650" y="1825625"/>
+            <a:ext cx="8263890" cy="3897443"/>
+          </a:xfrm>
+        </p:spPr>
         <p:txBody>
           <a:bodyPr/>
           <a:lstStyle/>
           <a:p>
             <a:pPr>
               <a:tabLst>
-                <a:tab pos="2300288" algn="l"/>
+                <a:tab pos="3594100" algn="l"/>
               </a:tabLst>
             </a:pPr>
             <a:r>
               <a:rPr lang="nl-NL"/>
-              <a:t>Adding columns</a:t>
-            </a:r>
-          </a:p>
-          <a:p>
-            <a:pPr lvl="1">
+              <a:t>df$x	Select Column By Name</a:t>
+            </a:r>
+          </a:p>
+          <a:p>
+            <a:pPr>
               <a:tabLst>
-                <a:tab pos="2482850" algn="l"/>
+                <a:tab pos="3594100" algn="l"/>
               </a:tabLst>
             </a:pPr>
             <a:r>
               <a:rPr lang="nl-NL"/>
-              <a:t>by assignment	emp.data$dept &lt;- c(…)</a:t>
-            </a:r>
-          </a:p>
-          <a:p>
-            <a:pPr lvl="1">
+              <a:t>df[["x"]]	Select Column By Names</a:t>
+            </a:r>
+          </a:p>
+          <a:p>
+            <a:pPr>
               <a:tabLst>
-                <a:tab pos="2482850" algn="l"/>
+                <a:tab pos="3594100" algn="l"/>
               </a:tabLst>
             </a:pPr>
             <a:r>
               <a:rPr lang="nl-NL"/>
-              <a:t>with cbind</a:t>
+              <a:t>df[[1]]	Select Column By Index</a:t>
             </a:r>
           </a:p>
           <a:p>
             <a:pPr>
               <a:tabLst>
-                <a:tab pos="2300288" algn="l"/>
+                <a:tab pos="3594100" algn="l"/>
               </a:tabLst>
             </a:pPr>
             <a:endParaRPr lang="nl-NL"/>
@@ -11042,39 +11082,61 @@
           <a:p>
             <a:pPr>
               <a:tabLst>
-                <a:tab pos="2300288" algn="l"/>
+                <a:tab pos="3594100" algn="l"/>
               </a:tabLst>
             </a:pPr>
             <a:r>
               <a:rPr lang="nl-NL"/>
-              <a:t>Adding rows</a:t>
-            </a:r>
-          </a:p>
-          <a:p>
-            <a:pPr lvl="1">
-              <a:tabLst>
-                <a:tab pos="2482850" algn="l"/>
-              </a:tabLst>
-            </a:pPr>
-            <a:r>
-              <a:rPr lang="nl-NL"/>
-              <a:t>with rbind	emp.finaldata &lt;- rbind(emp.data, emp.newdata)</a:t>
+              <a:t>df["x"]</a:t>
             </a:r>
           </a:p>
           <a:p>
             <a:pPr>
               <a:tabLst>
-                <a:tab pos="2300288" algn="l"/>
+                <a:tab pos="3594100" algn="l"/>
               </a:tabLst>
             </a:pPr>
             <a:endParaRPr lang="nl-NL"/>
           </a:p>
+          <a:p>
+            <a:pPr>
+              <a:tabLst>
+                <a:tab pos="3594100" algn="l"/>
+              </a:tabLst>
+            </a:pPr>
+            <a:r>
+              <a:rPr lang="nl-NL"/>
+              <a:t>df[, c(column_indexes)]	Select Columns By Index</a:t>
+            </a:r>
+          </a:p>
+          <a:p>
+            <a:pPr>
+              <a:tabLst>
+                <a:tab pos="3594100" algn="l"/>
+              </a:tabLst>
+            </a:pPr>
+            <a:r>
+              <a:rPr lang="nl-NL"/>
+              <a:t>dataframe[, start:end]	Select Columns In The Index Range</a:t>
+            </a:r>
+          </a:p>
+          <a:p>
+            <a:pPr>
+              <a:tabLst>
+                <a:tab pos="3594100" algn="l"/>
+              </a:tabLst>
+            </a:pPr>
+            <a:r>
+              <a:rPr lang="nl-NL"/>
+              <a:t>dataframe[, -c(column_indexes)]	Select Columns By Excluding Columns Indexes</a:t>
+            </a:r>
+          </a:p>
         </p:txBody>
       </p:sp>
     </p:spTree>
     <p:extLst>
       <p:ext uri="{BB962C8B-B14F-4D97-AF65-F5344CB8AC3E}">
-        <p14:creationId xmlns:p14="http://schemas.microsoft.com/office/powerpoint/2010/main" val="3042478173"/>
+        <p14:creationId xmlns:p14="http://schemas.microsoft.com/office/powerpoint/2010/main" val="3589754901"/>
       </p:ext>
     </p:extLst>
   </p:cSld>
@@ -11106,7 +11168,7 @@
           <p:cNvPr id="2" name="Titel 1">
             <a:extLst>
               <a:ext uri="{FF2B5EF4-FFF2-40B4-BE49-F238E27FC236}">
-                <a16:creationId xmlns:a16="http://schemas.microsoft.com/office/drawing/2014/main" id="{5BB15066-77F9-924B-8AC6-965F45DD4DAD}"/>
+                <a16:creationId xmlns:a16="http://schemas.microsoft.com/office/drawing/2014/main" id="{7DA84B73-4124-9947-9F97-363F301C6432}"/>
               </a:ext>
             </a:extLst>
           </p:cNvPr>
@@ -11124,7 +11186,7 @@
           <a:p>
             <a:r>
               <a:rPr lang="nl-NL"/>
-              <a:t>Merging Data Frames</a:t>
+              <a:t>Expanding a Data Frame</a:t>
             </a:r>
           </a:p>
         </p:txBody>
@@ -11134,7 +11196,7 @@
           <p:cNvPr id="3" name="Tijdelijke aanduiding voor inhoud 2">
             <a:extLst>
               <a:ext uri="{FF2B5EF4-FFF2-40B4-BE49-F238E27FC236}">
-                <a16:creationId xmlns:a16="http://schemas.microsoft.com/office/drawing/2014/main" id="{A379A9A2-F7E4-6443-98E5-1B6134571A3B}"/>
+                <a16:creationId xmlns:a16="http://schemas.microsoft.com/office/drawing/2014/main" id="{FA175030-F1B6-AA4E-B574-F36F5DB69086}"/>
               </a:ext>
             </a:extLst>
           </p:cNvPr>
@@ -11150,59 +11212,74 @@
           <a:bodyPr/>
           <a:lstStyle/>
           <a:p>
-            <a:r>
-              <a:rPr lang="nl-NL"/>
-              <a:t>Merging</a:t>
-            </a:r>
-            <a:br>
-              <a:rPr lang="nl-NL"/>
-            </a:br>
-            <a:r>
-              <a:rPr lang="nl-NL"/>
-              <a:t>We can merge two data frames by using the </a:t>
-            </a:r>
-            <a:r>
-              <a:rPr lang="nl-NL" b="1"/>
-              <a:t>merge()</a:t>
-            </a:r>
-            <a:r>
-              <a:rPr lang="nl-NL"/>
-              <a:t> function. The data frames must have same column names on which the merging happens.</a:t>
-            </a:r>
-          </a:p>
-          <a:p>
+            <a:pPr>
+              <a:tabLst>
+                <a:tab pos="2300288" algn="l"/>
+              </a:tabLst>
+            </a:pPr>
+            <a:r>
+              <a:rPr lang="nl-NL"/>
+              <a:t>Adding columns</a:t>
+            </a:r>
+          </a:p>
+          <a:p>
+            <a:pPr lvl="1">
+              <a:tabLst>
+                <a:tab pos="2482850" algn="l"/>
+              </a:tabLst>
+            </a:pPr>
+            <a:r>
+              <a:rPr lang="nl-NL"/>
+              <a:t>by assignment	emp.data$dept &lt;- c(…)</a:t>
+            </a:r>
+          </a:p>
+          <a:p>
+            <a:pPr lvl="1">
+              <a:tabLst>
+                <a:tab pos="2482850" algn="l"/>
+              </a:tabLst>
+            </a:pPr>
+            <a:r>
+              <a:rPr lang="nl-NL"/>
+              <a:t>with cbind</a:t>
+            </a:r>
+          </a:p>
+          <a:p>
+            <a:pPr>
+              <a:tabLst>
+                <a:tab pos="2300288" algn="l"/>
+              </a:tabLst>
+            </a:pPr>
             <a:endParaRPr lang="nl-NL"/>
           </a:p>
           <a:p>
-            <a:r>
-              <a:rPr lang="nl-NL"/>
-              <a:t>Melting and Casting</a:t>
-            </a:r>
-            <a:br>
-              <a:rPr lang="nl-NL"/>
-            </a:br>
-            <a:r>
-              <a:rPr lang="nl-NL"/>
-              <a:t>One of the most interesting aspects of R programming is about changing the shape of the data in multiple steps to get a desired shape. The functions used to do this are called </a:t>
-            </a:r>
-            <a:r>
-              <a:rPr lang="nl-NL" b="1"/>
-              <a:t>melt()</a:t>
-            </a:r>
-            <a:r>
-              <a:rPr lang="nl-NL"/>
-              <a:t> and </a:t>
-            </a:r>
-            <a:r>
-              <a:rPr lang="nl-NL" b="1"/>
-              <a:t>cast()</a:t>
-            </a:r>
-            <a:r>
-              <a:rPr lang="nl-NL"/>
-              <a:t>.</a:t>
-            </a:r>
-          </a:p>
-          <a:p>
+            <a:pPr>
+              <a:tabLst>
+                <a:tab pos="2300288" algn="l"/>
+              </a:tabLst>
+            </a:pPr>
+            <a:r>
+              <a:rPr lang="nl-NL"/>
+              <a:t>Adding rows</a:t>
+            </a:r>
+          </a:p>
+          <a:p>
+            <a:pPr lvl="1">
+              <a:tabLst>
+                <a:tab pos="2482850" algn="l"/>
+              </a:tabLst>
+            </a:pPr>
+            <a:r>
+              <a:rPr lang="nl-NL"/>
+              <a:t>with rbind	emp.finaldata &lt;- rbind(emp.data, emp.newdata)</a:t>
+            </a:r>
+          </a:p>
+          <a:p>
+            <a:pPr>
+              <a:tabLst>
+                <a:tab pos="2300288" algn="l"/>
+              </a:tabLst>
+            </a:pPr>
             <a:endParaRPr lang="nl-NL"/>
           </a:p>
         </p:txBody>
@@ -11210,7 +11287,7 @@
     </p:spTree>
     <p:extLst>
       <p:ext uri="{BB962C8B-B14F-4D97-AF65-F5344CB8AC3E}">
-        <p14:creationId xmlns:p14="http://schemas.microsoft.com/office/powerpoint/2010/main" val="1013086762"/>
+        <p14:creationId xmlns:p14="http://schemas.microsoft.com/office/powerpoint/2010/main" val="3042478173"/>
       </p:ext>
     </p:extLst>
   </p:cSld>
@@ -11242,7 +11319,7 @@
           <p:cNvPr id="2" name="Titel 1">
             <a:extLst>
               <a:ext uri="{FF2B5EF4-FFF2-40B4-BE49-F238E27FC236}">
-                <a16:creationId xmlns:a16="http://schemas.microsoft.com/office/drawing/2014/main" id="{C5EFACCF-13C6-FF4C-964B-0AE92D94DCB3}"/>
+                <a16:creationId xmlns:a16="http://schemas.microsoft.com/office/drawing/2014/main" id="{5BB15066-77F9-924B-8AC6-965F45DD4DAD}"/>
               </a:ext>
             </a:extLst>
           </p:cNvPr>
@@ -11260,7 +11337,7 @@
           <a:p>
             <a:r>
               <a:rPr lang="nl-NL"/>
-              <a:t>Reading data from a CSV file</a:t>
+              <a:t>Merging Data Frames</a:t>
             </a:r>
           </a:p>
         </p:txBody>
@@ -11270,7 +11347,7 @@
           <p:cNvPr id="3" name="Tijdelijke aanduiding voor inhoud 2">
             <a:extLst>
               <a:ext uri="{FF2B5EF4-FFF2-40B4-BE49-F238E27FC236}">
-                <a16:creationId xmlns:a16="http://schemas.microsoft.com/office/drawing/2014/main" id="{087CD5E0-2D54-2440-B741-8475C0444CD7}"/>
+                <a16:creationId xmlns:a16="http://schemas.microsoft.com/office/drawing/2014/main" id="{A379A9A2-F7E4-6443-98E5-1B6134571A3B}"/>
               </a:ext>
             </a:extLst>
           </p:cNvPr>
@@ -11286,60 +11363,67 @@
           <a:bodyPr/>
           <a:lstStyle/>
           <a:p>
-            <a:pPr>
-              <a:tabLst>
-                <a:tab pos="4659313" algn="l"/>
-              </a:tabLst>
-            </a:pPr>
-            <a:r>
-              <a:rPr lang="nl-NL"/>
-              <a:t>Reading from a CSV file 	read.csv("input.csv")</a:t>
-            </a:r>
-          </a:p>
-          <a:p>
-            <a:pPr>
-              <a:tabLst>
-                <a:tab pos="4659313" algn="l"/>
-              </a:tabLst>
-            </a:pPr>
+            <a:r>
+              <a:rPr lang="nl-NL"/>
+              <a:t>Merging</a:t>
+            </a:r>
+            <a:br>
+              <a:rPr lang="nl-NL"/>
+            </a:br>
+            <a:r>
+              <a:rPr lang="nl-NL"/>
+              <a:t>We can merge two data frames by using the </a:t>
+            </a:r>
+            <a:r>
+              <a:rPr lang="nl-NL" b="1"/>
+              <a:t>merge()</a:t>
+            </a:r>
+            <a:r>
+              <a:rPr lang="nl-NL"/>
+              <a:t> function. The data frames must have same column names on which the merging happens.</a:t>
+            </a:r>
+          </a:p>
+          <a:p>
             <a:endParaRPr lang="nl-NL"/>
           </a:p>
           <a:p>
-            <a:pPr>
-              <a:tabLst>
-                <a:tab pos="4659313" algn="l"/>
-              </a:tabLst>
-            </a:pPr>
-            <a:r>
-              <a:rPr lang="nl-NL"/>
-              <a:t>Getting and Setting the Working Directory	getwd() &amp; setwd()</a:t>
-            </a:r>
-          </a:p>
-          <a:p>
-            <a:pPr>
-              <a:tabLst>
-                <a:tab pos="4659313" algn="l"/>
-              </a:tabLst>
-            </a:pPr>
+            <a:r>
+              <a:rPr lang="nl-NL"/>
+              <a:t>Melting and Casting</a:t>
+            </a:r>
+            <a:br>
+              <a:rPr lang="nl-NL"/>
+            </a:br>
+            <a:r>
+              <a:rPr lang="nl-NL"/>
+              <a:t>One of the most interesting aspects of R programming is about changing the shape of the data in multiple steps to get a desired shape. The functions used to do this are called </a:t>
+            </a:r>
+            <a:r>
+              <a:rPr lang="nl-NL" b="1"/>
+              <a:t>melt()</a:t>
+            </a:r>
+            <a:r>
+              <a:rPr lang="nl-NL"/>
+              <a:t> and </a:t>
+            </a:r>
+            <a:r>
+              <a:rPr lang="nl-NL" b="1"/>
+              <a:t>cast()</a:t>
+            </a:r>
+            <a:r>
+              <a:rPr lang="nl-NL"/>
+              <a:t>.</a:t>
+            </a:r>
+          </a:p>
+          <a:p>
             <a:endParaRPr lang="nl-NL"/>
-          </a:p>
-          <a:p>
-            <a:pPr>
-              <a:tabLst>
-                <a:tab pos="4659313" algn="l"/>
-              </a:tabLst>
-            </a:pPr>
-            <a:r>
-              <a:rPr lang="nl-NL"/>
-              <a:t>Writing into a CSV File	write.csv()</a:t>
-            </a:r>
           </a:p>
         </p:txBody>
       </p:sp>
     </p:spTree>
     <p:extLst>
       <p:ext uri="{BB962C8B-B14F-4D97-AF65-F5344CB8AC3E}">
-        <p14:creationId xmlns:p14="http://schemas.microsoft.com/office/powerpoint/2010/main" val="3599458289"/>
+        <p14:creationId xmlns:p14="http://schemas.microsoft.com/office/powerpoint/2010/main" val="1013086762"/>
       </p:ext>
     </p:extLst>
   </p:cSld>
@@ -11569,7 +11653,7 @@
           <a:p>
             <a:r>
               <a:rPr lang="nl-NL"/>
-              <a:t>Reading data from an Excel file</a:t>
+              <a:t>Reading data from a CSV file</a:t>
             </a:r>
           </a:p>
         </p:txBody>
@@ -11597,25 +11681,18 @@
           <a:p>
             <a:pPr>
               <a:tabLst>
-                <a:tab pos="4081463" algn="l"/>
+                <a:tab pos="4659313" algn="l"/>
               </a:tabLst>
             </a:pPr>
             <a:r>
               <a:rPr lang="nl-NL"/>
-              <a:t>Load the "xlsx" Package	install.packages("xlsx")</a:t>
-            </a:r>
-            <a:br>
-              <a:rPr lang="nl-NL"/>
-            </a:br>
-            <a:r>
-              <a:rPr lang="nl-NL"/>
-              <a:t>	library("xlsx")</a:t>
+              <a:t>Reading from a CSV file 	read.csv("input.csv")</a:t>
             </a:r>
           </a:p>
           <a:p>
             <a:pPr>
               <a:tabLst>
-                <a:tab pos="4081463" algn="l"/>
+                <a:tab pos="4659313" algn="l"/>
               </a:tabLst>
             </a:pPr>
             <a:endParaRPr lang="nl-NL"/>
@@ -11623,12 +11700,31 @@
           <a:p>
             <a:pPr>
               <a:tabLst>
-                <a:tab pos="4081463" algn="l"/>
+                <a:tab pos="4659313" algn="l"/>
               </a:tabLst>
             </a:pPr>
             <a:r>
               <a:rPr lang="nl-NL"/>
-              <a:t>Reading the Excel File	read.xlsx("input.xlsx", sheetIndex = 1)</a:t>
+              <a:t>Getting and Setting the Working Directory	getwd() &amp; setwd()</a:t>
+            </a:r>
+          </a:p>
+          <a:p>
+            <a:pPr>
+              <a:tabLst>
+                <a:tab pos="4659313" algn="l"/>
+              </a:tabLst>
+            </a:pPr>
+            <a:endParaRPr lang="nl-NL"/>
+          </a:p>
+          <a:p>
+            <a:pPr>
+              <a:tabLst>
+                <a:tab pos="4659313" algn="l"/>
+              </a:tabLst>
+            </a:pPr>
+            <a:r>
+              <a:rPr lang="nl-NL"/>
+              <a:t>Writing into a CSV File	write.csv()</a:t>
             </a:r>
           </a:p>
         </p:txBody>
@@ -11636,7 +11732,7 @@
     </p:spTree>
     <p:extLst>
       <p:ext uri="{BB962C8B-B14F-4D97-AF65-F5344CB8AC3E}">
-        <p14:creationId xmlns:p14="http://schemas.microsoft.com/office/powerpoint/2010/main" val="1818189579"/>
+        <p14:creationId xmlns:p14="http://schemas.microsoft.com/office/powerpoint/2010/main" val="3599458289"/>
       </p:ext>
     </p:extLst>
   </p:cSld>
@@ -11686,7 +11782,7 @@
           <a:p>
             <a:r>
               <a:rPr lang="nl-NL"/>
-              <a:t>Reading data from XML</a:t>
+              <a:t>Reading data from an Excel file</a:t>
             </a:r>
           </a:p>
         </p:txBody>
@@ -11714,81 +11810,38 @@
           <a:p>
             <a:pPr>
               <a:tabLst>
-                <a:tab pos="3990975" algn="l"/>
+                <a:tab pos="4081463" algn="l"/>
               </a:tabLst>
             </a:pPr>
             <a:r>
               <a:rPr lang="nl-NL"/>
-              <a:t>Load the required packages 	install.packages("XML")</a:t>
+              <a:t>Load the "xlsx" Package	install.packages("xlsx")</a:t>
             </a:r>
             <a:br>
               <a:rPr lang="nl-NL"/>
             </a:br>
             <a:r>
               <a:rPr lang="nl-NL"/>
-              <a:t>	library("XML")</a:t>
-            </a:r>
-            <a:br>
-              <a:rPr lang="nl-NL"/>
-            </a:br>
-            <a:r>
-              <a:rPr lang="nl-NL"/>
-              <a:t>	library("methods")</a:t>
+              <a:t>	library("xlsx")</a:t>
             </a:r>
           </a:p>
           <a:p>
             <a:pPr>
               <a:tabLst>
-                <a:tab pos="3990975" algn="l"/>
+                <a:tab pos="4081463" algn="l"/>
               </a:tabLst>
             </a:pPr>
-            <a:r>
-              <a:rPr lang="nl-NL"/>
-              <a:t>Read a XML file	xmlParse(file = "input.xml")</a:t>
-            </a:r>
+            <a:endParaRPr lang="nl-NL"/>
           </a:p>
           <a:p>
             <a:pPr>
               <a:tabLst>
-                <a:tab pos="3990975" algn="l"/>
+                <a:tab pos="4081463" algn="l"/>
               </a:tabLst>
             </a:pPr>
             <a:r>
               <a:rPr lang="nl-NL"/>
-              <a:t>Extract the root node	rootnode &lt;- xmlRoot(result)</a:t>
-            </a:r>
-          </a:p>
-          <a:p>
-            <a:pPr>
-              <a:tabLst>
-                <a:tab pos="3990975" algn="l"/>
-              </a:tabLst>
-            </a:pPr>
-            <a:r>
-              <a:rPr lang="nl-NL"/>
-              <a:t>Find number of nodes in the root	rootsize &lt;- xmlSize(rootnode)</a:t>
-            </a:r>
-          </a:p>
-          <a:p>
-            <a:pPr>
-              <a:tabLst>
-                <a:tab pos="3990975" algn="l"/>
-              </a:tabLst>
-            </a:pPr>
-            <a:r>
-              <a:rPr lang="nl-NL"/>
-              <a:t>Get the first node	 rootnode[1]</a:t>
-            </a:r>
-          </a:p>
-          <a:p>
-            <a:pPr>
-              <a:tabLst>
-                <a:tab pos="3990975" algn="l"/>
-              </a:tabLst>
-            </a:pPr>
-            <a:r>
-              <a:rPr lang="nl-NL"/>
-              <a:t>XML to Data Frame	 xmlToDataFrame("input.xml")</a:t>
+              <a:t>Reading the Excel File	read.xlsx("input.xlsx", sheetIndex = 1)</a:t>
             </a:r>
           </a:p>
         </p:txBody>
@@ -11796,7 +11849,7 @@
     </p:spTree>
     <p:extLst>
       <p:ext uri="{BB962C8B-B14F-4D97-AF65-F5344CB8AC3E}">
-        <p14:creationId xmlns:p14="http://schemas.microsoft.com/office/powerpoint/2010/main" val="1326603536"/>
+        <p14:creationId xmlns:p14="http://schemas.microsoft.com/office/powerpoint/2010/main" val="1818189579"/>
       </p:ext>
     </p:extLst>
   </p:cSld>
@@ -11846,7 +11899,7 @@
           <a:p>
             <a:r>
               <a:rPr lang="nl-NL"/>
-              <a:t>Reading data from JSON</a:t>
+              <a:t>Reading data from XML</a:t>
             </a:r>
           </a:p>
         </p:txBody>
@@ -11874,34 +11927,81 @@
           <a:p>
             <a:pPr>
               <a:tabLst>
-                <a:tab pos="3503613" algn="l"/>
+                <a:tab pos="3990975" algn="l"/>
               </a:tabLst>
             </a:pPr>
             <a:r>
               <a:rPr lang="nl-NL"/>
-              <a:t>Load the required  package	library("rjson")</a:t>
+              <a:t>Load the required packages 	install.packages("XML")</a:t>
+            </a:r>
+            <a:br>
+              <a:rPr lang="nl-NL"/>
+            </a:br>
+            <a:r>
+              <a:rPr lang="nl-NL"/>
+              <a:t>	library("XML")</a:t>
+            </a:r>
+            <a:br>
+              <a:rPr lang="nl-NL"/>
+            </a:br>
+            <a:r>
+              <a:rPr lang="nl-NL"/>
+              <a:t>	library("methods")</a:t>
             </a:r>
           </a:p>
           <a:p>
             <a:pPr>
               <a:tabLst>
-                <a:tab pos="3503613" algn="l"/>
+                <a:tab pos="3990975" algn="l"/>
               </a:tabLst>
             </a:pPr>
             <a:r>
               <a:rPr lang="nl-NL"/>
-              <a:t>Read the JSON file	result &lt;- fromJSON(file = "input.json")</a:t>
+              <a:t>Read a XML file	xmlParse(file = "input.xml")</a:t>
             </a:r>
           </a:p>
           <a:p>
             <a:pPr>
               <a:tabLst>
-                <a:tab pos="3503613" algn="l"/>
+                <a:tab pos="3990975" algn="l"/>
               </a:tabLst>
             </a:pPr>
             <a:r>
               <a:rPr lang="nl-NL"/>
-              <a:t>Convert to a data frame	json_data_frame &lt;- as.data.frame(result)</a:t>
+              <a:t>Extract the root node	rootnode &lt;- xmlRoot(result)</a:t>
+            </a:r>
+          </a:p>
+          <a:p>
+            <a:pPr>
+              <a:tabLst>
+                <a:tab pos="3990975" algn="l"/>
+              </a:tabLst>
+            </a:pPr>
+            <a:r>
+              <a:rPr lang="nl-NL"/>
+              <a:t>Find number of nodes in the root	rootsize &lt;- xmlSize(rootnode)</a:t>
+            </a:r>
+          </a:p>
+          <a:p>
+            <a:pPr>
+              <a:tabLst>
+                <a:tab pos="3990975" algn="l"/>
+              </a:tabLst>
+            </a:pPr>
+            <a:r>
+              <a:rPr lang="nl-NL"/>
+              <a:t>Get the first node	 rootnode[1]</a:t>
+            </a:r>
+          </a:p>
+          <a:p>
+            <a:pPr>
+              <a:tabLst>
+                <a:tab pos="3990975" algn="l"/>
+              </a:tabLst>
+            </a:pPr>
+            <a:r>
+              <a:rPr lang="nl-NL"/>
+              <a:t>XML to Data Frame	 xmlToDataFrame("input.xml")</a:t>
             </a:r>
           </a:p>
         </p:txBody>
@@ -11909,7 +12009,7 @@
     </p:spTree>
     <p:extLst>
       <p:ext uri="{BB962C8B-B14F-4D97-AF65-F5344CB8AC3E}">
-        <p14:creationId xmlns:p14="http://schemas.microsoft.com/office/powerpoint/2010/main" val="107662754"/>
+        <p14:creationId xmlns:p14="http://schemas.microsoft.com/office/powerpoint/2010/main" val="1326603536"/>
       </p:ext>
     </p:extLst>
   </p:cSld>
@@ -11959,7 +12059,7 @@
           <a:p>
             <a:r>
               <a:rPr lang="nl-NL"/>
-              <a:t>Reading data from a Web Page</a:t>
+              <a:t>Reading data from JSON</a:t>
             </a:r>
           </a:p>
         </p:txBody>
@@ -11987,26 +12087,34 @@
           <a:p>
             <a:pPr>
               <a:tabLst>
-                <a:tab pos="3990975" algn="l"/>
+                <a:tab pos="3503613" algn="l"/>
               </a:tabLst>
             </a:pPr>
             <a:r>
               <a:rPr lang="nl-NL"/>
-              <a:t>Load the required packages 	install.packages("RCurl") 	install.packages("XML")</a:t>
-            </a:r>
-            <a:br>
-              <a:rPr lang="nl-NL"/>
-            </a:br>
-            <a:r>
-              <a:rPr lang="nl-NL"/>
-              <a:t>	install.packages("stringr")</a:t>
-            </a:r>
-            <a:br>
-              <a:rPr lang="nl-NL"/>
-            </a:br>
-            <a:r>
-              <a:rPr lang="nl-NL"/>
-              <a:t>	install.packages("plyr")</a:t>
+              <a:t>Load the required  package	library("rjson")</a:t>
+            </a:r>
+          </a:p>
+          <a:p>
+            <a:pPr>
+              <a:tabLst>
+                <a:tab pos="3503613" algn="l"/>
+              </a:tabLst>
+            </a:pPr>
+            <a:r>
+              <a:rPr lang="nl-NL"/>
+              <a:t>Read the JSON file	result &lt;- fromJSON(file = "input.json")</a:t>
+            </a:r>
+          </a:p>
+          <a:p>
+            <a:pPr>
+              <a:tabLst>
+                <a:tab pos="3503613" algn="l"/>
+              </a:tabLst>
+            </a:pPr>
+            <a:r>
+              <a:rPr lang="nl-NL"/>
+              <a:t>Convert to a data frame	json_data_frame &lt;- as.data.frame(result)</a:t>
             </a:r>
           </a:p>
         </p:txBody>
@@ -12014,7 +12122,7 @@
     </p:spTree>
     <p:extLst>
       <p:ext uri="{BB962C8B-B14F-4D97-AF65-F5344CB8AC3E}">
-        <p14:creationId xmlns:p14="http://schemas.microsoft.com/office/powerpoint/2010/main" val="2916799614"/>
+        <p14:creationId xmlns:p14="http://schemas.microsoft.com/office/powerpoint/2010/main" val="107662754"/>
       </p:ext>
     </p:extLst>
   </p:cSld>
@@ -12064,7 +12172,7 @@
           <a:p>
             <a:r>
               <a:rPr lang="nl-NL"/>
-              <a:t>Reading data from a Database</a:t>
+              <a:t>Reading data from a Web Page</a:t>
             </a:r>
           </a:p>
         </p:txBody>
@@ -12085,92 +12193,33 @@
             <p:ph idx="1"/>
           </p:nvPr>
         </p:nvSpPr>
-        <p:spPr>
-          <a:xfrm>
-            <a:off x="628650" y="1825625"/>
-            <a:ext cx="8389620" cy="3897443"/>
-          </a:xfrm>
-        </p:spPr>
+        <p:spPr/>
         <p:txBody>
           <a:bodyPr/>
           <a:lstStyle/>
           <a:p>
             <a:pPr>
               <a:tabLst>
-                <a:tab pos="3151188" algn="l"/>
+                <a:tab pos="3990975" algn="l"/>
               </a:tabLst>
             </a:pPr>
             <a:r>
               <a:rPr lang="nl-NL"/>
-              <a:t>Load the required packages 	install.packages("RMySQL")</a:t>
-            </a:r>
-          </a:p>
-          <a:p>
-            <a:pPr>
-              <a:tabLst>
-                <a:tab pos="3151188" algn="l"/>
-              </a:tabLst>
-            </a:pPr>
-            <a:r>
-              <a:rPr lang="nl-NL"/>
-              <a:t>Connect to the database	 mysqlconnection &lt;- dbConnect(MySQL(), </a:t>
+              <a:t>Load the required packages 	install.packages("RCurl") 	install.packages("XML")</a:t>
             </a:r>
             <a:br>
               <a:rPr lang="nl-NL"/>
             </a:br>
             <a:r>
               <a:rPr lang="nl-NL"/>
-              <a:t>	                                                         user = 'root', </a:t>
+              <a:t>	install.packages("stringr")</a:t>
             </a:r>
             <a:br>
               <a:rPr lang="nl-NL"/>
             </a:br>
             <a:r>
               <a:rPr lang="nl-NL"/>
-              <a:t>	                                                         password = '', </a:t>
-            </a:r>
-            <a:br>
-              <a:rPr lang="nl-NL"/>
-            </a:br>
-            <a:r>
-              <a:rPr lang="nl-NL"/>
-              <a:t>	                                                         dbname = 'sakila', </a:t>
-            </a:r>
-            <a:br>
-              <a:rPr lang="nl-NL"/>
-            </a:br>
-            <a:r>
-              <a:rPr lang="nl-NL"/>
-              <a:t>	                                                         host = 'localhost')</a:t>
-            </a:r>
-          </a:p>
-          <a:p>
-            <a:pPr>
-              <a:tabLst>
-                <a:tab pos="3151188" algn="l"/>
-              </a:tabLst>
-            </a:pPr>
-            <a:r>
-              <a:rPr lang="nl-NL"/>
-              <a:t>Querying the Tables	sql &lt;- "select * from actor"</a:t>
-            </a:r>
-            <a:br>
-              <a:rPr lang="nl-NL"/>
-            </a:br>
-            <a:r>
-              <a:rPr lang="nl-NL"/>
-              <a:t>	result &lt;- dbSendQuery(mysqlconnection, sql)</a:t>
-            </a:r>
-          </a:p>
-          <a:p>
-            <a:pPr>
-              <a:tabLst>
-                <a:tab pos="3151188" algn="l"/>
-              </a:tabLst>
-            </a:pPr>
-            <a:r>
-              <a:rPr lang="nl-NL"/>
-              <a:t>store it as a data frame	data.frame = fetch(result, n = -1)</a:t>
+              <a:t>	install.packages("plyr")</a:t>
             </a:r>
           </a:p>
         </p:txBody>
@@ -12178,7 +12227,7 @@
     </p:spTree>
     <p:extLst>
       <p:ext uri="{BB962C8B-B14F-4D97-AF65-F5344CB8AC3E}">
-        <p14:creationId xmlns:p14="http://schemas.microsoft.com/office/powerpoint/2010/main" val="2002322665"/>
+        <p14:creationId xmlns:p14="http://schemas.microsoft.com/office/powerpoint/2010/main" val="2916799614"/>
       </p:ext>
     </p:extLst>
   </p:cSld>
@@ -12210,7 +12259,7 @@
           <p:cNvPr id="2" name="Titel 1">
             <a:extLst>
               <a:ext uri="{FF2B5EF4-FFF2-40B4-BE49-F238E27FC236}">
-                <a16:creationId xmlns:a16="http://schemas.microsoft.com/office/drawing/2014/main" id="{C9FE5AC4-9D27-5B4C-9D01-FA9549B47C7B}"/>
+                <a16:creationId xmlns:a16="http://schemas.microsoft.com/office/drawing/2014/main" id="{C5EFACCF-13C6-FF4C-964B-0AE92D94DCB3}"/>
               </a:ext>
             </a:extLst>
           </p:cNvPr>
@@ -12228,7 +12277,7 @@
           <a:p>
             <a:r>
               <a:rPr lang="nl-NL"/>
-              <a:t>Column Names</a:t>
+              <a:t>Reading data from a Database</a:t>
             </a:r>
           </a:p>
         </p:txBody>
@@ -12238,7 +12287,7 @@
           <p:cNvPr id="3" name="Tijdelijke aanduiding voor inhoud 2">
             <a:extLst>
               <a:ext uri="{FF2B5EF4-FFF2-40B4-BE49-F238E27FC236}">
-                <a16:creationId xmlns:a16="http://schemas.microsoft.com/office/drawing/2014/main" id="{9C6ECB8A-E09B-F041-802B-F82FEF8F1C48}"/>
+                <a16:creationId xmlns:a16="http://schemas.microsoft.com/office/drawing/2014/main" id="{087CD5E0-2D54-2440-B741-8475C0444CD7}"/>
               </a:ext>
             </a:extLst>
           </p:cNvPr>
@@ -12249,14 +12298,92 @@
             <p:ph idx="1"/>
           </p:nvPr>
         </p:nvSpPr>
-        <p:spPr/>
+        <p:spPr>
+          <a:xfrm>
+            <a:off x="628650" y="1825625"/>
+            <a:ext cx="8389620" cy="3897443"/>
+          </a:xfrm>
+        </p:spPr>
         <p:txBody>
           <a:bodyPr/>
           <a:lstStyle/>
           <a:p>
-            <a:r>
-              <a:rPr lang="nl-NL"/>
-              <a:t>colnames()</a:t>
+            <a:pPr>
+              <a:tabLst>
+                <a:tab pos="3151188" algn="l"/>
+              </a:tabLst>
+            </a:pPr>
+            <a:r>
+              <a:rPr lang="nl-NL"/>
+              <a:t>Load the required packages 	install.packages("RMySQL")</a:t>
+            </a:r>
+          </a:p>
+          <a:p>
+            <a:pPr>
+              <a:tabLst>
+                <a:tab pos="3151188" algn="l"/>
+              </a:tabLst>
+            </a:pPr>
+            <a:r>
+              <a:rPr lang="nl-NL"/>
+              <a:t>Connect to the database	 mysqlconnection &lt;- dbConnect(MySQL(), </a:t>
+            </a:r>
+            <a:br>
+              <a:rPr lang="nl-NL"/>
+            </a:br>
+            <a:r>
+              <a:rPr lang="nl-NL"/>
+              <a:t>	                                                         user = 'root', </a:t>
+            </a:r>
+            <a:br>
+              <a:rPr lang="nl-NL"/>
+            </a:br>
+            <a:r>
+              <a:rPr lang="nl-NL"/>
+              <a:t>	                                                         password = '', </a:t>
+            </a:r>
+            <a:br>
+              <a:rPr lang="nl-NL"/>
+            </a:br>
+            <a:r>
+              <a:rPr lang="nl-NL"/>
+              <a:t>	                                                         dbname = 'sakila', </a:t>
+            </a:r>
+            <a:br>
+              <a:rPr lang="nl-NL"/>
+            </a:br>
+            <a:r>
+              <a:rPr lang="nl-NL"/>
+              <a:t>	                                                         host = 'localhost')</a:t>
+            </a:r>
+          </a:p>
+          <a:p>
+            <a:pPr>
+              <a:tabLst>
+                <a:tab pos="3151188" algn="l"/>
+              </a:tabLst>
+            </a:pPr>
+            <a:r>
+              <a:rPr lang="nl-NL"/>
+              <a:t>Querying the Tables	sql &lt;- "select * from actor"</a:t>
+            </a:r>
+            <a:br>
+              <a:rPr lang="nl-NL"/>
+            </a:br>
+            <a:r>
+              <a:rPr lang="nl-NL"/>
+              <a:t>	result &lt;- dbSendQuery(mysqlconnection, sql)</a:t>
+            </a:r>
+          </a:p>
+          <a:p>
+            <a:pPr>
+              <a:tabLst>
+                <a:tab pos="3151188" algn="l"/>
+              </a:tabLst>
+            </a:pPr>
+            <a:r>
+              <a:rPr lang="nl-NL"/>
+              <a:t>store it as a data frame	data.frame = fetch(result, n = -1)</a:t>
             </a:r>
           </a:p>
         </p:txBody>
@@ -12264,7 +12391,7 @@
     </p:spTree>
     <p:extLst>
       <p:ext uri="{BB962C8B-B14F-4D97-AF65-F5344CB8AC3E}">
-        <p14:creationId xmlns:p14="http://schemas.microsoft.com/office/powerpoint/2010/main" val="1035248272"/>
+        <p14:creationId xmlns:p14="http://schemas.microsoft.com/office/powerpoint/2010/main" val="2002322665"/>
       </p:ext>
     </p:extLst>
   </p:cSld>
@@ -12296,7 +12423,7 @@
           <p:cNvPr id="2" name="Titel 1">
             <a:extLst>
               <a:ext uri="{FF2B5EF4-FFF2-40B4-BE49-F238E27FC236}">
-                <a16:creationId xmlns:a16="http://schemas.microsoft.com/office/drawing/2014/main" id="{44581454-6C6E-4841-BDF7-D6258BC689BB}"/>
+                <a16:creationId xmlns:a16="http://schemas.microsoft.com/office/drawing/2014/main" id="{C9FE5AC4-9D27-5B4C-9D01-FA9549B47C7B}"/>
               </a:ext>
             </a:extLst>
           </p:cNvPr>
@@ -12314,7 +12441,7 @@
           <a:p>
             <a:r>
               <a:rPr lang="nl-NL"/>
-              <a:t>Selecting Columns</a:t>
+              <a:t>Column Names</a:t>
             </a:r>
           </a:p>
         </p:txBody>
@@ -12324,7 +12451,7 @@
           <p:cNvPr id="3" name="Tijdelijke aanduiding voor inhoud 2">
             <a:extLst>
               <a:ext uri="{FF2B5EF4-FFF2-40B4-BE49-F238E27FC236}">
-                <a16:creationId xmlns:a16="http://schemas.microsoft.com/office/drawing/2014/main" id="{483D57E9-5699-EF46-8483-B81BBCCFFED0}"/>
+                <a16:creationId xmlns:a16="http://schemas.microsoft.com/office/drawing/2014/main" id="{9C6ECB8A-E09B-F041-802B-F82FEF8F1C48}"/>
               </a:ext>
             </a:extLst>
           </p:cNvPr>
@@ -12342,44 +12469,7 @@
           <a:p>
             <a:r>
               <a:rPr lang="nl-NL"/>
-              <a:t>df$name</a:t>
-            </a:r>
-          </a:p>
-          <a:p>
-            <a:r>
-              <a:rPr lang="nl-NL"/>
-              <a:t>df['name']</a:t>
-            </a:r>
-          </a:p>
-          <a:p>
-            <a:r>
-              <a:rPr lang="nl-NL"/>
-              <a:t>df[['name']]</a:t>
-            </a:r>
-          </a:p>
-          <a:p>
-            <a:endParaRPr lang="nl-NL"/>
-          </a:p>
-          <a:p>
-            <a:r>
-              <a:rPr lang="nl-NL"/>
-              <a:t>The difference is that </a:t>
-            </a:r>
-            <a:r>
-              <a:rPr lang="nl-NL" b="1"/>
-              <a:t>single square brackets will maintain the original input structure</a:t>
-            </a:r>
-            <a:r>
-              <a:rPr lang="nl-NL"/>
-              <a:t> but the </a:t>
-            </a:r>
-            <a:r>
-              <a:rPr lang="nl-NL" b="1"/>
-              <a:t>double will simplify it</a:t>
-            </a:r>
-            <a:r>
-              <a:rPr lang="nl-NL"/>
-              <a:t> as much as possible</a:t>
+              <a:t>colnames()</a:t>
             </a:r>
           </a:p>
         </p:txBody>
@@ -12387,7 +12477,7 @@
     </p:spTree>
     <p:extLst>
       <p:ext uri="{BB962C8B-B14F-4D97-AF65-F5344CB8AC3E}">
-        <p14:creationId xmlns:p14="http://schemas.microsoft.com/office/powerpoint/2010/main" val="2056710430"/>
+        <p14:creationId xmlns:p14="http://schemas.microsoft.com/office/powerpoint/2010/main" val="1035248272"/>
       </p:ext>
     </p:extLst>
   </p:cSld>
@@ -12419,7 +12509,7 @@
           <p:cNvPr id="2" name="Titel 1">
             <a:extLst>
               <a:ext uri="{FF2B5EF4-FFF2-40B4-BE49-F238E27FC236}">
-                <a16:creationId xmlns:a16="http://schemas.microsoft.com/office/drawing/2014/main" id="{0B6EA72E-D065-0142-81BB-E970302DD512}"/>
+                <a16:creationId xmlns:a16="http://schemas.microsoft.com/office/drawing/2014/main" id="{44581454-6C6E-4841-BDF7-D6258BC689BB}"/>
               </a:ext>
             </a:extLst>
           </p:cNvPr>
@@ -12437,7 +12527,7 @@
           <a:p>
             <a:r>
               <a:rPr lang="nl-NL"/>
-              <a:t>Sorting</a:t>
+              <a:t>Selecting Columns</a:t>
             </a:r>
           </a:p>
         </p:txBody>
@@ -12447,7 +12537,7 @@
           <p:cNvPr id="3" name="Tijdelijke aanduiding voor inhoud 2">
             <a:extLst>
               <a:ext uri="{FF2B5EF4-FFF2-40B4-BE49-F238E27FC236}">
-                <a16:creationId xmlns:a16="http://schemas.microsoft.com/office/drawing/2014/main" id="{E6780CA6-FEC3-984A-97D3-A4FC8D222BB2}"/>
+                <a16:creationId xmlns:a16="http://schemas.microsoft.com/office/drawing/2014/main" id="{483D57E9-5699-EF46-8483-B81BBCCFFED0}"/>
               </a:ext>
             </a:extLst>
           </p:cNvPr>
@@ -12465,91 +12555,44 @@
           <a:p>
             <a:r>
               <a:rPr lang="nl-NL"/>
-              <a:t>The </a:t>
+              <a:t>df$name</a:t>
+            </a:r>
+          </a:p>
+          <a:p>
+            <a:r>
+              <a:rPr lang="nl-NL"/>
+              <a:t>df['name']</a:t>
+            </a:r>
+          </a:p>
+          <a:p>
+            <a:r>
+              <a:rPr lang="nl-NL"/>
+              <a:t>df[['name']]</a:t>
+            </a:r>
+          </a:p>
+          <a:p>
+            <a:endParaRPr lang="nl-NL"/>
+          </a:p>
+          <a:p>
+            <a:r>
+              <a:rPr lang="nl-NL"/>
+              <a:t>The difference is that </a:t>
             </a:r>
             <a:r>
               <a:rPr lang="nl-NL" b="1"/>
-              <a:t>order</a:t>
-            </a:r>
-            <a:r>
-              <a:rPr lang="nl-NL"/>
-              <a:t> function returns a permutation of the order of the elements of a vector. The output is an index vector.</a:t>
-            </a:r>
-          </a:p>
-          <a:p>
-            <a:r>
-              <a:rPr lang="nl-NL"/>
-              <a:t>order(data$x2)</a:t>
-            </a:r>
-          </a:p>
-          <a:p>
-            <a:endParaRPr lang="nl-NL"/>
-          </a:p>
-          <a:p>
-            <a:r>
-              <a:rPr lang="nl-NL"/>
-              <a:t>The </a:t>
+              <a:t>single square brackets will maintain the original input structure</a:t>
+            </a:r>
+            <a:r>
+              <a:rPr lang="nl-NL"/>
+              <a:t> but the </a:t>
             </a:r>
             <a:r>
               <a:rPr lang="nl-NL" b="1"/>
-              <a:t>sort</a:t>
-            </a:r>
-            <a:r>
-              <a:rPr lang="nl-NL"/>
-              <a:t> function returns sorted, in ascending order by default, the vector you pass as input.</a:t>
-            </a:r>
-          </a:p>
-          <a:p>
-            <a:r>
-              <a:rPr lang="nl-NL"/>
-              <a:t>sort(x, …)</a:t>
-            </a:r>
-          </a:p>
-          <a:p>
-            <a:endParaRPr lang="nl-NL"/>
-          </a:p>
-          <a:p>
-            <a:endParaRPr lang="nl-NL"/>
-          </a:p>
-        </p:txBody>
-      </p:sp>
-      <p:sp>
-        <p:nvSpPr>
-          <p:cNvPr id="4" name="Tekstvak 3">
-            <a:extLst>
-              <a:ext uri="{FF2B5EF4-FFF2-40B4-BE49-F238E27FC236}">
-                <a16:creationId xmlns:a16="http://schemas.microsoft.com/office/drawing/2014/main" id="{30683519-CF0A-DA4A-97BC-679570E35045}"/>
-              </a:ext>
-            </a:extLst>
-          </p:cNvPr>
-          <p:cNvSpPr txBox="1"/>
-          <p:nvPr/>
-        </p:nvSpPr>
-        <p:spPr>
-          <a:xfrm>
-            <a:off x="194310" y="6492875"/>
-            <a:ext cx="4743450" cy="307777"/>
-          </a:xfrm>
-          <a:prstGeom prst="rect">
-            <a:avLst/>
-          </a:prstGeom>
-          <a:noFill/>
-        </p:spPr>
-        <p:txBody>
-          <a:bodyPr wrap="square" rtlCol="0">
-            <a:spAutoFit/>
-          </a:bodyPr>
-          <a:lstStyle/>
-          <a:p>
-            <a:r>
-              <a:rPr lang="nl-NL" sz="1400">
-                <a:solidFill>
-                  <a:schemeClr val="accent6">
-                    <a:lumMod val="75000"/>
-                  </a:schemeClr>
-                </a:solidFill>
-              </a:rPr>
-              <a:t>★https://r-coder.com/sort-r/</a:t>
+              <a:t>double will simplify it</a:t>
+            </a:r>
+            <a:r>
+              <a:rPr lang="nl-NL"/>
+              <a:t> as much as possible</a:t>
             </a:r>
           </a:p>
         </p:txBody>
@@ -12557,7 +12600,7 @@
     </p:spTree>
     <p:extLst>
       <p:ext uri="{BB962C8B-B14F-4D97-AF65-F5344CB8AC3E}">
-        <p14:creationId xmlns:p14="http://schemas.microsoft.com/office/powerpoint/2010/main" val="1515232656"/>
+        <p14:creationId xmlns:p14="http://schemas.microsoft.com/office/powerpoint/2010/main" val="2056710430"/>
       </p:ext>
     </p:extLst>
   </p:cSld>
@@ -12589,7 +12632,7 @@
           <p:cNvPr id="2" name="Titel 1">
             <a:extLst>
               <a:ext uri="{FF2B5EF4-FFF2-40B4-BE49-F238E27FC236}">
-                <a16:creationId xmlns:a16="http://schemas.microsoft.com/office/drawing/2014/main" id="{4C5C9150-A8F3-1C41-96E1-39E4A0F4C604}"/>
+                <a16:creationId xmlns:a16="http://schemas.microsoft.com/office/drawing/2014/main" id="{0B6EA72E-D065-0142-81BB-E970302DD512}"/>
               </a:ext>
             </a:extLst>
           </p:cNvPr>
@@ -12607,7 +12650,7 @@
           <a:p>
             <a:r>
               <a:rPr lang="nl-NL"/>
-              <a:t>Filtering</a:t>
+              <a:t>Sorting</a:t>
             </a:r>
           </a:p>
         </p:txBody>
@@ -12617,7 +12660,7 @@
           <p:cNvPr id="3" name="Tijdelijke aanduiding voor inhoud 2">
             <a:extLst>
               <a:ext uri="{FF2B5EF4-FFF2-40B4-BE49-F238E27FC236}">
-                <a16:creationId xmlns:a16="http://schemas.microsoft.com/office/drawing/2014/main" id="{FB43E9C3-D6E4-B04B-B5A6-6240D9A94032}"/>
+                <a16:creationId xmlns:a16="http://schemas.microsoft.com/office/drawing/2014/main" id="{E6780CA6-FEC3-984A-97D3-A4FC8D222BB2}"/>
               </a:ext>
             </a:extLst>
           </p:cNvPr>
@@ -12635,13 +12678,21 @@
           <a:p>
             <a:r>
               <a:rPr lang="nl-NL"/>
-              <a:t>Subsetting with a boolean vector</a:t>
-            </a:r>
-          </a:p>
-          <a:p>
-            <a:r>
-              <a:rPr lang="nl-NL"/>
-              <a:t>my_df[my_df$z &gt; 5, ]</a:t>
+              <a:t>The </a:t>
+            </a:r>
+            <a:r>
+              <a:rPr lang="nl-NL" b="1"/>
+              <a:t>order</a:t>
+            </a:r>
+            <a:r>
+              <a:rPr lang="nl-NL"/>
+              <a:t> function returns a permutation of the order of the elements of a vector. The output is an index vector.</a:t>
+            </a:r>
+          </a:p>
+          <a:p>
+            <a:r>
+              <a:rPr lang="nl-NL"/>
+              <a:t>order(data$x2)</a:t>
             </a:r>
           </a:p>
           <a:p>
@@ -12650,39 +12701,24 @@
           <a:p>
             <a:r>
               <a:rPr lang="nl-NL"/>
-              <a:t># All values corresponding to Group 1</a:t>
-            </a:r>
-          </a:p>
-          <a:p>
+              <a:t>The </a:t>
+            </a:r>
             <a:r>
               <a:rPr lang="nl-NL" b="1"/>
-              <a:t>subset</a:t>
-            </a:r>
-            <a:r>
-              <a:rPr lang="nl-NL"/>
-              <a:t>(my_df, w == "Group 1")</a:t>
-            </a:r>
-          </a:p>
-          <a:p>
-            <a:r>
-              <a:rPr lang="nl-NL" b="1"/>
-              <a:t>subset</a:t>
-            </a:r>
-            <a:r>
-              <a:rPr lang="nl-NL"/>
-              <a:t>(my_df, x &gt; 3, select = </a:t>
-            </a:r>
-            <a:r>
-              <a:rPr lang="nl-NL" b="1"/>
-              <a:t>c</a:t>
-            </a:r>
-            <a:r>
-              <a:rPr lang="nl-NL"/>
-              <a:t>(x, w))</a:t>
-            </a:r>
-            <a:br>
-              <a:rPr lang="nl-NL"/>
-            </a:br>
+              <a:t>sort</a:t>
+            </a:r>
+            <a:r>
+              <a:rPr lang="nl-NL"/>
+              <a:t> function returns sorted, in ascending order by default, the vector you pass as input.</a:t>
+            </a:r>
+          </a:p>
+          <a:p>
+            <a:r>
+              <a:rPr lang="nl-NL"/>
+              <a:t>sort(x, …)</a:t>
+            </a:r>
+          </a:p>
+          <a:p>
             <a:endParaRPr lang="nl-NL"/>
           </a:p>
           <a:p>
@@ -12695,7 +12731,7 @@
           <p:cNvPr id="4" name="Tekstvak 3">
             <a:extLst>
               <a:ext uri="{FF2B5EF4-FFF2-40B4-BE49-F238E27FC236}">
-                <a16:creationId xmlns:a16="http://schemas.microsoft.com/office/drawing/2014/main" id="{D20DE910-7A60-C741-8F3D-BAE24E598AEA}"/>
+                <a16:creationId xmlns:a16="http://schemas.microsoft.com/office/drawing/2014/main" id="{30683519-CF0A-DA4A-97BC-679570E35045}"/>
               </a:ext>
             </a:extLst>
           </p:cNvPr>
@@ -12726,7 +12762,7 @@
                   </a:schemeClr>
                 </a:solidFill>
               </a:rPr>
-              <a:t>★ https://r-coder.com/subset-r/</a:t>
+              <a:t>★https://r-coder.com/sort-r/</a:t>
             </a:r>
           </a:p>
         </p:txBody>
@@ -12734,7 +12770,7 @@
     </p:spTree>
     <p:extLst>
       <p:ext uri="{BB962C8B-B14F-4D97-AF65-F5344CB8AC3E}">
-        <p14:creationId xmlns:p14="http://schemas.microsoft.com/office/powerpoint/2010/main" val="1427351087"/>
+        <p14:creationId xmlns:p14="http://schemas.microsoft.com/office/powerpoint/2010/main" val="1515232656"/>
       </p:ext>
     </p:extLst>
   </p:cSld>
@@ -12766,7 +12802,7 @@
           <p:cNvPr id="2" name="Titel 1">
             <a:extLst>
               <a:ext uri="{FF2B5EF4-FFF2-40B4-BE49-F238E27FC236}">
-                <a16:creationId xmlns:a16="http://schemas.microsoft.com/office/drawing/2014/main" id="{13BEF9F9-FE2E-604B-B8DF-9794A82226D8}"/>
+                <a16:creationId xmlns:a16="http://schemas.microsoft.com/office/drawing/2014/main" id="{4C5C9150-A8F3-1C41-96E1-39E4A0F4C604}"/>
               </a:ext>
             </a:extLst>
           </p:cNvPr>
@@ -12784,17 +12820,17 @@
           <a:p>
             <a:r>
               <a:rPr lang="nl-NL"/>
-              <a:t>Missing Values</a:t>
-            </a:r>
-          </a:p>
-        </p:txBody>
-      </p:sp>
-      <p:sp>
-        <p:nvSpPr>
-          <p:cNvPr id="4" name="Tijdelijke aanduiding voor inhoud 3">
-            <a:extLst>
-              <a:ext uri="{FF2B5EF4-FFF2-40B4-BE49-F238E27FC236}">
-                <a16:creationId xmlns:a16="http://schemas.microsoft.com/office/drawing/2014/main" id="{9080E36F-6A49-0D48-B96F-2B1B60DE01C4}"/>
+              <a:t>Filtering</a:t>
+            </a:r>
+          </a:p>
+        </p:txBody>
+      </p:sp>
+      <p:sp>
+        <p:nvSpPr>
+          <p:cNvPr id="3" name="Tijdelijke aanduiding voor inhoud 2">
+            <a:extLst>
+              <a:ext uri="{FF2B5EF4-FFF2-40B4-BE49-F238E27FC236}">
+                <a16:creationId xmlns:a16="http://schemas.microsoft.com/office/drawing/2014/main" id="{FB43E9C3-D6E4-B04B-B5A6-6240D9A94032}"/>
               </a:ext>
             </a:extLst>
           </p:cNvPr>
@@ -12812,23 +12848,67 @@
           <a:p>
             <a:r>
               <a:rPr lang="nl-NL"/>
-              <a:t>is.na()</a:t>
-            </a:r>
-          </a:p>
-          <a:p>
-            <a:r>
-              <a:rPr lang="nl-NL"/>
-              <a:t>which()</a:t>
-            </a:r>
-          </a:p>
-        </p:txBody>
-      </p:sp>
-      <p:sp>
-        <p:nvSpPr>
-          <p:cNvPr id="5" name="Tekstvak 4">
-            <a:extLst>
-              <a:ext uri="{FF2B5EF4-FFF2-40B4-BE49-F238E27FC236}">
-                <a16:creationId xmlns:a16="http://schemas.microsoft.com/office/drawing/2014/main" id="{C9BA70C5-EAF0-CA40-ACA2-B6534E394EB1}"/>
+              <a:t>Subsetting with a boolean vector</a:t>
+            </a:r>
+          </a:p>
+          <a:p>
+            <a:r>
+              <a:rPr lang="nl-NL"/>
+              <a:t>my_df[my_df$z &gt; 5, ]</a:t>
+            </a:r>
+          </a:p>
+          <a:p>
+            <a:endParaRPr lang="nl-NL"/>
+          </a:p>
+          <a:p>
+            <a:r>
+              <a:rPr lang="nl-NL"/>
+              <a:t># All values corresponding to Group 1</a:t>
+            </a:r>
+          </a:p>
+          <a:p>
+            <a:r>
+              <a:rPr lang="nl-NL" b="1"/>
+              <a:t>subset</a:t>
+            </a:r>
+            <a:r>
+              <a:rPr lang="nl-NL"/>
+              <a:t>(my_df, w == "Group 1")</a:t>
+            </a:r>
+          </a:p>
+          <a:p>
+            <a:r>
+              <a:rPr lang="nl-NL" b="1"/>
+              <a:t>subset</a:t>
+            </a:r>
+            <a:r>
+              <a:rPr lang="nl-NL"/>
+              <a:t>(my_df, x &gt; 3, select = </a:t>
+            </a:r>
+            <a:r>
+              <a:rPr lang="nl-NL" b="1"/>
+              <a:t>c</a:t>
+            </a:r>
+            <a:r>
+              <a:rPr lang="nl-NL"/>
+              <a:t>(x, w))</a:t>
+            </a:r>
+            <a:br>
+              <a:rPr lang="nl-NL"/>
+            </a:br>
+            <a:endParaRPr lang="nl-NL"/>
+          </a:p>
+          <a:p>
+            <a:endParaRPr lang="nl-NL"/>
+          </a:p>
+        </p:txBody>
+      </p:sp>
+      <p:sp>
+        <p:nvSpPr>
+          <p:cNvPr id="4" name="Tekstvak 3">
+            <a:extLst>
+              <a:ext uri="{FF2B5EF4-FFF2-40B4-BE49-F238E27FC236}">
+                <a16:creationId xmlns:a16="http://schemas.microsoft.com/office/drawing/2014/main" id="{D20DE910-7A60-C741-8F3D-BAE24E598AEA}"/>
               </a:ext>
             </a:extLst>
           </p:cNvPr>
@@ -12837,97 +12917,29 @@
         </p:nvSpPr>
         <p:spPr>
           <a:xfrm>
-            <a:off x="628650" y="2822407"/>
-            <a:ext cx="7886700" cy="2543155"/>
+            <a:off x="194310" y="6492875"/>
+            <a:ext cx="4743450" cy="307777"/>
           </a:xfrm>
           <a:prstGeom prst="rect">
             <a:avLst/>
           </a:prstGeom>
-          <a:solidFill>
-            <a:schemeClr val="accent1">
-              <a:lumMod val="20000"/>
-              <a:lumOff val="80000"/>
-            </a:schemeClr>
-          </a:solidFill>
-          <a:ln>
-            <a:solidFill>
-              <a:schemeClr val="bg2">
-                <a:lumMod val="50000"/>
-              </a:schemeClr>
-            </a:solidFill>
-          </a:ln>
-          <a:effectLst>
-            <a:outerShdw blurRad="50800" dist="38100" dir="2700000" algn="tl" rotWithShape="0">
-              <a:prstClr val="black">
-                <a:alpha val="40000"/>
-              </a:prstClr>
-            </a:outerShdw>
-          </a:effectLst>
+          <a:noFill/>
         </p:spPr>
         <p:txBody>
-          <a:bodyPr wrap="square" lIns="144000" tIns="144000" bIns="180000" rtlCol="0">
+          <a:bodyPr wrap="square" rtlCol="0">
             <a:spAutoFit/>
           </a:bodyPr>
-          <a:lstStyle>
-            <a:defPPr>
-              <a:defRPr lang="nl-NL"/>
-            </a:defPPr>
-            <a:lvl1pPr>
-              <a:defRPr sz="1600">
-                <a:latin typeface="Consolas" panose="020B0609020204030204" pitchFamily="49" charset="0"/>
-                <a:cs typeface="Consolas" panose="020B0609020204030204" pitchFamily="49" charset="0"/>
-              </a:defRPr>
-            </a:lvl1pPr>
-          </a:lstStyle>
-          <a:p>
-            <a:r>
-              <a:rPr lang="nl-NL"/>
-              <a:t>expl_data1 &lt;- data.frame(x1 = c(NA, 7, 8, 9, 3),</a:t>
-            </a:r>
-          </a:p>
-          <a:p>
-            <a:r>
-              <a:rPr lang="nl-NL"/>
-              <a:t>                         x2 = c(4, 1, NA, NA, 4), </a:t>
-            </a:r>
-          </a:p>
-          <a:p>
-            <a:r>
-              <a:rPr lang="nl-NL"/>
-              <a:t>                         x3 = c(1, 4, 2, 9, 6),</a:t>
-            </a:r>
-          </a:p>
-          <a:p>
-            <a:r>
-              <a:rPr lang="nl-NL"/>
-              <a:t>                         x4 = c("Hello", "Goodbye", NA, NA, NA)) </a:t>
-            </a:r>
-          </a:p>
-          <a:p>
-            <a:endParaRPr lang="nl-NL"/>
-          </a:p>
-          <a:p>
-            <a:r>
-              <a:rPr lang="nl-NL"/>
-              <a:t>which(is.na(expl_data1$x1)) </a:t>
-            </a:r>
-          </a:p>
-          <a:p>
-            <a:r>
-              <a:rPr lang="nl-NL"/>
-              <a:t>which(is.na(expl_data1$x2)) </a:t>
-            </a:r>
-          </a:p>
-          <a:p>
-            <a:r>
-              <a:rPr lang="nl-NL"/>
-              <a:t>which(is.na(expl_data1$x3)) </a:t>
-            </a:r>
-          </a:p>
-          <a:p>
-            <a:r>
-              <a:rPr lang="nl-NL"/>
-              <a:t>which(is.na(expl_data1$x4))</a:t>
+          <a:lstStyle/>
+          <a:p>
+            <a:r>
+              <a:rPr lang="nl-NL" sz="1400">
+                <a:solidFill>
+                  <a:schemeClr val="accent6">
+                    <a:lumMod val="75000"/>
+                  </a:schemeClr>
+                </a:solidFill>
+              </a:rPr>
+              <a:t>★ https://r-coder.com/subset-r/</a:t>
             </a:r>
           </a:p>
         </p:txBody>
@@ -12935,7 +12947,7 @@
     </p:spTree>
     <p:extLst>
       <p:ext uri="{BB962C8B-B14F-4D97-AF65-F5344CB8AC3E}">
-        <p14:creationId xmlns:p14="http://schemas.microsoft.com/office/powerpoint/2010/main" val="2464261449"/>
+        <p14:creationId xmlns:p14="http://schemas.microsoft.com/office/powerpoint/2010/main" val="1427351087"/>
       </p:ext>
     </p:extLst>
   </p:cSld>
@@ -13108,6 +13120,207 @@
           <p:cNvPr id="2" name="Titel 1">
             <a:extLst>
               <a:ext uri="{FF2B5EF4-FFF2-40B4-BE49-F238E27FC236}">
+                <a16:creationId xmlns:a16="http://schemas.microsoft.com/office/drawing/2014/main" id="{13BEF9F9-FE2E-604B-B8DF-9794A82226D8}"/>
+              </a:ext>
+            </a:extLst>
+          </p:cNvPr>
+          <p:cNvSpPr>
+            <a:spLocks noGrp="1"/>
+          </p:cNvSpPr>
+          <p:nvPr>
+            <p:ph type="title"/>
+          </p:nvPr>
+        </p:nvSpPr>
+        <p:spPr/>
+        <p:txBody>
+          <a:bodyPr/>
+          <a:lstStyle/>
+          <a:p>
+            <a:r>
+              <a:rPr lang="nl-NL"/>
+              <a:t>Missing Values</a:t>
+            </a:r>
+          </a:p>
+        </p:txBody>
+      </p:sp>
+      <p:sp>
+        <p:nvSpPr>
+          <p:cNvPr id="4" name="Tijdelijke aanduiding voor inhoud 3">
+            <a:extLst>
+              <a:ext uri="{FF2B5EF4-FFF2-40B4-BE49-F238E27FC236}">
+                <a16:creationId xmlns:a16="http://schemas.microsoft.com/office/drawing/2014/main" id="{9080E36F-6A49-0D48-B96F-2B1B60DE01C4}"/>
+              </a:ext>
+            </a:extLst>
+          </p:cNvPr>
+          <p:cNvSpPr>
+            <a:spLocks noGrp="1"/>
+          </p:cNvSpPr>
+          <p:nvPr>
+            <p:ph idx="1"/>
+          </p:nvPr>
+        </p:nvSpPr>
+        <p:spPr/>
+        <p:txBody>
+          <a:bodyPr/>
+          <a:lstStyle/>
+          <a:p>
+            <a:r>
+              <a:rPr lang="nl-NL"/>
+              <a:t>is.na()</a:t>
+            </a:r>
+          </a:p>
+          <a:p>
+            <a:r>
+              <a:rPr lang="nl-NL"/>
+              <a:t>which()</a:t>
+            </a:r>
+          </a:p>
+        </p:txBody>
+      </p:sp>
+      <p:sp>
+        <p:nvSpPr>
+          <p:cNvPr id="5" name="Tekstvak 4">
+            <a:extLst>
+              <a:ext uri="{FF2B5EF4-FFF2-40B4-BE49-F238E27FC236}">
+                <a16:creationId xmlns:a16="http://schemas.microsoft.com/office/drawing/2014/main" id="{C9BA70C5-EAF0-CA40-ACA2-B6534E394EB1}"/>
+              </a:ext>
+            </a:extLst>
+          </p:cNvPr>
+          <p:cNvSpPr txBox="1"/>
+          <p:nvPr/>
+        </p:nvSpPr>
+        <p:spPr>
+          <a:xfrm>
+            <a:off x="628650" y="2822407"/>
+            <a:ext cx="7886700" cy="2543155"/>
+          </a:xfrm>
+          <a:prstGeom prst="rect">
+            <a:avLst/>
+          </a:prstGeom>
+          <a:solidFill>
+            <a:schemeClr val="accent1">
+              <a:lumMod val="20000"/>
+              <a:lumOff val="80000"/>
+            </a:schemeClr>
+          </a:solidFill>
+          <a:ln>
+            <a:solidFill>
+              <a:schemeClr val="bg2">
+                <a:lumMod val="50000"/>
+              </a:schemeClr>
+            </a:solidFill>
+          </a:ln>
+          <a:effectLst>
+            <a:outerShdw blurRad="50800" dist="38100" dir="2700000" algn="tl" rotWithShape="0">
+              <a:prstClr val="black">
+                <a:alpha val="40000"/>
+              </a:prstClr>
+            </a:outerShdw>
+          </a:effectLst>
+        </p:spPr>
+        <p:txBody>
+          <a:bodyPr wrap="square" lIns="144000" tIns="144000" bIns="180000" rtlCol="0">
+            <a:spAutoFit/>
+          </a:bodyPr>
+          <a:lstStyle>
+            <a:defPPr>
+              <a:defRPr lang="nl-NL"/>
+            </a:defPPr>
+            <a:lvl1pPr>
+              <a:defRPr sz="1600">
+                <a:latin typeface="Consolas" panose="020B0609020204030204" pitchFamily="49" charset="0"/>
+                <a:cs typeface="Consolas" panose="020B0609020204030204" pitchFamily="49" charset="0"/>
+              </a:defRPr>
+            </a:lvl1pPr>
+          </a:lstStyle>
+          <a:p>
+            <a:r>
+              <a:rPr lang="nl-NL"/>
+              <a:t>expl_data1 &lt;- data.frame(x1 = c(NA, 7, 8, 9, 3),</a:t>
+            </a:r>
+          </a:p>
+          <a:p>
+            <a:r>
+              <a:rPr lang="nl-NL"/>
+              <a:t>                         x2 = c(4, 1, NA, NA, 4), </a:t>
+            </a:r>
+          </a:p>
+          <a:p>
+            <a:r>
+              <a:rPr lang="nl-NL"/>
+              <a:t>                         x3 = c(1, 4, 2, 9, 6),</a:t>
+            </a:r>
+          </a:p>
+          <a:p>
+            <a:r>
+              <a:rPr lang="nl-NL"/>
+              <a:t>                         x4 = c("Hello", "Goodbye", NA, NA, NA)) </a:t>
+            </a:r>
+          </a:p>
+          <a:p>
+            <a:endParaRPr lang="nl-NL"/>
+          </a:p>
+          <a:p>
+            <a:r>
+              <a:rPr lang="nl-NL"/>
+              <a:t>which(is.na(expl_data1$x1)) </a:t>
+            </a:r>
+          </a:p>
+          <a:p>
+            <a:r>
+              <a:rPr lang="nl-NL"/>
+              <a:t>which(is.na(expl_data1$x2)) </a:t>
+            </a:r>
+          </a:p>
+          <a:p>
+            <a:r>
+              <a:rPr lang="nl-NL"/>
+              <a:t>which(is.na(expl_data1$x3)) </a:t>
+            </a:r>
+          </a:p>
+          <a:p>
+            <a:r>
+              <a:rPr lang="nl-NL"/>
+              <a:t>which(is.na(expl_data1$x4))</a:t>
+            </a:r>
+          </a:p>
+        </p:txBody>
+      </p:sp>
+    </p:spTree>
+    <p:extLst>
+      <p:ext uri="{BB962C8B-B14F-4D97-AF65-F5344CB8AC3E}">
+        <p14:creationId xmlns:p14="http://schemas.microsoft.com/office/powerpoint/2010/main" val="2464261449"/>
+      </p:ext>
+    </p:extLst>
+  </p:cSld>
+  <p:clrMapOvr>
+    <a:masterClrMapping/>
+  </p:clrMapOvr>
+</p:sld>
+</file>
+
+<file path=ppt/slides/slide51.xml><?xml version="1.0" encoding="utf-8"?>
+<p:sld xmlns:a="http://schemas.openxmlformats.org/drawingml/2006/main" xmlns:r="http://schemas.openxmlformats.org/officeDocument/2006/relationships" xmlns:p="http://schemas.openxmlformats.org/presentationml/2006/main">
+  <p:cSld>
+    <p:spTree>
+      <p:nvGrpSpPr>
+        <p:cNvPr id="1" name=""/>
+        <p:cNvGrpSpPr/>
+        <p:nvPr/>
+      </p:nvGrpSpPr>
+      <p:grpSpPr>
+        <a:xfrm>
+          <a:off x="0" y="0"/>
+          <a:ext cx="0" cy="0"/>
+          <a:chOff x="0" y="0"/>
+          <a:chExt cx="0" cy="0"/>
+        </a:xfrm>
+      </p:grpSpPr>
+      <p:sp>
+        <p:nvSpPr>
+          <p:cNvPr id="2" name="Titel 1">
+            <a:extLst>
+              <a:ext uri="{FF2B5EF4-FFF2-40B4-BE49-F238E27FC236}">
                 <a16:creationId xmlns:a16="http://schemas.microsoft.com/office/drawing/2014/main" id="{A0D5AAEC-D5D7-9644-876E-B972A9DEACB4}"/>
               </a:ext>
             </a:extLst>
@@ -13196,7 +13409,7 @@
 </p:sld>
 </file>
 
-<file path=ppt/slides/slide51.xml><?xml version="1.0" encoding="utf-8"?>
+<file path=ppt/slides/slide52.xml><?xml version="1.0" encoding="utf-8"?>
 <p:sld xmlns:a="http://schemas.openxmlformats.org/drawingml/2006/main" xmlns:r="http://schemas.openxmlformats.org/officeDocument/2006/relationships" xmlns:p="http://schemas.openxmlformats.org/presentationml/2006/main">
   <p:cSld>
     <p:spTree>
@@ -13457,133 +13670,6 @@
 </p:sld>
 </file>
 
-<file path=ppt/slides/slide52.xml><?xml version="1.0" encoding="utf-8"?>
-<p:sld xmlns:a="http://schemas.openxmlformats.org/drawingml/2006/main" xmlns:r="http://schemas.openxmlformats.org/officeDocument/2006/relationships" xmlns:p="http://schemas.openxmlformats.org/presentationml/2006/main">
-  <p:cSld>
-    <p:spTree>
-      <p:nvGrpSpPr>
-        <p:cNvPr id="1" name=""/>
-        <p:cNvGrpSpPr/>
-        <p:nvPr/>
-      </p:nvGrpSpPr>
-      <p:grpSpPr>
-        <a:xfrm>
-          <a:off x="0" y="0"/>
-          <a:ext cx="0" cy="0"/>
-          <a:chOff x="0" y="0"/>
-          <a:chExt cx="0" cy="0"/>
-        </a:xfrm>
-      </p:grpSpPr>
-      <p:sp>
-        <p:nvSpPr>
-          <p:cNvPr id="2" name="Titel 1">
-            <a:extLst>
-              <a:ext uri="{FF2B5EF4-FFF2-40B4-BE49-F238E27FC236}">
-                <a16:creationId xmlns:a16="http://schemas.microsoft.com/office/drawing/2014/main" id="{91B1E1DA-EEE8-E148-8224-2F8B22D721EC}"/>
-              </a:ext>
-            </a:extLst>
-          </p:cNvPr>
-          <p:cNvSpPr>
-            <a:spLocks noGrp="1"/>
-          </p:cNvSpPr>
-          <p:nvPr>
-            <p:ph type="title"/>
-          </p:nvPr>
-        </p:nvSpPr>
-        <p:spPr/>
-        <p:txBody>
-          <a:bodyPr/>
-          <a:lstStyle/>
-          <a:p>
-            <a:r>
-              <a:rPr lang="nl-NL"/>
-              <a:t>Joining</a:t>
-            </a:r>
-          </a:p>
-        </p:txBody>
-      </p:sp>
-      <p:sp>
-        <p:nvSpPr>
-          <p:cNvPr id="3" name="Tijdelijke aanduiding voor inhoud 2">
-            <a:extLst>
-              <a:ext uri="{FF2B5EF4-FFF2-40B4-BE49-F238E27FC236}">
-                <a16:creationId xmlns:a16="http://schemas.microsoft.com/office/drawing/2014/main" id="{F6713873-F810-0440-98D9-BDBFD4FF42CC}"/>
-              </a:ext>
-            </a:extLst>
-          </p:cNvPr>
-          <p:cNvSpPr>
-            <a:spLocks noGrp="1"/>
-          </p:cNvSpPr>
-          <p:nvPr>
-            <p:ph idx="1"/>
-          </p:nvPr>
-        </p:nvSpPr>
-        <p:spPr/>
-        <p:txBody>
-          <a:bodyPr/>
-          <a:lstStyle/>
-          <a:p>
-            <a:r>
-              <a:rPr lang="nl-NL"/>
-              <a:t>merge()</a:t>
-            </a:r>
-          </a:p>
-        </p:txBody>
-      </p:sp>
-      <p:sp>
-        <p:nvSpPr>
-          <p:cNvPr id="4" name="Tekstvak 3">
-            <a:extLst>
-              <a:ext uri="{FF2B5EF4-FFF2-40B4-BE49-F238E27FC236}">
-                <a16:creationId xmlns:a16="http://schemas.microsoft.com/office/drawing/2014/main" id="{DBD05E88-A895-6D4F-8E5C-A3D1F2466A77}"/>
-              </a:ext>
-            </a:extLst>
-          </p:cNvPr>
-          <p:cNvSpPr txBox="1"/>
-          <p:nvPr/>
-        </p:nvSpPr>
-        <p:spPr>
-          <a:xfrm>
-            <a:off x="194310" y="6492875"/>
-            <a:ext cx="5977890" cy="307777"/>
-          </a:xfrm>
-          <a:prstGeom prst="rect">
-            <a:avLst/>
-          </a:prstGeom>
-          <a:noFill/>
-        </p:spPr>
-        <p:txBody>
-          <a:bodyPr wrap="square" rtlCol="0">
-            <a:spAutoFit/>
-          </a:bodyPr>
-          <a:lstStyle/>
-          <a:p>
-            <a:r>
-              <a:rPr lang="nl-NL" sz="1400">
-                <a:solidFill>
-                  <a:schemeClr val="accent6">
-                    <a:lumMod val="75000"/>
-                  </a:schemeClr>
-                </a:solidFill>
-              </a:rPr>
-              <a:t>★ https://www.datasciencemadesimple.com/join-in-r-merge-in-r/</a:t>
-            </a:r>
-          </a:p>
-        </p:txBody>
-      </p:sp>
-    </p:spTree>
-    <p:extLst>
-      <p:ext uri="{BB962C8B-B14F-4D97-AF65-F5344CB8AC3E}">
-        <p14:creationId xmlns:p14="http://schemas.microsoft.com/office/powerpoint/2010/main" val="3268070861"/>
-      </p:ext>
-    </p:extLst>
-  </p:cSld>
-  <p:clrMapOvr>
-    <a:masterClrMapping/>
-  </p:clrMapOvr>
-</p:sld>
-</file>
-
 <file path=ppt/slides/slide53.xml><?xml version="1.0" encoding="utf-8"?>
 <p:sld xmlns:a="http://schemas.openxmlformats.org/drawingml/2006/main" xmlns:r="http://schemas.openxmlformats.org/officeDocument/2006/relationships" xmlns:p="http://schemas.openxmlformats.org/presentationml/2006/main">
   <p:cSld>
@@ -13603,10 +13689,10 @@
       </p:grpSpPr>
       <p:sp>
         <p:nvSpPr>
-          <p:cNvPr id="3" name="Titel 2">
-            <a:extLst>
-              <a:ext uri="{FF2B5EF4-FFF2-40B4-BE49-F238E27FC236}">
-                <a16:creationId xmlns:a16="http://schemas.microsoft.com/office/drawing/2014/main" id="{ADC52F90-58DA-2541-9AD3-F6C6CCEF1CBF}"/>
+          <p:cNvPr id="2" name="Titel 1">
+            <a:extLst>
+              <a:ext uri="{FF2B5EF4-FFF2-40B4-BE49-F238E27FC236}">
+                <a16:creationId xmlns:a16="http://schemas.microsoft.com/office/drawing/2014/main" id="{91B1E1DA-EEE8-E148-8224-2F8B22D721EC}"/>
               </a:ext>
             </a:extLst>
           </p:cNvPr>
@@ -13624,7 +13710,76 @@
           <a:p>
             <a:r>
               <a:rPr lang="nl-NL"/>
-              <a:t>Visualisation</a:t>
+              <a:t>Joining</a:t>
+            </a:r>
+          </a:p>
+        </p:txBody>
+      </p:sp>
+      <p:sp>
+        <p:nvSpPr>
+          <p:cNvPr id="3" name="Tijdelijke aanduiding voor inhoud 2">
+            <a:extLst>
+              <a:ext uri="{FF2B5EF4-FFF2-40B4-BE49-F238E27FC236}">
+                <a16:creationId xmlns:a16="http://schemas.microsoft.com/office/drawing/2014/main" id="{F6713873-F810-0440-98D9-BDBFD4FF42CC}"/>
+              </a:ext>
+            </a:extLst>
+          </p:cNvPr>
+          <p:cNvSpPr>
+            <a:spLocks noGrp="1"/>
+          </p:cNvSpPr>
+          <p:nvPr>
+            <p:ph idx="1"/>
+          </p:nvPr>
+        </p:nvSpPr>
+        <p:spPr/>
+        <p:txBody>
+          <a:bodyPr/>
+          <a:lstStyle/>
+          <a:p>
+            <a:r>
+              <a:rPr lang="nl-NL"/>
+              <a:t>merge()</a:t>
+            </a:r>
+          </a:p>
+        </p:txBody>
+      </p:sp>
+      <p:sp>
+        <p:nvSpPr>
+          <p:cNvPr id="4" name="Tekstvak 3">
+            <a:extLst>
+              <a:ext uri="{FF2B5EF4-FFF2-40B4-BE49-F238E27FC236}">
+                <a16:creationId xmlns:a16="http://schemas.microsoft.com/office/drawing/2014/main" id="{DBD05E88-A895-6D4F-8E5C-A3D1F2466A77}"/>
+              </a:ext>
+            </a:extLst>
+          </p:cNvPr>
+          <p:cNvSpPr txBox="1"/>
+          <p:nvPr/>
+        </p:nvSpPr>
+        <p:spPr>
+          <a:xfrm>
+            <a:off x="194310" y="6492875"/>
+            <a:ext cx="5977890" cy="307777"/>
+          </a:xfrm>
+          <a:prstGeom prst="rect">
+            <a:avLst/>
+          </a:prstGeom>
+          <a:noFill/>
+        </p:spPr>
+        <p:txBody>
+          <a:bodyPr wrap="square" rtlCol="0">
+            <a:spAutoFit/>
+          </a:bodyPr>
+          <a:lstStyle/>
+          <a:p>
+            <a:r>
+              <a:rPr lang="nl-NL" sz="1400">
+                <a:solidFill>
+                  <a:schemeClr val="accent6">
+                    <a:lumMod val="75000"/>
+                  </a:schemeClr>
+                </a:solidFill>
+              </a:rPr>
+              <a:t>★ https://www.datasciencemadesimple.com/join-in-r-merge-in-r/</a:t>
             </a:r>
           </a:p>
         </p:txBody>
@@ -13632,7 +13787,7 @@
     </p:spTree>
     <p:extLst>
       <p:ext uri="{BB962C8B-B14F-4D97-AF65-F5344CB8AC3E}">
-        <p14:creationId xmlns:p14="http://schemas.microsoft.com/office/powerpoint/2010/main" val="841464087"/>
+        <p14:creationId xmlns:p14="http://schemas.microsoft.com/office/powerpoint/2010/main" val="3268070861"/>
       </p:ext>
     </p:extLst>
   </p:cSld>
@@ -13661,6 +13816,64 @@
       </p:grpSpPr>
       <p:sp>
         <p:nvSpPr>
+          <p:cNvPr id="3" name="Titel 2">
+            <a:extLst>
+              <a:ext uri="{FF2B5EF4-FFF2-40B4-BE49-F238E27FC236}">
+                <a16:creationId xmlns:a16="http://schemas.microsoft.com/office/drawing/2014/main" id="{ADC52F90-58DA-2541-9AD3-F6C6CCEF1CBF}"/>
+              </a:ext>
+            </a:extLst>
+          </p:cNvPr>
+          <p:cNvSpPr>
+            <a:spLocks noGrp="1"/>
+          </p:cNvSpPr>
+          <p:nvPr>
+            <p:ph type="title"/>
+          </p:nvPr>
+        </p:nvSpPr>
+        <p:spPr/>
+        <p:txBody>
+          <a:bodyPr/>
+          <a:lstStyle/>
+          <a:p>
+            <a:r>
+              <a:rPr lang="nl-NL"/>
+              <a:t>Visualisation</a:t>
+            </a:r>
+          </a:p>
+        </p:txBody>
+      </p:sp>
+    </p:spTree>
+    <p:extLst>
+      <p:ext uri="{BB962C8B-B14F-4D97-AF65-F5344CB8AC3E}">
+        <p14:creationId xmlns:p14="http://schemas.microsoft.com/office/powerpoint/2010/main" val="841464087"/>
+      </p:ext>
+    </p:extLst>
+  </p:cSld>
+  <p:clrMapOvr>
+    <a:masterClrMapping/>
+  </p:clrMapOvr>
+</p:sld>
+</file>
+
+<file path=ppt/slides/slide55.xml><?xml version="1.0" encoding="utf-8"?>
+<p:sld xmlns:a="http://schemas.openxmlformats.org/drawingml/2006/main" xmlns:r="http://schemas.openxmlformats.org/officeDocument/2006/relationships" xmlns:p="http://schemas.openxmlformats.org/presentationml/2006/main">
+  <p:cSld>
+    <p:spTree>
+      <p:nvGrpSpPr>
+        <p:cNvPr id="1" name=""/>
+        <p:cNvGrpSpPr/>
+        <p:nvPr/>
+      </p:nvGrpSpPr>
+      <p:grpSpPr>
+        <a:xfrm>
+          <a:off x="0" y="0"/>
+          <a:ext cx="0" cy="0"/>
+          <a:chOff x="0" y="0"/>
+          <a:chExt cx="0" cy="0"/>
+        </a:xfrm>
+      </p:grpSpPr>
+      <p:sp>
+        <p:nvSpPr>
           <p:cNvPr id="2" name="Titel 1">
             <a:extLst>
               <a:ext uri="{FF2B5EF4-FFF2-40B4-BE49-F238E27FC236}">
@@ -13683,6 +13896,55 @@
             <a:r>
               <a:rPr lang="nl-NL"/>
               <a:t>Pie Chart</a:t>
+            </a:r>
+          </a:p>
+        </p:txBody>
+      </p:sp>
+      <p:sp>
+        <p:nvSpPr>
+          <p:cNvPr id="3" name="Tijdelijke aanduiding voor inhoud 2">
+            <a:extLst>
+              <a:ext uri="{FF2B5EF4-FFF2-40B4-BE49-F238E27FC236}">
+                <a16:creationId xmlns:a16="http://schemas.microsoft.com/office/drawing/2014/main" id="{1714837C-9AE2-E445-997E-3818EF68496C}"/>
+              </a:ext>
+            </a:extLst>
+          </p:cNvPr>
+          <p:cNvSpPr>
+            <a:spLocks noGrp="1"/>
+          </p:cNvSpPr>
+          <p:nvPr>
+            <p:ph idx="1"/>
+          </p:nvPr>
+        </p:nvSpPr>
+        <p:spPr/>
+        <p:txBody>
+          <a:bodyPr/>
+          <a:lstStyle/>
+          <a:p>
+            <a:endParaRPr lang="nl-NL"/>
+          </a:p>
+          <a:p>
+            <a:endParaRPr lang="nl-NL"/>
+          </a:p>
+          <a:p>
+            <a:endParaRPr lang="nl-NL"/>
+          </a:p>
+          <a:p>
+            <a:endParaRPr lang="nl-NL"/>
+          </a:p>
+          <a:p>
+            <a:endParaRPr lang="nl-NL"/>
+          </a:p>
+          <a:p>
+            <a:endParaRPr lang="nl-NL"/>
+          </a:p>
+          <a:p>
+            <a:endParaRPr lang="nl-NL"/>
+          </a:p>
+          <a:p>
+            <a:r>
+              <a:rPr lang="nl-NL"/>
+              <a:t>pie(x, labels, radius, main, col, clockwise)</a:t>
             </a:r>
           </a:p>
         </p:txBody>
@@ -13747,7 +14009,7 @@
 </p:sld>
 </file>
 
-<file path=ppt/slides/slide55.xml><?xml version="1.0" encoding="utf-8"?>
+<file path=ppt/slides/slide56.xml><?xml version="1.0" encoding="utf-8"?>
 <p:sld xmlns:a="http://schemas.openxmlformats.org/drawingml/2006/main" xmlns:r="http://schemas.openxmlformats.org/officeDocument/2006/relationships" xmlns:p="http://schemas.openxmlformats.org/presentationml/2006/main">
   <p:cSld>
     <p:spTree>
@@ -13788,6 +14050,55 @@
             <a:r>
               <a:rPr lang="nl-NL"/>
               <a:t>Bar Chart</a:t>
+            </a:r>
+          </a:p>
+        </p:txBody>
+      </p:sp>
+      <p:sp>
+        <p:nvSpPr>
+          <p:cNvPr id="3" name="Tijdelijke aanduiding voor inhoud 2">
+            <a:extLst>
+              <a:ext uri="{FF2B5EF4-FFF2-40B4-BE49-F238E27FC236}">
+                <a16:creationId xmlns:a16="http://schemas.microsoft.com/office/drawing/2014/main" id="{F7347786-5463-3348-BAD8-ACC827D6A439}"/>
+              </a:ext>
+            </a:extLst>
+          </p:cNvPr>
+          <p:cNvSpPr>
+            <a:spLocks noGrp="1"/>
+          </p:cNvSpPr>
+          <p:nvPr>
+            <p:ph idx="1"/>
+          </p:nvPr>
+        </p:nvSpPr>
+        <p:spPr/>
+        <p:txBody>
+          <a:bodyPr/>
+          <a:lstStyle/>
+          <a:p>
+            <a:endParaRPr lang="nl-NL"/>
+          </a:p>
+          <a:p>
+            <a:endParaRPr lang="nl-NL"/>
+          </a:p>
+          <a:p>
+            <a:endParaRPr lang="nl-NL"/>
+          </a:p>
+          <a:p>
+            <a:endParaRPr lang="nl-NL"/>
+          </a:p>
+          <a:p>
+            <a:endParaRPr lang="nl-NL"/>
+          </a:p>
+          <a:p>
+            <a:endParaRPr lang="nl-NL"/>
+          </a:p>
+          <a:p>
+            <a:endParaRPr lang="nl-NL"/>
+          </a:p>
+          <a:p>
+            <a:r>
+              <a:rPr lang="nl-NL"/>
+              <a:t>barplot(H,xlab,ylab,main, names.arg,col)</a:t>
             </a:r>
           </a:p>
         </p:txBody>
@@ -13852,7 +14163,7 @@
 </p:sld>
 </file>
 
-<file path=ppt/slides/slide56.xml><?xml version="1.0" encoding="utf-8"?>
+<file path=ppt/slides/slide57.xml><?xml version="1.0" encoding="utf-8"?>
 <p:sld xmlns:a="http://schemas.openxmlformats.org/drawingml/2006/main" xmlns:r="http://schemas.openxmlformats.org/officeDocument/2006/relationships" xmlns:p="http://schemas.openxmlformats.org/presentationml/2006/main">
   <p:cSld>
     <p:spTree>
@@ -13893,6 +14204,55 @@
             <a:r>
               <a:rPr lang="nl-NL"/>
               <a:t>Boxplot</a:t>
+            </a:r>
+          </a:p>
+        </p:txBody>
+      </p:sp>
+      <p:sp>
+        <p:nvSpPr>
+          <p:cNvPr id="3" name="Tijdelijke aanduiding voor inhoud 2">
+            <a:extLst>
+              <a:ext uri="{FF2B5EF4-FFF2-40B4-BE49-F238E27FC236}">
+                <a16:creationId xmlns:a16="http://schemas.microsoft.com/office/drawing/2014/main" id="{FC6D0CFD-B60F-AE4E-A845-1CE929E69228}"/>
+              </a:ext>
+            </a:extLst>
+          </p:cNvPr>
+          <p:cNvSpPr>
+            <a:spLocks noGrp="1"/>
+          </p:cNvSpPr>
+          <p:nvPr>
+            <p:ph idx="1"/>
+          </p:nvPr>
+        </p:nvSpPr>
+        <p:spPr/>
+        <p:txBody>
+          <a:bodyPr/>
+          <a:lstStyle/>
+          <a:p>
+            <a:endParaRPr lang="nl-NL"/>
+          </a:p>
+          <a:p>
+            <a:endParaRPr lang="nl-NL"/>
+          </a:p>
+          <a:p>
+            <a:endParaRPr lang="nl-NL"/>
+          </a:p>
+          <a:p>
+            <a:endParaRPr lang="nl-NL"/>
+          </a:p>
+          <a:p>
+            <a:endParaRPr lang="nl-NL"/>
+          </a:p>
+          <a:p>
+            <a:endParaRPr lang="nl-NL"/>
+          </a:p>
+          <a:p>
+            <a:endParaRPr lang="nl-NL"/>
+          </a:p>
+          <a:p>
+            <a:r>
+              <a:rPr lang="nl-NL"/>
+              <a:t>boxplot(x, data, notch, varwidth, names, main)</a:t>
             </a:r>
           </a:p>
         </p:txBody>
@@ -13957,7 +14317,7 @@
 </p:sld>
 </file>
 
-<file path=ppt/slides/slide57.xml><?xml version="1.0" encoding="utf-8"?>
+<file path=ppt/slides/slide58.xml><?xml version="1.0" encoding="utf-8"?>
 <p:sld xmlns:a="http://schemas.openxmlformats.org/drawingml/2006/main" xmlns:r="http://schemas.openxmlformats.org/officeDocument/2006/relationships" xmlns:p="http://schemas.openxmlformats.org/presentationml/2006/main">
   <p:cSld>
     <p:spTree>
@@ -13998,6 +14358,55 @@
             <a:r>
               <a:rPr lang="nl-NL"/>
               <a:t>Histogram</a:t>
+            </a:r>
+          </a:p>
+        </p:txBody>
+      </p:sp>
+      <p:sp>
+        <p:nvSpPr>
+          <p:cNvPr id="3" name="Tijdelijke aanduiding voor inhoud 2">
+            <a:extLst>
+              <a:ext uri="{FF2B5EF4-FFF2-40B4-BE49-F238E27FC236}">
+                <a16:creationId xmlns:a16="http://schemas.microsoft.com/office/drawing/2014/main" id="{949DF68C-535E-4845-9730-0363D83F08F2}"/>
+              </a:ext>
+            </a:extLst>
+          </p:cNvPr>
+          <p:cNvSpPr>
+            <a:spLocks noGrp="1"/>
+          </p:cNvSpPr>
+          <p:nvPr>
+            <p:ph idx="1"/>
+          </p:nvPr>
+        </p:nvSpPr>
+        <p:spPr/>
+        <p:txBody>
+          <a:bodyPr/>
+          <a:lstStyle/>
+          <a:p>
+            <a:endParaRPr lang="nl-NL"/>
+          </a:p>
+          <a:p>
+            <a:endParaRPr lang="nl-NL"/>
+          </a:p>
+          <a:p>
+            <a:endParaRPr lang="nl-NL"/>
+          </a:p>
+          <a:p>
+            <a:endParaRPr lang="nl-NL"/>
+          </a:p>
+          <a:p>
+            <a:endParaRPr lang="nl-NL"/>
+          </a:p>
+          <a:p>
+            <a:endParaRPr lang="nl-NL"/>
+          </a:p>
+          <a:p>
+            <a:endParaRPr lang="nl-NL"/>
+          </a:p>
+          <a:p>
+            <a:r>
+              <a:rPr lang="nl-NL"/>
+              <a:t>hist(v,main,xlab,xlim,ylim,breaks,col,border)</a:t>
             </a:r>
           </a:p>
         </p:txBody>
@@ -14062,7 +14471,7 @@
 </p:sld>
 </file>
 
-<file path=ppt/slides/slide58.xml><?xml version="1.0" encoding="utf-8"?>
+<file path=ppt/slides/slide59.xml><?xml version="1.0" encoding="utf-8"?>
 <p:sld xmlns:a="http://schemas.openxmlformats.org/drawingml/2006/main" xmlns:r="http://schemas.openxmlformats.org/officeDocument/2006/relationships" xmlns:p="http://schemas.openxmlformats.org/presentationml/2006/main">
   <p:cSld>
     <p:spTree>
@@ -14103,6 +14512,64 @@
             <a:r>
               <a:rPr lang="nl-NL"/>
               <a:t>Line Graph</a:t>
+            </a:r>
+          </a:p>
+        </p:txBody>
+      </p:sp>
+      <p:sp>
+        <p:nvSpPr>
+          <p:cNvPr id="3" name="Tijdelijke aanduiding voor inhoud 2">
+            <a:extLst>
+              <a:ext uri="{FF2B5EF4-FFF2-40B4-BE49-F238E27FC236}">
+                <a16:creationId xmlns:a16="http://schemas.microsoft.com/office/drawing/2014/main" id="{130D59A8-3CCE-1541-B502-34083D7E8AEE}"/>
+              </a:ext>
+            </a:extLst>
+          </p:cNvPr>
+          <p:cNvSpPr>
+            <a:spLocks noGrp="1"/>
+          </p:cNvSpPr>
+          <p:nvPr>
+            <p:ph idx="1"/>
+          </p:nvPr>
+        </p:nvSpPr>
+        <p:spPr/>
+        <p:txBody>
+          <a:bodyPr/>
+          <a:lstStyle/>
+          <a:p>
+            <a:endParaRPr lang="nl-NL"/>
+          </a:p>
+          <a:p>
+            <a:endParaRPr lang="nl-NL"/>
+          </a:p>
+          <a:p>
+            <a:endParaRPr lang="nl-NL"/>
+          </a:p>
+          <a:p>
+            <a:endParaRPr lang="nl-NL"/>
+          </a:p>
+          <a:p>
+            <a:endParaRPr lang="nl-NL"/>
+          </a:p>
+          <a:p>
+            <a:endParaRPr lang="nl-NL"/>
+          </a:p>
+          <a:p>
+            <a:endParaRPr lang="nl-NL"/>
+          </a:p>
+          <a:p>
+            <a:r>
+              <a:rPr lang="nl-NL"/>
+              <a:t>plot(v,type,col,xlab,ylab)</a:t>
+            </a:r>
+          </a:p>
+          <a:p>
+            <a:endParaRPr lang="nl-NL"/>
+          </a:p>
+          <a:p>
+            <a:r>
+              <a:rPr lang="nl-NL"/>
+              <a:t>lines(x, y2, type = "l", col = "red") </a:t>
             </a:r>
           </a:p>
         </p:txBody>
@@ -14167,7 +14634,7 @@
 </p:sld>
 </file>
 
-<file path=ppt/slides/slide59.xml><?xml version="1.0" encoding="utf-8"?>
+<file path=ppt/slides/slide6.xml><?xml version="1.0" encoding="utf-8"?>
 <p:sld xmlns:a="http://schemas.openxmlformats.org/drawingml/2006/main" xmlns:r="http://schemas.openxmlformats.org/officeDocument/2006/relationships" xmlns:p="http://schemas.openxmlformats.org/presentationml/2006/main">
   <p:cSld>
     <p:spTree>
@@ -14189,6 +14656,149 @@
           <p:cNvPr id="2" name="Titel 1">
             <a:extLst>
               <a:ext uri="{FF2B5EF4-FFF2-40B4-BE49-F238E27FC236}">
+                <a16:creationId xmlns:a16="http://schemas.microsoft.com/office/drawing/2014/main" id="{4BE9400D-8A69-7041-A1E0-C08C87FAB7ED}"/>
+              </a:ext>
+            </a:extLst>
+          </p:cNvPr>
+          <p:cNvSpPr>
+            <a:spLocks noGrp="1"/>
+          </p:cNvSpPr>
+          <p:nvPr>
+            <p:ph type="title"/>
+          </p:nvPr>
+        </p:nvSpPr>
+        <p:spPr/>
+        <p:txBody>
+          <a:bodyPr/>
+          <a:lstStyle/>
+          <a:p>
+            <a:r>
+              <a:rPr lang="nl-NL"/>
+              <a:t>Materiaal</a:t>
+            </a:r>
+          </a:p>
+        </p:txBody>
+      </p:sp>
+      <p:pic>
+        <p:nvPicPr>
+          <p:cNvPr id="1026" name="Picture 2" descr="Buy from amazon">
+            <a:extLst>
+              <a:ext uri="{FF2B5EF4-FFF2-40B4-BE49-F238E27FC236}">
+                <a16:creationId xmlns:a16="http://schemas.microsoft.com/office/drawing/2014/main" id="{18AC352B-4BF4-904D-8644-7D6845568C77}"/>
+              </a:ext>
+            </a:extLst>
+          </p:cNvPr>
+          <p:cNvPicPr>
+            <a:picLocks noChangeAspect="1" noChangeArrowheads="1"/>
+          </p:cNvPicPr>
+          <p:nvPr/>
+        </p:nvPicPr>
+        <p:blipFill>
+          <a:blip r:embed="rId2">
+            <a:extLst>
+              <a:ext uri="{28A0092B-C50C-407E-A947-70E740481C1C}">
+                <a14:useLocalDpi xmlns:a14="http://schemas.microsoft.com/office/drawing/2010/main" val="0"/>
+              </a:ext>
+            </a:extLst>
+          </a:blip>
+          <a:srcRect/>
+          <a:stretch>
+            <a:fillRect/>
+          </a:stretch>
+        </p:blipFill>
+        <p:spPr bwMode="auto">
+          <a:xfrm>
+            <a:off x="4171575" y="767069"/>
+            <a:ext cx="3116879" cy="4675318"/>
+          </a:xfrm>
+          <a:prstGeom prst="rect">
+            <a:avLst/>
+          </a:prstGeom>
+          <a:noFill/>
+          <a:extLst>
+            <a:ext uri="{909E8E84-426E-40DD-AFC4-6F175D3DCCD1}">
+              <a14:hiddenFill xmlns:a14="http://schemas.microsoft.com/office/drawing/2010/main">
+                <a:solidFill>
+                  <a:srgbClr val="FFFFFF"/>
+                </a:solidFill>
+              </a14:hiddenFill>
+            </a:ext>
+          </a:extLst>
+        </p:spPr>
+      </p:pic>
+      <p:sp>
+        <p:nvSpPr>
+          <p:cNvPr id="6" name="Tekstvak 5">
+            <a:extLst>
+              <a:ext uri="{FF2B5EF4-FFF2-40B4-BE49-F238E27FC236}">
+                <a16:creationId xmlns:a16="http://schemas.microsoft.com/office/drawing/2014/main" id="{502FB473-9CFF-CD47-B674-B6BD819A2B05}"/>
+              </a:ext>
+            </a:extLst>
+          </p:cNvPr>
+          <p:cNvSpPr txBox="1"/>
+          <p:nvPr/>
+        </p:nvSpPr>
+        <p:spPr>
+          <a:xfrm>
+            <a:off x="628650" y="6123543"/>
+            <a:ext cx="3823889" cy="369332"/>
+          </a:xfrm>
+          <a:prstGeom prst="rect">
+            <a:avLst/>
+          </a:prstGeom>
+          <a:noFill/>
+        </p:spPr>
+        <p:txBody>
+          <a:bodyPr wrap="square">
+            <a:spAutoFit/>
+          </a:bodyPr>
+          <a:lstStyle/>
+          <a:p>
+            <a:r>
+              <a:rPr lang="nl-NL">
+                <a:hlinkClick r:id="rId3"/>
+              </a:rPr>
+              <a:t>https://r4ds.had.co.nz/index.html</a:t>
+            </a:r>
+            <a:endParaRPr lang="nl-NL"/>
+          </a:p>
+        </p:txBody>
+      </p:sp>
+    </p:spTree>
+    <p:extLst>
+      <p:ext uri="{BB962C8B-B14F-4D97-AF65-F5344CB8AC3E}">
+        <p14:creationId xmlns:p14="http://schemas.microsoft.com/office/powerpoint/2010/main" val="2676211531"/>
+      </p:ext>
+    </p:extLst>
+  </p:cSld>
+  <p:clrMapOvr>
+    <a:masterClrMapping/>
+  </p:clrMapOvr>
+</p:sld>
+</file>
+
+<file path=ppt/slides/slide60.xml><?xml version="1.0" encoding="utf-8"?>
+<p:sld xmlns:a="http://schemas.openxmlformats.org/drawingml/2006/main" xmlns:r="http://schemas.openxmlformats.org/officeDocument/2006/relationships" xmlns:p="http://schemas.openxmlformats.org/presentationml/2006/main">
+  <p:cSld>
+    <p:spTree>
+      <p:nvGrpSpPr>
+        <p:cNvPr id="1" name=""/>
+        <p:cNvGrpSpPr/>
+        <p:nvPr/>
+      </p:nvGrpSpPr>
+      <p:grpSpPr>
+        <a:xfrm>
+          <a:off x="0" y="0"/>
+          <a:ext cx="0" cy="0"/>
+          <a:chOff x="0" y="0"/>
+          <a:chExt cx="0" cy="0"/>
+        </a:xfrm>
+      </p:grpSpPr>
+      <p:sp>
+        <p:nvSpPr>
+          <p:cNvPr id="2" name="Titel 1">
+            <a:extLst>
+              <a:ext uri="{FF2B5EF4-FFF2-40B4-BE49-F238E27FC236}">
                 <a16:creationId xmlns:a16="http://schemas.microsoft.com/office/drawing/2014/main" id="{9D0BB157-29C3-FA4F-BF0D-2739DBB68AE0}"/>
               </a:ext>
             </a:extLst>
@@ -14208,6 +14818,64 @@
             <a:r>
               <a:rPr lang="nl-NL"/>
               <a:t>Scatterplots</a:t>
+            </a:r>
+          </a:p>
+        </p:txBody>
+      </p:sp>
+      <p:sp>
+        <p:nvSpPr>
+          <p:cNvPr id="3" name="Tijdelijke aanduiding voor inhoud 2">
+            <a:extLst>
+              <a:ext uri="{FF2B5EF4-FFF2-40B4-BE49-F238E27FC236}">
+                <a16:creationId xmlns:a16="http://schemas.microsoft.com/office/drawing/2014/main" id="{7BD7CB8C-367A-314A-83A2-6B3A4B45EA85}"/>
+              </a:ext>
+            </a:extLst>
+          </p:cNvPr>
+          <p:cNvSpPr>
+            <a:spLocks noGrp="1"/>
+          </p:cNvSpPr>
+          <p:nvPr>
+            <p:ph idx="1"/>
+          </p:nvPr>
+        </p:nvSpPr>
+        <p:spPr/>
+        <p:txBody>
+          <a:bodyPr/>
+          <a:lstStyle/>
+          <a:p>
+            <a:endParaRPr lang="nl-NL"/>
+          </a:p>
+          <a:p>
+            <a:endParaRPr lang="nl-NL"/>
+          </a:p>
+          <a:p>
+            <a:endParaRPr lang="nl-NL"/>
+          </a:p>
+          <a:p>
+            <a:endParaRPr lang="nl-NL"/>
+          </a:p>
+          <a:p>
+            <a:endParaRPr lang="nl-NL"/>
+          </a:p>
+          <a:p>
+            <a:endParaRPr lang="nl-NL"/>
+          </a:p>
+          <a:p>
+            <a:endParaRPr lang="nl-NL"/>
+          </a:p>
+          <a:p>
+            <a:r>
+              <a:rPr lang="nl-NL"/>
+              <a:t>plot(x, y, main, xlab, ylab, xlim, ylim, axes)</a:t>
+            </a:r>
+          </a:p>
+          <a:p>
+            <a:endParaRPr lang="nl-NL"/>
+          </a:p>
+          <a:p>
+            <a:r>
+              <a:rPr lang="nl-NL"/>
+              <a:t>pairs(~wt+mpg+disp+cyl, data = mtcars, main = "Scatterplot Matrix")</a:t>
             </a:r>
           </a:p>
         </p:txBody>
@@ -14272,283 +14940,6 @@
 </p:sld>
 </file>
 
-<file path=ppt/slides/slide6.xml><?xml version="1.0" encoding="utf-8"?>
-<p:sld xmlns:a="http://schemas.openxmlformats.org/drawingml/2006/main" xmlns:r="http://schemas.openxmlformats.org/officeDocument/2006/relationships" xmlns:p="http://schemas.openxmlformats.org/presentationml/2006/main">
-  <p:cSld>
-    <p:spTree>
-      <p:nvGrpSpPr>
-        <p:cNvPr id="1" name=""/>
-        <p:cNvGrpSpPr/>
-        <p:nvPr/>
-      </p:nvGrpSpPr>
-      <p:grpSpPr>
-        <a:xfrm>
-          <a:off x="0" y="0"/>
-          <a:ext cx="0" cy="0"/>
-          <a:chOff x="0" y="0"/>
-          <a:chExt cx="0" cy="0"/>
-        </a:xfrm>
-      </p:grpSpPr>
-      <p:sp>
-        <p:nvSpPr>
-          <p:cNvPr id="2" name="Titel 1">
-            <a:extLst>
-              <a:ext uri="{FF2B5EF4-FFF2-40B4-BE49-F238E27FC236}">
-                <a16:creationId xmlns:a16="http://schemas.microsoft.com/office/drawing/2014/main" id="{A8CDAD01-30DF-1343-9D5C-F3BE9DA2DA47}"/>
-              </a:ext>
-            </a:extLst>
-          </p:cNvPr>
-          <p:cNvSpPr>
-            <a:spLocks noGrp="1"/>
-          </p:cNvSpPr>
-          <p:nvPr>
-            <p:ph type="title"/>
-          </p:nvPr>
-        </p:nvSpPr>
-        <p:spPr/>
-        <p:txBody>
-          <a:bodyPr/>
-          <a:lstStyle/>
-          <a:p>
-            <a:r>
-              <a:rPr lang="nl-NL"/>
-              <a:t>Material &amp; Links</a:t>
-            </a:r>
-          </a:p>
-        </p:txBody>
-      </p:sp>
-      <p:sp>
-        <p:nvSpPr>
-          <p:cNvPr id="3" name="Tijdelijke aanduiding voor inhoud 2">
-            <a:extLst>
-              <a:ext uri="{FF2B5EF4-FFF2-40B4-BE49-F238E27FC236}">
-                <a16:creationId xmlns:a16="http://schemas.microsoft.com/office/drawing/2014/main" id="{E255A57B-5591-1943-82A3-0DE2D6EA53AE}"/>
-              </a:ext>
-            </a:extLst>
-          </p:cNvPr>
-          <p:cNvSpPr>
-            <a:spLocks noGrp="1"/>
-          </p:cNvSpPr>
-          <p:nvPr>
-            <p:ph idx="1"/>
-          </p:nvPr>
-        </p:nvSpPr>
-        <p:spPr/>
-        <p:txBody>
-          <a:bodyPr/>
-          <a:lstStyle/>
-          <a:p>
-            <a:pPr>
-              <a:tabLst>
-                <a:tab pos="4795838" algn="l"/>
-              </a:tabLst>
-            </a:pPr>
-            <a:r>
-              <a:rPr lang="nl-NL">
-                <a:hlinkClick r:id="rId2"/>
-              </a:rPr>
-              <a:t>https://r4ds.had.co.nz/index.html</a:t>
-            </a:r>
-            <a:r>
-              <a:rPr lang="nl-NL"/>
-              <a:t>	R for Data Science</a:t>
-            </a:r>
-          </a:p>
-          <a:p>
-            <a:pPr>
-              <a:tabLst>
-                <a:tab pos="4795838" algn="l"/>
-              </a:tabLst>
-            </a:pPr>
-            <a:endParaRPr lang="nl-NL"/>
-          </a:p>
-          <a:p>
-            <a:pPr>
-              <a:tabLst>
-                <a:tab pos="4795838" algn="l"/>
-              </a:tabLst>
-            </a:pPr>
-            <a:r>
-              <a:rPr lang="nl-NL">
-                <a:hlinkClick r:id="rId3"/>
-              </a:rPr>
-              <a:t>https://www.r-project.org/about.html</a:t>
-            </a:r>
-            <a:endParaRPr lang="nl-NL"/>
-          </a:p>
-          <a:p>
-            <a:pPr>
-              <a:tabLst>
-                <a:tab pos="4795838" algn="l"/>
-              </a:tabLst>
-            </a:pPr>
-            <a:r>
-              <a:rPr lang="nl-NL">
-                <a:hlinkClick r:id="rId4"/>
-              </a:rPr>
-              <a:t>https://www.w3schools.com/r/default.asp</a:t>
-            </a:r>
-            <a:endParaRPr lang="nl-NL"/>
-          </a:p>
-          <a:p>
-            <a:pPr>
-              <a:tabLst>
-                <a:tab pos="4795838" algn="l"/>
-              </a:tabLst>
-            </a:pPr>
-            <a:r>
-              <a:rPr lang="nl-NL">
-                <a:hlinkClick r:id="rId5"/>
-              </a:rPr>
-              <a:t>https://www.javatpoint.com/r-tutorial</a:t>
-            </a:r>
-            <a:endParaRPr lang="nl-NL"/>
-          </a:p>
-          <a:p>
-            <a:pPr>
-              <a:tabLst>
-                <a:tab pos="4795838" algn="l"/>
-              </a:tabLst>
-            </a:pPr>
-            <a:r>
-              <a:rPr lang="nl-NL">
-                <a:hlinkClick r:id="rId6"/>
-              </a:rPr>
-              <a:t>https://www.tutorialspoint.com/r/index.htm</a:t>
-            </a:r>
-            <a:endParaRPr lang="nl-NL"/>
-          </a:p>
-          <a:p>
-            <a:pPr>
-              <a:tabLst>
-                <a:tab pos="4795838" algn="l"/>
-              </a:tabLst>
-            </a:pPr>
-            <a:r>
-              <a:rPr lang="nl-NL">
-                <a:hlinkClick r:id="rId7"/>
-              </a:rPr>
-              <a:t>https://www.geeksforgeeks.org/r-tutorial/?ref=lbp</a:t>
-            </a:r>
-            <a:endParaRPr lang="nl-NL"/>
-          </a:p>
-          <a:p>
-            <a:pPr>
-              <a:tabLst>
-                <a:tab pos="4795838" algn="l"/>
-              </a:tabLst>
-            </a:pPr>
-            <a:r>
-              <a:rPr lang="nl-NL">
-                <a:hlinkClick r:id="rId8"/>
-              </a:rPr>
-              <a:t>https://www.atnyla.com/tutorial/about-r-tutorial/7/409</a:t>
-            </a:r>
-            <a:endParaRPr lang="nl-NL"/>
-          </a:p>
-          <a:p>
-            <a:pPr>
-              <a:tabLst>
-                <a:tab pos="4795838" algn="l"/>
-              </a:tabLst>
-            </a:pPr>
-            <a:r>
-              <a:rPr lang="nl-NL">
-                <a:hlinkClick r:id="rId9"/>
-              </a:rPr>
-              <a:t>http://applied-r.com/</a:t>
-            </a:r>
-            <a:endParaRPr lang="nl-NL"/>
-          </a:p>
-          <a:p>
-            <a:pPr>
-              <a:tabLst>
-                <a:tab pos="4795838" algn="l"/>
-              </a:tabLst>
-            </a:pPr>
-            <a:endParaRPr lang="nl-NL"/>
-          </a:p>
-          <a:p>
-            <a:pPr>
-              <a:tabLst>
-                <a:tab pos="4795838" algn="l"/>
-              </a:tabLst>
-            </a:pPr>
-            <a:endParaRPr lang="nl-NL"/>
-          </a:p>
-        </p:txBody>
-      </p:sp>
-    </p:spTree>
-    <p:extLst>
-      <p:ext uri="{BB962C8B-B14F-4D97-AF65-F5344CB8AC3E}">
-        <p14:creationId xmlns:p14="http://schemas.microsoft.com/office/powerpoint/2010/main" val="774906294"/>
-      </p:ext>
-    </p:extLst>
-  </p:cSld>
-  <p:clrMapOvr>
-    <a:masterClrMapping/>
-  </p:clrMapOvr>
-</p:sld>
-</file>
-
-<file path=ppt/slides/slide60.xml><?xml version="1.0" encoding="utf-8"?>
-<p:sld xmlns:a="http://schemas.openxmlformats.org/drawingml/2006/main" xmlns:r="http://schemas.openxmlformats.org/officeDocument/2006/relationships" xmlns:p="http://schemas.openxmlformats.org/presentationml/2006/main">
-  <p:cSld>
-    <p:spTree>
-      <p:nvGrpSpPr>
-        <p:cNvPr id="1" name=""/>
-        <p:cNvGrpSpPr/>
-        <p:nvPr/>
-      </p:nvGrpSpPr>
-      <p:grpSpPr>
-        <a:xfrm>
-          <a:off x="0" y="0"/>
-          <a:ext cx="0" cy="0"/>
-          <a:chOff x="0" y="0"/>
-          <a:chExt cx="0" cy="0"/>
-        </a:xfrm>
-      </p:grpSpPr>
-      <p:sp>
-        <p:nvSpPr>
-          <p:cNvPr id="2" name="Titel 1">
-            <a:extLst>
-              <a:ext uri="{FF2B5EF4-FFF2-40B4-BE49-F238E27FC236}">
-                <a16:creationId xmlns:a16="http://schemas.microsoft.com/office/drawing/2014/main" id="{EF7F855A-3772-DA4C-A51D-081FB8AB0BC1}"/>
-              </a:ext>
-            </a:extLst>
-          </p:cNvPr>
-          <p:cNvSpPr>
-            <a:spLocks noGrp="1"/>
-          </p:cNvSpPr>
-          <p:nvPr>
-            <p:ph type="title"/>
-          </p:nvPr>
-        </p:nvSpPr>
-        <p:spPr/>
-        <p:txBody>
-          <a:bodyPr/>
-          <a:lstStyle/>
-          <a:p>
-            <a:r>
-              <a:rPr lang="nl-NL"/>
-              <a:t>Packages</a:t>
-            </a:r>
-          </a:p>
-        </p:txBody>
-      </p:sp>
-    </p:spTree>
-    <p:extLst>
-      <p:ext uri="{BB962C8B-B14F-4D97-AF65-F5344CB8AC3E}">
-        <p14:creationId xmlns:p14="http://schemas.microsoft.com/office/powerpoint/2010/main" val="1965695006"/>
-      </p:ext>
-    </p:extLst>
-  </p:cSld>
-  <p:clrMapOvr>
-    <a:masterClrMapping/>
-  </p:clrMapOvr>
-</p:sld>
-</file>
-
 <file path=ppt/slides/slide61.xml><?xml version="1.0" encoding="utf-8"?>
 <p:sld xmlns:a="http://schemas.openxmlformats.org/drawingml/2006/main" xmlns:r="http://schemas.openxmlformats.org/officeDocument/2006/relationships" xmlns:p="http://schemas.openxmlformats.org/presentationml/2006/main">
   <p:cSld>
@@ -14571,7 +14962,7 @@
           <p:cNvPr id="2" name="Titel 1">
             <a:extLst>
               <a:ext uri="{FF2B5EF4-FFF2-40B4-BE49-F238E27FC236}">
-                <a16:creationId xmlns:a16="http://schemas.microsoft.com/office/drawing/2014/main" id="{8FBAB3A2-69D3-6D44-BDB3-1E34609EDB45}"/>
+                <a16:creationId xmlns:a16="http://schemas.microsoft.com/office/drawing/2014/main" id="{EF7F855A-3772-DA4C-A51D-081FB8AB0BC1}"/>
               </a:ext>
             </a:extLst>
           </p:cNvPr>
@@ -14589,47 +14980,7 @@
           <a:p>
             <a:r>
               <a:rPr lang="nl-NL"/>
-              <a:t>Libraries</a:t>
-            </a:r>
-          </a:p>
-        </p:txBody>
-      </p:sp>
-      <p:sp>
-        <p:nvSpPr>
-          <p:cNvPr id="3" name="Tijdelijke aanduiding voor inhoud 2">
-            <a:extLst>
-              <a:ext uri="{FF2B5EF4-FFF2-40B4-BE49-F238E27FC236}">
-                <a16:creationId xmlns:a16="http://schemas.microsoft.com/office/drawing/2014/main" id="{386158C2-6DCE-E64C-9109-4FA52A3D3BA9}"/>
-              </a:ext>
-            </a:extLst>
-          </p:cNvPr>
-          <p:cNvSpPr>
-            <a:spLocks noGrp="1"/>
-          </p:cNvSpPr>
-          <p:nvPr>
-            <p:ph idx="1"/>
-          </p:nvPr>
-        </p:nvSpPr>
-        <p:spPr/>
-        <p:txBody>
-          <a:bodyPr/>
-          <a:lstStyle/>
-          <a:p>
-            <a:r>
-              <a:rPr lang="nl-NL"/>
-              <a:t>tidyverse</a:t>
-            </a:r>
-          </a:p>
-          <a:p>
-            <a:r>
-              <a:rPr lang="nl-NL"/>
-              <a:t>dplyr</a:t>
-            </a:r>
-          </a:p>
-          <a:p>
-            <a:r>
-              <a:rPr lang="nl-NL"/>
-              <a:t>ggplots</a:t>
+              <a:t>Packages</a:t>
             </a:r>
           </a:p>
         </p:txBody>
@@ -14637,7 +14988,7 @@
     </p:spTree>
     <p:extLst>
       <p:ext uri="{BB962C8B-B14F-4D97-AF65-F5344CB8AC3E}">
-        <p14:creationId xmlns:p14="http://schemas.microsoft.com/office/powerpoint/2010/main" val="294540075"/>
+        <p14:creationId xmlns:p14="http://schemas.microsoft.com/office/powerpoint/2010/main" val="1965695006"/>
       </p:ext>
     </p:extLst>
   </p:cSld>
@@ -14669,6 +15020,104 @@
           <p:cNvPr id="2" name="Titel 1">
             <a:extLst>
               <a:ext uri="{FF2B5EF4-FFF2-40B4-BE49-F238E27FC236}">
+                <a16:creationId xmlns:a16="http://schemas.microsoft.com/office/drawing/2014/main" id="{8FBAB3A2-69D3-6D44-BDB3-1E34609EDB45}"/>
+              </a:ext>
+            </a:extLst>
+          </p:cNvPr>
+          <p:cNvSpPr>
+            <a:spLocks noGrp="1"/>
+          </p:cNvSpPr>
+          <p:nvPr>
+            <p:ph type="title"/>
+          </p:nvPr>
+        </p:nvSpPr>
+        <p:spPr/>
+        <p:txBody>
+          <a:bodyPr/>
+          <a:lstStyle/>
+          <a:p>
+            <a:r>
+              <a:rPr lang="nl-NL"/>
+              <a:t>Libraries</a:t>
+            </a:r>
+          </a:p>
+        </p:txBody>
+      </p:sp>
+      <p:sp>
+        <p:nvSpPr>
+          <p:cNvPr id="3" name="Tijdelijke aanduiding voor inhoud 2">
+            <a:extLst>
+              <a:ext uri="{FF2B5EF4-FFF2-40B4-BE49-F238E27FC236}">
+                <a16:creationId xmlns:a16="http://schemas.microsoft.com/office/drawing/2014/main" id="{386158C2-6DCE-E64C-9109-4FA52A3D3BA9}"/>
+              </a:ext>
+            </a:extLst>
+          </p:cNvPr>
+          <p:cNvSpPr>
+            <a:spLocks noGrp="1"/>
+          </p:cNvSpPr>
+          <p:nvPr>
+            <p:ph idx="1"/>
+          </p:nvPr>
+        </p:nvSpPr>
+        <p:spPr/>
+        <p:txBody>
+          <a:bodyPr/>
+          <a:lstStyle/>
+          <a:p>
+            <a:r>
+              <a:rPr lang="nl-NL"/>
+              <a:t>tidyverse</a:t>
+            </a:r>
+          </a:p>
+          <a:p>
+            <a:r>
+              <a:rPr lang="nl-NL"/>
+              <a:t>dplyr</a:t>
+            </a:r>
+          </a:p>
+          <a:p>
+            <a:r>
+              <a:rPr lang="nl-NL"/>
+              <a:t>ggplot2</a:t>
+            </a:r>
+          </a:p>
+        </p:txBody>
+      </p:sp>
+    </p:spTree>
+    <p:extLst>
+      <p:ext uri="{BB962C8B-B14F-4D97-AF65-F5344CB8AC3E}">
+        <p14:creationId xmlns:p14="http://schemas.microsoft.com/office/powerpoint/2010/main" val="294540075"/>
+      </p:ext>
+    </p:extLst>
+  </p:cSld>
+  <p:clrMapOvr>
+    <a:masterClrMapping/>
+  </p:clrMapOvr>
+</p:sld>
+</file>
+
+<file path=ppt/slides/slide63.xml><?xml version="1.0" encoding="utf-8"?>
+<p:sld xmlns:a="http://schemas.openxmlformats.org/drawingml/2006/main" xmlns:r="http://schemas.openxmlformats.org/officeDocument/2006/relationships" xmlns:p="http://schemas.openxmlformats.org/presentationml/2006/main">
+  <p:cSld>
+    <p:spTree>
+      <p:nvGrpSpPr>
+        <p:cNvPr id="1" name=""/>
+        <p:cNvGrpSpPr/>
+        <p:nvPr/>
+      </p:nvGrpSpPr>
+      <p:grpSpPr>
+        <a:xfrm>
+          <a:off x="0" y="0"/>
+          <a:ext cx="0" cy="0"/>
+          <a:chOff x="0" y="0"/>
+          <a:chExt cx="0" cy="0"/>
+        </a:xfrm>
+      </p:grpSpPr>
+      <p:sp>
+        <p:nvSpPr>
+          <p:cNvPr id="2" name="Titel 1">
+            <a:extLst>
+              <a:ext uri="{FF2B5EF4-FFF2-40B4-BE49-F238E27FC236}">
                 <a16:creationId xmlns:a16="http://schemas.microsoft.com/office/drawing/2014/main" id="{8B764210-6267-2243-87D6-C640A9A00687}"/>
               </a:ext>
             </a:extLst>
@@ -14736,7 +15185,7 @@
 </p:sld>
 </file>
 
-<file path=ppt/slides/slide63.xml><?xml version="1.0" encoding="utf-8"?>
+<file path=ppt/slides/slide64.xml><?xml version="1.0" encoding="utf-8"?>
 <p:sld xmlns:a="http://schemas.openxmlformats.org/drawingml/2006/main" xmlns:r="http://schemas.openxmlformats.org/officeDocument/2006/relationships" xmlns:p="http://schemas.openxmlformats.org/presentationml/2006/main">
   <p:cSld>
     <p:spTree>
@@ -15304,197 +15753,6 @@
 </p:sld>
 </file>
 
-<file path=ppt/slides/slide64.xml><?xml version="1.0" encoding="utf-8"?>
-<p:sld xmlns:a="http://schemas.openxmlformats.org/drawingml/2006/main" xmlns:r="http://schemas.openxmlformats.org/officeDocument/2006/relationships" xmlns:p="http://schemas.openxmlformats.org/presentationml/2006/main">
-  <p:cSld>
-    <p:spTree>
-      <p:nvGrpSpPr>
-        <p:cNvPr id="1" name=""/>
-        <p:cNvGrpSpPr/>
-        <p:nvPr/>
-      </p:nvGrpSpPr>
-      <p:grpSpPr>
-        <a:xfrm>
-          <a:off x="0" y="0"/>
-          <a:ext cx="0" cy="0"/>
-          <a:chOff x="0" y="0"/>
-          <a:chExt cx="0" cy="0"/>
-        </a:xfrm>
-      </p:grpSpPr>
-      <p:sp>
-        <p:nvSpPr>
-          <p:cNvPr id="2" name="Titel 1">
-            <a:extLst>
-              <a:ext uri="{FF2B5EF4-FFF2-40B4-BE49-F238E27FC236}">
-                <a16:creationId xmlns:a16="http://schemas.microsoft.com/office/drawing/2014/main" id="{20E3C126-31FE-3F49-A3BD-A3E8A11E2F50}"/>
-              </a:ext>
-            </a:extLst>
-          </p:cNvPr>
-          <p:cNvSpPr>
-            <a:spLocks noGrp="1"/>
-          </p:cNvSpPr>
-          <p:nvPr>
-            <p:ph type="title"/>
-          </p:nvPr>
-        </p:nvSpPr>
-        <p:spPr/>
-        <p:txBody>
-          <a:bodyPr/>
-          <a:lstStyle/>
-          <a:p>
-            <a:r>
-              <a:rPr lang="nl-NL"/>
-              <a:t>pipe %&gt;%</a:t>
-            </a:r>
-          </a:p>
-        </p:txBody>
-      </p:sp>
-      <p:sp>
-        <p:nvSpPr>
-          <p:cNvPr id="3" name="Tijdelijke aanduiding voor inhoud 2">
-            <a:extLst>
-              <a:ext uri="{FF2B5EF4-FFF2-40B4-BE49-F238E27FC236}">
-                <a16:creationId xmlns:a16="http://schemas.microsoft.com/office/drawing/2014/main" id="{03B5EBCC-F054-B645-A021-9F9698769685}"/>
-              </a:ext>
-            </a:extLst>
-          </p:cNvPr>
-          <p:cNvSpPr>
-            <a:spLocks noGrp="1"/>
-          </p:cNvSpPr>
-          <p:nvPr>
-            <p:ph idx="1"/>
-          </p:nvPr>
-        </p:nvSpPr>
-        <p:spPr>
-          <a:xfrm>
-            <a:off x="628650" y="1825625"/>
-            <a:ext cx="7886700" cy="4826635"/>
-          </a:xfrm>
-        </p:spPr>
-        <p:txBody>
-          <a:bodyPr>
-            <a:normAutofit/>
-          </a:bodyPr>
-          <a:lstStyle/>
-          <a:p>
-            <a:pPr>
-              <a:tabLst>
-                <a:tab pos="3413125" algn="l"/>
-              </a:tabLst>
-            </a:pPr>
-            <a:r>
-              <a:rPr lang="nl-NL"/>
-              <a:t>Package magrittr</a:t>
-            </a:r>
-          </a:p>
-          <a:p>
-            <a:pPr>
-              <a:tabLst>
-                <a:tab pos="3413125" algn="l"/>
-              </a:tabLst>
-            </a:pPr>
-            <a:endParaRPr lang="nl-NL"/>
-          </a:p>
-          <a:p>
-            <a:pPr>
-              <a:tabLst>
-                <a:tab pos="3413125" algn="l"/>
-              </a:tabLst>
-            </a:pPr>
-            <a:r>
-              <a:rPr lang="nl-NL"/>
-              <a:t>Basic piping</a:t>
-            </a:r>
-          </a:p>
-          <a:p>
-            <a:pPr marL="685800" lvl="2">
-              <a:tabLst>
-                <a:tab pos="3413125" algn="l"/>
-              </a:tabLst>
-            </a:pPr>
-            <a:r>
-              <a:rPr lang="nl-NL"/>
-              <a:t>x %&gt;% f 	is equivalent to f(x)</a:t>
-            </a:r>
-          </a:p>
-          <a:p>
-            <a:pPr marL="685800" lvl="2">
-              <a:tabLst>
-                <a:tab pos="3413125" algn="l"/>
-              </a:tabLst>
-            </a:pPr>
-            <a:r>
-              <a:rPr lang="nl-NL"/>
-              <a:t>x %&gt;% f(y)	is equivalent to f(x, y)</a:t>
-            </a:r>
-          </a:p>
-          <a:p>
-            <a:pPr marL="685800" lvl="2">
-              <a:tabLst>
-                <a:tab pos="3413125" algn="l"/>
-              </a:tabLst>
-            </a:pPr>
-            <a:r>
-              <a:rPr lang="nl-NL"/>
-              <a:t>x %&gt;% f %&gt;% g %&gt;% h	is equivalent to h(g(f(x)))</a:t>
-            </a:r>
-          </a:p>
-          <a:p>
-            <a:pPr>
-              <a:tabLst>
-                <a:tab pos="3413125" algn="l"/>
-              </a:tabLst>
-            </a:pPr>
-            <a:endParaRPr lang="nl-NL"/>
-          </a:p>
-          <a:p>
-            <a:pPr>
-              <a:tabLst>
-                <a:tab pos="3413125" algn="l"/>
-              </a:tabLst>
-            </a:pPr>
-            <a:r>
-              <a:rPr lang="nl-NL"/>
-              <a:t>The argument placeholder</a:t>
-            </a:r>
-          </a:p>
-          <a:p>
-            <a:pPr lvl="1">
-              <a:tabLst>
-                <a:tab pos="3413125" algn="l"/>
-              </a:tabLst>
-            </a:pPr>
-            <a:r>
-              <a:rPr lang="nl-NL"/>
-              <a:t>x %&gt;% f(y, .)	is equivalent to f(y, x)</a:t>
-            </a:r>
-          </a:p>
-          <a:p>
-            <a:pPr lvl="1">
-              <a:tabLst>
-                <a:tab pos="3413125" algn="l"/>
-              </a:tabLst>
-            </a:pPr>
-            <a:r>
-              <a:rPr lang="nl-NL"/>
-              <a:t>x %&gt;% f(y, z = .)	is equivalent to f(y, z = x)</a:t>
-            </a:r>
-          </a:p>
-        </p:txBody>
-      </p:sp>
-    </p:spTree>
-    <p:extLst>
-      <p:ext uri="{BB962C8B-B14F-4D97-AF65-F5344CB8AC3E}">
-        <p14:creationId xmlns:p14="http://schemas.microsoft.com/office/powerpoint/2010/main" val="1620408625"/>
-      </p:ext>
-    </p:extLst>
-  </p:cSld>
-  <p:clrMapOvr>
-    <a:masterClrMapping/>
-  </p:clrMapOvr>
-</p:sld>
-</file>
-
 <file path=ppt/slides/slide65.xml><?xml version="1.0" encoding="utf-8"?>
 <p:sld xmlns:a="http://schemas.openxmlformats.org/drawingml/2006/main" xmlns:r="http://schemas.openxmlformats.org/officeDocument/2006/relationships" xmlns:p="http://schemas.openxmlformats.org/presentationml/2006/main">
   <p:cSld>
@@ -15517,6 +15775,197 @@
           <p:cNvPr id="2" name="Titel 1">
             <a:extLst>
               <a:ext uri="{FF2B5EF4-FFF2-40B4-BE49-F238E27FC236}">
+                <a16:creationId xmlns:a16="http://schemas.microsoft.com/office/drawing/2014/main" id="{20E3C126-31FE-3F49-A3BD-A3E8A11E2F50}"/>
+              </a:ext>
+            </a:extLst>
+          </p:cNvPr>
+          <p:cNvSpPr>
+            <a:spLocks noGrp="1"/>
+          </p:cNvSpPr>
+          <p:nvPr>
+            <p:ph type="title"/>
+          </p:nvPr>
+        </p:nvSpPr>
+        <p:spPr/>
+        <p:txBody>
+          <a:bodyPr/>
+          <a:lstStyle/>
+          <a:p>
+            <a:r>
+              <a:rPr lang="nl-NL"/>
+              <a:t>pipe %&gt;%</a:t>
+            </a:r>
+          </a:p>
+        </p:txBody>
+      </p:sp>
+      <p:sp>
+        <p:nvSpPr>
+          <p:cNvPr id="3" name="Tijdelijke aanduiding voor inhoud 2">
+            <a:extLst>
+              <a:ext uri="{FF2B5EF4-FFF2-40B4-BE49-F238E27FC236}">
+                <a16:creationId xmlns:a16="http://schemas.microsoft.com/office/drawing/2014/main" id="{03B5EBCC-F054-B645-A021-9F9698769685}"/>
+              </a:ext>
+            </a:extLst>
+          </p:cNvPr>
+          <p:cNvSpPr>
+            <a:spLocks noGrp="1"/>
+          </p:cNvSpPr>
+          <p:nvPr>
+            <p:ph idx="1"/>
+          </p:nvPr>
+        </p:nvSpPr>
+        <p:spPr>
+          <a:xfrm>
+            <a:off x="628650" y="1825625"/>
+            <a:ext cx="7886700" cy="4826635"/>
+          </a:xfrm>
+        </p:spPr>
+        <p:txBody>
+          <a:bodyPr>
+            <a:normAutofit/>
+          </a:bodyPr>
+          <a:lstStyle/>
+          <a:p>
+            <a:pPr>
+              <a:tabLst>
+                <a:tab pos="3413125" algn="l"/>
+              </a:tabLst>
+            </a:pPr>
+            <a:r>
+              <a:rPr lang="nl-NL"/>
+              <a:t>Package magrittr</a:t>
+            </a:r>
+          </a:p>
+          <a:p>
+            <a:pPr>
+              <a:tabLst>
+                <a:tab pos="3413125" algn="l"/>
+              </a:tabLst>
+            </a:pPr>
+            <a:endParaRPr lang="nl-NL"/>
+          </a:p>
+          <a:p>
+            <a:pPr>
+              <a:tabLst>
+                <a:tab pos="3413125" algn="l"/>
+              </a:tabLst>
+            </a:pPr>
+            <a:r>
+              <a:rPr lang="nl-NL"/>
+              <a:t>Basic piping</a:t>
+            </a:r>
+          </a:p>
+          <a:p>
+            <a:pPr marL="685800" lvl="2">
+              <a:tabLst>
+                <a:tab pos="3413125" algn="l"/>
+              </a:tabLst>
+            </a:pPr>
+            <a:r>
+              <a:rPr lang="nl-NL"/>
+              <a:t>x %&gt;% f 	is equivalent to f(x)</a:t>
+            </a:r>
+          </a:p>
+          <a:p>
+            <a:pPr marL="685800" lvl="2">
+              <a:tabLst>
+                <a:tab pos="3413125" algn="l"/>
+              </a:tabLst>
+            </a:pPr>
+            <a:r>
+              <a:rPr lang="nl-NL"/>
+              <a:t>x %&gt;% f(y)	is equivalent to f(x, y)</a:t>
+            </a:r>
+          </a:p>
+          <a:p>
+            <a:pPr marL="685800" lvl="2">
+              <a:tabLst>
+                <a:tab pos="3413125" algn="l"/>
+              </a:tabLst>
+            </a:pPr>
+            <a:r>
+              <a:rPr lang="nl-NL"/>
+              <a:t>x %&gt;% f %&gt;% g %&gt;% h	is equivalent to h(g(f(x)))</a:t>
+            </a:r>
+          </a:p>
+          <a:p>
+            <a:pPr>
+              <a:tabLst>
+                <a:tab pos="3413125" algn="l"/>
+              </a:tabLst>
+            </a:pPr>
+            <a:endParaRPr lang="nl-NL"/>
+          </a:p>
+          <a:p>
+            <a:pPr>
+              <a:tabLst>
+                <a:tab pos="3413125" algn="l"/>
+              </a:tabLst>
+            </a:pPr>
+            <a:r>
+              <a:rPr lang="nl-NL"/>
+              <a:t>The argument placeholder</a:t>
+            </a:r>
+          </a:p>
+          <a:p>
+            <a:pPr lvl="1">
+              <a:tabLst>
+                <a:tab pos="3413125" algn="l"/>
+              </a:tabLst>
+            </a:pPr>
+            <a:r>
+              <a:rPr lang="nl-NL"/>
+              <a:t>x %&gt;% f(y, .)	is equivalent to f(y, x)</a:t>
+            </a:r>
+          </a:p>
+          <a:p>
+            <a:pPr lvl="1">
+              <a:tabLst>
+                <a:tab pos="3413125" algn="l"/>
+              </a:tabLst>
+            </a:pPr>
+            <a:r>
+              <a:rPr lang="nl-NL"/>
+              <a:t>x %&gt;% f(y, z = .)	is equivalent to f(y, z = x)</a:t>
+            </a:r>
+          </a:p>
+        </p:txBody>
+      </p:sp>
+    </p:spTree>
+    <p:extLst>
+      <p:ext uri="{BB962C8B-B14F-4D97-AF65-F5344CB8AC3E}">
+        <p14:creationId xmlns:p14="http://schemas.microsoft.com/office/powerpoint/2010/main" val="1620408625"/>
+      </p:ext>
+    </p:extLst>
+  </p:cSld>
+  <p:clrMapOvr>
+    <a:masterClrMapping/>
+  </p:clrMapOvr>
+</p:sld>
+</file>
+
+<file path=ppt/slides/slide66.xml><?xml version="1.0" encoding="utf-8"?>
+<p:sld xmlns:a="http://schemas.openxmlformats.org/drawingml/2006/main" xmlns:r="http://schemas.openxmlformats.org/officeDocument/2006/relationships" xmlns:p="http://schemas.openxmlformats.org/presentationml/2006/main">
+  <p:cSld>
+    <p:spTree>
+      <p:nvGrpSpPr>
+        <p:cNvPr id="1" name=""/>
+        <p:cNvGrpSpPr/>
+        <p:nvPr/>
+      </p:nvGrpSpPr>
+      <p:grpSpPr>
+        <a:xfrm>
+          <a:off x="0" y="0"/>
+          <a:ext cx="0" cy="0"/>
+          <a:chOff x="0" y="0"/>
+          <a:chExt cx="0" cy="0"/>
+        </a:xfrm>
+      </p:grpSpPr>
+      <p:sp>
+        <p:nvSpPr>
+          <p:cNvPr id="2" name="Titel 1">
+            <a:extLst>
+              <a:ext uri="{FF2B5EF4-FFF2-40B4-BE49-F238E27FC236}">
                 <a16:creationId xmlns:a16="http://schemas.microsoft.com/office/drawing/2014/main" id="{B69EF968-2BB7-1448-80AC-E8430A2CFDDC}"/>
               </a:ext>
             </a:extLst>
@@ -15626,7 +16075,7 @@
 </p:sld>
 </file>
 
-<file path=ppt/slides/slide66.xml><?xml version="1.0" encoding="utf-8"?>
+<file path=ppt/slides/slide67.xml><?xml version="1.0" encoding="utf-8"?>
 <p:sld xmlns:a="http://schemas.openxmlformats.org/drawingml/2006/main" xmlns:r="http://schemas.openxmlformats.org/officeDocument/2006/relationships" xmlns:p="http://schemas.openxmlformats.org/presentationml/2006/main">
   <p:cSld>
     <p:spTree>
@@ -15862,7 +16311,7 @@
 </p:sld>
 </file>
 
-<file path=ppt/slides/slide67.xml><?xml version="1.0" encoding="utf-8"?>
+<file path=ppt/slides/slide68.xml><?xml version="1.0" encoding="utf-8"?>
 <p:sld xmlns:a="http://schemas.openxmlformats.org/drawingml/2006/main" xmlns:r="http://schemas.openxmlformats.org/officeDocument/2006/relationships" xmlns:p="http://schemas.openxmlformats.org/presentationml/2006/main">
   <p:cSld>
     <p:spTree>
@@ -16144,189 +16593,6 @@
 </p:sld>
 </file>
 
-<file path=ppt/slides/slide68.xml><?xml version="1.0" encoding="utf-8"?>
-<p:sld xmlns:a="http://schemas.openxmlformats.org/drawingml/2006/main" xmlns:r="http://schemas.openxmlformats.org/officeDocument/2006/relationships" xmlns:p="http://schemas.openxmlformats.org/presentationml/2006/main">
-  <p:cSld>
-    <p:spTree>
-      <p:nvGrpSpPr>
-        <p:cNvPr id="1" name=""/>
-        <p:cNvGrpSpPr/>
-        <p:nvPr/>
-      </p:nvGrpSpPr>
-      <p:grpSpPr>
-        <a:xfrm>
-          <a:off x="0" y="0"/>
-          <a:ext cx="0" cy="0"/>
-          <a:chOff x="0" y="0"/>
-          <a:chExt cx="0" cy="0"/>
-        </a:xfrm>
-      </p:grpSpPr>
-      <p:sp>
-        <p:nvSpPr>
-          <p:cNvPr id="2" name="Titel 1">
-            <a:extLst>
-              <a:ext uri="{FF2B5EF4-FFF2-40B4-BE49-F238E27FC236}">
-                <a16:creationId xmlns:a16="http://schemas.microsoft.com/office/drawing/2014/main" id="{69EA6C69-BE02-2149-8A8A-CA213C9EF573}"/>
-              </a:ext>
-            </a:extLst>
-          </p:cNvPr>
-          <p:cNvSpPr>
-            <a:spLocks noGrp="1"/>
-          </p:cNvSpPr>
-          <p:nvPr>
-            <p:ph type="title"/>
-          </p:nvPr>
-        </p:nvSpPr>
-        <p:spPr/>
-        <p:txBody>
-          <a:bodyPr/>
-          <a:lstStyle/>
-          <a:p>
-            <a:r>
-              <a:rPr lang="nl-NL"/>
-              <a:t>dplyr</a:t>
-            </a:r>
-          </a:p>
-        </p:txBody>
-      </p:sp>
-      <p:sp>
-        <p:nvSpPr>
-          <p:cNvPr id="3" name="Tijdelijke aanduiding voor inhoud 2">
-            <a:extLst>
-              <a:ext uri="{FF2B5EF4-FFF2-40B4-BE49-F238E27FC236}">
-                <a16:creationId xmlns:a16="http://schemas.microsoft.com/office/drawing/2014/main" id="{76034622-17E6-7041-BFFB-83B4FE8B173D}"/>
-              </a:ext>
-            </a:extLst>
-          </p:cNvPr>
-          <p:cNvSpPr>
-            <a:spLocks noGrp="1"/>
-          </p:cNvSpPr>
-          <p:nvPr>
-            <p:ph idx="1"/>
-          </p:nvPr>
-        </p:nvSpPr>
-        <p:spPr/>
-        <p:txBody>
-          <a:bodyPr/>
-          <a:lstStyle/>
-          <a:p>
-            <a:r>
-              <a:rPr lang="nl-NL"/>
-              <a:t>Grammar of Data Manipulation</a:t>
-            </a:r>
-          </a:p>
-          <a:p>
-            <a:endParaRPr lang="nl-NL"/>
-          </a:p>
-          <a:p>
-            <a:r>
-              <a:rPr lang="nl-NL" b="1"/>
-              <a:t>mutate()</a:t>
-            </a:r>
-            <a:r>
-              <a:rPr lang="nl-NL"/>
-              <a:t> adds new variables that are functions of existing variables</a:t>
-            </a:r>
-          </a:p>
-          <a:p>
-            <a:r>
-              <a:rPr lang="nl-NL" b="1"/>
-              <a:t>select()</a:t>
-            </a:r>
-            <a:r>
-              <a:rPr lang="nl-NL"/>
-              <a:t> picks variables based on their names.</a:t>
-            </a:r>
-          </a:p>
-          <a:p>
-            <a:r>
-              <a:rPr lang="nl-NL" b="1"/>
-              <a:t>filter()</a:t>
-            </a:r>
-            <a:r>
-              <a:rPr lang="nl-NL"/>
-              <a:t> picks cases based on their values.</a:t>
-            </a:r>
-          </a:p>
-          <a:p>
-            <a:r>
-              <a:rPr lang="nl-NL" b="1"/>
-              <a:t>summarise()</a:t>
-            </a:r>
-            <a:r>
-              <a:rPr lang="nl-NL"/>
-              <a:t> reduces multiple values down to a single summary.</a:t>
-            </a:r>
-          </a:p>
-          <a:p>
-            <a:r>
-              <a:rPr lang="nl-NL" b="1"/>
-              <a:t>arrange()</a:t>
-            </a:r>
-            <a:r>
-              <a:rPr lang="nl-NL"/>
-              <a:t> changes the ordering of the rows.</a:t>
-            </a:r>
-          </a:p>
-          <a:p>
-            <a:endParaRPr lang="nl-NL"/>
-          </a:p>
-        </p:txBody>
-      </p:sp>
-      <p:sp>
-        <p:nvSpPr>
-          <p:cNvPr id="4" name="Tekstvak 3">
-            <a:extLst>
-              <a:ext uri="{FF2B5EF4-FFF2-40B4-BE49-F238E27FC236}">
-                <a16:creationId xmlns:a16="http://schemas.microsoft.com/office/drawing/2014/main" id="{C7111E0F-7274-B24A-9270-5625F376204C}"/>
-              </a:ext>
-            </a:extLst>
-          </p:cNvPr>
-          <p:cNvSpPr txBox="1"/>
-          <p:nvPr/>
-        </p:nvSpPr>
-        <p:spPr>
-          <a:xfrm>
-            <a:off x="194310" y="6492875"/>
-            <a:ext cx="6652260" cy="307777"/>
-          </a:xfrm>
-          <a:prstGeom prst="rect">
-            <a:avLst/>
-          </a:prstGeom>
-          <a:noFill/>
-        </p:spPr>
-        <p:txBody>
-          <a:bodyPr wrap="square" rtlCol="0">
-            <a:spAutoFit/>
-          </a:bodyPr>
-          <a:lstStyle/>
-          <a:p>
-            <a:r>
-              <a:rPr lang="nl-NL" sz="1400">
-                <a:solidFill>
-                  <a:schemeClr val="accent6">
-                    <a:lumMod val="75000"/>
-                  </a:schemeClr>
-                </a:solidFill>
-              </a:rPr>
-              <a:t>★ https://dplyr.tidyverse.org/reference/index.html</a:t>
-            </a:r>
-          </a:p>
-        </p:txBody>
-      </p:sp>
-    </p:spTree>
-    <p:extLst>
-      <p:ext uri="{BB962C8B-B14F-4D97-AF65-F5344CB8AC3E}">
-        <p14:creationId xmlns:p14="http://schemas.microsoft.com/office/powerpoint/2010/main" val="3056910530"/>
-      </p:ext>
-    </p:extLst>
-  </p:cSld>
-  <p:clrMapOvr>
-    <a:masterClrMapping/>
-  </p:clrMapOvr>
-</p:sld>
-</file>
-
 <file path=ppt/slides/slide69.xml><?xml version="1.0" encoding="utf-8"?>
 <p:sld xmlns:a="http://schemas.openxmlformats.org/drawingml/2006/main" xmlns:r="http://schemas.openxmlformats.org/officeDocument/2006/relationships" xmlns:p="http://schemas.openxmlformats.org/presentationml/2006/main">
   <p:cSld>
@@ -16349,7 +16615,7 @@
           <p:cNvPr id="2" name="Titel 1">
             <a:extLst>
               <a:ext uri="{FF2B5EF4-FFF2-40B4-BE49-F238E27FC236}">
-                <a16:creationId xmlns:a16="http://schemas.microsoft.com/office/drawing/2014/main" id="{B27C9F39-DD24-0747-86B0-7FE18E10B33E}"/>
+                <a16:creationId xmlns:a16="http://schemas.microsoft.com/office/drawing/2014/main" id="{69EA6C69-BE02-2149-8A8A-CA213C9EF573}"/>
               </a:ext>
             </a:extLst>
           </p:cNvPr>
@@ -16367,7 +16633,7 @@
           <a:p>
             <a:r>
               <a:rPr lang="nl-NL"/>
-              <a:t>tidyr</a:t>
+              <a:t>dplyr</a:t>
             </a:r>
           </a:p>
         </p:txBody>
@@ -16377,7 +16643,7 @@
           <p:cNvPr id="3" name="Tijdelijke aanduiding voor inhoud 2">
             <a:extLst>
               <a:ext uri="{FF2B5EF4-FFF2-40B4-BE49-F238E27FC236}">
-                <a16:creationId xmlns:a16="http://schemas.microsoft.com/office/drawing/2014/main" id="{915537EA-93E6-D248-8686-014B22015BD0}"/>
+                <a16:creationId xmlns:a16="http://schemas.microsoft.com/office/drawing/2014/main" id="{76034622-17E6-7041-BFFB-83B4FE8B173D}"/>
               </a:ext>
             </a:extLst>
           </p:cNvPr>
@@ -16388,21 +16654,14 @@
             <p:ph idx="1"/>
           </p:nvPr>
         </p:nvSpPr>
-        <p:spPr>
-          <a:xfrm>
-            <a:off x="628650" y="1825625"/>
-            <a:ext cx="7886700" cy="4826635"/>
-          </a:xfrm>
-        </p:spPr>
-        <p:txBody>
-          <a:bodyPr>
-            <a:normAutofit fontScale="92500" lnSpcReduction="10000"/>
-          </a:bodyPr>
-          <a:lstStyle/>
-          <a:p>
-            <a:r>
-              <a:rPr lang="nl-NL"/>
-              <a:t>tidyr provides a set of functions that help you get to tidy data</a:t>
+        <p:spPr/>
+        <p:txBody>
+          <a:bodyPr/>
+          <a:lstStyle/>
+          <a:p>
+            <a:r>
+              <a:rPr lang="nl-NL"/>
+              <a:t>Grammar of Data Manipulation</a:t>
             </a:r>
           </a:p>
           <a:p>
@@ -16410,80 +16669,56 @@
           </a:p>
           <a:p>
             <a:r>
-              <a:rPr lang="nl-NL"/>
-              <a:t>tidyr functions fall into five main categories:</a:t>
-            </a:r>
-          </a:p>
-          <a:p>
-            <a:pPr lvl="1"/>
-            <a:r>
-              <a:rPr lang="nl-NL"/>
-              <a:t>“</a:t>
-            </a:r>
-            <a:r>
               <a:rPr lang="nl-NL" b="1"/>
-              <a:t>Pivotting</a:t>
-            </a:r>
-            <a:r>
-              <a:rPr lang="nl-NL"/>
-              <a:t>” which converts between long and wide forms. tidyr 1.0.0 introduces pivot_longer() and pivot_wider(), replacing the older spread() and gather() functions. See vignette("pivot") for more details.</a:t>
-            </a:r>
-          </a:p>
-          <a:p>
-            <a:pPr lvl="1"/>
-            <a:r>
-              <a:rPr lang="nl-NL"/>
-              <a:t>“</a:t>
-            </a:r>
+              <a:t>mutate()</a:t>
+            </a:r>
+            <a:r>
+              <a:rPr lang="nl-NL"/>
+              <a:t> adds new variables that are functions of existing variables</a:t>
+            </a:r>
+          </a:p>
+          <a:p>
             <a:r>
               <a:rPr lang="nl-NL" b="1"/>
-              <a:t>Rectangling</a:t>
-            </a:r>
-            <a:r>
-              <a:rPr lang="nl-NL"/>
-              <a:t>”, which turns deeply nested lists (as from JSON) into tidy tibbles. See unnest_longer(), unnest_wider(), hoist(), and vignette("rectangle") for more details.</a:t>
-            </a:r>
-          </a:p>
-          <a:p>
-            <a:pPr lvl="1"/>
-            <a:r>
-              <a:rPr lang="nl-NL"/>
-              <a:t>Nesting converts </a:t>
-            </a:r>
+              <a:t>select()</a:t>
+            </a:r>
+            <a:r>
+              <a:rPr lang="nl-NL"/>
+              <a:t> picks variables based on their names.</a:t>
+            </a:r>
+          </a:p>
+          <a:p>
             <a:r>
               <a:rPr lang="nl-NL" b="1"/>
-              <a:t>grouped data </a:t>
-            </a:r>
-            <a:r>
-              <a:rPr lang="nl-NL"/>
-              <a:t>to a form where each group becomes a single row containing a nested data frame, and unnesting does the opposite. See nest(), unnest(), and vignette("nest") for more details.</a:t>
-            </a:r>
-          </a:p>
-          <a:p>
-            <a:pPr lvl="1"/>
+              <a:t>filter()</a:t>
+            </a:r>
+            <a:r>
+              <a:rPr lang="nl-NL"/>
+              <a:t> picks cases based on their values.</a:t>
+            </a:r>
+          </a:p>
+          <a:p>
             <a:r>
               <a:rPr lang="nl-NL" b="1"/>
-              <a:t>Splitting and combining character columns</a:t>
-            </a:r>
-            <a:r>
-              <a:rPr lang="nl-NL"/>
-              <a:t>. Use separate() and extract() to pull a single character column into multiple columns; use unite() to combine multiple columns into a single character column.</a:t>
-            </a:r>
-          </a:p>
-          <a:p>
-            <a:pPr lvl="1"/>
-            <a:r>
-              <a:rPr lang="nl-NL"/>
-              <a:t>Make </a:t>
-            </a:r>
+              <a:t>summarise()</a:t>
+            </a:r>
+            <a:r>
+              <a:rPr lang="nl-NL"/>
+              <a:t> reduces multiple values down to a single summary.</a:t>
+            </a:r>
+          </a:p>
+          <a:p>
             <a:r>
               <a:rPr lang="nl-NL" b="1"/>
-              <a:t>implicit missing values explicit </a:t>
-            </a:r>
-            <a:r>
-              <a:rPr lang="nl-NL"/>
-              <a:t>with complete(); make explicit missing values implicit with drop_na(); replace missing values with next/previous value with fill(), or a known value with replace_na().</a:t>
-            </a:r>
+              <a:t>arrange()</a:t>
+            </a:r>
+            <a:r>
+              <a:rPr lang="nl-NL"/>
+              <a:t> changes the ordering of the rows.</a:t>
+            </a:r>
+          </a:p>
+          <a:p>
+            <a:endParaRPr lang="nl-NL"/>
           </a:p>
         </p:txBody>
       </p:sp>
@@ -16492,7 +16727,7 @@
           <p:cNvPr id="4" name="Tekstvak 3">
             <a:extLst>
               <a:ext uri="{FF2B5EF4-FFF2-40B4-BE49-F238E27FC236}">
-                <a16:creationId xmlns:a16="http://schemas.microsoft.com/office/drawing/2014/main" id="{10F9111F-69AA-7A49-8803-6A7A025E507F}"/>
+                <a16:creationId xmlns:a16="http://schemas.microsoft.com/office/drawing/2014/main" id="{C7111E0F-7274-B24A-9270-5625F376204C}"/>
               </a:ext>
             </a:extLst>
           </p:cNvPr>
@@ -16523,7 +16758,7 @@
                   </a:schemeClr>
                 </a:solidFill>
               </a:rPr>
-              <a:t>★ https://tidyr.tidyverse.org/reference/index.html</a:t>
+              <a:t>★ https://dplyr.tidyverse.org/reference/index.html</a:t>
             </a:r>
           </a:p>
         </p:txBody>
@@ -16531,7 +16766,7 @@
     </p:spTree>
     <p:extLst>
       <p:ext uri="{BB962C8B-B14F-4D97-AF65-F5344CB8AC3E}">
-        <p14:creationId xmlns:p14="http://schemas.microsoft.com/office/powerpoint/2010/main" val="2765185638"/>
+        <p14:creationId xmlns:p14="http://schemas.microsoft.com/office/powerpoint/2010/main" val="3056910530"/>
       </p:ext>
     </p:extLst>
   </p:cSld>
@@ -16563,7 +16798,7 @@
           <p:cNvPr id="2" name="Titel 1">
             <a:extLst>
               <a:ext uri="{FF2B5EF4-FFF2-40B4-BE49-F238E27FC236}">
-                <a16:creationId xmlns:a16="http://schemas.microsoft.com/office/drawing/2014/main" id="{99EF9CDF-0D22-AE46-83D5-ADD2CFB29AF7}"/>
+                <a16:creationId xmlns:a16="http://schemas.microsoft.com/office/drawing/2014/main" id="{A8CDAD01-30DF-1343-9D5C-F3BE9DA2DA47}"/>
               </a:ext>
             </a:extLst>
           </p:cNvPr>
@@ -16581,7 +16816,7 @@
           <a:p>
             <a:r>
               <a:rPr lang="nl-NL"/>
-              <a:t>R</a:t>
+              <a:t>Links</a:t>
             </a:r>
           </a:p>
         </p:txBody>
@@ -16591,7 +16826,7 @@
           <p:cNvPr id="3" name="Tijdelijke aanduiding voor inhoud 2">
             <a:extLst>
               <a:ext uri="{FF2B5EF4-FFF2-40B4-BE49-F238E27FC236}">
-                <a16:creationId xmlns:a16="http://schemas.microsoft.com/office/drawing/2014/main" id="{FDD2AD25-2314-574C-B31E-904C02271E31}"/>
+                <a16:creationId xmlns:a16="http://schemas.microsoft.com/office/drawing/2014/main" id="{E255A57B-5591-1943-82A3-0DE2D6EA53AE}"/>
               </a:ext>
             </a:extLst>
           </p:cNvPr>
@@ -16607,17 +16842,150 @@
           <a:bodyPr/>
           <a:lstStyle/>
           <a:p>
-            <a:r>
-              <a:rPr lang="nl-NL"/>
-              <a:t>R is ‘GNU S’, a freely available language and environment for statistical computing and graphics which provides a wide variety of statistical and graphical techniques: linear and nonlinear modelling, statistical tests, time series analysis, classification, clustering, etc. </a:t>
-            </a:r>
+            <a:pPr>
+              <a:tabLst>
+                <a:tab pos="4795838" algn="l"/>
+              </a:tabLst>
+            </a:pPr>
+            <a:r>
+              <a:rPr lang="nl-NL">
+                <a:hlinkClick r:id="rId2"/>
+              </a:rPr>
+              <a:t>https://r4ds.had.co.nz/index.html</a:t>
+            </a:r>
+            <a:r>
+              <a:rPr lang="nl-NL"/>
+              <a:t>	R for Data Science</a:t>
+            </a:r>
+          </a:p>
+          <a:p>
+            <a:pPr>
+              <a:tabLst>
+                <a:tab pos="4795838" algn="l"/>
+              </a:tabLst>
+            </a:pPr>
+            <a:endParaRPr lang="nl-NL"/>
+          </a:p>
+          <a:p>
+            <a:pPr>
+              <a:tabLst>
+                <a:tab pos="4795838" algn="l"/>
+              </a:tabLst>
+            </a:pPr>
+            <a:r>
+              <a:rPr lang="nl-NL">
+                <a:hlinkClick r:id="rId3"/>
+              </a:rPr>
+              <a:t>https://www.r-project.org/about.html</a:t>
+            </a:r>
+            <a:endParaRPr lang="nl-NL"/>
+          </a:p>
+          <a:p>
+            <a:pPr>
+              <a:tabLst>
+                <a:tab pos="4795838" algn="l"/>
+              </a:tabLst>
+            </a:pPr>
+            <a:r>
+              <a:rPr lang="nl-NL">
+                <a:hlinkClick r:id="rId4"/>
+              </a:rPr>
+              <a:t>https://www.w3schools.com/r/default.asp</a:t>
+            </a:r>
+            <a:endParaRPr lang="nl-NL"/>
+          </a:p>
+          <a:p>
+            <a:pPr>
+              <a:tabLst>
+                <a:tab pos="4795838" algn="l"/>
+              </a:tabLst>
+            </a:pPr>
+            <a:r>
+              <a:rPr lang="nl-NL">
+                <a:hlinkClick r:id="rId5"/>
+              </a:rPr>
+              <a:t>https://www.javatpoint.com/r-tutorial</a:t>
+            </a:r>
+            <a:endParaRPr lang="nl-NL"/>
+          </a:p>
+          <a:p>
+            <a:pPr>
+              <a:tabLst>
+                <a:tab pos="4795838" algn="l"/>
+              </a:tabLst>
+            </a:pPr>
+            <a:r>
+              <a:rPr lang="nl-NL">
+                <a:hlinkClick r:id="rId6"/>
+              </a:rPr>
+              <a:t>https://www.tutorialspoint.com/r/index.htm</a:t>
+            </a:r>
+            <a:endParaRPr lang="nl-NL"/>
+          </a:p>
+          <a:p>
+            <a:pPr>
+              <a:tabLst>
+                <a:tab pos="4795838" algn="l"/>
+              </a:tabLst>
+            </a:pPr>
+            <a:r>
+              <a:rPr lang="nl-NL">
+                <a:hlinkClick r:id="rId7"/>
+              </a:rPr>
+              <a:t>https://www.geeksforgeeks.org/r-tutorial/?ref=lbp</a:t>
+            </a:r>
+            <a:endParaRPr lang="nl-NL"/>
+          </a:p>
+          <a:p>
+            <a:pPr>
+              <a:tabLst>
+                <a:tab pos="4795838" algn="l"/>
+              </a:tabLst>
+            </a:pPr>
+            <a:r>
+              <a:rPr lang="nl-NL">
+                <a:hlinkClick r:id="rId8"/>
+              </a:rPr>
+              <a:t>https://www.atnyla.com/tutorial/about-r-tutorial/7/409</a:t>
+            </a:r>
+            <a:endParaRPr lang="nl-NL"/>
+          </a:p>
+          <a:p>
+            <a:pPr>
+              <a:tabLst>
+                <a:tab pos="4795838" algn="l"/>
+              </a:tabLst>
+            </a:pPr>
+            <a:r>
+              <a:rPr lang="nl-NL">
+                <a:hlinkClick r:id="rId9"/>
+              </a:rPr>
+              <a:t>http://applied-r.com/</a:t>
+            </a:r>
+            <a:endParaRPr lang="nl-NL"/>
+          </a:p>
+          <a:p>
+            <a:pPr>
+              <a:tabLst>
+                <a:tab pos="4795838" algn="l"/>
+              </a:tabLst>
+            </a:pPr>
+            <a:endParaRPr lang="nl-NL"/>
+          </a:p>
+          <a:p>
+            <a:pPr>
+              <a:tabLst>
+                <a:tab pos="4795838" algn="l"/>
+              </a:tabLst>
+            </a:pPr>
+            <a:endParaRPr lang="nl-NL"/>
           </a:p>
         </p:txBody>
       </p:sp>
     </p:spTree>
     <p:extLst>
       <p:ext uri="{BB962C8B-B14F-4D97-AF65-F5344CB8AC3E}">
-        <p14:creationId xmlns:p14="http://schemas.microsoft.com/office/powerpoint/2010/main" val="1230814510"/>
+        <p14:creationId xmlns:p14="http://schemas.microsoft.com/office/powerpoint/2010/main" val="774906294"/>
       </p:ext>
     </p:extLst>
   </p:cSld>
@@ -16667,7 +17035,7 @@
           <a:p>
             <a:r>
               <a:rPr lang="nl-NL"/>
-              <a:t>readr</a:t>
+              <a:t>tidyr</a:t>
             </a:r>
           </a:p>
         </p:txBody>
@@ -16688,24 +17056,111 @@
             <p:ph idx="1"/>
           </p:nvPr>
         </p:nvSpPr>
-        <p:spPr/>
-        <p:txBody>
-          <a:bodyPr/>
-          <a:lstStyle/>
-          <a:p>
-            <a:r>
-              <a:rPr lang="nl-NL"/>
-              <a:t>readr provides a fast and friendly way to read rectangular data</a:t>
-            </a:r>
-          </a:p>
-        </p:txBody>
-      </p:sp>
-      <p:sp>
-        <p:nvSpPr>
-          <p:cNvPr id="5" name="Tekstvak 4">
-            <a:extLst>
-              <a:ext uri="{FF2B5EF4-FFF2-40B4-BE49-F238E27FC236}">
-                <a16:creationId xmlns:a16="http://schemas.microsoft.com/office/drawing/2014/main" id="{B500F728-301C-C143-B6D1-34AB704983B5}"/>
+        <p:spPr>
+          <a:xfrm>
+            <a:off x="628650" y="1825625"/>
+            <a:ext cx="7886700" cy="4826635"/>
+          </a:xfrm>
+        </p:spPr>
+        <p:txBody>
+          <a:bodyPr>
+            <a:normAutofit fontScale="92500" lnSpcReduction="10000"/>
+          </a:bodyPr>
+          <a:lstStyle/>
+          <a:p>
+            <a:r>
+              <a:rPr lang="nl-NL"/>
+              <a:t>tidyr provides a set of functions that help you get to tidy data</a:t>
+            </a:r>
+          </a:p>
+          <a:p>
+            <a:endParaRPr lang="nl-NL"/>
+          </a:p>
+          <a:p>
+            <a:r>
+              <a:rPr lang="nl-NL"/>
+              <a:t>tidyr functions fall into five main categories:</a:t>
+            </a:r>
+          </a:p>
+          <a:p>
+            <a:pPr lvl="1"/>
+            <a:r>
+              <a:rPr lang="nl-NL"/>
+              <a:t>“</a:t>
+            </a:r>
+            <a:r>
+              <a:rPr lang="nl-NL" b="1"/>
+              <a:t>Pivotting</a:t>
+            </a:r>
+            <a:r>
+              <a:rPr lang="nl-NL"/>
+              <a:t>” which converts between long and wide forms. tidyr 1.0.0 introduces pivot_longer() and pivot_wider(), replacing the older spread() and gather() functions. See vignette("pivot") for more details.</a:t>
+            </a:r>
+          </a:p>
+          <a:p>
+            <a:pPr lvl="1"/>
+            <a:r>
+              <a:rPr lang="nl-NL"/>
+              <a:t>“</a:t>
+            </a:r>
+            <a:r>
+              <a:rPr lang="nl-NL" b="1"/>
+              <a:t>Rectangling</a:t>
+            </a:r>
+            <a:r>
+              <a:rPr lang="nl-NL"/>
+              <a:t>”, which turns deeply nested lists (as from JSON) into tidy tibbles. See unnest_longer(), unnest_wider(), hoist(), and vignette("rectangle") for more details.</a:t>
+            </a:r>
+          </a:p>
+          <a:p>
+            <a:pPr lvl="1"/>
+            <a:r>
+              <a:rPr lang="nl-NL"/>
+              <a:t>Nesting converts </a:t>
+            </a:r>
+            <a:r>
+              <a:rPr lang="nl-NL" b="1"/>
+              <a:t>grouped data </a:t>
+            </a:r>
+            <a:r>
+              <a:rPr lang="nl-NL"/>
+              <a:t>to a form where each group becomes a single row containing a nested data frame, and unnesting does the opposite. See nest(), unnest(), and vignette("nest") for more details.</a:t>
+            </a:r>
+          </a:p>
+          <a:p>
+            <a:pPr lvl="1"/>
+            <a:r>
+              <a:rPr lang="nl-NL" b="1"/>
+              <a:t>Splitting and combining character columns</a:t>
+            </a:r>
+            <a:r>
+              <a:rPr lang="nl-NL"/>
+              <a:t>. Use separate() and extract() to pull a single character column into multiple columns; use unite() to combine multiple columns into a single character column.</a:t>
+            </a:r>
+          </a:p>
+          <a:p>
+            <a:pPr lvl="1"/>
+            <a:r>
+              <a:rPr lang="nl-NL"/>
+              <a:t>Make </a:t>
+            </a:r>
+            <a:r>
+              <a:rPr lang="nl-NL" b="1"/>
+              <a:t>implicit missing values explicit </a:t>
+            </a:r>
+            <a:r>
+              <a:rPr lang="nl-NL"/>
+              <a:t>with complete(); make explicit missing values implicit with drop_na(); replace missing values with next/previous value with fill(), or a known value with replace_na().</a:t>
+            </a:r>
+          </a:p>
+        </p:txBody>
+      </p:sp>
+      <p:sp>
+        <p:nvSpPr>
+          <p:cNvPr id="4" name="Tekstvak 3">
+            <a:extLst>
+              <a:ext uri="{FF2B5EF4-FFF2-40B4-BE49-F238E27FC236}">
+                <a16:creationId xmlns:a16="http://schemas.microsoft.com/office/drawing/2014/main" id="{10F9111F-69AA-7A49-8803-6A7A025E507F}"/>
               </a:ext>
             </a:extLst>
           </p:cNvPr>
@@ -16736,7 +17191,7 @@
                   </a:schemeClr>
                 </a:solidFill>
               </a:rPr>
-              <a:t>★ https://readr.tidyverse.org/reference/index.html</a:t>
+              <a:t>★ https://tidyr.tidyverse.org/reference/index.html</a:t>
             </a:r>
           </a:p>
         </p:txBody>
@@ -16744,7 +17199,7 @@
     </p:spTree>
     <p:extLst>
       <p:ext uri="{BB962C8B-B14F-4D97-AF65-F5344CB8AC3E}">
-        <p14:creationId xmlns:p14="http://schemas.microsoft.com/office/powerpoint/2010/main" val="2499023797"/>
+        <p14:creationId xmlns:p14="http://schemas.microsoft.com/office/powerpoint/2010/main" val="2765185638"/>
       </p:ext>
     </p:extLst>
   </p:cSld>
@@ -16794,7 +17249,7 @@
           <a:p>
             <a:r>
               <a:rPr lang="nl-NL"/>
-              <a:t>stringr</a:t>
+              <a:t>readr</a:t>
             </a:r>
           </a:p>
         </p:txBody>
@@ -16822,17 +17277,17 @@
           <a:p>
             <a:r>
               <a:rPr lang="nl-NL"/>
-              <a:t>stringr provides a cohesive set of functions designed to make working with strings as easy as possible</a:t>
-            </a:r>
-          </a:p>
-        </p:txBody>
-      </p:sp>
-      <p:sp>
-        <p:nvSpPr>
-          <p:cNvPr id="4" name="Tekstvak 3">
-            <a:extLst>
-              <a:ext uri="{FF2B5EF4-FFF2-40B4-BE49-F238E27FC236}">
-                <a16:creationId xmlns:a16="http://schemas.microsoft.com/office/drawing/2014/main" id="{9AB0681D-F46A-6E4E-8171-1BD930D9C09A}"/>
+              <a:t>readr provides a fast and friendly way to read rectangular data</a:t>
+            </a:r>
+          </a:p>
+        </p:txBody>
+      </p:sp>
+      <p:sp>
+        <p:nvSpPr>
+          <p:cNvPr id="5" name="Tekstvak 4">
+            <a:extLst>
+              <a:ext uri="{FF2B5EF4-FFF2-40B4-BE49-F238E27FC236}">
+                <a16:creationId xmlns:a16="http://schemas.microsoft.com/office/drawing/2014/main" id="{B500F728-301C-C143-B6D1-34AB704983B5}"/>
               </a:ext>
             </a:extLst>
           </p:cNvPr>
@@ -16863,7 +17318,7 @@
                   </a:schemeClr>
                 </a:solidFill>
               </a:rPr>
-              <a:t>★ https://stringr.tidyverse.org/reference/index.html</a:t>
+              <a:t>★ https://readr.tidyverse.org/reference/index.html</a:t>
             </a:r>
           </a:p>
         </p:txBody>
@@ -16871,7 +17326,7 @@
     </p:spTree>
     <p:extLst>
       <p:ext uri="{BB962C8B-B14F-4D97-AF65-F5344CB8AC3E}">
-        <p14:creationId xmlns:p14="http://schemas.microsoft.com/office/powerpoint/2010/main" val="4144046768"/>
+        <p14:creationId xmlns:p14="http://schemas.microsoft.com/office/powerpoint/2010/main" val="2499023797"/>
       </p:ext>
     </p:extLst>
   </p:cSld>
@@ -16903,6 +17358,133 @@
           <p:cNvPr id="2" name="Titel 1">
             <a:extLst>
               <a:ext uri="{FF2B5EF4-FFF2-40B4-BE49-F238E27FC236}">
+                <a16:creationId xmlns:a16="http://schemas.microsoft.com/office/drawing/2014/main" id="{B27C9F39-DD24-0747-86B0-7FE18E10B33E}"/>
+              </a:ext>
+            </a:extLst>
+          </p:cNvPr>
+          <p:cNvSpPr>
+            <a:spLocks noGrp="1"/>
+          </p:cNvSpPr>
+          <p:nvPr>
+            <p:ph type="title"/>
+          </p:nvPr>
+        </p:nvSpPr>
+        <p:spPr/>
+        <p:txBody>
+          <a:bodyPr/>
+          <a:lstStyle/>
+          <a:p>
+            <a:r>
+              <a:rPr lang="nl-NL"/>
+              <a:t>stringr</a:t>
+            </a:r>
+          </a:p>
+        </p:txBody>
+      </p:sp>
+      <p:sp>
+        <p:nvSpPr>
+          <p:cNvPr id="3" name="Tijdelijke aanduiding voor inhoud 2">
+            <a:extLst>
+              <a:ext uri="{FF2B5EF4-FFF2-40B4-BE49-F238E27FC236}">
+                <a16:creationId xmlns:a16="http://schemas.microsoft.com/office/drawing/2014/main" id="{915537EA-93E6-D248-8686-014B22015BD0}"/>
+              </a:ext>
+            </a:extLst>
+          </p:cNvPr>
+          <p:cNvSpPr>
+            <a:spLocks noGrp="1"/>
+          </p:cNvSpPr>
+          <p:nvPr>
+            <p:ph idx="1"/>
+          </p:nvPr>
+        </p:nvSpPr>
+        <p:spPr/>
+        <p:txBody>
+          <a:bodyPr/>
+          <a:lstStyle/>
+          <a:p>
+            <a:r>
+              <a:rPr lang="nl-NL"/>
+              <a:t>stringr provides a cohesive set of functions designed to make working with strings as easy as possible</a:t>
+            </a:r>
+          </a:p>
+        </p:txBody>
+      </p:sp>
+      <p:sp>
+        <p:nvSpPr>
+          <p:cNvPr id="4" name="Tekstvak 3">
+            <a:extLst>
+              <a:ext uri="{FF2B5EF4-FFF2-40B4-BE49-F238E27FC236}">
+                <a16:creationId xmlns:a16="http://schemas.microsoft.com/office/drawing/2014/main" id="{9AB0681D-F46A-6E4E-8171-1BD930D9C09A}"/>
+              </a:ext>
+            </a:extLst>
+          </p:cNvPr>
+          <p:cNvSpPr txBox="1"/>
+          <p:nvPr/>
+        </p:nvSpPr>
+        <p:spPr>
+          <a:xfrm>
+            <a:off x="194310" y="6492875"/>
+            <a:ext cx="6652260" cy="307777"/>
+          </a:xfrm>
+          <a:prstGeom prst="rect">
+            <a:avLst/>
+          </a:prstGeom>
+          <a:noFill/>
+        </p:spPr>
+        <p:txBody>
+          <a:bodyPr wrap="square" rtlCol="0">
+            <a:spAutoFit/>
+          </a:bodyPr>
+          <a:lstStyle/>
+          <a:p>
+            <a:r>
+              <a:rPr lang="nl-NL" sz="1400">
+                <a:solidFill>
+                  <a:schemeClr val="accent6">
+                    <a:lumMod val="75000"/>
+                  </a:schemeClr>
+                </a:solidFill>
+              </a:rPr>
+              <a:t>★ https://stringr.tidyverse.org/reference/index.html</a:t>
+            </a:r>
+          </a:p>
+        </p:txBody>
+      </p:sp>
+    </p:spTree>
+    <p:extLst>
+      <p:ext uri="{BB962C8B-B14F-4D97-AF65-F5344CB8AC3E}">
+        <p14:creationId xmlns:p14="http://schemas.microsoft.com/office/powerpoint/2010/main" val="4144046768"/>
+      </p:ext>
+    </p:extLst>
+  </p:cSld>
+  <p:clrMapOvr>
+    <a:masterClrMapping/>
+  </p:clrMapOvr>
+</p:sld>
+</file>
+
+<file path=ppt/slides/slide73.xml><?xml version="1.0" encoding="utf-8"?>
+<p:sld xmlns:a="http://schemas.openxmlformats.org/drawingml/2006/main" xmlns:r="http://schemas.openxmlformats.org/officeDocument/2006/relationships" xmlns:p="http://schemas.openxmlformats.org/presentationml/2006/main">
+  <p:cSld>
+    <p:spTree>
+      <p:nvGrpSpPr>
+        <p:cNvPr id="1" name=""/>
+        <p:cNvGrpSpPr/>
+        <p:nvPr/>
+      </p:nvGrpSpPr>
+      <p:grpSpPr>
+        <a:xfrm>
+          <a:off x="0" y="0"/>
+          <a:ext cx="0" cy="0"/>
+          <a:chOff x="0" y="0"/>
+          <a:chExt cx="0" cy="0"/>
+        </a:xfrm>
+      </p:grpSpPr>
+      <p:sp>
+        <p:nvSpPr>
+          <p:cNvPr id="2" name="Titel 1">
+            <a:extLst>
+              <a:ext uri="{FF2B5EF4-FFF2-40B4-BE49-F238E27FC236}">
                 <a16:creationId xmlns:a16="http://schemas.microsoft.com/office/drawing/2014/main" id="{F7106C3C-3DF1-3344-942B-0B250B31DF27}"/>
               </a:ext>
             </a:extLst>
@@ -16939,7 +17521,7 @@
 </p:sld>
 </file>
 
-<file path=ppt/slides/slide73.xml><?xml version="1.0" encoding="utf-8"?>
+<file path=ppt/slides/slide74.xml><?xml version="1.0" encoding="utf-8"?>
 <p:sld xmlns:a="http://schemas.openxmlformats.org/drawingml/2006/main" xmlns:r="http://schemas.openxmlformats.org/officeDocument/2006/relationships" xmlns:p="http://schemas.openxmlformats.org/presentationml/2006/main">
   <p:cSld>
     <p:spTree>
@@ -17191,92 +17773,6 @@
 </p:sld>
 </file>
 
-<file path=ppt/slides/slide74.xml><?xml version="1.0" encoding="utf-8"?>
-<p:sld xmlns:a="http://schemas.openxmlformats.org/drawingml/2006/main" xmlns:r="http://schemas.openxmlformats.org/officeDocument/2006/relationships" xmlns:p="http://schemas.openxmlformats.org/presentationml/2006/main">
-  <p:cSld>
-    <p:spTree>
-      <p:nvGrpSpPr>
-        <p:cNvPr id="1" name=""/>
-        <p:cNvGrpSpPr/>
-        <p:nvPr/>
-      </p:nvGrpSpPr>
-      <p:grpSpPr>
-        <a:xfrm>
-          <a:off x="0" y="0"/>
-          <a:ext cx="0" cy="0"/>
-          <a:chOff x="0" y="0"/>
-          <a:chExt cx="0" cy="0"/>
-        </a:xfrm>
-      </p:grpSpPr>
-      <p:sp>
-        <p:nvSpPr>
-          <p:cNvPr id="2" name="Titel 1">
-            <a:extLst>
-              <a:ext uri="{FF2B5EF4-FFF2-40B4-BE49-F238E27FC236}">
-                <a16:creationId xmlns:a16="http://schemas.microsoft.com/office/drawing/2014/main" id="{D783CE1F-0079-964B-AD58-DA11A301F408}"/>
-              </a:ext>
-            </a:extLst>
-          </p:cNvPr>
-          <p:cNvSpPr>
-            <a:spLocks noGrp="1"/>
-          </p:cNvSpPr>
-          <p:nvPr>
-            <p:ph type="title"/>
-          </p:nvPr>
-        </p:nvSpPr>
-        <p:spPr/>
-        <p:txBody>
-          <a:bodyPr/>
-          <a:lstStyle/>
-          <a:p>
-            <a:r>
-              <a:rPr lang="nl-NL"/>
-              <a:t>Multiple Regresson</a:t>
-            </a:r>
-          </a:p>
-        </p:txBody>
-      </p:sp>
-      <p:sp>
-        <p:nvSpPr>
-          <p:cNvPr id="3" name="Tijdelijke aanduiding voor inhoud 2">
-            <a:extLst>
-              <a:ext uri="{FF2B5EF4-FFF2-40B4-BE49-F238E27FC236}">
-                <a16:creationId xmlns:a16="http://schemas.microsoft.com/office/drawing/2014/main" id="{6B065B79-5DE5-BF4D-90A2-CA903707D9C3}"/>
-              </a:ext>
-            </a:extLst>
-          </p:cNvPr>
-          <p:cNvSpPr>
-            <a:spLocks noGrp="1"/>
-          </p:cNvSpPr>
-          <p:nvPr>
-            <p:ph idx="1"/>
-          </p:nvPr>
-        </p:nvSpPr>
-        <p:spPr/>
-        <p:txBody>
-          <a:bodyPr/>
-          <a:lstStyle/>
-          <a:p>
-            <a:r>
-              <a:rPr lang="nl-NL"/>
-              <a:t>lm(y ~ x1 + x2 + x3...,data)</a:t>
-            </a:r>
-          </a:p>
-        </p:txBody>
-      </p:sp>
-    </p:spTree>
-    <p:extLst>
-      <p:ext uri="{BB962C8B-B14F-4D97-AF65-F5344CB8AC3E}">
-        <p14:creationId xmlns:p14="http://schemas.microsoft.com/office/powerpoint/2010/main" val="3424937119"/>
-      </p:ext>
-    </p:extLst>
-  </p:cSld>
-  <p:clrMapOvr>
-    <a:masterClrMapping/>
-  </p:clrMapOvr>
-</p:sld>
-</file>
-
 <file path=ppt/slides/slide75.xml><?xml version="1.0" encoding="utf-8"?>
 <p:sld xmlns:a="http://schemas.openxmlformats.org/drawingml/2006/main" xmlns:r="http://schemas.openxmlformats.org/officeDocument/2006/relationships" xmlns:p="http://schemas.openxmlformats.org/presentationml/2006/main">
   <p:cSld>
@@ -17317,6 +17813,92 @@
           <a:p>
             <a:r>
               <a:rPr lang="nl-NL"/>
+              <a:t>Multiple Regresson</a:t>
+            </a:r>
+          </a:p>
+        </p:txBody>
+      </p:sp>
+      <p:sp>
+        <p:nvSpPr>
+          <p:cNvPr id="3" name="Tijdelijke aanduiding voor inhoud 2">
+            <a:extLst>
+              <a:ext uri="{FF2B5EF4-FFF2-40B4-BE49-F238E27FC236}">
+                <a16:creationId xmlns:a16="http://schemas.microsoft.com/office/drawing/2014/main" id="{6B065B79-5DE5-BF4D-90A2-CA903707D9C3}"/>
+              </a:ext>
+            </a:extLst>
+          </p:cNvPr>
+          <p:cNvSpPr>
+            <a:spLocks noGrp="1"/>
+          </p:cNvSpPr>
+          <p:nvPr>
+            <p:ph idx="1"/>
+          </p:nvPr>
+        </p:nvSpPr>
+        <p:spPr/>
+        <p:txBody>
+          <a:bodyPr/>
+          <a:lstStyle/>
+          <a:p>
+            <a:r>
+              <a:rPr lang="nl-NL"/>
+              <a:t>lm(y ~ x1 + x2 + x3...,data)</a:t>
+            </a:r>
+          </a:p>
+        </p:txBody>
+      </p:sp>
+    </p:spTree>
+    <p:extLst>
+      <p:ext uri="{BB962C8B-B14F-4D97-AF65-F5344CB8AC3E}">
+        <p14:creationId xmlns:p14="http://schemas.microsoft.com/office/powerpoint/2010/main" val="3424937119"/>
+      </p:ext>
+    </p:extLst>
+  </p:cSld>
+  <p:clrMapOvr>
+    <a:masterClrMapping/>
+  </p:clrMapOvr>
+</p:sld>
+</file>
+
+<file path=ppt/slides/slide76.xml><?xml version="1.0" encoding="utf-8"?>
+<p:sld xmlns:a="http://schemas.openxmlformats.org/drawingml/2006/main" xmlns:r="http://schemas.openxmlformats.org/officeDocument/2006/relationships" xmlns:p="http://schemas.openxmlformats.org/presentationml/2006/main">
+  <p:cSld>
+    <p:spTree>
+      <p:nvGrpSpPr>
+        <p:cNvPr id="1" name=""/>
+        <p:cNvGrpSpPr/>
+        <p:nvPr/>
+      </p:nvGrpSpPr>
+      <p:grpSpPr>
+        <a:xfrm>
+          <a:off x="0" y="0"/>
+          <a:ext cx="0" cy="0"/>
+          <a:chOff x="0" y="0"/>
+          <a:chExt cx="0" cy="0"/>
+        </a:xfrm>
+      </p:grpSpPr>
+      <p:sp>
+        <p:nvSpPr>
+          <p:cNvPr id="2" name="Titel 1">
+            <a:extLst>
+              <a:ext uri="{FF2B5EF4-FFF2-40B4-BE49-F238E27FC236}">
+                <a16:creationId xmlns:a16="http://schemas.microsoft.com/office/drawing/2014/main" id="{D783CE1F-0079-964B-AD58-DA11A301F408}"/>
+              </a:ext>
+            </a:extLst>
+          </p:cNvPr>
+          <p:cNvSpPr>
+            <a:spLocks noGrp="1"/>
+          </p:cNvSpPr>
+          <p:nvPr>
+            <p:ph type="title"/>
+          </p:nvPr>
+        </p:nvSpPr>
+        <p:spPr/>
+        <p:txBody>
+          <a:bodyPr/>
+          <a:lstStyle/>
+          <a:p>
+            <a:r>
+              <a:rPr lang="nl-NL"/>
               <a:t>Logistic Regresson</a:t>
             </a:r>
           </a:p>
@@ -17363,7 +17945,7 @@
 </p:sld>
 </file>
 
-<file path=ppt/slides/slide76.xml><?xml version="1.0" encoding="utf-8"?>
+<file path=ppt/slides/slide77.xml><?xml version="1.0" encoding="utf-8"?>
 <p:sld xmlns:a="http://schemas.openxmlformats.org/drawingml/2006/main" xmlns:r="http://schemas.openxmlformats.org/officeDocument/2006/relationships" xmlns:p="http://schemas.openxmlformats.org/presentationml/2006/main">
   <p:cSld>
     <p:spTree>
@@ -17549,7 +18131,7 @@
 </p:sld>
 </file>
 
-<file path=ppt/slides/slide77.xml><?xml version="1.0" encoding="utf-8"?>
+<file path=ppt/slides/slide78.xml><?xml version="1.0" encoding="utf-8"?>
 <p:sld xmlns:a="http://schemas.openxmlformats.org/drawingml/2006/main" xmlns:r="http://schemas.openxmlformats.org/officeDocument/2006/relationships" xmlns:p="http://schemas.openxmlformats.org/presentationml/2006/main">
   <p:cSld>
     <p:spTree>
@@ -17763,7 +18345,7 @@
           <p:cNvPr id="2" name="Titel 1">
             <a:extLst>
               <a:ext uri="{FF2B5EF4-FFF2-40B4-BE49-F238E27FC236}">
-                <a16:creationId xmlns:a16="http://schemas.microsoft.com/office/drawing/2014/main" id="{8E1C2EB0-A72C-7D41-95DA-62DD663E1DF0}"/>
+                <a16:creationId xmlns:a16="http://schemas.microsoft.com/office/drawing/2014/main" id="{99EF9CDF-0D22-AE46-83D5-ADD2CFB29AF7}"/>
               </a:ext>
             </a:extLst>
           </p:cNvPr>
@@ -17781,17 +18363,17 @@
           <a:p>
             <a:r>
               <a:rPr lang="nl-NL"/>
-              <a:t>Rstudio</a:t>
-            </a:r>
-          </a:p>
-        </p:txBody>
-      </p:sp>
-      <p:sp>
-        <p:nvSpPr>
-          <p:cNvPr id="5" name="Tijdelijke aanduiding voor inhoud 4">
-            <a:extLst>
-              <a:ext uri="{FF2B5EF4-FFF2-40B4-BE49-F238E27FC236}">
-                <a16:creationId xmlns:a16="http://schemas.microsoft.com/office/drawing/2014/main" id="{2F4F6FE0-B978-1F4B-9D6C-9076FFC5ACD1}"/>
+              <a:t>R</a:t>
+            </a:r>
+          </a:p>
+        </p:txBody>
+      </p:sp>
+      <p:sp>
+        <p:nvSpPr>
+          <p:cNvPr id="3" name="Tijdelijke aanduiding voor inhoud 2">
+            <a:extLst>
+              <a:ext uri="{FF2B5EF4-FFF2-40B4-BE49-F238E27FC236}">
+                <a16:creationId xmlns:a16="http://schemas.microsoft.com/office/drawing/2014/main" id="{FDD2AD25-2314-574C-B31E-904C02271E31}"/>
               </a:ext>
             </a:extLst>
           </p:cNvPr>
@@ -17809,90 +18391,15 @@
           <a:p>
             <a:r>
               <a:rPr lang="nl-NL"/>
-              <a:t>Editor</a:t>
-            </a:r>
-          </a:p>
-          <a:p>
-            <a:r>
-              <a:rPr lang="nl-NL"/>
-              <a:t>Console</a:t>
-            </a:r>
-          </a:p>
-          <a:p>
-            <a:r>
-              <a:rPr lang="nl-NL"/>
-              <a:t>Terminal</a:t>
-            </a:r>
-          </a:p>
-          <a:p>
-            <a:r>
-              <a:rPr lang="nl-NL"/>
-              <a:t>Environment</a:t>
-            </a:r>
-          </a:p>
-          <a:p>
-            <a:r>
-              <a:rPr lang="nl-NL"/>
-              <a:t>Files</a:t>
-            </a:r>
-          </a:p>
-          <a:p>
-            <a:r>
-              <a:rPr lang="nl-NL"/>
-              <a:t>Plots</a:t>
-            </a:r>
-          </a:p>
-          <a:p>
-            <a:r>
-              <a:rPr lang="nl-NL"/>
-              <a:t>Packages</a:t>
-            </a:r>
-          </a:p>
-          <a:p>
-            <a:r>
-              <a:rPr lang="nl-NL"/>
-              <a:t>Help</a:t>
-            </a:r>
-          </a:p>
-          <a:p>
-            <a:endParaRPr lang="nl-NL"/>
-          </a:p>
-        </p:txBody>
-      </p:sp>
-      <p:pic>
-        <p:nvPicPr>
-          <p:cNvPr id="6" name="Tijdelijke aanduiding voor inhoud 3">
-            <a:extLst>
-              <a:ext uri="{FF2B5EF4-FFF2-40B4-BE49-F238E27FC236}">
-                <a16:creationId xmlns:a16="http://schemas.microsoft.com/office/drawing/2014/main" id="{A08DBCC4-E639-794C-9397-5CAD59779875}"/>
-              </a:ext>
-            </a:extLst>
-          </p:cNvPr>
-          <p:cNvPicPr>
-            <a:picLocks noChangeAspect="1"/>
-          </p:cNvPicPr>
-          <p:nvPr/>
-        </p:nvPicPr>
-        <p:blipFill>
-          <a:blip r:embed="rId3"/>
-          <a:stretch>
-            <a:fillRect/>
-          </a:stretch>
-        </p:blipFill>
-        <p:spPr>
-          <a:xfrm>
-            <a:off x="2498875" y="1690688"/>
-            <a:ext cx="6535711" cy="3672205"/>
-          </a:xfrm>
-          <a:prstGeom prst="rect">
-            <a:avLst/>
-          </a:prstGeom>
-        </p:spPr>
-      </p:pic>
+              <a:t>R is ‘GNU S’, a freely available language and environment for statistical computing and graphics which provides a wide variety of statistical and graphical techniques: linear and nonlinear modelling, statistical tests, time series analysis, classification, clustering, etc. </a:t>
+            </a:r>
+          </a:p>
+        </p:txBody>
+      </p:sp>
     </p:spTree>
     <p:extLst>
       <p:ext uri="{BB962C8B-B14F-4D97-AF65-F5344CB8AC3E}">
-        <p14:creationId xmlns:p14="http://schemas.microsoft.com/office/powerpoint/2010/main" val="1436925266"/>
+        <p14:creationId xmlns:p14="http://schemas.microsoft.com/office/powerpoint/2010/main" val="1230814510"/>
       </p:ext>
     </p:extLst>
   </p:cSld>
@@ -17924,7 +18431,7 @@
           <p:cNvPr id="2" name="Titel 1">
             <a:extLst>
               <a:ext uri="{FF2B5EF4-FFF2-40B4-BE49-F238E27FC236}">
-                <a16:creationId xmlns:a16="http://schemas.microsoft.com/office/drawing/2014/main" id="{DBFAB6D8-1327-C046-B3A9-6A691E0DACAA}"/>
+                <a16:creationId xmlns:a16="http://schemas.microsoft.com/office/drawing/2014/main" id="{8E1C2EB0-A72C-7D41-95DA-62DD663E1DF0}"/>
               </a:ext>
             </a:extLst>
           </p:cNvPr>
@@ -17942,17 +18449,17 @@
           <a:p>
             <a:r>
               <a:rPr lang="nl-NL"/>
-              <a:t>Datastructures</a:t>
-            </a:r>
-          </a:p>
-        </p:txBody>
-      </p:sp>
-      <p:sp>
-        <p:nvSpPr>
-          <p:cNvPr id="3" name="Tijdelijke aanduiding voor inhoud 2">
-            <a:extLst>
-              <a:ext uri="{FF2B5EF4-FFF2-40B4-BE49-F238E27FC236}">
-                <a16:creationId xmlns:a16="http://schemas.microsoft.com/office/drawing/2014/main" id="{1E013B34-89F6-FD4C-9259-935892DB1EF4}"/>
+              <a:t>Rstudio</a:t>
+            </a:r>
+          </a:p>
+        </p:txBody>
+      </p:sp>
+      <p:sp>
+        <p:nvSpPr>
+          <p:cNvPr id="5" name="Tijdelijke aanduiding voor inhoud 4">
+            <a:extLst>
+              <a:ext uri="{FF2B5EF4-FFF2-40B4-BE49-F238E27FC236}">
+                <a16:creationId xmlns:a16="http://schemas.microsoft.com/office/drawing/2014/main" id="{2F4F6FE0-B978-1F4B-9D6C-9076FFC5ACD1}"/>
               </a:ext>
             </a:extLst>
           </p:cNvPr>
@@ -17970,45 +18477,90 @@
           <a:p>
             <a:r>
               <a:rPr lang="nl-NL"/>
-              <a:t>Vector</a:t>
-            </a:r>
-          </a:p>
-          <a:p>
-            <a:r>
-              <a:rPr lang="nl-NL"/>
-              <a:t>List</a:t>
-            </a:r>
-          </a:p>
-          <a:p>
-            <a:r>
-              <a:rPr lang="nl-NL"/>
-              <a:t>Matrice</a:t>
-            </a:r>
-          </a:p>
-          <a:p>
-            <a:r>
-              <a:rPr lang="nl-NL"/>
-              <a:t>Array</a:t>
-            </a:r>
-          </a:p>
-          <a:p>
-            <a:r>
-              <a:rPr lang="nl-NL"/>
-              <a:t>Factor</a:t>
-            </a:r>
-          </a:p>
-          <a:p>
-            <a:r>
-              <a:rPr lang="nl-NL"/>
-              <a:t>Data Frame</a:t>
-            </a:r>
-          </a:p>
-        </p:txBody>
-      </p:sp>
+              <a:t>Editor</a:t>
+            </a:r>
+          </a:p>
+          <a:p>
+            <a:r>
+              <a:rPr lang="nl-NL"/>
+              <a:t>Console</a:t>
+            </a:r>
+          </a:p>
+          <a:p>
+            <a:r>
+              <a:rPr lang="nl-NL"/>
+              <a:t>Terminal</a:t>
+            </a:r>
+          </a:p>
+          <a:p>
+            <a:r>
+              <a:rPr lang="nl-NL"/>
+              <a:t>Environment</a:t>
+            </a:r>
+          </a:p>
+          <a:p>
+            <a:r>
+              <a:rPr lang="nl-NL"/>
+              <a:t>Files</a:t>
+            </a:r>
+          </a:p>
+          <a:p>
+            <a:r>
+              <a:rPr lang="nl-NL"/>
+              <a:t>Plots</a:t>
+            </a:r>
+          </a:p>
+          <a:p>
+            <a:r>
+              <a:rPr lang="nl-NL"/>
+              <a:t>Packages</a:t>
+            </a:r>
+          </a:p>
+          <a:p>
+            <a:r>
+              <a:rPr lang="nl-NL"/>
+              <a:t>Help</a:t>
+            </a:r>
+          </a:p>
+          <a:p>
+            <a:endParaRPr lang="nl-NL"/>
+          </a:p>
+        </p:txBody>
+      </p:sp>
+      <p:pic>
+        <p:nvPicPr>
+          <p:cNvPr id="6" name="Tijdelijke aanduiding voor inhoud 3">
+            <a:extLst>
+              <a:ext uri="{FF2B5EF4-FFF2-40B4-BE49-F238E27FC236}">
+                <a16:creationId xmlns:a16="http://schemas.microsoft.com/office/drawing/2014/main" id="{A08DBCC4-E639-794C-9397-5CAD59779875}"/>
+              </a:ext>
+            </a:extLst>
+          </p:cNvPr>
+          <p:cNvPicPr>
+            <a:picLocks noChangeAspect="1"/>
+          </p:cNvPicPr>
+          <p:nvPr/>
+        </p:nvPicPr>
+        <p:blipFill>
+          <a:blip r:embed="rId3"/>
+          <a:stretch>
+            <a:fillRect/>
+          </a:stretch>
+        </p:blipFill>
+        <p:spPr>
+          <a:xfrm>
+            <a:off x="2498875" y="1690688"/>
+            <a:ext cx="6535711" cy="3672205"/>
+          </a:xfrm>
+          <a:prstGeom prst="rect">
+            <a:avLst/>
+          </a:prstGeom>
+        </p:spPr>
+      </p:pic>
     </p:spTree>
     <p:extLst>
       <p:ext uri="{BB962C8B-B14F-4D97-AF65-F5344CB8AC3E}">
-        <p14:creationId xmlns:p14="http://schemas.microsoft.com/office/powerpoint/2010/main" val="530213883"/>
+        <p14:creationId xmlns:p14="http://schemas.microsoft.com/office/powerpoint/2010/main" val="1436925266"/>
       </p:ext>
     </p:extLst>
   </p:cSld>

--- a/Slides/Introductie R.pptx
+++ b/Slides/Introductie R.pptx
@@ -6,7 +6,7 @@
     <p:sldMasterId id="2147483677" r:id="rId2"/>
   </p:sldMasterIdLst>
   <p:notesMasterIdLst>
-    <p:notesMasterId r:id="rId81"/>
+    <p:notesMasterId r:id="rId83"/>
   </p:notesMasterIdLst>
   <p:sldIdLst>
     <p:sldId id="260" r:id="rId3"/>
@@ -61,32 +61,34 @@
     <p:sldId id="573" r:id="rId52"/>
     <p:sldId id="574" r:id="rId53"/>
     <p:sldId id="575" r:id="rId54"/>
-    <p:sldId id="581" r:id="rId55"/>
-    <p:sldId id="543" r:id="rId56"/>
-    <p:sldId id="544" r:id="rId57"/>
-    <p:sldId id="545" r:id="rId58"/>
-    <p:sldId id="546" r:id="rId59"/>
-    <p:sldId id="547" r:id="rId60"/>
-    <p:sldId id="548" r:id="rId61"/>
-    <p:sldId id="549" r:id="rId62"/>
-    <p:sldId id="556" r:id="rId63"/>
-    <p:sldId id="559" r:id="rId64"/>
-    <p:sldId id="568" r:id="rId65"/>
-    <p:sldId id="560" r:id="rId66"/>
-    <p:sldId id="567" r:id="rId67"/>
-    <p:sldId id="566" r:id="rId68"/>
-    <p:sldId id="565" r:id="rId69"/>
-    <p:sldId id="557" r:id="rId70"/>
-    <p:sldId id="558" r:id="rId71"/>
-    <p:sldId id="561" r:id="rId72"/>
-    <p:sldId id="562" r:id="rId73"/>
-    <p:sldId id="564" r:id="rId74"/>
-    <p:sldId id="550" r:id="rId75"/>
-    <p:sldId id="551" r:id="rId76"/>
-    <p:sldId id="552" r:id="rId77"/>
-    <p:sldId id="553" r:id="rId78"/>
-    <p:sldId id="554" r:id="rId79"/>
-    <p:sldId id="555" r:id="rId80"/>
+    <p:sldId id="584" r:id="rId55"/>
+    <p:sldId id="581" r:id="rId56"/>
+    <p:sldId id="583" r:id="rId57"/>
+    <p:sldId id="543" r:id="rId58"/>
+    <p:sldId id="544" r:id="rId59"/>
+    <p:sldId id="545" r:id="rId60"/>
+    <p:sldId id="546" r:id="rId61"/>
+    <p:sldId id="547" r:id="rId62"/>
+    <p:sldId id="548" r:id="rId63"/>
+    <p:sldId id="549" r:id="rId64"/>
+    <p:sldId id="556" r:id="rId65"/>
+    <p:sldId id="559" r:id="rId66"/>
+    <p:sldId id="568" r:id="rId67"/>
+    <p:sldId id="560" r:id="rId68"/>
+    <p:sldId id="567" r:id="rId69"/>
+    <p:sldId id="566" r:id="rId70"/>
+    <p:sldId id="565" r:id="rId71"/>
+    <p:sldId id="557" r:id="rId72"/>
+    <p:sldId id="558" r:id="rId73"/>
+    <p:sldId id="561" r:id="rId74"/>
+    <p:sldId id="562" r:id="rId75"/>
+    <p:sldId id="564" r:id="rId76"/>
+    <p:sldId id="550" r:id="rId77"/>
+    <p:sldId id="551" r:id="rId78"/>
+    <p:sldId id="552" r:id="rId79"/>
+    <p:sldId id="553" r:id="rId80"/>
+    <p:sldId id="554" r:id="rId81"/>
+    <p:sldId id="555" r:id="rId82"/>
   </p:sldIdLst>
   <p:sldSz cx="9144000" cy="6858000" type="screen4x3"/>
   <p:notesSz cx="6858000" cy="9144000"/>
@@ -249,7 +251,9 @@
             <p14:sldId id="573"/>
             <p14:sldId id="574"/>
             <p14:sldId id="575"/>
+            <p14:sldId id="584"/>
             <p14:sldId id="581"/>
+            <p14:sldId id="583"/>
             <p14:sldId id="543"/>
             <p14:sldId id="544"/>
             <p14:sldId id="545"/>
@@ -963,7 +967,7 @@
           <a:p>
             <a:fld id="{B8C0F69F-1B94-5545-AB74-99CABF8C4086}" type="slidenum">
               <a:rPr lang="nl-NL" smtClean="0"/>
-              <a:t>53</a:t>
+              <a:t>54</a:t>
             </a:fld>
             <a:endParaRPr lang="nl-NL"/>
           </a:p>
@@ -1028,23 +1032,20 @@
           <a:p>
             <a:r>
               <a:rPr lang="nl-NL"/>
-              <a:t>install.packages("tidyverse")</a:t>
-            </a:r>
-          </a:p>
-          <a:p>
-            <a:r>
-              <a:rPr lang="nl-NL" sz="1200" b="0" i="0" kern="1200">
-                <a:solidFill>
-                  <a:schemeClr val="tx1"/>
-                </a:solidFill>
-                <a:effectLst/>
-                <a:latin typeface="+mn-lt"/>
-                <a:ea typeface="+mn-ea"/>
-                <a:cs typeface="+mn-cs"/>
-              </a:rPr>
-              <a:t>library(tidyverse)</a:t>
-            </a:r>
-            <a:endParaRPr lang="nl-NL"/>
+              <a:t>https://www.datacamp.com/community/tutorials/long-wide-data-R</a:t>
+            </a:r>
+          </a:p>
+          <a:p>
+            <a:r>
+              <a:rPr lang="nl-NL"/>
+              <a:t>https://www.datasciencemadesimple.com/melting-casting-r/</a:t>
+            </a:r>
+          </a:p>
+          <a:p>
+            <a:r>
+              <a:rPr lang="nl-NL"/>
+              <a:t>https://www.datasciencemadesimple.com/reshape-in-r-from-wide-to-long-from-long-to-wide/</a:t>
+            </a:r>
           </a:p>
         </p:txBody>
       </p:sp>
@@ -1065,7 +1066,7 @@
           <a:p>
             <a:fld id="{B8C0F69F-1B94-5545-AB74-99CABF8C4086}" type="slidenum">
               <a:rPr lang="nl-NL" smtClean="0"/>
-              <a:t>64</a:t>
+              <a:t>55</a:t>
             </a:fld>
             <a:endParaRPr lang="nl-NL"/>
           </a:p>
@@ -1074,7 +1075,7 @@
     </p:spTree>
     <p:extLst>
       <p:ext uri="{BB962C8B-B14F-4D97-AF65-F5344CB8AC3E}">
-        <p14:creationId xmlns:p14="http://schemas.microsoft.com/office/powerpoint/2010/main" val="3717006438"/>
+        <p14:creationId xmlns:p14="http://schemas.microsoft.com/office/powerpoint/2010/main" val="4157043257"/>
       </p:ext>
     </p:extLst>
   </p:cSld>
@@ -1130,8 +1131,23 @@
           <a:p>
             <a:r>
               <a:rPr lang="nl-NL"/>
-              <a:t>http://statseducation.com/Introduction-to-R/modules/getting%20data/tibbles/</a:t>
-            </a:r>
+              <a:t>install.packages("tidyverse")</a:t>
+            </a:r>
+          </a:p>
+          <a:p>
+            <a:r>
+              <a:rPr lang="nl-NL" sz="1200" b="0" i="0" kern="1200">
+                <a:solidFill>
+                  <a:schemeClr val="tx1"/>
+                </a:solidFill>
+                <a:effectLst/>
+                <a:latin typeface="+mn-lt"/>
+                <a:ea typeface="+mn-ea"/>
+                <a:cs typeface="+mn-cs"/>
+              </a:rPr>
+              <a:t>library(tidyverse)</a:t>
+            </a:r>
+            <a:endParaRPr lang="nl-NL"/>
           </a:p>
         </p:txBody>
       </p:sp>
@@ -1161,7 +1177,7 @@
     </p:spTree>
     <p:extLst>
       <p:ext uri="{BB962C8B-B14F-4D97-AF65-F5344CB8AC3E}">
-        <p14:creationId xmlns:p14="http://schemas.microsoft.com/office/powerpoint/2010/main" val="886121108"/>
+        <p14:creationId xmlns:p14="http://schemas.microsoft.com/office/powerpoint/2010/main" val="3717006438"/>
       </p:ext>
     </p:extLst>
   </p:cSld>
@@ -1216,16 +1232,8 @@
           <a:lstStyle/>
           <a:p>
             <a:r>
-              <a:rPr lang="nl-NL" sz="1200" b="1" i="0" u="none" strike="noStrike" kern="1200">
-                <a:solidFill>
-                  <a:schemeClr val="tx1"/>
-                </a:solidFill>
-                <a:effectLst/>
-                <a:latin typeface="+mn-lt"/>
-                <a:ea typeface="+mn-ea"/>
-                <a:cs typeface="+mn-cs"/>
-              </a:rPr>
-              <a:t>Working on large data sets in R - https://www.analyticsvidhya.com/blog/2016/05/data-table-data-frame-work-large-data-sets/</a:t>
+              <a:rPr lang="nl-NL"/>
+              <a:t>http://statseducation.com/Introduction-to-R/modules/getting%20data/tibbles/</a:t>
             </a:r>
           </a:p>
         </p:txBody>
@@ -1247,7 +1255,7 @@
           <a:p>
             <a:fld id="{B8C0F69F-1B94-5545-AB74-99CABF8C4086}" type="slidenum">
               <a:rPr lang="nl-NL" smtClean="0"/>
-              <a:t>67</a:t>
+              <a:t>68</a:t>
             </a:fld>
             <a:endParaRPr lang="nl-NL"/>
           </a:p>
@@ -1256,7 +1264,7 @@
     </p:spTree>
     <p:extLst>
       <p:ext uri="{BB962C8B-B14F-4D97-AF65-F5344CB8AC3E}">
-        <p14:creationId xmlns:p14="http://schemas.microsoft.com/office/powerpoint/2010/main" val="1148935872"/>
+        <p14:creationId xmlns:p14="http://schemas.microsoft.com/office/powerpoint/2010/main" val="886121108"/>
       </p:ext>
     </p:extLst>
   </p:cSld>
@@ -1311,20 +1319,16 @@
           <a:lstStyle/>
           <a:p>
             <a:r>
-              <a:rPr lang="nl-NL"/>
-              <a:t>https://ggplot2.tidyverse.org/reference/index.html</a:t>
-            </a:r>
-          </a:p>
-          <a:p>
-            <a:r>
-              <a:rPr lang="nl-NL"/>
-              <a:t>https://www.geeksforgeeks.org/data-visualization-with-r-and-ggplot2/?ref=lbp</a:t>
-            </a:r>
-          </a:p>
-          <a:p>
-            <a:r>
-              <a:rPr lang="nl-NL"/>
-              <a:t>https://statisticsglobe.com/graphics-in-r</a:t>
+              <a:rPr lang="nl-NL" sz="1200" b="1" i="0" u="none" strike="noStrike" kern="1200">
+                <a:solidFill>
+                  <a:schemeClr val="tx1"/>
+                </a:solidFill>
+                <a:effectLst/>
+                <a:latin typeface="+mn-lt"/>
+                <a:ea typeface="+mn-ea"/>
+                <a:cs typeface="+mn-cs"/>
+              </a:rPr>
+              <a:t>Working on large data sets in R - https://www.analyticsvidhya.com/blog/2016/05/data-table-data-frame-work-large-data-sets/</a:t>
             </a:r>
           </a:p>
         </p:txBody>
@@ -1346,7 +1350,7 @@
           <a:p>
             <a:fld id="{B8C0F69F-1B94-5545-AB74-99CABF8C4086}" type="slidenum">
               <a:rPr lang="nl-NL" smtClean="0"/>
-              <a:t>68</a:t>
+              <a:t>69</a:t>
             </a:fld>
             <a:endParaRPr lang="nl-NL"/>
           </a:p>
@@ -1355,7 +1359,7 @@
     </p:spTree>
     <p:extLst>
       <p:ext uri="{BB962C8B-B14F-4D97-AF65-F5344CB8AC3E}">
-        <p14:creationId xmlns:p14="http://schemas.microsoft.com/office/powerpoint/2010/main" val="2281713524"/>
+        <p14:creationId xmlns:p14="http://schemas.microsoft.com/office/powerpoint/2010/main" val="1148935872"/>
       </p:ext>
     </p:extLst>
   </p:cSld>
@@ -1411,13 +1415,19 @@
           <a:p>
             <a:r>
               <a:rPr lang="nl-NL"/>
-              <a:t>https://dplyr.tidyverse.org/reference/index.html</a:t>
-            </a:r>
-          </a:p>
-          <a:p>
-            <a:r>
-              <a:rPr lang="nl-NL"/>
-              <a:t>https://r4ds.had.co.nz/transform.html</a:t>
+              <a:t>https://ggplot2.tidyverse.org/reference/index.html</a:t>
+            </a:r>
+          </a:p>
+          <a:p>
+            <a:r>
+              <a:rPr lang="nl-NL"/>
+              <a:t>https://www.geeksforgeeks.org/data-visualization-with-r-and-ggplot2/?ref=lbp</a:t>
+            </a:r>
+          </a:p>
+          <a:p>
+            <a:r>
+              <a:rPr lang="nl-NL"/>
+              <a:t>https://statisticsglobe.com/graphics-in-r</a:t>
             </a:r>
           </a:p>
         </p:txBody>
@@ -1439,7 +1449,7 @@
           <a:p>
             <a:fld id="{B8C0F69F-1B94-5545-AB74-99CABF8C4086}" type="slidenum">
               <a:rPr lang="nl-NL" smtClean="0"/>
-              <a:t>69</a:t>
+              <a:t>70</a:t>
             </a:fld>
             <a:endParaRPr lang="nl-NL"/>
           </a:p>
@@ -1448,7 +1458,7 @@
     </p:spTree>
     <p:extLst>
       <p:ext uri="{BB962C8B-B14F-4D97-AF65-F5344CB8AC3E}">
-        <p14:creationId xmlns:p14="http://schemas.microsoft.com/office/powerpoint/2010/main" val="634775161"/>
+        <p14:creationId xmlns:p14="http://schemas.microsoft.com/office/powerpoint/2010/main" val="2281713524"/>
       </p:ext>
     </p:extLst>
   </p:cSld>
@@ -1503,262 +1513,15 @@
           <a:lstStyle/>
           <a:p>
             <a:r>
-              <a:rPr lang="nl-NL" sz="1200" u="none" strike="noStrike" kern="1200">
-                <a:solidFill>
-                  <a:schemeClr val="tx1"/>
-                </a:solidFill>
-                <a:effectLst/>
-                <a:latin typeface="+mn-lt"/>
-                <a:ea typeface="+mn-ea"/>
-                <a:cs typeface="+mn-cs"/>
-                <a:hlinkClick r:id="rId3"/>
-              </a:rPr>
-              <a:t>https://tidyr.tidyverse.org/reference/index.html</a:t>
-            </a:r>
-          </a:p>
-          <a:p>
-            <a:endParaRPr lang="nl-NL" sz="1200" u="none" strike="noStrike" kern="1200">
-              <a:solidFill>
-                <a:schemeClr val="tx1"/>
-              </a:solidFill>
-              <a:effectLst/>
-              <a:latin typeface="+mn-lt"/>
-              <a:ea typeface="+mn-ea"/>
-              <a:cs typeface="+mn-cs"/>
-              <a:hlinkClick r:id="rId3"/>
-            </a:endParaRPr>
-          </a:p>
-          <a:p>
-            <a:endParaRPr lang="nl-NL" sz="1200" u="none" strike="noStrike" kern="1200">
-              <a:solidFill>
-                <a:schemeClr val="tx1"/>
-              </a:solidFill>
-              <a:effectLst/>
-              <a:latin typeface="+mn-lt"/>
-              <a:ea typeface="+mn-ea"/>
-              <a:cs typeface="+mn-cs"/>
-              <a:hlinkClick r:id="rId3"/>
-            </a:endParaRPr>
-          </a:p>
-          <a:p>
-            <a:endParaRPr lang="nl-NL" sz="1200" u="none" strike="noStrike" kern="1200">
-              <a:solidFill>
-                <a:schemeClr val="tx1"/>
-              </a:solidFill>
-              <a:effectLst/>
-              <a:latin typeface="+mn-lt"/>
-              <a:ea typeface="+mn-ea"/>
-              <a:cs typeface="+mn-cs"/>
-              <a:hlinkClick r:id="rId3"/>
-            </a:endParaRPr>
-          </a:p>
-          <a:p>
-            <a:r>
-              <a:rPr lang="nl-NL" sz="1200" u="none" strike="noStrike" kern="1200">
-                <a:solidFill>
-                  <a:schemeClr val="tx1"/>
-                </a:solidFill>
-                <a:effectLst/>
-                <a:latin typeface="+mn-lt"/>
-                <a:ea typeface="+mn-ea"/>
-                <a:cs typeface="+mn-cs"/>
-                <a:hlinkClick r:id="rId3"/>
-              </a:rPr>
-              <a:t>library</a:t>
-            </a:r>
-            <a:r>
-              <a:rPr lang="nl-NL">
-                <a:effectLst/>
-              </a:rPr>
-              <a:t>(</a:t>
-            </a:r>
-            <a:r>
-              <a:rPr lang="nl-NL" sz="1200" u="none" strike="noStrike" kern="1200">
-                <a:solidFill>
-                  <a:schemeClr val="tx1"/>
-                </a:solidFill>
-                <a:effectLst/>
-                <a:latin typeface="+mn-lt"/>
-                <a:ea typeface="+mn-ea"/>
-                <a:cs typeface="+mn-cs"/>
-                <a:hlinkClick r:id="rId4"/>
-              </a:rPr>
-              <a:t>data.table</a:t>
-            </a:r>
-            <a:r>
-              <a:rPr lang="nl-NL">
-                <a:effectLst/>
-              </a:rPr>
-              <a:t>)</a:t>
-            </a:r>
-            <a:r>
-              <a:rPr lang="nl-NL"/>
-              <a:t> </a:t>
-            </a:r>
-          </a:p>
-          <a:p>
-            <a:r>
-              <a:rPr lang="nl-NL">
-                <a:effectLst/>
-              </a:rPr>
-              <a:t>DT</a:t>
-            </a:r>
-            <a:r>
-              <a:rPr lang="nl-NL"/>
-              <a:t> </a:t>
-            </a:r>
-            <a:r>
-              <a:rPr lang="nl-NL">
-                <a:effectLst/>
-              </a:rPr>
-              <a:t>=</a:t>
-            </a:r>
-            <a:r>
-              <a:rPr lang="nl-NL"/>
-              <a:t> </a:t>
-            </a:r>
-            <a:r>
-              <a:rPr lang="nl-NL" sz="1200" u="none" strike="noStrike" kern="1200">
-                <a:solidFill>
-                  <a:schemeClr val="tx1"/>
-                </a:solidFill>
-                <a:effectLst/>
-                <a:latin typeface="+mn-lt"/>
-                <a:ea typeface="+mn-ea"/>
-                <a:cs typeface="+mn-cs"/>
-                <a:hlinkClick r:id="rId5"/>
-              </a:rPr>
-              <a:t>as.data.table</a:t>
-            </a:r>
-            <a:r>
-              <a:rPr lang="nl-NL">
-                <a:effectLst/>
-              </a:rPr>
-              <a:t>(iris)</a:t>
-            </a:r>
-            <a:r>
-              <a:rPr lang="nl-NL"/>
-              <a:t> </a:t>
-            </a:r>
-          </a:p>
-          <a:p>
-            <a:r>
-              <a:rPr lang="nl-NL" sz="1200" kern="1200">
-                <a:solidFill>
-                  <a:schemeClr val="tx1"/>
-                </a:solidFill>
-                <a:effectLst/>
-                <a:latin typeface="+mn-lt"/>
-                <a:ea typeface="+mn-ea"/>
-                <a:cs typeface="+mn-cs"/>
-              </a:rPr>
-              <a:t># FROM[WHERE, SELECT, GROUP BY]</a:t>
-            </a:r>
-            <a:r>
-              <a:rPr lang="nl-NL"/>
-              <a:t> </a:t>
-            </a:r>
-          </a:p>
-          <a:p>
-            <a:r>
-              <a:rPr lang="nl-NL" sz="1200" kern="1200">
-                <a:solidFill>
-                  <a:schemeClr val="tx1"/>
-                </a:solidFill>
-                <a:effectLst/>
-                <a:latin typeface="+mn-lt"/>
-                <a:ea typeface="+mn-ea"/>
-                <a:cs typeface="+mn-cs"/>
-              </a:rPr>
-              <a:t># DT [i, j, by]</a:t>
-            </a:r>
-            <a:r>
-              <a:rPr lang="nl-NL"/>
-              <a:t> </a:t>
-            </a:r>
-          </a:p>
-          <a:p>
-            <a:endParaRPr lang="nl-NL">
-              <a:effectLst/>
-            </a:endParaRPr>
-          </a:p>
-          <a:p>
-            <a:r>
-              <a:rPr lang="nl-NL">
-                <a:effectLst/>
-              </a:rPr>
-              <a:t>DT[Petal.Width</a:t>
-            </a:r>
-            <a:r>
-              <a:rPr lang="nl-NL"/>
-              <a:t> </a:t>
-            </a:r>
-            <a:r>
-              <a:rPr lang="nl-NL">
-                <a:effectLst/>
-              </a:rPr>
-              <a:t>&gt;</a:t>
-            </a:r>
-            <a:r>
-              <a:rPr lang="nl-NL"/>
-              <a:t> </a:t>
-            </a:r>
-            <a:r>
-              <a:rPr lang="nl-NL" sz="1200" kern="1200">
-                <a:solidFill>
-                  <a:schemeClr val="tx1"/>
-                </a:solidFill>
-                <a:effectLst/>
-                <a:latin typeface="+mn-lt"/>
-                <a:ea typeface="+mn-ea"/>
-                <a:cs typeface="+mn-cs"/>
-              </a:rPr>
-              <a:t>1.0</a:t>
-            </a:r>
-            <a:r>
-              <a:rPr lang="nl-NL"/>
-              <a:t>, </a:t>
-            </a:r>
-            <a:r>
-              <a:rPr lang="nl-NL" sz="1200" u="none" strike="noStrike" kern="1200">
-                <a:solidFill>
-                  <a:schemeClr val="tx1"/>
-                </a:solidFill>
-                <a:effectLst/>
-                <a:latin typeface="+mn-lt"/>
-                <a:ea typeface="+mn-ea"/>
-                <a:cs typeface="+mn-cs"/>
-                <a:hlinkClick r:id="rId6"/>
-              </a:rPr>
-              <a:t>mean</a:t>
-            </a:r>
-            <a:r>
-              <a:rPr lang="nl-NL">
-                <a:effectLst/>
-              </a:rPr>
-              <a:t>(Petal.Length)</a:t>
-            </a:r>
-            <a:r>
-              <a:rPr lang="nl-NL"/>
-              <a:t>, by </a:t>
-            </a:r>
-            <a:r>
-              <a:rPr lang="nl-NL">
-                <a:effectLst/>
-              </a:rPr>
-              <a:t>=</a:t>
-            </a:r>
-            <a:r>
-              <a:rPr lang="nl-NL"/>
-              <a:t> </a:t>
-            </a:r>
-            <a:r>
-              <a:rPr lang="nl-NL">
-                <a:effectLst/>
-              </a:rPr>
-              <a:t>Species]</a:t>
-            </a:r>
-            <a:endParaRPr lang="nl-NL"/>
+              <a:rPr lang="nl-NL"/>
+              <a:t>https://dplyr.tidyverse.org/reference/index.html</a:t>
+            </a:r>
+          </a:p>
+          <a:p>
+            <a:r>
+              <a:rPr lang="nl-NL"/>
+              <a:t>https://r4ds.had.co.nz/transform.html</a:t>
+            </a:r>
           </a:p>
         </p:txBody>
       </p:sp>
@@ -1779,7 +1542,7 @@
           <a:p>
             <a:fld id="{B8C0F69F-1B94-5545-AB74-99CABF8C4086}" type="slidenum">
               <a:rPr lang="nl-NL" smtClean="0"/>
-              <a:t>70</a:t>
+              <a:t>71</a:t>
             </a:fld>
             <a:endParaRPr lang="nl-NL"/>
           </a:p>
@@ -1788,7 +1551,7 @@
     </p:spTree>
     <p:extLst>
       <p:ext uri="{BB962C8B-B14F-4D97-AF65-F5344CB8AC3E}">
-        <p14:creationId xmlns:p14="http://schemas.microsoft.com/office/powerpoint/2010/main" val="1747516107"/>
+        <p14:creationId xmlns:p14="http://schemas.microsoft.com/office/powerpoint/2010/main" val="634775161"/>
       </p:ext>
     </p:extLst>
   </p:cSld>
@@ -1843,9 +1606,262 @@
           <a:lstStyle/>
           <a:p>
             <a:r>
-              <a:rPr lang="nl-NL"/>
-              <a:t>https://readr.tidyverse.org/reference/index.html</a:t>
-            </a:r>
+              <a:rPr lang="nl-NL" sz="1200" u="none" strike="noStrike" kern="1200">
+                <a:solidFill>
+                  <a:schemeClr val="tx1"/>
+                </a:solidFill>
+                <a:effectLst/>
+                <a:latin typeface="+mn-lt"/>
+                <a:ea typeface="+mn-ea"/>
+                <a:cs typeface="+mn-cs"/>
+                <a:hlinkClick r:id="rId3"/>
+              </a:rPr>
+              <a:t>https://tidyr.tidyverse.org/reference/index.html</a:t>
+            </a:r>
+          </a:p>
+          <a:p>
+            <a:endParaRPr lang="nl-NL" sz="1200" u="none" strike="noStrike" kern="1200">
+              <a:solidFill>
+                <a:schemeClr val="tx1"/>
+              </a:solidFill>
+              <a:effectLst/>
+              <a:latin typeface="+mn-lt"/>
+              <a:ea typeface="+mn-ea"/>
+              <a:cs typeface="+mn-cs"/>
+              <a:hlinkClick r:id="rId3"/>
+            </a:endParaRPr>
+          </a:p>
+          <a:p>
+            <a:endParaRPr lang="nl-NL" sz="1200" u="none" strike="noStrike" kern="1200">
+              <a:solidFill>
+                <a:schemeClr val="tx1"/>
+              </a:solidFill>
+              <a:effectLst/>
+              <a:latin typeface="+mn-lt"/>
+              <a:ea typeface="+mn-ea"/>
+              <a:cs typeface="+mn-cs"/>
+              <a:hlinkClick r:id="rId3"/>
+            </a:endParaRPr>
+          </a:p>
+          <a:p>
+            <a:endParaRPr lang="nl-NL" sz="1200" u="none" strike="noStrike" kern="1200">
+              <a:solidFill>
+                <a:schemeClr val="tx1"/>
+              </a:solidFill>
+              <a:effectLst/>
+              <a:latin typeface="+mn-lt"/>
+              <a:ea typeface="+mn-ea"/>
+              <a:cs typeface="+mn-cs"/>
+              <a:hlinkClick r:id="rId3"/>
+            </a:endParaRPr>
+          </a:p>
+          <a:p>
+            <a:r>
+              <a:rPr lang="nl-NL" sz="1200" u="none" strike="noStrike" kern="1200">
+                <a:solidFill>
+                  <a:schemeClr val="tx1"/>
+                </a:solidFill>
+                <a:effectLst/>
+                <a:latin typeface="+mn-lt"/>
+                <a:ea typeface="+mn-ea"/>
+                <a:cs typeface="+mn-cs"/>
+                <a:hlinkClick r:id="rId3"/>
+              </a:rPr>
+              <a:t>library</a:t>
+            </a:r>
+            <a:r>
+              <a:rPr lang="nl-NL">
+                <a:effectLst/>
+              </a:rPr>
+              <a:t>(</a:t>
+            </a:r>
+            <a:r>
+              <a:rPr lang="nl-NL" sz="1200" u="none" strike="noStrike" kern="1200">
+                <a:solidFill>
+                  <a:schemeClr val="tx1"/>
+                </a:solidFill>
+                <a:effectLst/>
+                <a:latin typeface="+mn-lt"/>
+                <a:ea typeface="+mn-ea"/>
+                <a:cs typeface="+mn-cs"/>
+                <a:hlinkClick r:id="rId4"/>
+              </a:rPr>
+              <a:t>data.table</a:t>
+            </a:r>
+            <a:r>
+              <a:rPr lang="nl-NL">
+                <a:effectLst/>
+              </a:rPr>
+              <a:t>)</a:t>
+            </a:r>
+            <a:r>
+              <a:rPr lang="nl-NL"/>
+              <a:t> </a:t>
+            </a:r>
+          </a:p>
+          <a:p>
+            <a:r>
+              <a:rPr lang="nl-NL">
+                <a:effectLst/>
+              </a:rPr>
+              <a:t>DT</a:t>
+            </a:r>
+            <a:r>
+              <a:rPr lang="nl-NL"/>
+              <a:t> </a:t>
+            </a:r>
+            <a:r>
+              <a:rPr lang="nl-NL">
+                <a:effectLst/>
+              </a:rPr>
+              <a:t>=</a:t>
+            </a:r>
+            <a:r>
+              <a:rPr lang="nl-NL"/>
+              <a:t> </a:t>
+            </a:r>
+            <a:r>
+              <a:rPr lang="nl-NL" sz="1200" u="none" strike="noStrike" kern="1200">
+                <a:solidFill>
+                  <a:schemeClr val="tx1"/>
+                </a:solidFill>
+                <a:effectLst/>
+                <a:latin typeface="+mn-lt"/>
+                <a:ea typeface="+mn-ea"/>
+                <a:cs typeface="+mn-cs"/>
+                <a:hlinkClick r:id="rId5"/>
+              </a:rPr>
+              <a:t>as.data.table</a:t>
+            </a:r>
+            <a:r>
+              <a:rPr lang="nl-NL">
+                <a:effectLst/>
+              </a:rPr>
+              <a:t>(iris)</a:t>
+            </a:r>
+            <a:r>
+              <a:rPr lang="nl-NL"/>
+              <a:t> </a:t>
+            </a:r>
+          </a:p>
+          <a:p>
+            <a:r>
+              <a:rPr lang="nl-NL" sz="1200" kern="1200">
+                <a:solidFill>
+                  <a:schemeClr val="tx1"/>
+                </a:solidFill>
+                <a:effectLst/>
+                <a:latin typeface="+mn-lt"/>
+                <a:ea typeface="+mn-ea"/>
+                <a:cs typeface="+mn-cs"/>
+              </a:rPr>
+              <a:t># FROM[WHERE, SELECT, GROUP BY]</a:t>
+            </a:r>
+            <a:r>
+              <a:rPr lang="nl-NL"/>
+              <a:t> </a:t>
+            </a:r>
+          </a:p>
+          <a:p>
+            <a:r>
+              <a:rPr lang="nl-NL" sz="1200" kern="1200">
+                <a:solidFill>
+                  <a:schemeClr val="tx1"/>
+                </a:solidFill>
+                <a:effectLst/>
+                <a:latin typeface="+mn-lt"/>
+                <a:ea typeface="+mn-ea"/>
+                <a:cs typeface="+mn-cs"/>
+              </a:rPr>
+              <a:t># DT [i, j, by]</a:t>
+            </a:r>
+            <a:r>
+              <a:rPr lang="nl-NL"/>
+              <a:t> </a:t>
+            </a:r>
+          </a:p>
+          <a:p>
+            <a:endParaRPr lang="nl-NL">
+              <a:effectLst/>
+            </a:endParaRPr>
+          </a:p>
+          <a:p>
+            <a:r>
+              <a:rPr lang="nl-NL">
+                <a:effectLst/>
+              </a:rPr>
+              <a:t>DT[Petal.Width</a:t>
+            </a:r>
+            <a:r>
+              <a:rPr lang="nl-NL"/>
+              <a:t> </a:t>
+            </a:r>
+            <a:r>
+              <a:rPr lang="nl-NL">
+                <a:effectLst/>
+              </a:rPr>
+              <a:t>&gt;</a:t>
+            </a:r>
+            <a:r>
+              <a:rPr lang="nl-NL"/>
+              <a:t> </a:t>
+            </a:r>
+            <a:r>
+              <a:rPr lang="nl-NL" sz="1200" kern="1200">
+                <a:solidFill>
+                  <a:schemeClr val="tx1"/>
+                </a:solidFill>
+                <a:effectLst/>
+                <a:latin typeface="+mn-lt"/>
+                <a:ea typeface="+mn-ea"/>
+                <a:cs typeface="+mn-cs"/>
+              </a:rPr>
+              <a:t>1.0</a:t>
+            </a:r>
+            <a:r>
+              <a:rPr lang="nl-NL"/>
+              <a:t>, </a:t>
+            </a:r>
+            <a:r>
+              <a:rPr lang="nl-NL" sz="1200" u="none" strike="noStrike" kern="1200">
+                <a:solidFill>
+                  <a:schemeClr val="tx1"/>
+                </a:solidFill>
+                <a:effectLst/>
+                <a:latin typeface="+mn-lt"/>
+                <a:ea typeface="+mn-ea"/>
+                <a:cs typeface="+mn-cs"/>
+                <a:hlinkClick r:id="rId6"/>
+              </a:rPr>
+              <a:t>mean</a:t>
+            </a:r>
+            <a:r>
+              <a:rPr lang="nl-NL">
+                <a:effectLst/>
+              </a:rPr>
+              <a:t>(Petal.Length)</a:t>
+            </a:r>
+            <a:r>
+              <a:rPr lang="nl-NL"/>
+              <a:t>, by </a:t>
+            </a:r>
+            <a:r>
+              <a:rPr lang="nl-NL">
+                <a:effectLst/>
+              </a:rPr>
+              <a:t>=</a:t>
+            </a:r>
+            <a:r>
+              <a:rPr lang="nl-NL"/>
+              <a:t> </a:t>
+            </a:r>
+            <a:r>
+              <a:rPr lang="nl-NL">
+                <a:effectLst/>
+              </a:rPr>
+              <a:t>Species]</a:t>
+            </a:r>
+            <a:endParaRPr lang="nl-NL"/>
           </a:p>
         </p:txBody>
       </p:sp>
@@ -1866,7 +1882,7 @@
           <a:p>
             <a:fld id="{B8C0F69F-1B94-5545-AB74-99CABF8C4086}" type="slidenum">
               <a:rPr lang="nl-NL" smtClean="0"/>
-              <a:t>71</a:t>
+              <a:t>72</a:t>
             </a:fld>
             <a:endParaRPr lang="nl-NL"/>
           </a:p>
@@ -1875,7 +1891,7 @@
     </p:spTree>
     <p:extLst>
       <p:ext uri="{BB962C8B-B14F-4D97-AF65-F5344CB8AC3E}">
-        <p14:creationId xmlns:p14="http://schemas.microsoft.com/office/powerpoint/2010/main" val="1921630207"/>
+        <p14:creationId xmlns:p14="http://schemas.microsoft.com/office/powerpoint/2010/main" val="1747516107"/>
       </p:ext>
     </p:extLst>
   </p:cSld>
@@ -2015,17 +2031,8 @@
           <a:p>
             <a:r>
               <a:rPr lang="nl-NL"/>
-              <a:t>https://stringr.tidyverse.org/reference/index.html</a:t>
-            </a:r>
-          </a:p>
-          <a:p>
-            <a:r>
-              <a:rPr lang="nl-NL"/>
-              <a:t>https://r4ds.had.co.nz/strings.html</a:t>
-            </a:r>
-          </a:p>
-          <a:p>
-            <a:endParaRPr lang="nl-NL"/>
+              <a:t>https://readr.tidyverse.org/reference/index.html</a:t>
+            </a:r>
           </a:p>
         </p:txBody>
       </p:sp>
@@ -2046,7 +2053,7 @@
           <a:p>
             <a:fld id="{B8C0F69F-1B94-5545-AB74-99CABF8C4086}" type="slidenum">
               <a:rPr lang="nl-NL" smtClean="0"/>
-              <a:t>72</a:t>
+              <a:t>73</a:t>
             </a:fld>
             <a:endParaRPr lang="nl-NL"/>
           </a:p>
@@ -2055,7 +2062,7 @@
     </p:spTree>
     <p:extLst>
       <p:ext uri="{BB962C8B-B14F-4D97-AF65-F5344CB8AC3E}">
-        <p14:creationId xmlns:p14="http://schemas.microsoft.com/office/powerpoint/2010/main" val="157136956"/>
+        <p14:creationId xmlns:p14="http://schemas.microsoft.com/office/powerpoint/2010/main" val="1921630207"/>
       </p:ext>
     </p:extLst>
   </p:cSld>
@@ -2109,6 +2116,24 @@
           <a:bodyPr/>
           <a:lstStyle/>
           <a:p>
+            <a:r>
+              <a:rPr lang="nl-NL"/>
+              <a:t>https://stringr.tidyverse.org/reference/index.html</a:t>
+            </a:r>
+          </a:p>
+          <a:p>
+            <a:r>
+              <a:rPr lang="nl-NL"/>
+              <a:t>https://www.rdocumentation.org/packages/stringr/versions/1.4.0</a:t>
+            </a:r>
+          </a:p>
+          <a:p>
+            <a:r>
+              <a:rPr lang="nl-NL"/>
+              <a:t>https://r4ds.had.co.nz/strings.html</a:t>
+            </a:r>
+          </a:p>
+          <a:p>
             <a:endParaRPr lang="nl-NL"/>
           </a:p>
         </p:txBody>
@@ -2130,7 +2155,7 @@
           <a:p>
             <a:fld id="{B8C0F69F-1B94-5545-AB74-99CABF8C4086}" type="slidenum">
               <a:rPr lang="nl-NL" smtClean="0"/>
-              <a:t>75</a:t>
+              <a:t>74</a:t>
             </a:fld>
             <a:endParaRPr lang="nl-NL"/>
           </a:p>
@@ -2139,7 +2164,7 @@
     </p:spTree>
     <p:extLst>
       <p:ext uri="{BB962C8B-B14F-4D97-AF65-F5344CB8AC3E}">
-        <p14:creationId xmlns:p14="http://schemas.microsoft.com/office/powerpoint/2010/main" val="3903702234"/>
+        <p14:creationId xmlns:p14="http://schemas.microsoft.com/office/powerpoint/2010/main" val="157136956"/>
       </p:ext>
     </p:extLst>
   </p:cSld>
@@ -2214,7 +2239,7 @@
           <a:p>
             <a:fld id="{B8C0F69F-1B94-5545-AB74-99CABF8C4086}" type="slidenum">
               <a:rPr lang="nl-NL" smtClean="0"/>
-              <a:t>76</a:t>
+              <a:t>77</a:t>
             </a:fld>
             <a:endParaRPr lang="nl-NL"/>
           </a:p>
@@ -2223,7 +2248,7 @@
     </p:spTree>
     <p:extLst>
       <p:ext uri="{BB962C8B-B14F-4D97-AF65-F5344CB8AC3E}">
-        <p14:creationId xmlns:p14="http://schemas.microsoft.com/office/powerpoint/2010/main" val="3194422894"/>
+        <p14:creationId xmlns:p14="http://schemas.microsoft.com/office/powerpoint/2010/main" val="3903702234"/>
       </p:ext>
     </p:extLst>
   </p:cSld>
@@ -2298,7 +2323,7 @@
           <a:p>
             <a:fld id="{B8C0F69F-1B94-5545-AB74-99CABF8C4086}" type="slidenum">
               <a:rPr lang="nl-NL" smtClean="0"/>
-              <a:t>77</a:t>
+              <a:t>78</a:t>
             </a:fld>
             <a:endParaRPr lang="nl-NL"/>
           </a:p>
@@ -2307,7 +2332,7 @@
     </p:spTree>
     <p:extLst>
       <p:ext uri="{BB962C8B-B14F-4D97-AF65-F5344CB8AC3E}">
-        <p14:creationId xmlns:p14="http://schemas.microsoft.com/office/powerpoint/2010/main" val="484341125"/>
+        <p14:creationId xmlns:p14="http://schemas.microsoft.com/office/powerpoint/2010/main" val="3194422894"/>
       </p:ext>
     </p:extLst>
   </p:cSld>
@@ -2382,7 +2407,91 @@
           <a:p>
             <a:fld id="{B8C0F69F-1B94-5545-AB74-99CABF8C4086}" type="slidenum">
               <a:rPr lang="nl-NL" smtClean="0"/>
-              <a:t>78</a:t>
+              <a:t>79</a:t>
+            </a:fld>
+            <a:endParaRPr lang="nl-NL"/>
+          </a:p>
+        </p:txBody>
+      </p:sp>
+    </p:spTree>
+    <p:extLst>
+      <p:ext uri="{BB962C8B-B14F-4D97-AF65-F5344CB8AC3E}">
+        <p14:creationId xmlns:p14="http://schemas.microsoft.com/office/powerpoint/2010/main" val="484341125"/>
+      </p:ext>
+    </p:extLst>
+  </p:cSld>
+  <p:clrMapOvr>
+    <a:masterClrMapping/>
+  </p:clrMapOvr>
+</p:notes>
+</file>
+
+<file path=ppt/notesSlides/notesSlide25.xml><?xml version="1.0" encoding="utf-8"?>
+<p:notes xmlns:a="http://schemas.openxmlformats.org/drawingml/2006/main" xmlns:r="http://schemas.openxmlformats.org/officeDocument/2006/relationships" xmlns:p="http://schemas.openxmlformats.org/presentationml/2006/main">
+  <p:cSld>
+    <p:spTree>
+      <p:nvGrpSpPr>
+        <p:cNvPr id="1" name=""/>
+        <p:cNvGrpSpPr/>
+        <p:nvPr/>
+      </p:nvGrpSpPr>
+      <p:grpSpPr>
+        <a:xfrm>
+          <a:off x="0" y="0"/>
+          <a:ext cx="0" cy="0"/>
+          <a:chOff x="0" y="0"/>
+          <a:chExt cx="0" cy="0"/>
+        </a:xfrm>
+      </p:grpSpPr>
+      <p:sp>
+        <p:nvSpPr>
+          <p:cNvPr id="2" name="Tijdelijke aanduiding voor dia-afbeelding 1"/>
+          <p:cNvSpPr>
+            <a:spLocks noGrp="1" noRot="1" noChangeAspect="1"/>
+          </p:cNvSpPr>
+          <p:nvPr>
+            <p:ph type="sldImg"/>
+          </p:nvPr>
+        </p:nvSpPr>
+        <p:spPr/>
+      </p:sp>
+      <p:sp>
+        <p:nvSpPr>
+          <p:cNvPr id="3" name="Tijdelijke aanduiding voor notities 2"/>
+          <p:cNvSpPr>
+            <a:spLocks noGrp="1"/>
+          </p:cNvSpPr>
+          <p:nvPr>
+            <p:ph type="body" idx="1"/>
+          </p:nvPr>
+        </p:nvSpPr>
+        <p:spPr/>
+        <p:txBody>
+          <a:bodyPr/>
+          <a:lstStyle/>
+          <a:p>
+            <a:endParaRPr lang="nl-NL"/>
+          </a:p>
+        </p:txBody>
+      </p:sp>
+      <p:sp>
+        <p:nvSpPr>
+          <p:cNvPr id="4" name="Tijdelijke aanduiding voor dianummer 3"/>
+          <p:cNvSpPr>
+            <a:spLocks noGrp="1"/>
+          </p:cNvSpPr>
+          <p:nvPr>
+            <p:ph type="sldNum" sz="quarter" idx="5"/>
+          </p:nvPr>
+        </p:nvSpPr>
+        <p:spPr/>
+        <p:txBody>
+          <a:bodyPr/>
+          <a:lstStyle/>
+          <a:p>
+            <a:fld id="{B8C0F69F-1B94-5545-AB74-99CABF8C4086}" type="slidenum">
+              <a:rPr lang="nl-NL" smtClean="0"/>
+              <a:t>80</a:t>
             </a:fld>
             <a:endParaRPr lang="nl-NL"/>
           </a:p>
@@ -13692,7 +13801,7 @@
           <p:cNvPr id="2" name="Titel 1">
             <a:extLst>
               <a:ext uri="{FF2B5EF4-FFF2-40B4-BE49-F238E27FC236}">
-                <a16:creationId xmlns:a16="http://schemas.microsoft.com/office/drawing/2014/main" id="{91B1E1DA-EEE8-E148-8224-2F8B22D721EC}"/>
+                <a16:creationId xmlns:a16="http://schemas.microsoft.com/office/drawing/2014/main" id="{780266F8-810C-3E4B-BBFD-6AC8672B0A11}"/>
               </a:ext>
             </a:extLst>
           </p:cNvPr>
@@ -13710,7 +13819,7 @@
           <a:p>
             <a:r>
               <a:rPr lang="nl-NL"/>
-              <a:t>Joining</a:t>
+              <a:t>Counting</a:t>
             </a:r>
           </a:p>
         </p:txBody>
@@ -13720,7 +13829,7 @@
           <p:cNvPr id="3" name="Tijdelijke aanduiding voor inhoud 2">
             <a:extLst>
               <a:ext uri="{FF2B5EF4-FFF2-40B4-BE49-F238E27FC236}">
-                <a16:creationId xmlns:a16="http://schemas.microsoft.com/office/drawing/2014/main" id="{F6713873-F810-0440-98D9-BDBFD4FF42CC}"/>
+                <a16:creationId xmlns:a16="http://schemas.microsoft.com/office/drawing/2014/main" id="{8F4A4CD0-70CE-4944-8968-AA54471E7EE3}"/>
               </a:ext>
             </a:extLst>
           </p:cNvPr>
@@ -13738,48 +13847,7 @@
           <a:p>
             <a:r>
               <a:rPr lang="nl-NL"/>
-              <a:t>merge()</a:t>
-            </a:r>
-          </a:p>
-        </p:txBody>
-      </p:sp>
-      <p:sp>
-        <p:nvSpPr>
-          <p:cNvPr id="4" name="Tekstvak 3">
-            <a:extLst>
-              <a:ext uri="{FF2B5EF4-FFF2-40B4-BE49-F238E27FC236}">
-                <a16:creationId xmlns:a16="http://schemas.microsoft.com/office/drawing/2014/main" id="{DBD05E88-A895-6D4F-8E5C-A3D1F2466A77}"/>
-              </a:ext>
-            </a:extLst>
-          </p:cNvPr>
-          <p:cNvSpPr txBox="1"/>
-          <p:nvPr/>
-        </p:nvSpPr>
-        <p:spPr>
-          <a:xfrm>
-            <a:off x="194310" y="6492875"/>
-            <a:ext cx="5977890" cy="307777"/>
-          </a:xfrm>
-          <a:prstGeom prst="rect">
-            <a:avLst/>
-          </a:prstGeom>
-          <a:noFill/>
-        </p:spPr>
-        <p:txBody>
-          <a:bodyPr wrap="square" rtlCol="0">
-            <a:spAutoFit/>
-          </a:bodyPr>
-          <a:lstStyle/>
-          <a:p>
-            <a:r>
-              <a:rPr lang="nl-NL" sz="1400">
-                <a:solidFill>
-                  <a:schemeClr val="accent6">
-                    <a:lumMod val="75000"/>
-                  </a:schemeClr>
-                </a:solidFill>
-              </a:rPr>
-              <a:t>★ https://www.datasciencemadesimple.com/join-in-r-merge-in-r/</a:t>
+              <a:t>table()</a:t>
             </a:r>
           </a:p>
         </p:txBody>
@@ -13787,7 +13855,7 @@
     </p:spTree>
     <p:extLst>
       <p:ext uri="{BB962C8B-B14F-4D97-AF65-F5344CB8AC3E}">
-        <p14:creationId xmlns:p14="http://schemas.microsoft.com/office/powerpoint/2010/main" val="3268070861"/>
+        <p14:creationId xmlns:p14="http://schemas.microsoft.com/office/powerpoint/2010/main" val="1888479666"/>
       </p:ext>
     </p:extLst>
   </p:cSld>
@@ -13816,6 +13884,325 @@
       </p:grpSpPr>
       <p:sp>
         <p:nvSpPr>
+          <p:cNvPr id="2" name="Titel 1">
+            <a:extLst>
+              <a:ext uri="{FF2B5EF4-FFF2-40B4-BE49-F238E27FC236}">
+                <a16:creationId xmlns:a16="http://schemas.microsoft.com/office/drawing/2014/main" id="{91B1E1DA-EEE8-E148-8224-2F8B22D721EC}"/>
+              </a:ext>
+            </a:extLst>
+          </p:cNvPr>
+          <p:cNvSpPr>
+            <a:spLocks noGrp="1"/>
+          </p:cNvSpPr>
+          <p:nvPr>
+            <p:ph type="title"/>
+          </p:nvPr>
+        </p:nvSpPr>
+        <p:spPr/>
+        <p:txBody>
+          <a:bodyPr/>
+          <a:lstStyle/>
+          <a:p>
+            <a:r>
+              <a:rPr lang="nl-NL"/>
+              <a:t>Joining</a:t>
+            </a:r>
+          </a:p>
+        </p:txBody>
+      </p:sp>
+      <p:sp>
+        <p:nvSpPr>
+          <p:cNvPr id="3" name="Tijdelijke aanduiding voor inhoud 2">
+            <a:extLst>
+              <a:ext uri="{FF2B5EF4-FFF2-40B4-BE49-F238E27FC236}">
+                <a16:creationId xmlns:a16="http://schemas.microsoft.com/office/drawing/2014/main" id="{F6713873-F810-0440-98D9-BDBFD4FF42CC}"/>
+              </a:ext>
+            </a:extLst>
+          </p:cNvPr>
+          <p:cNvSpPr>
+            <a:spLocks noGrp="1"/>
+          </p:cNvSpPr>
+          <p:nvPr>
+            <p:ph idx="1"/>
+          </p:nvPr>
+        </p:nvSpPr>
+        <p:spPr/>
+        <p:txBody>
+          <a:bodyPr/>
+          <a:lstStyle/>
+          <a:p>
+            <a:r>
+              <a:rPr lang="nl-NL"/>
+              <a:t>merge()</a:t>
+            </a:r>
+          </a:p>
+        </p:txBody>
+      </p:sp>
+      <p:sp>
+        <p:nvSpPr>
+          <p:cNvPr id="4" name="Tekstvak 3">
+            <a:extLst>
+              <a:ext uri="{FF2B5EF4-FFF2-40B4-BE49-F238E27FC236}">
+                <a16:creationId xmlns:a16="http://schemas.microsoft.com/office/drawing/2014/main" id="{DBD05E88-A895-6D4F-8E5C-A3D1F2466A77}"/>
+              </a:ext>
+            </a:extLst>
+          </p:cNvPr>
+          <p:cNvSpPr txBox="1"/>
+          <p:nvPr/>
+        </p:nvSpPr>
+        <p:spPr>
+          <a:xfrm>
+            <a:off x="194310" y="6492875"/>
+            <a:ext cx="5977890" cy="307777"/>
+          </a:xfrm>
+          <a:prstGeom prst="rect">
+            <a:avLst/>
+          </a:prstGeom>
+          <a:noFill/>
+        </p:spPr>
+        <p:txBody>
+          <a:bodyPr wrap="square" rtlCol="0">
+            <a:spAutoFit/>
+          </a:bodyPr>
+          <a:lstStyle/>
+          <a:p>
+            <a:r>
+              <a:rPr lang="nl-NL" sz="1400">
+                <a:solidFill>
+                  <a:schemeClr val="accent6">
+                    <a:lumMod val="75000"/>
+                  </a:schemeClr>
+                </a:solidFill>
+              </a:rPr>
+              <a:t>★ https://www.datasciencemadesimple.com/join-in-r-merge-in-r/</a:t>
+            </a:r>
+          </a:p>
+        </p:txBody>
+      </p:sp>
+    </p:spTree>
+    <p:extLst>
+      <p:ext uri="{BB962C8B-B14F-4D97-AF65-F5344CB8AC3E}">
+        <p14:creationId xmlns:p14="http://schemas.microsoft.com/office/powerpoint/2010/main" val="3268070861"/>
+      </p:ext>
+    </p:extLst>
+  </p:cSld>
+  <p:clrMapOvr>
+    <a:masterClrMapping/>
+  </p:clrMapOvr>
+</p:sld>
+</file>
+
+<file path=ppt/slides/slide55.xml><?xml version="1.0" encoding="utf-8"?>
+<p:sld xmlns:a="http://schemas.openxmlformats.org/drawingml/2006/main" xmlns:r="http://schemas.openxmlformats.org/officeDocument/2006/relationships" xmlns:p="http://schemas.openxmlformats.org/presentationml/2006/main">
+  <p:cSld>
+    <p:spTree>
+      <p:nvGrpSpPr>
+        <p:cNvPr id="1" name=""/>
+        <p:cNvGrpSpPr/>
+        <p:nvPr/>
+      </p:nvGrpSpPr>
+      <p:grpSpPr>
+        <a:xfrm>
+          <a:off x="0" y="0"/>
+          <a:ext cx="0" cy="0"/>
+          <a:chOff x="0" y="0"/>
+          <a:chExt cx="0" cy="0"/>
+        </a:xfrm>
+      </p:grpSpPr>
+      <p:sp>
+        <p:nvSpPr>
+          <p:cNvPr id="2" name="Titel 1">
+            <a:extLst>
+              <a:ext uri="{FF2B5EF4-FFF2-40B4-BE49-F238E27FC236}">
+                <a16:creationId xmlns:a16="http://schemas.microsoft.com/office/drawing/2014/main" id="{9D9D877E-D5E6-CA44-AA74-08202DAA11F7}"/>
+              </a:ext>
+            </a:extLst>
+          </p:cNvPr>
+          <p:cNvSpPr>
+            <a:spLocks noGrp="1"/>
+          </p:cNvSpPr>
+          <p:nvPr>
+            <p:ph type="title"/>
+          </p:nvPr>
+        </p:nvSpPr>
+        <p:spPr/>
+        <p:txBody>
+          <a:bodyPr/>
+          <a:lstStyle/>
+          <a:p>
+            <a:r>
+              <a:rPr lang="nl-NL"/>
+              <a:t>Reshaping</a:t>
+            </a:r>
+          </a:p>
+        </p:txBody>
+      </p:sp>
+      <p:sp>
+        <p:nvSpPr>
+          <p:cNvPr id="3" name="Tijdelijke aanduiding voor inhoud 2">
+            <a:extLst>
+              <a:ext uri="{FF2B5EF4-FFF2-40B4-BE49-F238E27FC236}">
+                <a16:creationId xmlns:a16="http://schemas.microsoft.com/office/drawing/2014/main" id="{B528966C-5AF5-9D4F-A2F9-2F31162F78DE}"/>
+              </a:ext>
+            </a:extLst>
+          </p:cNvPr>
+          <p:cNvSpPr>
+            <a:spLocks noGrp="1"/>
+          </p:cNvSpPr>
+          <p:nvPr>
+            <p:ph idx="1"/>
+          </p:nvPr>
+        </p:nvSpPr>
+        <p:spPr/>
+        <p:txBody>
+          <a:bodyPr/>
+          <a:lstStyle/>
+          <a:p>
+            <a:r>
+              <a:rPr lang="nl-NL"/>
+              <a:t>melt()</a:t>
+            </a:r>
+          </a:p>
+          <a:p>
+            <a:r>
+              <a:rPr lang="nl-NL"/>
+              <a:t>cast()</a:t>
+            </a:r>
+          </a:p>
+          <a:p>
+            <a:r>
+              <a:rPr lang="nl-NL"/>
+              <a:t>reshape()</a:t>
+            </a:r>
+          </a:p>
+        </p:txBody>
+      </p:sp>
+      <p:pic>
+        <p:nvPicPr>
+          <p:cNvPr id="1026" name="Picture 2" descr="melting and casting in R 1">
+            <a:extLst>
+              <a:ext uri="{FF2B5EF4-FFF2-40B4-BE49-F238E27FC236}">
+                <a16:creationId xmlns:a16="http://schemas.microsoft.com/office/drawing/2014/main" id="{A1777C6F-0CD9-C342-8940-B46D2A286119}"/>
+              </a:ext>
+            </a:extLst>
+          </p:cNvPr>
+          <p:cNvPicPr>
+            <a:picLocks noChangeAspect="1" noChangeArrowheads="1"/>
+          </p:cNvPicPr>
+          <p:nvPr/>
+        </p:nvPicPr>
+        <p:blipFill>
+          <a:blip r:embed="rId3">
+            <a:extLst>
+              <a:ext uri="{28A0092B-C50C-407E-A947-70E740481C1C}">
+                <a14:useLocalDpi xmlns:a14="http://schemas.microsoft.com/office/drawing/2010/main" val="0"/>
+              </a:ext>
+            </a:extLst>
+          </a:blip>
+          <a:srcRect/>
+          <a:stretch>
+            <a:fillRect/>
+          </a:stretch>
+        </p:blipFill>
+        <p:spPr bwMode="auto">
+          <a:xfrm>
+            <a:off x="3317934" y="1690688"/>
+            <a:ext cx="5148461" cy="948788"/>
+          </a:xfrm>
+          <a:prstGeom prst="rect">
+            <a:avLst/>
+          </a:prstGeom>
+          <a:noFill/>
+          <a:extLst>
+            <a:ext uri="{909E8E84-426E-40DD-AFC4-6F175D3DCCD1}">
+              <a14:hiddenFill xmlns:a14="http://schemas.microsoft.com/office/drawing/2010/main">
+                <a:solidFill>
+                  <a:srgbClr val="FFFFFF"/>
+                </a:solidFill>
+              </a14:hiddenFill>
+            </a:ext>
+          </a:extLst>
+        </p:spPr>
+      </p:pic>
+      <p:pic>
+        <p:nvPicPr>
+          <p:cNvPr id="1028" name="Picture 4" descr="melting and casting in R 2">
+            <a:extLst>
+              <a:ext uri="{FF2B5EF4-FFF2-40B4-BE49-F238E27FC236}">
+                <a16:creationId xmlns:a16="http://schemas.microsoft.com/office/drawing/2014/main" id="{7DA0F096-AAA4-734B-A179-3084D5E9C160}"/>
+              </a:ext>
+            </a:extLst>
+          </p:cNvPr>
+          <p:cNvPicPr>
+            <a:picLocks noChangeAspect="1" noChangeArrowheads="1"/>
+          </p:cNvPicPr>
+          <p:nvPr/>
+        </p:nvPicPr>
+        <p:blipFill>
+          <a:blip r:embed="rId4">
+            <a:extLst>
+              <a:ext uri="{28A0092B-C50C-407E-A947-70E740481C1C}">
+                <a14:useLocalDpi xmlns:a14="http://schemas.microsoft.com/office/drawing/2010/main" val="0"/>
+              </a:ext>
+            </a:extLst>
+          </a:blip>
+          <a:srcRect/>
+          <a:stretch>
+            <a:fillRect/>
+          </a:stretch>
+        </p:blipFill>
+        <p:spPr bwMode="auto">
+          <a:xfrm>
+            <a:off x="3366888" y="3171888"/>
+            <a:ext cx="5050552" cy="1046637"/>
+          </a:xfrm>
+          <a:prstGeom prst="rect">
+            <a:avLst/>
+          </a:prstGeom>
+          <a:noFill/>
+          <a:extLst>
+            <a:ext uri="{909E8E84-426E-40DD-AFC4-6F175D3DCCD1}">
+              <a14:hiddenFill xmlns:a14="http://schemas.microsoft.com/office/drawing/2010/main">
+                <a:solidFill>
+                  <a:srgbClr val="FFFFFF"/>
+                </a:solidFill>
+              </a14:hiddenFill>
+            </a:ext>
+          </a:extLst>
+        </p:spPr>
+      </p:pic>
+    </p:spTree>
+    <p:extLst>
+      <p:ext uri="{BB962C8B-B14F-4D97-AF65-F5344CB8AC3E}">
+        <p14:creationId xmlns:p14="http://schemas.microsoft.com/office/powerpoint/2010/main" val="1963551796"/>
+      </p:ext>
+    </p:extLst>
+  </p:cSld>
+  <p:clrMapOvr>
+    <a:masterClrMapping/>
+  </p:clrMapOvr>
+</p:sld>
+</file>
+
+<file path=ppt/slides/slide56.xml><?xml version="1.0" encoding="utf-8"?>
+<p:sld xmlns:a="http://schemas.openxmlformats.org/drawingml/2006/main" xmlns:r="http://schemas.openxmlformats.org/officeDocument/2006/relationships" xmlns:p="http://schemas.openxmlformats.org/presentationml/2006/main">
+  <p:cSld>
+    <p:spTree>
+      <p:nvGrpSpPr>
+        <p:cNvPr id="1" name=""/>
+        <p:cNvGrpSpPr/>
+        <p:nvPr/>
+      </p:nvGrpSpPr>
+      <p:grpSpPr>
+        <a:xfrm>
+          <a:off x="0" y="0"/>
+          <a:ext cx="0" cy="0"/>
+          <a:chOff x="0" y="0"/>
+          <a:chExt cx="0" cy="0"/>
+        </a:xfrm>
+      </p:grpSpPr>
+      <p:sp>
+        <p:nvSpPr>
           <p:cNvPr id="3" name="Titel 2">
             <a:extLst>
               <a:ext uri="{FF2B5EF4-FFF2-40B4-BE49-F238E27FC236}">
@@ -13855,7 +14242,7 @@
 </p:sld>
 </file>
 
-<file path=ppt/slides/slide55.xml><?xml version="1.0" encoding="utf-8"?>
+<file path=ppt/slides/slide57.xml><?xml version="1.0" encoding="utf-8"?>
 <p:sld xmlns:a="http://schemas.openxmlformats.org/drawingml/2006/main" xmlns:r="http://schemas.openxmlformats.org/officeDocument/2006/relationships" xmlns:p="http://schemas.openxmlformats.org/presentationml/2006/main">
   <p:cSld>
     <p:spTree>
@@ -14009,7 +14396,7 @@
 </p:sld>
 </file>
 
-<file path=ppt/slides/slide56.xml><?xml version="1.0" encoding="utf-8"?>
+<file path=ppt/slides/slide58.xml><?xml version="1.0" encoding="utf-8"?>
 <p:sld xmlns:a="http://schemas.openxmlformats.org/drawingml/2006/main" xmlns:r="http://schemas.openxmlformats.org/officeDocument/2006/relationships" xmlns:p="http://schemas.openxmlformats.org/presentationml/2006/main">
   <p:cSld>
     <p:spTree>
@@ -14163,7 +14550,7 @@
 </p:sld>
 </file>
 
-<file path=ppt/slides/slide57.xml><?xml version="1.0" encoding="utf-8"?>
+<file path=ppt/slides/slide59.xml><?xml version="1.0" encoding="utf-8"?>
 <p:sld xmlns:a="http://schemas.openxmlformats.org/drawingml/2006/main" xmlns:r="http://schemas.openxmlformats.org/officeDocument/2006/relationships" xmlns:p="http://schemas.openxmlformats.org/presentationml/2006/main">
   <p:cSld>
     <p:spTree>
@@ -14317,7 +14704,150 @@
 </p:sld>
 </file>
 
-<file path=ppt/slides/slide58.xml><?xml version="1.0" encoding="utf-8"?>
+<file path=ppt/slides/slide6.xml><?xml version="1.0" encoding="utf-8"?>
+<p:sld xmlns:a="http://schemas.openxmlformats.org/drawingml/2006/main" xmlns:r="http://schemas.openxmlformats.org/officeDocument/2006/relationships" xmlns:p="http://schemas.openxmlformats.org/presentationml/2006/main">
+  <p:cSld>
+    <p:spTree>
+      <p:nvGrpSpPr>
+        <p:cNvPr id="1" name=""/>
+        <p:cNvGrpSpPr/>
+        <p:nvPr/>
+      </p:nvGrpSpPr>
+      <p:grpSpPr>
+        <a:xfrm>
+          <a:off x="0" y="0"/>
+          <a:ext cx="0" cy="0"/>
+          <a:chOff x="0" y="0"/>
+          <a:chExt cx="0" cy="0"/>
+        </a:xfrm>
+      </p:grpSpPr>
+      <p:sp>
+        <p:nvSpPr>
+          <p:cNvPr id="2" name="Titel 1">
+            <a:extLst>
+              <a:ext uri="{FF2B5EF4-FFF2-40B4-BE49-F238E27FC236}">
+                <a16:creationId xmlns:a16="http://schemas.microsoft.com/office/drawing/2014/main" id="{4BE9400D-8A69-7041-A1E0-C08C87FAB7ED}"/>
+              </a:ext>
+            </a:extLst>
+          </p:cNvPr>
+          <p:cNvSpPr>
+            <a:spLocks noGrp="1"/>
+          </p:cNvSpPr>
+          <p:nvPr>
+            <p:ph type="title"/>
+          </p:nvPr>
+        </p:nvSpPr>
+        <p:spPr/>
+        <p:txBody>
+          <a:bodyPr/>
+          <a:lstStyle/>
+          <a:p>
+            <a:r>
+              <a:rPr lang="nl-NL"/>
+              <a:t>Materiaal</a:t>
+            </a:r>
+          </a:p>
+        </p:txBody>
+      </p:sp>
+      <p:pic>
+        <p:nvPicPr>
+          <p:cNvPr id="1026" name="Picture 2" descr="Buy from amazon">
+            <a:extLst>
+              <a:ext uri="{FF2B5EF4-FFF2-40B4-BE49-F238E27FC236}">
+                <a16:creationId xmlns:a16="http://schemas.microsoft.com/office/drawing/2014/main" id="{18AC352B-4BF4-904D-8644-7D6845568C77}"/>
+              </a:ext>
+            </a:extLst>
+          </p:cNvPr>
+          <p:cNvPicPr>
+            <a:picLocks noChangeAspect="1" noChangeArrowheads="1"/>
+          </p:cNvPicPr>
+          <p:nvPr/>
+        </p:nvPicPr>
+        <p:blipFill>
+          <a:blip r:embed="rId2">
+            <a:extLst>
+              <a:ext uri="{28A0092B-C50C-407E-A947-70E740481C1C}">
+                <a14:useLocalDpi xmlns:a14="http://schemas.microsoft.com/office/drawing/2010/main" val="0"/>
+              </a:ext>
+            </a:extLst>
+          </a:blip>
+          <a:srcRect/>
+          <a:stretch>
+            <a:fillRect/>
+          </a:stretch>
+        </p:blipFill>
+        <p:spPr bwMode="auto">
+          <a:xfrm>
+            <a:off x="4171575" y="767069"/>
+            <a:ext cx="3116879" cy="4675318"/>
+          </a:xfrm>
+          <a:prstGeom prst="rect">
+            <a:avLst/>
+          </a:prstGeom>
+          <a:noFill/>
+          <a:extLst>
+            <a:ext uri="{909E8E84-426E-40DD-AFC4-6F175D3DCCD1}">
+              <a14:hiddenFill xmlns:a14="http://schemas.microsoft.com/office/drawing/2010/main">
+                <a:solidFill>
+                  <a:srgbClr val="FFFFFF"/>
+                </a:solidFill>
+              </a14:hiddenFill>
+            </a:ext>
+          </a:extLst>
+        </p:spPr>
+      </p:pic>
+      <p:sp>
+        <p:nvSpPr>
+          <p:cNvPr id="6" name="Tekstvak 5">
+            <a:extLst>
+              <a:ext uri="{FF2B5EF4-FFF2-40B4-BE49-F238E27FC236}">
+                <a16:creationId xmlns:a16="http://schemas.microsoft.com/office/drawing/2014/main" id="{502FB473-9CFF-CD47-B674-B6BD819A2B05}"/>
+              </a:ext>
+            </a:extLst>
+          </p:cNvPr>
+          <p:cNvSpPr txBox="1"/>
+          <p:nvPr/>
+        </p:nvSpPr>
+        <p:spPr>
+          <a:xfrm>
+            <a:off x="628650" y="6123543"/>
+            <a:ext cx="3823889" cy="369332"/>
+          </a:xfrm>
+          <a:prstGeom prst="rect">
+            <a:avLst/>
+          </a:prstGeom>
+          <a:noFill/>
+        </p:spPr>
+        <p:txBody>
+          <a:bodyPr wrap="square">
+            <a:spAutoFit/>
+          </a:bodyPr>
+          <a:lstStyle/>
+          <a:p>
+            <a:r>
+              <a:rPr lang="nl-NL">
+                <a:hlinkClick r:id="rId3"/>
+              </a:rPr>
+              <a:t>https://r4ds.had.co.nz/index.html</a:t>
+            </a:r>
+            <a:endParaRPr lang="nl-NL"/>
+          </a:p>
+        </p:txBody>
+      </p:sp>
+    </p:spTree>
+    <p:extLst>
+      <p:ext uri="{BB962C8B-B14F-4D97-AF65-F5344CB8AC3E}">
+        <p14:creationId xmlns:p14="http://schemas.microsoft.com/office/powerpoint/2010/main" val="2676211531"/>
+      </p:ext>
+    </p:extLst>
+  </p:cSld>
+  <p:clrMapOvr>
+    <a:masterClrMapping/>
+  </p:clrMapOvr>
+</p:sld>
+</file>
+
+<file path=ppt/slides/slide60.xml><?xml version="1.0" encoding="utf-8"?>
 <p:sld xmlns:a="http://schemas.openxmlformats.org/drawingml/2006/main" xmlns:r="http://schemas.openxmlformats.org/officeDocument/2006/relationships" xmlns:p="http://schemas.openxmlformats.org/presentationml/2006/main">
   <p:cSld>
     <p:spTree>
@@ -14471,7 +15001,7 @@
 </p:sld>
 </file>
 
-<file path=ppt/slides/slide59.xml><?xml version="1.0" encoding="utf-8"?>
+<file path=ppt/slides/slide61.xml><?xml version="1.0" encoding="utf-8"?>
 <p:sld xmlns:a="http://schemas.openxmlformats.org/drawingml/2006/main" xmlns:r="http://schemas.openxmlformats.org/officeDocument/2006/relationships" xmlns:p="http://schemas.openxmlformats.org/presentationml/2006/main">
   <p:cSld>
     <p:spTree>
@@ -14634,150 +15164,7 @@
 </p:sld>
 </file>
 
-<file path=ppt/slides/slide6.xml><?xml version="1.0" encoding="utf-8"?>
-<p:sld xmlns:a="http://schemas.openxmlformats.org/drawingml/2006/main" xmlns:r="http://schemas.openxmlformats.org/officeDocument/2006/relationships" xmlns:p="http://schemas.openxmlformats.org/presentationml/2006/main">
-  <p:cSld>
-    <p:spTree>
-      <p:nvGrpSpPr>
-        <p:cNvPr id="1" name=""/>
-        <p:cNvGrpSpPr/>
-        <p:nvPr/>
-      </p:nvGrpSpPr>
-      <p:grpSpPr>
-        <a:xfrm>
-          <a:off x="0" y="0"/>
-          <a:ext cx="0" cy="0"/>
-          <a:chOff x="0" y="0"/>
-          <a:chExt cx="0" cy="0"/>
-        </a:xfrm>
-      </p:grpSpPr>
-      <p:sp>
-        <p:nvSpPr>
-          <p:cNvPr id="2" name="Titel 1">
-            <a:extLst>
-              <a:ext uri="{FF2B5EF4-FFF2-40B4-BE49-F238E27FC236}">
-                <a16:creationId xmlns:a16="http://schemas.microsoft.com/office/drawing/2014/main" id="{4BE9400D-8A69-7041-A1E0-C08C87FAB7ED}"/>
-              </a:ext>
-            </a:extLst>
-          </p:cNvPr>
-          <p:cNvSpPr>
-            <a:spLocks noGrp="1"/>
-          </p:cNvSpPr>
-          <p:nvPr>
-            <p:ph type="title"/>
-          </p:nvPr>
-        </p:nvSpPr>
-        <p:spPr/>
-        <p:txBody>
-          <a:bodyPr/>
-          <a:lstStyle/>
-          <a:p>
-            <a:r>
-              <a:rPr lang="nl-NL"/>
-              <a:t>Materiaal</a:t>
-            </a:r>
-          </a:p>
-        </p:txBody>
-      </p:sp>
-      <p:pic>
-        <p:nvPicPr>
-          <p:cNvPr id="1026" name="Picture 2" descr="Buy from amazon">
-            <a:extLst>
-              <a:ext uri="{FF2B5EF4-FFF2-40B4-BE49-F238E27FC236}">
-                <a16:creationId xmlns:a16="http://schemas.microsoft.com/office/drawing/2014/main" id="{18AC352B-4BF4-904D-8644-7D6845568C77}"/>
-              </a:ext>
-            </a:extLst>
-          </p:cNvPr>
-          <p:cNvPicPr>
-            <a:picLocks noChangeAspect="1" noChangeArrowheads="1"/>
-          </p:cNvPicPr>
-          <p:nvPr/>
-        </p:nvPicPr>
-        <p:blipFill>
-          <a:blip r:embed="rId2">
-            <a:extLst>
-              <a:ext uri="{28A0092B-C50C-407E-A947-70E740481C1C}">
-                <a14:useLocalDpi xmlns:a14="http://schemas.microsoft.com/office/drawing/2010/main" val="0"/>
-              </a:ext>
-            </a:extLst>
-          </a:blip>
-          <a:srcRect/>
-          <a:stretch>
-            <a:fillRect/>
-          </a:stretch>
-        </p:blipFill>
-        <p:spPr bwMode="auto">
-          <a:xfrm>
-            <a:off x="4171575" y="767069"/>
-            <a:ext cx="3116879" cy="4675318"/>
-          </a:xfrm>
-          <a:prstGeom prst="rect">
-            <a:avLst/>
-          </a:prstGeom>
-          <a:noFill/>
-          <a:extLst>
-            <a:ext uri="{909E8E84-426E-40DD-AFC4-6F175D3DCCD1}">
-              <a14:hiddenFill xmlns:a14="http://schemas.microsoft.com/office/drawing/2010/main">
-                <a:solidFill>
-                  <a:srgbClr val="FFFFFF"/>
-                </a:solidFill>
-              </a14:hiddenFill>
-            </a:ext>
-          </a:extLst>
-        </p:spPr>
-      </p:pic>
-      <p:sp>
-        <p:nvSpPr>
-          <p:cNvPr id="6" name="Tekstvak 5">
-            <a:extLst>
-              <a:ext uri="{FF2B5EF4-FFF2-40B4-BE49-F238E27FC236}">
-                <a16:creationId xmlns:a16="http://schemas.microsoft.com/office/drawing/2014/main" id="{502FB473-9CFF-CD47-B674-B6BD819A2B05}"/>
-              </a:ext>
-            </a:extLst>
-          </p:cNvPr>
-          <p:cNvSpPr txBox="1"/>
-          <p:nvPr/>
-        </p:nvSpPr>
-        <p:spPr>
-          <a:xfrm>
-            <a:off x="628650" y="6123543"/>
-            <a:ext cx="3823889" cy="369332"/>
-          </a:xfrm>
-          <a:prstGeom prst="rect">
-            <a:avLst/>
-          </a:prstGeom>
-          <a:noFill/>
-        </p:spPr>
-        <p:txBody>
-          <a:bodyPr wrap="square">
-            <a:spAutoFit/>
-          </a:bodyPr>
-          <a:lstStyle/>
-          <a:p>
-            <a:r>
-              <a:rPr lang="nl-NL">
-                <a:hlinkClick r:id="rId3"/>
-              </a:rPr>
-              <a:t>https://r4ds.had.co.nz/index.html</a:t>
-            </a:r>
-            <a:endParaRPr lang="nl-NL"/>
-          </a:p>
-        </p:txBody>
-      </p:sp>
-    </p:spTree>
-    <p:extLst>
-      <p:ext uri="{BB962C8B-B14F-4D97-AF65-F5344CB8AC3E}">
-        <p14:creationId xmlns:p14="http://schemas.microsoft.com/office/powerpoint/2010/main" val="2676211531"/>
-      </p:ext>
-    </p:extLst>
-  </p:cSld>
-  <p:clrMapOvr>
-    <a:masterClrMapping/>
-  </p:clrMapOvr>
-</p:sld>
-</file>
-
-<file path=ppt/slides/slide60.xml><?xml version="1.0" encoding="utf-8"?>
+<file path=ppt/slides/slide62.xml><?xml version="1.0" encoding="utf-8"?>
 <p:sld xmlns:a="http://schemas.openxmlformats.org/drawingml/2006/main" xmlns:r="http://schemas.openxmlformats.org/officeDocument/2006/relationships" xmlns:p="http://schemas.openxmlformats.org/presentationml/2006/main">
   <p:cSld>
     <p:spTree>
@@ -14940,162 +15327,6 @@
 </p:sld>
 </file>
 
-<file path=ppt/slides/slide61.xml><?xml version="1.0" encoding="utf-8"?>
-<p:sld xmlns:a="http://schemas.openxmlformats.org/drawingml/2006/main" xmlns:r="http://schemas.openxmlformats.org/officeDocument/2006/relationships" xmlns:p="http://schemas.openxmlformats.org/presentationml/2006/main">
-  <p:cSld>
-    <p:spTree>
-      <p:nvGrpSpPr>
-        <p:cNvPr id="1" name=""/>
-        <p:cNvGrpSpPr/>
-        <p:nvPr/>
-      </p:nvGrpSpPr>
-      <p:grpSpPr>
-        <a:xfrm>
-          <a:off x="0" y="0"/>
-          <a:ext cx="0" cy="0"/>
-          <a:chOff x="0" y="0"/>
-          <a:chExt cx="0" cy="0"/>
-        </a:xfrm>
-      </p:grpSpPr>
-      <p:sp>
-        <p:nvSpPr>
-          <p:cNvPr id="2" name="Titel 1">
-            <a:extLst>
-              <a:ext uri="{FF2B5EF4-FFF2-40B4-BE49-F238E27FC236}">
-                <a16:creationId xmlns:a16="http://schemas.microsoft.com/office/drawing/2014/main" id="{EF7F855A-3772-DA4C-A51D-081FB8AB0BC1}"/>
-              </a:ext>
-            </a:extLst>
-          </p:cNvPr>
-          <p:cNvSpPr>
-            <a:spLocks noGrp="1"/>
-          </p:cNvSpPr>
-          <p:nvPr>
-            <p:ph type="title"/>
-          </p:nvPr>
-        </p:nvSpPr>
-        <p:spPr/>
-        <p:txBody>
-          <a:bodyPr/>
-          <a:lstStyle/>
-          <a:p>
-            <a:r>
-              <a:rPr lang="nl-NL"/>
-              <a:t>Packages</a:t>
-            </a:r>
-          </a:p>
-        </p:txBody>
-      </p:sp>
-    </p:spTree>
-    <p:extLst>
-      <p:ext uri="{BB962C8B-B14F-4D97-AF65-F5344CB8AC3E}">
-        <p14:creationId xmlns:p14="http://schemas.microsoft.com/office/powerpoint/2010/main" val="1965695006"/>
-      </p:ext>
-    </p:extLst>
-  </p:cSld>
-  <p:clrMapOvr>
-    <a:masterClrMapping/>
-  </p:clrMapOvr>
-</p:sld>
-</file>
-
-<file path=ppt/slides/slide62.xml><?xml version="1.0" encoding="utf-8"?>
-<p:sld xmlns:a="http://schemas.openxmlformats.org/drawingml/2006/main" xmlns:r="http://schemas.openxmlformats.org/officeDocument/2006/relationships" xmlns:p="http://schemas.openxmlformats.org/presentationml/2006/main">
-  <p:cSld>
-    <p:spTree>
-      <p:nvGrpSpPr>
-        <p:cNvPr id="1" name=""/>
-        <p:cNvGrpSpPr/>
-        <p:nvPr/>
-      </p:nvGrpSpPr>
-      <p:grpSpPr>
-        <a:xfrm>
-          <a:off x="0" y="0"/>
-          <a:ext cx="0" cy="0"/>
-          <a:chOff x="0" y="0"/>
-          <a:chExt cx="0" cy="0"/>
-        </a:xfrm>
-      </p:grpSpPr>
-      <p:sp>
-        <p:nvSpPr>
-          <p:cNvPr id="2" name="Titel 1">
-            <a:extLst>
-              <a:ext uri="{FF2B5EF4-FFF2-40B4-BE49-F238E27FC236}">
-                <a16:creationId xmlns:a16="http://schemas.microsoft.com/office/drawing/2014/main" id="{8FBAB3A2-69D3-6D44-BDB3-1E34609EDB45}"/>
-              </a:ext>
-            </a:extLst>
-          </p:cNvPr>
-          <p:cNvSpPr>
-            <a:spLocks noGrp="1"/>
-          </p:cNvSpPr>
-          <p:nvPr>
-            <p:ph type="title"/>
-          </p:nvPr>
-        </p:nvSpPr>
-        <p:spPr/>
-        <p:txBody>
-          <a:bodyPr/>
-          <a:lstStyle/>
-          <a:p>
-            <a:r>
-              <a:rPr lang="nl-NL"/>
-              <a:t>Libraries</a:t>
-            </a:r>
-          </a:p>
-        </p:txBody>
-      </p:sp>
-      <p:sp>
-        <p:nvSpPr>
-          <p:cNvPr id="3" name="Tijdelijke aanduiding voor inhoud 2">
-            <a:extLst>
-              <a:ext uri="{FF2B5EF4-FFF2-40B4-BE49-F238E27FC236}">
-                <a16:creationId xmlns:a16="http://schemas.microsoft.com/office/drawing/2014/main" id="{386158C2-6DCE-E64C-9109-4FA52A3D3BA9}"/>
-              </a:ext>
-            </a:extLst>
-          </p:cNvPr>
-          <p:cNvSpPr>
-            <a:spLocks noGrp="1"/>
-          </p:cNvSpPr>
-          <p:nvPr>
-            <p:ph idx="1"/>
-          </p:nvPr>
-        </p:nvSpPr>
-        <p:spPr/>
-        <p:txBody>
-          <a:bodyPr/>
-          <a:lstStyle/>
-          <a:p>
-            <a:r>
-              <a:rPr lang="nl-NL"/>
-              <a:t>tidyverse</a:t>
-            </a:r>
-          </a:p>
-          <a:p>
-            <a:r>
-              <a:rPr lang="nl-NL"/>
-              <a:t>dplyr</a:t>
-            </a:r>
-          </a:p>
-          <a:p>
-            <a:r>
-              <a:rPr lang="nl-NL"/>
-              <a:t>ggplot2</a:t>
-            </a:r>
-          </a:p>
-        </p:txBody>
-      </p:sp>
-    </p:spTree>
-    <p:extLst>
-      <p:ext uri="{BB962C8B-B14F-4D97-AF65-F5344CB8AC3E}">
-        <p14:creationId xmlns:p14="http://schemas.microsoft.com/office/powerpoint/2010/main" val="294540075"/>
-      </p:ext>
-    </p:extLst>
-  </p:cSld>
-  <p:clrMapOvr>
-    <a:masterClrMapping/>
-  </p:clrMapOvr>
-</p:sld>
-</file>
-
 <file path=ppt/slides/slide63.xml><?xml version="1.0" encoding="utf-8"?>
 <p:sld xmlns:a="http://schemas.openxmlformats.org/drawingml/2006/main" xmlns:r="http://schemas.openxmlformats.org/officeDocument/2006/relationships" xmlns:p="http://schemas.openxmlformats.org/presentationml/2006/main">
   <p:cSld>
@@ -15118,6 +15349,162 @@
           <p:cNvPr id="2" name="Titel 1">
             <a:extLst>
               <a:ext uri="{FF2B5EF4-FFF2-40B4-BE49-F238E27FC236}">
+                <a16:creationId xmlns:a16="http://schemas.microsoft.com/office/drawing/2014/main" id="{EF7F855A-3772-DA4C-A51D-081FB8AB0BC1}"/>
+              </a:ext>
+            </a:extLst>
+          </p:cNvPr>
+          <p:cNvSpPr>
+            <a:spLocks noGrp="1"/>
+          </p:cNvSpPr>
+          <p:nvPr>
+            <p:ph type="title"/>
+          </p:nvPr>
+        </p:nvSpPr>
+        <p:spPr/>
+        <p:txBody>
+          <a:bodyPr/>
+          <a:lstStyle/>
+          <a:p>
+            <a:r>
+              <a:rPr lang="nl-NL"/>
+              <a:t>Packages</a:t>
+            </a:r>
+          </a:p>
+        </p:txBody>
+      </p:sp>
+    </p:spTree>
+    <p:extLst>
+      <p:ext uri="{BB962C8B-B14F-4D97-AF65-F5344CB8AC3E}">
+        <p14:creationId xmlns:p14="http://schemas.microsoft.com/office/powerpoint/2010/main" val="1965695006"/>
+      </p:ext>
+    </p:extLst>
+  </p:cSld>
+  <p:clrMapOvr>
+    <a:masterClrMapping/>
+  </p:clrMapOvr>
+</p:sld>
+</file>
+
+<file path=ppt/slides/slide64.xml><?xml version="1.0" encoding="utf-8"?>
+<p:sld xmlns:a="http://schemas.openxmlformats.org/drawingml/2006/main" xmlns:r="http://schemas.openxmlformats.org/officeDocument/2006/relationships" xmlns:p="http://schemas.openxmlformats.org/presentationml/2006/main">
+  <p:cSld>
+    <p:spTree>
+      <p:nvGrpSpPr>
+        <p:cNvPr id="1" name=""/>
+        <p:cNvGrpSpPr/>
+        <p:nvPr/>
+      </p:nvGrpSpPr>
+      <p:grpSpPr>
+        <a:xfrm>
+          <a:off x="0" y="0"/>
+          <a:ext cx="0" cy="0"/>
+          <a:chOff x="0" y="0"/>
+          <a:chExt cx="0" cy="0"/>
+        </a:xfrm>
+      </p:grpSpPr>
+      <p:sp>
+        <p:nvSpPr>
+          <p:cNvPr id="2" name="Titel 1">
+            <a:extLst>
+              <a:ext uri="{FF2B5EF4-FFF2-40B4-BE49-F238E27FC236}">
+                <a16:creationId xmlns:a16="http://schemas.microsoft.com/office/drawing/2014/main" id="{8FBAB3A2-69D3-6D44-BDB3-1E34609EDB45}"/>
+              </a:ext>
+            </a:extLst>
+          </p:cNvPr>
+          <p:cNvSpPr>
+            <a:spLocks noGrp="1"/>
+          </p:cNvSpPr>
+          <p:nvPr>
+            <p:ph type="title"/>
+          </p:nvPr>
+        </p:nvSpPr>
+        <p:spPr/>
+        <p:txBody>
+          <a:bodyPr/>
+          <a:lstStyle/>
+          <a:p>
+            <a:r>
+              <a:rPr lang="nl-NL"/>
+              <a:t>Libraries</a:t>
+            </a:r>
+          </a:p>
+        </p:txBody>
+      </p:sp>
+      <p:sp>
+        <p:nvSpPr>
+          <p:cNvPr id="3" name="Tijdelijke aanduiding voor inhoud 2">
+            <a:extLst>
+              <a:ext uri="{FF2B5EF4-FFF2-40B4-BE49-F238E27FC236}">
+                <a16:creationId xmlns:a16="http://schemas.microsoft.com/office/drawing/2014/main" id="{386158C2-6DCE-E64C-9109-4FA52A3D3BA9}"/>
+              </a:ext>
+            </a:extLst>
+          </p:cNvPr>
+          <p:cNvSpPr>
+            <a:spLocks noGrp="1"/>
+          </p:cNvSpPr>
+          <p:nvPr>
+            <p:ph idx="1"/>
+          </p:nvPr>
+        </p:nvSpPr>
+        <p:spPr/>
+        <p:txBody>
+          <a:bodyPr/>
+          <a:lstStyle/>
+          <a:p>
+            <a:r>
+              <a:rPr lang="nl-NL"/>
+              <a:t>tidyverse</a:t>
+            </a:r>
+          </a:p>
+          <a:p>
+            <a:r>
+              <a:rPr lang="nl-NL"/>
+              <a:t>dplyr</a:t>
+            </a:r>
+          </a:p>
+          <a:p>
+            <a:r>
+              <a:rPr lang="nl-NL"/>
+              <a:t>ggplot2</a:t>
+            </a:r>
+          </a:p>
+        </p:txBody>
+      </p:sp>
+    </p:spTree>
+    <p:extLst>
+      <p:ext uri="{BB962C8B-B14F-4D97-AF65-F5344CB8AC3E}">
+        <p14:creationId xmlns:p14="http://schemas.microsoft.com/office/powerpoint/2010/main" val="294540075"/>
+      </p:ext>
+    </p:extLst>
+  </p:cSld>
+  <p:clrMapOvr>
+    <a:masterClrMapping/>
+  </p:clrMapOvr>
+</p:sld>
+</file>
+
+<file path=ppt/slides/slide65.xml><?xml version="1.0" encoding="utf-8"?>
+<p:sld xmlns:a="http://schemas.openxmlformats.org/drawingml/2006/main" xmlns:r="http://schemas.openxmlformats.org/officeDocument/2006/relationships" xmlns:p="http://schemas.openxmlformats.org/presentationml/2006/main">
+  <p:cSld>
+    <p:spTree>
+      <p:nvGrpSpPr>
+        <p:cNvPr id="1" name=""/>
+        <p:cNvGrpSpPr/>
+        <p:nvPr/>
+      </p:nvGrpSpPr>
+      <p:grpSpPr>
+        <a:xfrm>
+          <a:off x="0" y="0"/>
+          <a:ext cx="0" cy="0"/>
+          <a:chOff x="0" y="0"/>
+          <a:chExt cx="0" cy="0"/>
+        </a:xfrm>
+      </p:grpSpPr>
+      <p:sp>
+        <p:nvSpPr>
+          <p:cNvPr id="2" name="Titel 1">
+            <a:extLst>
+              <a:ext uri="{FF2B5EF4-FFF2-40B4-BE49-F238E27FC236}">
                 <a16:creationId xmlns:a16="http://schemas.microsoft.com/office/drawing/2014/main" id="{8B764210-6267-2243-87D6-C640A9A00687}"/>
               </a:ext>
             </a:extLst>
@@ -15185,7 +15572,7 @@
 </p:sld>
 </file>
 
-<file path=ppt/slides/slide64.xml><?xml version="1.0" encoding="utf-8"?>
+<file path=ppt/slides/slide66.xml><?xml version="1.0" encoding="utf-8"?>
 <p:sld xmlns:a="http://schemas.openxmlformats.org/drawingml/2006/main" xmlns:r="http://schemas.openxmlformats.org/officeDocument/2006/relationships" xmlns:p="http://schemas.openxmlformats.org/presentationml/2006/main">
   <p:cSld>
     <p:spTree>
@@ -15753,7 +16140,7 @@
 </p:sld>
 </file>
 
-<file path=ppt/slides/slide65.xml><?xml version="1.0" encoding="utf-8"?>
+<file path=ppt/slides/slide67.xml><?xml version="1.0" encoding="utf-8"?>
 <p:sld xmlns:a="http://schemas.openxmlformats.org/drawingml/2006/main" xmlns:r="http://schemas.openxmlformats.org/officeDocument/2006/relationships" xmlns:p="http://schemas.openxmlformats.org/presentationml/2006/main">
   <p:cSld>
     <p:spTree>
@@ -15944,7 +16331,7 @@
 </p:sld>
 </file>
 
-<file path=ppt/slides/slide66.xml><?xml version="1.0" encoding="utf-8"?>
+<file path=ppt/slides/slide68.xml><?xml version="1.0" encoding="utf-8"?>
 <p:sld xmlns:a="http://schemas.openxmlformats.org/drawingml/2006/main" xmlns:r="http://schemas.openxmlformats.org/officeDocument/2006/relationships" xmlns:p="http://schemas.openxmlformats.org/presentationml/2006/main">
   <p:cSld>
     <p:spTree>
@@ -16075,7 +16462,7 @@
 </p:sld>
 </file>
 
-<file path=ppt/slides/slide67.xml><?xml version="1.0" encoding="utf-8"?>
+<file path=ppt/slides/slide69.xml><?xml version="1.0" encoding="utf-8"?>
 <p:sld xmlns:a="http://schemas.openxmlformats.org/drawingml/2006/main" xmlns:r="http://schemas.openxmlformats.org/officeDocument/2006/relationships" xmlns:p="http://schemas.openxmlformats.org/presentationml/2006/main">
   <p:cSld>
     <p:spTree>
@@ -16302,471 +16689,6 @@
     <p:extLst>
       <p:ext uri="{BB962C8B-B14F-4D97-AF65-F5344CB8AC3E}">
         <p14:creationId xmlns:p14="http://schemas.microsoft.com/office/powerpoint/2010/main" val="194625106"/>
-      </p:ext>
-    </p:extLst>
-  </p:cSld>
-  <p:clrMapOvr>
-    <a:masterClrMapping/>
-  </p:clrMapOvr>
-</p:sld>
-</file>
-
-<file path=ppt/slides/slide68.xml><?xml version="1.0" encoding="utf-8"?>
-<p:sld xmlns:a="http://schemas.openxmlformats.org/drawingml/2006/main" xmlns:r="http://schemas.openxmlformats.org/officeDocument/2006/relationships" xmlns:p="http://schemas.openxmlformats.org/presentationml/2006/main">
-  <p:cSld>
-    <p:spTree>
-      <p:nvGrpSpPr>
-        <p:cNvPr id="1" name=""/>
-        <p:cNvGrpSpPr/>
-        <p:nvPr/>
-      </p:nvGrpSpPr>
-      <p:grpSpPr>
-        <a:xfrm>
-          <a:off x="0" y="0"/>
-          <a:ext cx="0" cy="0"/>
-          <a:chOff x="0" y="0"/>
-          <a:chExt cx="0" cy="0"/>
-        </a:xfrm>
-      </p:grpSpPr>
-      <p:sp>
-        <p:nvSpPr>
-          <p:cNvPr id="2" name="Titel 1">
-            <a:extLst>
-              <a:ext uri="{FF2B5EF4-FFF2-40B4-BE49-F238E27FC236}">
-                <a16:creationId xmlns:a16="http://schemas.microsoft.com/office/drawing/2014/main" id="{5F29CC10-3868-3A41-8B14-1B04684405F1}"/>
-              </a:ext>
-            </a:extLst>
-          </p:cNvPr>
-          <p:cNvSpPr>
-            <a:spLocks noGrp="1"/>
-          </p:cNvSpPr>
-          <p:nvPr>
-            <p:ph type="title"/>
-          </p:nvPr>
-        </p:nvSpPr>
-        <p:spPr/>
-        <p:txBody>
-          <a:bodyPr/>
-          <a:lstStyle/>
-          <a:p>
-            <a:r>
-              <a:rPr lang="nl-NL"/>
-              <a:t>ggplot2</a:t>
-            </a:r>
-          </a:p>
-        </p:txBody>
-      </p:sp>
-      <p:sp>
-        <p:nvSpPr>
-          <p:cNvPr id="3" name="Tijdelijke aanduiding voor inhoud 2">
-            <a:extLst>
-              <a:ext uri="{FF2B5EF4-FFF2-40B4-BE49-F238E27FC236}">
-                <a16:creationId xmlns:a16="http://schemas.microsoft.com/office/drawing/2014/main" id="{09A23E47-C16B-6C40-93F5-7290369E3816}"/>
-              </a:ext>
-            </a:extLst>
-          </p:cNvPr>
-          <p:cNvSpPr>
-            <a:spLocks noGrp="1"/>
-          </p:cNvSpPr>
-          <p:nvPr>
-            <p:ph idx="1"/>
-          </p:nvPr>
-        </p:nvSpPr>
-        <p:spPr>
-          <a:xfrm>
-            <a:off x="628650" y="1825625"/>
-            <a:ext cx="7886700" cy="4786631"/>
-          </a:xfrm>
-        </p:spPr>
-        <p:txBody>
-          <a:bodyPr>
-            <a:normAutofit/>
-          </a:bodyPr>
-          <a:lstStyle/>
-          <a:p>
-            <a:r>
-              <a:rPr lang="nl-NL" b="1"/>
-              <a:t>Grammar of Graphics</a:t>
-            </a:r>
-            <a:r>
-              <a:rPr lang="nl-NL"/>
-              <a:t> </a:t>
-            </a:r>
-            <a:br>
-              <a:rPr lang="nl-NL"/>
-            </a:br>
-            <a:endParaRPr lang="nl-NL"/>
-          </a:p>
-          <a:p>
-            <a:pPr marL="0" indent="0">
-              <a:buNone/>
-            </a:pPr>
-            <a:endParaRPr lang="nl-NL"/>
-          </a:p>
-          <a:p>
-            <a:pPr fontAlgn="base"/>
-            <a:r>
-              <a:rPr lang="nl-NL"/>
-              <a:t>Building Blocks of layers with the grammar of graphics</a:t>
-            </a:r>
-          </a:p>
-          <a:p>
-            <a:pPr lvl="1" fontAlgn="base"/>
-            <a:r>
-              <a:rPr lang="nl-NL" b="1"/>
-              <a:t>Data:</a:t>
-            </a:r>
-            <a:r>
-              <a:rPr lang="nl-NL"/>
-              <a:t> The element is the data set itself</a:t>
-            </a:r>
-          </a:p>
-          <a:p>
-            <a:pPr lvl="1" fontAlgn="base"/>
-            <a:r>
-              <a:rPr lang="nl-NL" b="1"/>
-              <a:t>Aesthetics:</a:t>
-            </a:r>
-            <a:r>
-              <a:rPr lang="nl-NL"/>
-              <a:t> The data is to map onto the Aesthetics attributes such as x-axis, y-axis, color, fill, size, labels, alpha, shape, line width, line type</a:t>
-            </a:r>
-          </a:p>
-          <a:p>
-            <a:pPr lvl="1" fontAlgn="base"/>
-            <a:r>
-              <a:rPr lang="nl-NL" b="1"/>
-              <a:t>Geometrics:</a:t>
-            </a:r>
-            <a:r>
-              <a:rPr lang="nl-NL"/>
-              <a:t> How our data being displayed using point, line, histogram, bar, boxplot</a:t>
-            </a:r>
-          </a:p>
-          <a:p>
-            <a:pPr lvl="1" fontAlgn="base"/>
-            <a:r>
-              <a:rPr lang="nl-NL" b="1"/>
-              <a:t>Facets:</a:t>
-            </a:r>
-            <a:r>
-              <a:rPr lang="nl-NL"/>
-              <a:t> It displays the subset of the data using Columns and rows</a:t>
-            </a:r>
-          </a:p>
-          <a:p>
-            <a:pPr lvl="1" fontAlgn="base"/>
-            <a:r>
-              <a:rPr lang="nl-NL" b="1"/>
-              <a:t>Statistics:</a:t>
-            </a:r>
-            <a:r>
-              <a:rPr lang="nl-NL"/>
-              <a:t> Binning, smoothing, descriptive, intermediate</a:t>
-            </a:r>
-          </a:p>
-          <a:p>
-            <a:pPr lvl="1" fontAlgn="base"/>
-            <a:r>
-              <a:rPr lang="nl-NL" b="1"/>
-              <a:t>Coordinates:</a:t>
-            </a:r>
-            <a:r>
-              <a:rPr lang="nl-NL"/>
-              <a:t> the space between data and display using Cartesian, fixed, polar, limits</a:t>
-            </a:r>
-          </a:p>
-          <a:p>
-            <a:pPr lvl="1" fontAlgn="base"/>
-            <a:r>
-              <a:rPr lang="nl-NL" b="1"/>
-              <a:t>Themes:</a:t>
-            </a:r>
-            <a:r>
-              <a:rPr lang="nl-NL"/>
-              <a:t> Non-data link</a:t>
-            </a:r>
-          </a:p>
-          <a:p>
-            <a:endParaRPr lang="nl-NL"/>
-          </a:p>
-        </p:txBody>
-      </p:sp>
-      <p:pic>
-        <p:nvPicPr>
-          <p:cNvPr id="1026" name="Picture 2">
-            <a:extLst>
-              <a:ext uri="{FF2B5EF4-FFF2-40B4-BE49-F238E27FC236}">
-                <a16:creationId xmlns:a16="http://schemas.microsoft.com/office/drawing/2014/main" id="{62F93BB3-3361-E143-8E31-AAEB0E9C0FC9}"/>
-              </a:ext>
-            </a:extLst>
-          </p:cNvPr>
-          <p:cNvPicPr>
-            <a:picLocks noChangeAspect="1" noChangeArrowheads="1"/>
-          </p:cNvPicPr>
-          <p:nvPr/>
-        </p:nvPicPr>
-        <p:blipFill>
-          <a:blip r:embed="rId3">
-            <a:extLst>
-              <a:ext uri="{28A0092B-C50C-407E-A947-70E740481C1C}">
-                <a14:useLocalDpi xmlns:a14="http://schemas.microsoft.com/office/drawing/2010/main" val="0"/>
-              </a:ext>
-            </a:extLst>
-          </a:blip>
-          <a:srcRect/>
-          <a:stretch>
-            <a:fillRect/>
-          </a:stretch>
-        </p:blipFill>
-        <p:spPr bwMode="auto">
-          <a:xfrm>
-            <a:off x="4149090" y="245744"/>
-            <a:ext cx="4674870" cy="2337435"/>
-          </a:xfrm>
-          <a:prstGeom prst="rect">
-            <a:avLst/>
-          </a:prstGeom>
-          <a:noFill/>
-          <a:extLst>
-            <a:ext uri="{909E8E84-426E-40DD-AFC4-6F175D3DCCD1}">
-              <a14:hiddenFill xmlns:a14="http://schemas.microsoft.com/office/drawing/2010/main">
-                <a:solidFill>
-                  <a:srgbClr val="FFFFFF"/>
-                </a:solidFill>
-              </a14:hiddenFill>
-            </a:ext>
-          </a:extLst>
-        </p:spPr>
-      </p:pic>
-      <p:sp>
-        <p:nvSpPr>
-          <p:cNvPr id="5" name="Tekstvak 4">
-            <a:extLst>
-              <a:ext uri="{FF2B5EF4-FFF2-40B4-BE49-F238E27FC236}">
-                <a16:creationId xmlns:a16="http://schemas.microsoft.com/office/drawing/2014/main" id="{1C8929E7-BA86-0341-849C-0DF60ACFC013}"/>
-              </a:ext>
-            </a:extLst>
-          </p:cNvPr>
-          <p:cNvSpPr txBox="1"/>
-          <p:nvPr/>
-        </p:nvSpPr>
-        <p:spPr>
-          <a:xfrm>
-            <a:off x="194310" y="6492875"/>
-            <a:ext cx="6652260" cy="307777"/>
-          </a:xfrm>
-          <a:prstGeom prst="rect">
-            <a:avLst/>
-          </a:prstGeom>
-          <a:noFill/>
-        </p:spPr>
-        <p:txBody>
-          <a:bodyPr wrap="square" rtlCol="0">
-            <a:spAutoFit/>
-          </a:bodyPr>
-          <a:lstStyle/>
-          <a:p>
-            <a:r>
-              <a:rPr lang="nl-NL" sz="1400">
-                <a:solidFill>
-                  <a:schemeClr val="accent6">
-                    <a:lumMod val="75000"/>
-                  </a:schemeClr>
-                </a:solidFill>
-              </a:rPr>
-              <a:t>★ https://ggplot2.tidyverse.org/reference/index.html</a:t>
-            </a:r>
-          </a:p>
-        </p:txBody>
-      </p:sp>
-    </p:spTree>
-    <p:extLst>
-      <p:ext uri="{BB962C8B-B14F-4D97-AF65-F5344CB8AC3E}">
-        <p14:creationId xmlns:p14="http://schemas.microsoft.com/office/powerpoint/2010/main" val="2497280969"/>
-      </p:ext>
-    </p:extLst>
-  </p:cSld>
-  <p:clrMapOvr>
-    <a:masterClrMapping/>
-  </p:clrMapOvr>
-</p:sld>
-</file>
-
-<file path=ppt/slides/slide69.xml><?xml version="1.0" encoding="utf-8"?>
-<p:sld xmlns:a="http://schemas.openxmlformats.org/drawingml/2006/main" xmlns:r="http://schemas.openxmlformats.org/officeDocument/2006/relationships" xmlns:p="http://schemas.openxmlformats.org/presentationml/2006/main">
-  <p:cSld>
-    <p:spTree>
-      <p:nvGrpSpPr>
-        <p:cNvPr id="1" name=""/>
-        <p:cNvGrpSpPr/>
-        <p:nvPr/>
-      </p:nvGrpSpPr>
-      <p:grpSpPr>
-        <a:xfrm>
-          <a:off x="0" y="0"/>
-          <a:ext cx="0" cy="0"/>
-          <a:chOff x="0" y="0"/>
-          <a:chExt cx="0" cy="0"/>
-        </a:xfrm>
-      </p:grpSpPr>
-      <p:sp>
-        <p:nvSpPr>
-          <p:cNvPr id="2" name="Titel 1">
-            <a:extLst>
-              <a:ext uri="{FF2B5EF4-FFF2-40B4-BE49-F238E27FC236}">
-                <a16:creationId xmlns:a16="http://schemas.microsoft.com/office/drawing/2014/main" id="{69EA6C69-BE02-2149-8A8A-CA213C9EF573}"/>
-              </a:ext>
-            </a:extLst>
-          </p:cNvPr>
-          <p:cNvSpPr>
-            <a:spLocks noGrp="1"/>
-          </p:cNvSpPr>
-          <p:nvPr>
-            <p:ph type="title"/>
-          </p:nvPr>
-        </p:nvSpPr>
-        <p:spPr/>
-        <p:txBody>
-          <a:bodyPr/>
-          <a:lstStyle/>
-          <a:p>
-            <a:r>
-              <a:rPr lang="nl-NL"/>
-              <a:t>dplyr</a:t>
-            </a:r>
-          </a:p>
-        </p:txBody>
-      </p:sp>
-      <p:sp>
-        <p:nvSpPr>
-          <p:cNvPr id="3" name="Tijdelijke aanduiding voor inhoud 2">
-            <a:extLst>
-              <a:ext uri="{FF2B5EF4-FFF2-40B4-BE49-F238E27FC236}">
-                <a16:creationId xmlns:a16="http://schemas.microsoft.com/office/drawing/2014/main" id="{76034622-17E6-7041-BFFB-83B4FE8B173D}"/>
-              </a:ext>
-            </a:extLst>
-          </p:cNvPr>
-          <p:cNvSpPr>
-            <a:spLocks noGrp="1"/>
-          </p:cNvSpPr>
-          <p:nvPr>
-            <p:ph idx="1"/>
-          </p:nvPr>
-        </p:nvSpPr>
-        <p:spPr/>
-        <p:txBody>
-          <a:bodyPr/>
-          <a:lstStyle/>
-          <a:p>
-            <a:r>
-              <a:rPr lang="nl-NL"/>
-              <a:t>Grammar of Data Manipulation</a:t>
-            </a:r>
-          </a:p>
-          <a:p>
-            <a:endParaRPr lang="nl-NL"/>
-          </a:p>
-          <a:p>
-            <a:r>
-              <a:rPr lang="nl-NL" b="1"/>
-              <a:t>mutate()</a:t>
-            </a:r>
-            <a:r>
-              <a:rPr lang="nl-NL"/>
-              <a:t> adds new variables that are functions of existing variables</a:t>
-            </a:r>
-          </a:p>
-          <a:p>
-            <a:r>
-              <a:rPr lang="nl-NL" b="1"/>
-              <a:t>select()</a:t>
-            </a:r>
-            <a:r>
-              <a:rPr lang="nl-NL"/>
-              <a:t> picks variables based on their names.</a:t>
-            </a:r>
-          </a:p>
-          <a:p>
-            <a:r>
-              <a:rPr lang="nl-NL" b="1"/>
-              <a:t>filter()</a:t>
-            </a:r>
-            <a:r>
-              <a:rPr lang="nl-NL"/>
-              <a:t> picks cases based on their values.</a:t>
-            </a:r>
-          </a:p>
-          <a:p>
-            <a:r>
-              <a:rPr lang="nl-NL" b="1"/>
-              <a:t>summarise()</a:t>
-            </a:r>
-            <a:r>
-              <a:rPr lang="nl-NL"/>
-              <a:t> reduces multiple values down to a single summary.</a:t>
-            </a:r>
-          </a:p>
-          <a:p>
-            <a:r>
-              <a:rPr lang="nl-NL" b="1"/>
-              <a:t>arrange()</a:t>
-            </a:r>
-            <a:r>
-              <a:rPr lang="nl-NL"/>
-              <a:t> changes the ordering of the rows.</a:t>
-            </a:r>
-          </a:p>
-          <a:p>
-            <a:endParaRPr lang="nl-NL"/>
-          </a:p>
-        </p:txBody>
-      </p:sp>
-      <p:sp>
-        <p:nvSpPr>
-          <p:cNvPr id="4" name="Tekstvak 3">
-            <a:extLst>
-              <a:ext uri="{FF2B5EF4-FFF2-40B4-BE49-F238E27FC236}">
-                <a16:creationId xmlns:a16="http://schemas.microsoft.com/office/drawing/2014/main" id="{C7111E0F-7274-B24A-9270-5625F376204C}"/>
-              </a:ext>
-            </a:extLst>
-          </p:cNvPr>
-          <p:cNvSpPr txBox="1"/>
-          <p:nvPr/>
-        </p:nvSpPr>
-        <p:spPr>
-          <a:xfrm>
-            <a:off x="194310" y="6492875"/>
-            <a:ext cx="6652260" cy="307777"/>
-          </a:xfrm>
-          <a:prstGeom prst="rect">
-            <a:avLst/>
-          </a:prstGeom>
-          <a:noFill/>
-        </p:spPr>
-        <p:txBody>
-          <a:bodyPr wrap="square" rtlCol="0">
-            <a:spAutoFit/>
-          </a:bodyPr>
-          <a:lstStyle/>
-          <a:p>
-            <a:r>
-              <a:rPr lang="nl-NL" sz="1400">
-                <a:solidFill>
-                  <a:schemeClr val="accent6">
-                    <a:lumMod val="75000"/>
-                  </a:schemeClr>
-                </a:solidFill>
-              </a:rPr>
-              <a:t>★ https://dplyr.tidyverse.org/reference/index.html</a:t>
-            </a:r>
-          </a:p>
-        </p:txBody>
-      </p:sp>
-    </p:spTree>
-    <p:extLst>
-      <p:ext uri="{BB962C8B-B14F-4D97-AF65-F5344CB8AC3E}">
-        <p14:creationId xmlns:p14="http://schemas.microsoft.com/office/powerpoint/2010/main" val="3056910530"/>
       </p:ext>
     </p:extLst>
   </p:cSld>
@@ -17017,7 +16939,7 @@
           <p:cNvPr id="2" name="Titel 1">
             <a:extLst>
               <a:ext uri="{FF2B5EF4-FFF2-40B4-BE49-F238E27FC236}">
-                <a16:creationId xmlns:a16="http://schemas.microsoft.com/office/drawing/2014/main" id="{B27C9F39-DD24-0747-86B0-7FE18E10B33E}"/>
+                <a16:creationId xmlns:a16="http://schemas.microsoft.com/office/drawing/2014/main" id="{5F29CC10-3868-3A41-8B14-1B04684405F1}"/>
               </a:ext>
             </a:extLst>
           </p:cNvPr>
@@ -17035,7 +16957,7 @@
           <a:p>
             <a:r>
               <a:rPr lang="nl-NL"/>
-              <a:t>tidyr</a:t>
+              <a:t>ggplot2</a:t>
             </a:r>
           </a:p>
         </p:txBody>
@@ -17045,7 +16967,7 @@
           <p:cNvPr id="3" name="Tijdelijke aanduiding voor inhoud 2">
             <a:extLst>
               <a:ext uri="{FF2B5EF4-FFF2-40B4-BE49-F238E27FC236}">
-                <a16:creationId xmlns:a16="http://schemas.microsoft.com/office/drawing/2014/main" id="{915537EA-93E6-D248-8686-014B22015BD0}"/>
+                <a16:creationId xmlns:a16="http://schemas.microsoft.com/office/drawing/2014/main" id="{09A23E47-C16B-6C40-93F5-7290369E3816}"/>
               </a:ext>
             </a:extLst>
           </p:cNvPr>
@@ -17059,108 +16981,176 @@
         <p:spPr>
           <a:xfrm>
             <a:off x="628650" y="1825625"/>
-            <a:ext cx="7886700" cy="4826635"/>
+            <a:ext cx="7886700" cy="4786631"/>
           </a:xfrm>
         </p:spPr>
         <p:txBody>
           <a:bodyPr>
-            <a:normAutofit fontScale="92500" lnSpcReduction="10000"/>
+            <a:normAutofit/>
           </a:bodyPr>
           <a:lstStyle/>
           <a:p>
             <a:r>
-              <a:rPr lang="nl-NL"/>
-              <a:t>tidyr provides a set of functions that help you get to tidy data</a:t>
-            </a:r>
-          </a:p>
-          <a:p>
+              <a:rPr lang="nl-NL" b="1"/>
+              <a:t>Grammar of Graphics</a:t>
+            </a:r>
+            <a:r>
+              <a:rPr lang="nl-NL"/>
+              <a:t> </a:t>
+            </a:r>
+            <a:br>
+              <a:rPr lang="nl-NL"/>
+            </a:br>
             <a:endParaRPr lang="nl-NL"/>
           </a:p>
           <a:p>
-            <a:r>
-              <a:rPr lang="nl-NL"/>
-              <a:t>tidyr functions fall into five main categories:</a:t>
-            </a:r>
-          </a:p>
-          <a:p>
-            <a:pPr lvl="1"/>
-            <a:r>
-              <a:rPr lang="nl-NL"/>
-              <a:t>“</a:t>
-            </a:r>
+            <a:pPr marL="0" indent="0">
+              <a:buNone/>
+            </a:pPr>
+            <a:endParaRPr lang="nl-NL"/>
+          </a:p>
+          <a:p>
+            <a:pPr fontAlgn="base"/>
+            <a:r>
+              <a:rPr lang="nl-NL"/>
+              <a:t>Building Blocks of layers with the grammar of graphics</a:t>
+            </a:r>
+          </a:p>
+          <a:p>
+            <a:pPr lvl="1" fontAlgn="base"/>
             <a:r>
               <a:rPr lang="nl-NL" b="1"/>
-              <a:t>Pivotting</a:t>
-            </a:r>
-            <a:r>
-              <a:rPr lang="nl-NL"/>
-              <a:t>” which converts between long and wide forms. tidyr 1.0.0 introduces pivot_longer() and pivot_wider(), replacing the older spread() and gather() functions. See vignette("pivot") for more details.</a:t>
-            </a:r>
-          </a:p>
-          <a:p>
-            <a:pPr lvl="1"/>
-            <a:r>
-              <a:rPr lang="nl-NL"/>
-              <a:t>“</a:t>
-            </a:r>
+              <a:t>Data:</a:t>
+            </a:r>
+            <a:r>
+              <a:rPr lang="nl-NL"/>
+              <a:t> The element is the data set itself</a:t>
+            </a:r>
+          </a:p>
+          <a:p>
+            <a:pPr lvl="1" fontAlgn="base"/>
             <a:r>
               <a:rPr lang="nl-NL" b="1"/>
-              <a:t>Rectangling</a:t>
-            </a:r>
-            <a:r>
-              <a:rPr lang="nl-NL"/>
-              <a:t>”, which turns deeply nested lists (as from JSON) into tidy tibbles. See unnest_longer(), unnest_wider(), hoist(), and vignette("rectangle") for more details.</a:t>
-            </a:r>
-          </a:p>
-          <a:p>
-            <a:pPr lvl="1"/>
-            <a:r>
-              <a:rPr lang="nl-NL"/>
-              <a:t>Nesting converts </a:t>
-            </a:r>
+              <a:t>Aesthetics:</a:t>
+            </a:r>
+            <a:r>
+              <a:rPr lang="nl-NL"/>
+              <a:t> The data is to map onto the Aesthetics attributes such as x-axis, y-axis, color, fill, size, labels, alpha, shape, line width, line type</a:t>
+            </a:r>
+          </a:p>
+          <a:p>
+            <a:pPr lvl="1" fontAlgn="base"/>
             <a:r>
               <a:rPr lang="nl-NL" b="1"/>
-              <a:t>grouped data </a:t>
-            </a:r>
-            <a:r>
-              <a:rPr lang="nl-NL"/>
-              <a:t>to a form where each group becomes a single row containing a nested data frame, and unnesting does the opposite. See nest(), unnest(), and vignette("nest") for more details.</a:t>
-            </a:r>
-          </a:p>
-          <a:p>
-            <a:pPr lvl="1"/>
+              <a:t>Geometrics:</a:t>
+            </a:r>
+            <a:r>
+              <a:rPr lang="nl-NL"/>
+              <a:t> How our data being displayed using point, line, histogram, bar, boxplot</a:t>
+            </a:r>
+          </a:p>
+          <a:p>
+            <a:pPr lvl="1" fontAlgn="base"/>
             <a:r>
               <a:rPr lang="nl-NL" b="1"/>
-              <a:t>Splitting and combining character columns</a:t>
-            </a:r>
-            <a:r>
-              <a:rPr lang="nl-NL"/>
-              <a:t>. Use separate() and extract() to pull a single character column into multiple columns; use unite() to combine multiple columns into a single character column.</a:t>
-            </a:r>
-          </a:p>
-          <a:p>
-            <a:pPr lvl="1"/>
-            <a:r>
-              <a:rPr lang="nl-NL"/>
-              <a:t>Make </a:t>
-            </a:r>
+              <a:t>Facets:</a:t>
+            </a:r>
+            <a:r>
+              <a:rPr lang="nl-NL"/>
+              <a:t> It displays the subset of the data using Columns and rows</a:t>
+            </a:r>
+          </a:p>
+          <a:p>
+            <a:pPr lvl="1" fontAlgn="base"/>
             <a:r>
               <a:rPr lang="nl-NL" b="1"/>
-              <a:t>implicit missing values explicit </a:t>
-            </a:r>
-            <a:r>
-              <a:rPr lang="nl-NL"/>
-              <a:t>with complete(); make explicit missing values implicit with drop_na(); replace missing values with next/previous value with fill(), or a known value with replace_na().</a:t>
-            </a:r>
-          </a:p>
-        </p:txBody>
-      </p:sp>
-      <p:sp>
-        <p:nvSpPr>
-          <p:cNvPr id="4" name="Tekstvak 3">
-            <a:extLst>
-              <a:ext uri="{FF2B5EF4-FFF2-40B4-BE49-F238E27FC236}">
-                <a16:creationId xmlns:a16="http://schemas.microsoft.com/office/drawing/2014/main" id="{10F9111F-69AA-7A49-8803-6A7A025E507F}"/>
+              <a:t>Statistics:</a:t>
+            </a:r>
+            <a:r>
+              <a:rPr lang="nl-NL"/>
+              <a:t> Binning, smoothing, descriptive, intermediate</a:t>
+            </a:r>
+          </a:p>
+          <a:p>
+            <a:pPr lvl="1" fontAlgn="base"/>
+            <a:r>
+              <a:rPr lang="nl-NL" b="1"/>
+              <a:t>Coordinates:</a:t>
+            </a:r>
+            <a:r>
+              <a:rPr lang="nl-NL"/>
+              <a:t> the space between data and display using Cartesian, fixed, polar, limits</a:t>
+            </a:r>
+          </a:p>
+          <a:p>
+            <a:pPr lvl="1" fontAlgn="base"/>
+            <a:r>
+              <a:rPr lang="nl-NL" b="1"/>
+              <a:t>Themes:</a:t>
+            </a:r>
+            <a:r>
+              <a:rPr lang="nl-NL"/>
+              <a:t> Non-data link</a:t>
+            </a:r>
+          </a:p>
+          <a:p>
+            <a:endParaRPr lang="nl-NL"/>
+          </a:p>
+        </p:txBody>
+      </p:sp>
+      <p:pic>
+        <p:nvPicPr>
+          <p:cNvPr id="1026" name="Picture 2">
+            <a:extLst>
+              <a:ext uri="{FF2B5EF4-FFF2-40B4-BE49-F238E27FC236}">
+                <a16:creationId xmlns:a16="http://schemas.microsoft.com/office/drawing/2014/main" id="{62F93BB3-3361-E143-8E31-AAEB0E9C0FC9}"/>
+              </a:ext>
+            </a:extLst>
+          </p:cNvPr>
+          <p:cNvPicPr>
+            <a:picLocks noChangeAspect="1" noChangeArrowheads="1"/>
+          </p:cNvPicPr>
+          <p:nvPr/>
+        </p:nvPicPr>
+        <p:blipFill>
+          <a:blip r:embed="rId3">
+            <a:extLst>
+              <a:ext uri="{28A0092B-C50C-407E-A947-70E740481C1C}">
+                <a14:useLocalDpi xmlns:a14="http://schemas.microsoft.com/office/drawing/2010/main" val="0"/>
+              </a:ext>
+            </a:extLst>
+          </a:blip>
+          <a:srcRect/>
+          <a:stretch>
+            <a:fillRect/>
+          </a:stretch>
+        </p:blipFill>
+        <p:spPr bwMode="auto">
+          <a:xfrm>
+            <a:off x="4149090" y="245744"/>
+            <a:ext cx="4674870" cy="2337435"/>
+          </a:xfrm>
+          <a:prstGeom prst="rect">
+            <a:avLst/>
+          </a:prstGeom>
+          <a:noFill/>
+          <a:extLst>
+            <a:ext uri="{909E8E84-426E-40DD-AFC4-6F175D3DCCD1}">
+              <a14:hiddenFill xmlns:a14="http://schemas.microsoft.com/office/drawing/2010/main">
+                <a:solidFill>
+                  <a:srgbClr val="FFFFFF"/>
+                </a:solidFill>
+              </a14:hiddenFill>
+            </a:ext>
+          </a:extLst>
+        </p:spPr>
+      </p:pic>
+      <p:sp>
+        <p:nvSpPr>
+          <p:cNvPr id="5" name="Tekstvak 4">
+            <a:extLst>
+              <a:ext uri="{FF2B5EF4-FFF2-40B4-BE49-F238E27FC236}">
+                <a16:creationId xmlns:a16="http://schemas.microsoft.com/office/drawing/2014/main" id="{1C8929E7-BA86-0341-849C-0DF60ACFC013}"/>
               </a:ext>
             </a:extLst>
           </p:cNvPr>
@@ -17191,7 +17181,7 @@
                   </a:schemeClr>
                 </a:solidFill>
               </a:rPr>
-              <a:t>★ https://tidyr.tidyverse.org/reference/index.html</a:t>
+              <a:t>★ https://ggplot2.tidyverse.org/reference/index.html</a:t>
             </a:r>
           </a:p>
         </p:txBody>
@@ -17199,7 +17189,7 @@
     </p:spTree>
     <p:extLst>
       <p:ext uri="{BB962C8B-B14F-4D97-AF65-F5344CB8AC3E}">
-        <p14:creationId xmlns:p14="http://schemas.microsoft.com/office/powerpoint/2010/main" val="2765185638"/>
+        <p14:creationId xmlns:p14="http://schemas.microsoft.com/office/powerpoint/2010/main" val="2497280969"/>
       </p:ext>
     </p:extLst>
   </p:cSld>
@@ -17231,7 +17221,7 @@
           <p:cNvPr id="2" name="Titel 1">
             <a:extLst>
               <a:ext uri="{FF2B5EF4-FFF2-40B4-BE49-F238E27FC236}">
-                <a16:creationId xmlns:a16="http://schemas.microsoft.com/office/drawing/2014/main" id="{B27C9F39-DD24-0747-86B0-7FE18E10B33E}"/>
+                <a16:creationId xmlns:a16="http://schemas.microsoft.com/office/drawing/2014/main" id="{69EA6C69-BE02-2149-8A8A-CA213C9EF573}"/>
               </a:ext>
             </a:extLst>
           </p:cNvPr>
@@ -17249,7 +17239,7 @@
           <a:p>
             <a:r>
               <a:rPr lang="nl-NL"/>
-              <a:t>readr</a:t>
+              <a:t>dplyr</a:t>
             </a:r>
           </a:p>
         </p:txBody>
@@ -17259,7 +17249,7 @@
           <p:cNvPr id="3" name="Tijdelijke aanduiding voor inhoud 2">
             <a:extLst>
               <a:ext uri="{FF2B5EF4-FFF2-40B4-BE49-F238E27FC236}">
-                <a16:creationId xmlns:a16="http://schemas.microsoft.com/office/drawing/2014/main" id="{915537EA-93E6-D248-8686-014B22015BD0}"/>
+                <a16:creationId xmlns:a16="http://schemas.microsoft.com/office/drawing/2014/main" id="{76034622-17E6-7041-BFFB-83B4FE8B173D}"/>
               </a:ext>
             </a:extLst>
           </p:cNvPr>
@@ -17277,17 +17267,73 @@
           <a:p>
             <a:r>
               <a:rPr lang="nl-NL"/>
-              <a:t>readr provides a fast and friendly way to read rectangular data</a:t>
-            </a:r>
-          </a:p>
-        </p:txBody>
-      </p:sp>
-      <p:sp>
-        <p:nvSpPr>
-          <p:cNvPr id="5" name="Tekstvak 4">
-            <a:extLst>
-              <a:ext uri="{FF2B5EF4-FFF2-40B4-BE49-F238E27FC236}">
-                <a16:creationId xmlns:a16="http://schemas.microsoft.com/office/drawing/2014/main" id="{B500F728-301C-C143-B6D1-34AB704983B5}"/>
+              <a:t>Grammar of Data Manipulation</a:t>
+            </a:r>
+          </a:p>
+          <a:p>
+            <a:endParaRPr lang="nl-NL"/>
+          </a:p>
+          <a:p>
+            <a:r>
+              <a:rPr lang="nl-NL" b="1"/>
+              <a:t>mutate()</a:t>
+            </a:r>
+            <a:r>
+              <a:rPr lang="nl-NL"/>
+              <a:t> adds new variables that are functions of existing variables</a:t>
+            </a:r>
+          </a:p>
+          <a:p>
+            <a:r>
+              <a:rPr lang="nl-NL" b="1"/>
+              <a:t>select()</a:t>
+            </a:r>
+            <a:r>
+              <a:rPr lang="nl-NL"/>
+              <a:t> picks variables based on their names.</a:t>
+            </a:r>
+          </a:p>
+          <a:p>
+            <a:r>
+              <a:rPr lang="nl-NL" b="1"/>
+              <a:t>filter()</a:t>
+            </a:r>
+            <a:r>
+              <a:rPr lang="nl-NL"/>
+              <a:t> picks cases based on their values.</a:t>
+            </a:r>
+          </a:p>
+          <a:p>
+            <a:r>
+              <a:rPr lang="nl-NL" b="1"/>
+              <a:t>summarise()</a:t>
+            </a:r>
+            <a:r>
+              <a:rPr lang="nl-NL"/>
+              <a:t> reduces multiple values down to a single summary.</a:t>
+            </a:r>
+          </a:p>
+          <a:p>
+            <a:r>
+              <a:rPr lang="nl-NL" b="1"/>
+              <a:t>arrange()</a:t>
+            </a:r>
+            <a:r>
+              <a:rPr lang="nl-NL"/>
+              <a:t> changes the ordering of the rows.</a:t>
+            </a:r>
+          </a:p>
+          <a:p>
+            <a:endParaRPr lang="nl-NL"/>
+          </a:p>
+        </p:txBody>
+      </p:sp>
+      <p:sp>
+        <p:nvSpPr>
+          <p:cNvPr id="4" name="Tekstvak 3">
+            <a:extLst>
+              <a:ext uri="{FF2B5EF4-FFF2-40B4-BE49-F238E27FC236}">
+                <a16:creationId xmlns:a16="http://schemas.microsoft.com/office/drawing/2014/main" id="{C7111E0F-7274-B24A-9270-5625F376204C}"/>
               </a:ext>
             </a:extLst>
           </p:cNvPr>
@@ -17318,7 +17364,7 @@
                   </a:schemeClr>
                 </a:solidFill>
               </a:rPr>
-              <a:t>★ https://readr.tidyverse.org/reference/index.html</a:t>
+              <a:t>★ https://dplyr.tidyverse.org/reference/index.html</a:t>
             </a:r>
           </a:p>
         </p:txBody>
@@ -17326,7 +17372,7 @@
     </p:spTree>
     <p:extLst>
       <p:ext uri="{BB962C8B-B14F-4D97-AF65-F5344CB8AC3E}">
-        <p14:creationId xmlns:p14="http://schemas.microsoft.com/office/powerpoint/2010/main" val="2499023797"/>
+        <p14:creationId xmlns:p14="http://schemas.microsoft.com/office/powerpoint/2010/main" val="3056910530"/>
       </p:ext>
     </p:extLst>
   </p:cSld>
@@ -17376,7 +17422,7 @@
           <a:p>
             <a:r>
               <a:rPr lang="nl-NL"/>
-              <a:t>stringr</a:t>
+              <a:t>tidyr</a:t>
             </a:r>
           </a:p>
         </p:txBody>
@@ -17397,14 +17443,101 @@
             <p:ph idx="1"/>
           </p:nvPr>
         </p:nvSpPr>
-        <p:spPr/>
-        <p:txBody>
-          <a:bodyPr/>
-          <a:lstStyle/>
-          <a:p>
-            <a:r>
-              <a:rPr lang="nl-NL"/>
-              <a:t>stringr provides a cohesive set of functions designed to make working with strings as easy as possible</a:t>
+        <p:spPr>
+          <a:xfrm>
+            <a:off x="628650" y="1825625"/>
+            <a:ext cx="7886700" cy="4826635"/>
+          </a:xfrm>
+        </p:spPr>
+        <p:txBody>
+          <a:bodyPr>
+            <a:normAutofit fontScale="92500" lnSpcReduction="10000"/>
+          </a:bodyPr>
+          <a:lstStyle/>
+          <a:p>
+            <a:r>
+              <a:rPr lang="nl-NL"/>
+              <a:t>tidyr provides a set of functions that help you get to tidy data</a:t>
+            </a:r>
+          </a:p>
+          <a:p>
+            <a:endParaRPr lang="nl-NL"/>
+          </a:p>
+          <a:p>
+            <a:r>
+              <a:rPr lang="nl-NL"/>
+              <a:t>tidyr functions fall into five main categories:</a:t>
+            </a:r>
+          </a:p>
+          <a:p>
+            <a:pPr lvl="1"/>
+            <a:r>
+              <a:rPr lang="nl-NL"/>
+              <a:t>“</a:t>
+            </a:r>
+            <a:r>
+              <a:rPr lang="nl-NL" b="1"/>
+              <a:t>Pivotting</a:t>
+            </a:r>
+            <a:r>
+              <a:rPr lang="nl-NL"/>
+              <a:t>” which converts between long and wide forms. tidyr 1.0.0 introduces pivot_longer() and pivot_wider(), replacing the older spread() and gather() functions. See vignette("pivot") for more details.</a:t>
+            </a:r>
+          </a:p>
+          <a:p>
+            <a:pPr lvl="1"/>
+            <a:r>
+              <a:rPr lang="nl-NL"/>
+              <a:t>“</a:t>
+            </a:r>
+            <a:r>
+              <a:rPr lang="nl-NL" b="1"/>
+              <a:t>Rectangling</a:t>
+            </a:r>
+            <a:r>
+              <a:rPr lang="nl-NL"/>
+              <a:t>”, which turns deeply nested lists (as from JSON) into tidy tibbles. See unnest_longer(), unnest_wider(), hoist(), and vignette("rectangle") for more details.</a:t>
+            </a:r>
+          </a:p>
+          <a:p>
+            <a:pPr lvl="1"/>
+            <a:r>
+              <a:rPr lang="nl-NL"/>
+              <a:t>Nesting converts </a:t>
+            </a:r>
+            <a:r>
+              <a:rPr lang="nl-NL" b="1"/>
+              <a:t>grouped data </a:t>
+            </a:r>
+            <a:r>
+              <a:rPr lang="nl-NL"/>
+              <a:t>to a form where each group becomes a single row containing a nested data frame, and unnesting does the opposite. See nest(), unnest(), and vignette("nest") for more details.</a:t>
+            </a:r>
+          </a:p>
+          <a:p>
+            <a:pPr lvl="1"/>
+            <a:r>
+              <a:rPr lang="nl-NL" b="1"/>
+              <a:t>Splitting and combining character columns</a:t>
+            </a:r>
+            <a:r>
+              <a:rPr lang="nl-NL"/>
+              <a:t>. Use separate() and extract() to pull a single character column into multiple columns; use unite() to combine multiple columns into a single character column.</a:t>
+            </a:r>
+          </a:p>
+          <a:p>
+            <a:pPr lvl="1"/>
+            <a:r>
+              <a:rPr lang="nl-NL"/>
+              <a:t>Make </a:t>
+            </a:r>
+            <a:r>
+              <a:rPr lang="nl-NL" b="1"/>
+              <a:t>implicit missing values explicit </a:t>
+            </a:r>
+            <a:r>
+              <a:rPr lang="nl-NL"/>
+              <a:t>with complete(); make explicit missing values implicit with drop_na(); replace missing values with next/previous value with fill(), or a known value with replace_na().</a:t>
             </a:r>
           </a:p>
         </p:txBody>
@@ -17414,7 +17547,7 @@
           <p:cNvPr id="4" name="Tekstvak 3">
             <a:extLst>
               <a:ext uri="{FF2B5EF4-FFF2-40B4-BE49-F238E27FC236}">
-                <a16:creationId xmlns:a16="http://schemas.microsoft.com/office/drawing/2014/main" id="{9AB0681D-F46A-6E4E-8171-1BD930D9C09A}"/>
+                <a16:creationId xmlns:a16="http://schemas.microsoft.com/office/drawing/2014/main" id="{10F9111F-69AA-7A49-8803-6A7A025E507F}"/>
               </a:ext>
             </a:extLst>
           </p:cNvPr>
@@ -17445,7 +17578,7 @@
                   </a:schemeClr>
                 </a:solidFill>
               </a:rPr>
-              <a:t>★ https://stringr.tidyverse.org/reference/index.html</a:t>
+              <a:t>★ https://tidyr.tidyverse.org/reference/index.html</a:t>
             </a:r>
           </a:p>
         </p:txBody>
@@ -17453,7 +17586,7 @@
     </p:spTree>
     <p:extLst>
       <p:ext uri="{BB962C8B-B14F-4D97-AF65-F5344CB8AC3E}">
-        <p14:creationId xmlns:p14="http://schemas.microsoft.com/office/powerpoint/2010/main" val="4144046768"/>
+        <p14:creationId xmlns:p14="http://schemas.microsoft.com/office/powerpoint/2010/main" val="2765185638"/>
       </p:ext>
     </p:extLst>
   </p:cSld>
@@ -17485,6 +17618,260 @@
           <p:cNvPr id="2" name="Titel 1">
             <a:extLst>
               <a:ext uri="{FF2B5EF4-FFF2-40B4-BE49-F238E27FC236}">
+                <a16:creationId xmlns:a16="http://schemas.microsoft.com/office/drawing/2014/main" id="{B27C9F39-DD24-0747-86B0-7FE18E10B33E}"/>
+              </a:ext>
+            </a:extLst>
+          </p:cNvPr>
+          <p:cNvSpPr>
+            <a:spLocks noGrp="1"/>
+          </p:cNvSpPr>
+          <p:nvPr>
+            <p:ph type="title"/>
+          </p:nvPr>
+        </p:nvSpPr>
+        <p:spPr/>
+        <p:txBody>
+          <a:bodyPr/>
+          <a:lstStyle/>
+          <a:p>
+            <a:r>
+              <a:rPr lang="nl-NL"/>
+              <a:t>readr</a:t>
+            </a:r>
+          </a:p>
+        </p:txBody>
+      </p:sp>
+      <p:sp>
+        <p:nvSpPr>
+          <p:cNvPr id="3" name="Tijdelijke aanduiding voor inhoud 2">
+            <a:extLst>
+              <a:ext uri="{FF2B5EF4-FFF2-40B4-BE49-F238E27FC236}">
+                <a16:creationId xmlns:a16="http://schemas.microsoft.com/office/drawing/2014/main" id="{915537EA-93E6-D248-8686-014B22015BD0}"/>
+              </a:ext>
+            </a:extLst>
+          </p:cNvPr>
+          <p:cNvSpPr>
+            <a:spLocks noGrp="1"/>
+          </p:cNvSpPr>
+          <p:nvPr>
+            <p:ph idx="1"/>
+          </p:nvPr>
+        </p:nvSpPr>
+        <p:spPr/>
+        <p:txBody>
+          <a:bodyPr/>
+          <a:lstStyle/>
+          <a:p>
+            <a:r>
+              <a:rPr lang="nl-NL"/>
+              <a:t>readr provides a fast and friendly way to read rectangular data</a:t>
+            </a:r>
+          </a:p>
+        </p:txBody>
+      </p:sp>
+      <p:sp>
+        <p:nvSpPr>
+          <p:cNvPr id="5" name="Tekstvak 4">
+            <a:extLst>
+              <a:ext uri="{FF2B5EF4-FFF2-40B4-BE49-F238E27FC236}">
+                <a16:creationId xmlns:a16="http://schemas.microsoft.com/office/drawing/2014/main" id="{B500F728-301C-C143-B6D1-34AB704983B5}"/>
+              </a:ext>
+            </a:extLst>
+          </p:cNvPr>
+          <p:cNvSpPr txBox="1"/>
+          <p:nvPr/>
+        </p:nvSpPr>
+        <p:spPr>
+          <a:xfrm>
+            <a:off x="194310" y="6492875"/>
+            <a:ext cx="6652260" cy="307777"/>
+          </a:xfrm>
+          <a:prstGeom prst="rect">
+            <a:avLst/>
+          </a:prstGeom>
+          <a:noFill/>
+        </p:spPr>
+        <p:txBody>
+          <a:bodyPr wrap="square" rtlCol="0">
+            <a:spAutoFit/>
+          </a:bodyPr>
+          <a:lstStyle/>
+          <a:p>
+            <a:r>
+              <a:rPr lang="nl-NL" sz="1400">
+                <a:solidFill>
+                  <a:schemeClr val="accent6">
+                    <a:lumMod val="75000"/>
+                  </a:schemeClr>
+                </a:solidFill>
+              </a:rPr>
+              <a:t>★ https://readr.tidyverse.org/reference/index.html</a:t>
+            </a:r>
+          </a:p>
+        </p:txBody>
+      </p:sp>
+    </p:spTree>
+    <p:extLst>
+      <p:ext uri="{BB962C8B-B14F-4D97-AF65-F5344CB8AC3E}">
+        <p14:creationId xmlns:p14="http://schemas.microsoft.com/office/powerpoint/2010/main" val="2499023797"/>
+      </p:ext>
+    </p:extLst>
+  </p:cSld>
+  <p:clrMapOvr>
+    <a:masterClrMapping/>
+  </p:clrMapOvr>
+</p:sld>
+</file>
+
+<file path=ppt/slides/slide74.xml><?xml version="1.0" encoding="utf-8"?>
+<p:sld xmlns:a="http://schemas.openxmlformats.org/drawingml/2006/main" xmlns:r="http://schemas.openxmlformats.org/officeDocument/2006/relationships" xmlns:p="http://schemas.openxmlformats.org/presentationml/2006/main">
+  <p:cSld>
+    <p:spTree>
+      <p:nvGrpSpPr>
+        <p:cNvPr id="1" name=""/>
+        <p:cNvGrpSpPr/>
+        <p:nvPr/>
+      </p:nvGrpSpPr>
+      <p:grpSpPr>
+        <a:xfrm>
+          <a:off x="0" y="0"/>
+          <a:ext cx="0" cy="0"/>
+          <a:chOff x="0" y="0"/>
+          <a:chExt cx="0" cy="0"/>
+        </a:xfrm>
+      </p:grpSpPr>
+      <p:sp>
+        <p:nvSpPr>
+          <p:cNvPr id="2" name="Titel 1">
+            <a:extLst>
+              <a:ext uri="{FF2B5EF4-FFF2-40B4-BE49-F238E27FC236}">
+                <a16:creationId xmlns:a16="http://schemas.microsoft.com/office/drawing/2014/main" id="{B27C9F39-DD24-0747-86B0-7FE18E10B33E}"/>
+              </a:ext>
+            </a:extLst>
+          </p:cNvPr>
+          <p:cNvSpPr>
+            <a:spLocks noGrp="1"/>
+          </p:cNvSpPr>
+          <p:nvPr>
+            <p:ph type="title"/>
+          </p:nvPr>
+        </p:nvSpPr>
+        <p:spPr/>
+        <p:txBody>
+          <a:bodyPr/>
+          <a:lstStyle/>
+          <a:p>
+            <a:r>
+              <a:rPr lang="nl-NL"/>
+              <a:t>stringr</a:t>
+            </a:r>
+          </a:p>
+        </p:txBody>
+      </p:sp>
+      <p:sp>
+        <p:nvSpPr>
+          <p:cNvPr id="3" name="Tijdelijke aanduiding voor inhoud 2">
+            <a:extLst>
+              <a:ext uri="{FF2B5EF4-FFF2-40B4-BE49-F238E27FC236}">
+                <a16:creationId xmlns:a16="http://schemas.microsoft.com/office/drawing/2014/main" id="{915537EA-93E6-D248-8686-014B22015BD0}"/>
+              </a:ext>
+            </a:extLst>
+          </p:cNvPr>
+          <p:cNvSpPr>
+            <a:spLocks noGrp="1"/>
+          </p:cNvSpPr>
+          <p:nvPr>
+            <p:ph idx="1"/>
+          </p:nvPr>
+        </p:nvSpPr>
+        <p:spPr/>
+        <p:txBody>
+          <a:bodyPr/>
+          <a:lstStyle/>
+          <a:p>
+            <a:r>
+              <a:rPr lang="nl-NL"/>
+              <a:t>stringr provides a cohesive set of functions designed to make working with strings as easy as possible</a:t>
+            </a:r>
+          </a:p>
+        </p:txBody>
+      </p:sp>
+      <p:sp>
+        <p:nvSpPr>
+          <p:cNvPr id="4" name="Tekstvak 3">
+            <a:extLst>
+              <a:ext uri="{FF2B5EF4-FFF2-40B4-BE49-F238E27FC236}">
+                <a16:creationId xmlns:a16="http://schemas.microsoft.com/office/drawing/2014/main" id="{9AB0681D-F46A-6E4E-8171-1BD930D9C09A}"/>
+              </a:ext>
+            </a:extLst>
+          </p:cNvPr>
+          <p:cNvSpPr txBox="1"/>
+          <p:nvPr/>
+        </p:nvSpPr>
+        <p:spPr>
+          <a:xfrm>
+            <a:off x="194310" y="6492875"/>
+            <a:ext cx="6652260" cy="307777"/>
+          </a:xfrm>
+          <a:prstGeom prst="rect">
+            <a:avLst/>
+          </a:prstGeom>
+          <a:noFill/>
+        </p:spPr>
+        <p:txBody>
+          <a:bodyPr wrap="square" rtlCol="0">
+            <a:spAutoFit/>
+          </a:bodyPr>
+          <a:lstStyle/>
+          <a:p>
+            <a:r>
+              <a:rPr lang="nl-NL" sz="1400">
+                <a:solidFill>
+                  <a:schemeClr val="accent6">
+                    <a:lumMod val="75000"/>
+                  </a:schemeClr>
+                </a:solidFill>
+              </a:rPr>
+              <a:t>★ https://stringr.tidyverse.org/reference/index.html</a:t>
+            </a:r>
+          </a:p>
+        </p:txBody>
+      </p:sp>
+    </p:spTree>
+    <p:extLst>
+      <p:ext uri="{BB962C8B-B14F-4D97-AF65-F5344CB8AC3E}">
+        <p14:creationId xmlns:p14="http://schemas.microsoft.com/office/powerpoint/2010/main" val="4144046768"/>
+      </p:ext>
+    </p:extLst>
+  </p:cSld>
+  <p:clrMapOvr>
+    <a:masterClrMapping/>
+  </p:clrMapOvr>
+</p:sld>
+</file>
+
+<file path=ppt/slides/slide75.xml><?xml version="1.0" encoding="utf-8"?>
+<p:sld xmlns:a="http://schemas.openxmlformats.org/drawingml/2006/main" xmlns:r="http://schemas.openxmlformats.org/officeDocument/2006/relationships" xmlns:p="http://schemas.openxmlformats.org/presentationml/2006/main">
+  <p:cSld>
+    <p:spTree>
+      <p:nvGrpSpPr>
+        <p:cNvPr id="1" name=""/>
+        <p:cNvGrpSpPr/>
+        <p:nvPr/>
+      </p:nvGrpSpPr>
+      <p:grpSpPr>
+        <a:xfrm>
+          <a:off x="0" y="0"/>
+          <a:ext cx="0" cy="0"/>
+          <a:chOff x="0" y="0"/>
+          <a:chExt cx="0" cy="0"/>
+        </a:xfrm>
+      </p:grpSpPr>
+      <p:sp>
+        <p:nvSpPr>
+          <p:cNvPr id="2" name="Titel 1">
+            <a:extLst>
+              <a:ext uri="{FF2B5EF4-FFF2-40B4-BE49-F238E27FC236}">
                 <a16:creationId xmlns:a16="http://schemas.microsoft.com/office/drawing/2014/main" id="{F7106C3C-3DF1-3344-942B-0B250B31DF27}"/>
               </a:ext>
             </a:extLst>
@@ -17521,7 +17908,7 @@
 </p:sld>
 </file>
 
-<file path=ppt/slides/slide74.xml><?xml version="1.0" encoding="utf-8"?>
+<file path=ppt/slides/slide76.xml><?xml version="1.0" encoding="utf-8"?>
 <p:sld xmlns:a="http://schemas.openxmlformats.org/drawingml/2006/main" xmlns:r="http://schemas.openxmlformats.org/officeDocument/2006/relationships" xmlns:p="http://schemas.openxmlformats.org/presentationml/2006/main">
   <p:cSld>
     <p:spTree>
@@ -17773,7 +18160,7 @@
 </p:sld>
 </file>
 
-<file path=ppt/slides/slide75.xml><?xml version="1.0" encoding="utf-8"?>
+<file path=ppt/slides/slide77.xml><?xml version="1.0" encoding="utf-8"?>
 <p:sld xmlns:a="http://schemas.openxmlformats.org/drawingml/2006/main" xmlns:r="http://schemas.openxmlformats.org/officeDocument/2006/relationships" xmlns:p="http://schemas.openxmlformats.org/presentationml/2006/main">
   <p:cSld>
     <p:spTree>
@@ -17859,7 +18246,7 @@
 </p:sld>
 </file>
 
-<file path=ppt/slides/slide76.xml><?xml version="1.0" encoding="utf-8"?>
+<file path=ppt/slides/slide78.xml><?xml version="1.0" encoding="utf-8"?>
 <p:sld xmlns:a="http://schemas.openxmlformats.org/drawingml/2006/main" xmlns:r="http://schemas.openxmlformats.org/officeDocument/2006/relationships" xmlns:p="http://schemas.openxmlformats.org/presentationml/2006/main">
   <p:cSld>
     <p:spTree>
@@ -17945,7 +18332,7 @@
 </p:sld>
 </file>
 
-<file path=ppt/slides/slide77.xml><?xml version="1.0" encoding="utf-8"?>
+<file path=ppt/slides/slide79.xml><?xml version="1.0" encoding="utf-8"?>
 <p:sld xmlns:a="http://schemas.openxmlformats.org/drawingml/2006/main" xmlns:r="http://schemas.openxmlformats.org/officeDocument/2006/relationships" xmlns:p="http://schemas.openxmlformats.org/presentationml/2006/main">
   <p:cSld>
     <p:spTree>
@@ -18131,7 +18518,93 @@
 </p:sld>
 </file>
 
-<file path=ppt/slides/slide78.xml><?xml version="1.0" encoding="utf-8"?>
+<file path=ppt/slides/slide8.xml><?xml version="1.0" encoding="utf-8"?>
+<p:sld xmlns:a="http://schemas.openxmlformats.org/drawingml/2006/main" xmlns:r="http://schemas.openxmlformats.org/officeDocument/2006/relationships" xmlns:p="http://schemas.openxmlformats.org/presentationml/2006/main">
+  <p:cSld>
+    <p:spTree>
+      <p:nvGrpSpPr>
+        <p:cNvPr id="1" name=""/>
+        <p:cNvGrpSpPr/>
+        <p:nvPr/>
+      </p:nvGrpSpPr>
+      <p:grpSpPr>
+        <a:xfrm>
+          <a:off x="0" y="0"/>
+          <a:ext cx="0" cy="0"/>
+          <a:chOff x="0" y="0"/>
+          <a:chExt cx="0" cy="0"/>
+        </a:xfrm>
+      </p:grpSpPr>
+      <p:sp>
+        <p:nvSpPr>
+          <p:cNvPr id="2" name="Titel 1">
+            <a:extLst>
+              <a:ext uri="{FF2B5EF4-FFF2-40B4-BE49-F238E27FC236}">
+                <a16:creationId xmlns:a16="http://schemas.microsoft.com/office/drawing/2014/main" id="{99EF9CDF-0D22-AE46-83D5-ADD2CFB29AF7}"/>
+              </a:ext>
+            </a:extLst>
+          </p:cNvPr>
+          <p:cNvSpPr>
+            <a:spLocks noGrp="1"/>
+          </p:cNvSpPr>
+          <p:nvPr>
+            <p:ph type="title"/>
+          </p:nvPr>
+        </p:nvSpPr>
+        <p:spPr/>
+        <p:txBody>
+          <a:bodyPr/>
+          <a:lstStyle/>
+          <a:p>
+            <a:r>
+              <a:rPr lang="nl-NL"/>
+              <a:t>R</a:t>
+            </a:r>
+          </a:p>
+        </p:txBody>
+      </p:sp>
+      <p:sp>
+        <p:nvSpPr>
+          <p:cNvPr id="3" name="Tijdelijke aanduiding voor inhoud 2">
+            <a:extLst>
+              <a:ext uri="{FF2B5EF4-FFF2-40B4-BE49-F238E27FC236}">
+                <a16:creationId xmlns:a16="http://schemas.microsoft.com/office/drawing/2014/main" id="{FDD2AD25-2314-574C-B31E-904C02271E31}"/>
+              </a:ext>
+            </a:extLst>
+          </p:cNvPr>
+          <p:cNvSpPr>
+            <a:spLocks noGrp="1"/>
+          </p:cNvSpPr>
+          <p:nvPr>
+            <p:ph idx="1"/>
+          </p:nvPr>
+        </p:nvSpPr>
+        <p:spPr/>
+        <p:txBody>
+          <a:bodyPr/>
+          <a:lstStyle/>
+          <a:p>
+            <a:r>
+              <a:rPr lang="nl-NL"/>
+              <a:t>R is ‘GNU S’, a freely available language and environment for statistical computing and graphics which provides a wide variety of statistical and graphical techniques: linear and nonlinear modelling, statistical tests, time series analysis, classification, clustering, etc. </a:t>
+            </a:r>
+          </a:p>
+        </p:txBody>
+      </p:sp>
+    </p:spTree>
+    <p:extLst>
+      <p:ext uri="{BB962C8B-B14F-4D97-AF65-F5344CB8AC3E}">
+        <p14:creationId xmlns:p14="http://schemas.microsoft.com/office/powerpoint/2010/main" val="1230814510"/>
+      </p:ext>
+    </p:extLst>
+  </p:cSld>
+  <p:clrMapOvr>
+    <a:masterClrMapping/>
+  </p:clrMapOvr>
+</p:sld>
+</file>
+
+<file path=ppt/slides/slide80.xml><?xml version="1.0" encoding="utf-8"?>
 <p:sld xmlns:a="http://schemas.openxmlformats.org/drawingml/2006/main" xmlns:r="http://schemas.openxmlformats.org/officeDocument/2006/relationships" xmlns:p="http://schemas.openxmlformats.org/presentationml/2006/main">
   <p:cSld>
     <p:spTree>
@@ -18314,92 +18787,6 @@
     <p:extLst>
       <p:ext uri="{BB962C8B-B14F-4D97-AF65-F5344CB8AC3E}">
         <p14:creationId xmlns:p14="http://schemas.microsoft.com/office/powerpoint/2010/main" val="1812874518"/>
-      </p:ext>
-    </p:extLst>
-  </p:cSld>
-  <p:clrMapOvr>
-    <a:masterClrMapping/>
-  </p:clrMapOvr>
-</p:sld>
-</file>
-
-<file path=ppt/slides/slide8.xml><?xml version="1.0" encoding="utf-8"?>
-<p:sld xmlns:a="http://schemas.openxmlformats.org/drawingml/2006/main" xmlns:r="http://schemas.openxmlformats.org/officeDocument/2006/relationships" xmlns:p="http://schemas.openxmlformats.org/presentationml/2006/main">
-  <p:cSld>
-    <p:spTree>
-      <p:nvGrpSpPr>
-        <p:cNvPr id="1" name=""/>
-        <p:cNvGrpSpPr/>
-        <p:nvPr/>
-      </p:nvGrpSpPr>
-      <p:grpSpPr>
-        <a:xfrm>
-          <a:off x="0" y="0"/>
-          <a:ext cx="0" cy="0"/>
-          <a:chOff x="0" y="0"/>
-          <a:chExt cx="0" cy="0"/>
-        </a:xfrm>
-      </p:grpSpPr>
-      <p:sp>
-        <p:nvSpPr>
-          <p:cNvPr id="2" name="Titel 1">
-            <a:extLst>
-              <a:ext uri="{FF2B5EF4-FFF2-40B4-BE49-F238E27FC236}">
-                <a16:creationId xmlns:a16="http://schemas.microsoft.com/office/drawing/2014/main" id="{99EF9CDF-0D22-AE46-83D5-ADD2CFB29AF7}"/>
-              </a:ext>
-            </a:extLst>
-          </p:cNvPr>
-          <p:cNvSpPr>
-            <a:spLocks noGrp="1"/>
-          </p:cNvSpPr>
-          <p:nvPr>
-            <p:ph type="title"/>
-          </p:nvPr>
-        </p:nvSpPr>
-        <p:spPr/>
-        <p:txBody>
-          <a:bodyPr/>
-          <a:lstStyle/>
-          <a:p>
-            <a:r>
-              <a:rPr lang="nl-NL"/>
-              <a:t>R</a:t>
-            </a:r>
-          </a:p>
-        </p:txBody>
-      </p:sp>
-      <p:sp>
-        <p:nvSpPr>
-          <p:cNvPr id="3" name="Tijdelijke aanduiding voor inhoud 2">
-            <a:extLst>
-              <a:ext uri="{FF2B5EF4-FFF2-40B4-BE49-F238E27FC236}">
-                <a16:creationId xmlns:a16="http://schemas.microsoft.com/office/drawing/2014/main" id="{FDD2AD25-2314-574C-B31E-904C02271E31}"/>
-              </a:ext>
-            </a:extLst>
-          </p:cNvPr>
-          <p:cNvSpPr>
-            <a:spLocks noGrp="1"/>
-          </p:cNvSpPr>
-          <p:nvPr>
-            <p:ph idx="1"/>
-          </p:nvPr>
-        </p:nvSpPr>
-        <p:spPr/>
-        <p:txBody>
-          <a:bodyPr/>
-          <a:lstStyle/>
-          <a:p>
-            <a:r>
-              <a:rPr lang="nl-NL"/>
-              <a:t>R is ‘GNU S’, a freely available language and environment for statistical computing and graphics which provides a wide variety of statistical and graphical techniques: linear and nonlinear modelling, statistical tests, time series analysis, classification, clustering, etc. </a:t>
-            </a:r>
-          </a:p>
-        </p:txBody>
-      </p:sp>
-    </p:spTree>
-    <p:extLst>
-      <p:ext uri="{BB962C8B-B14F-4D97-AF65-F5344CB8AC3E}">
-        <p14:creationId xmlns:p14="http://schemas.microsoft.com/office/powerpoint/2010/main" val="1230814510"/>
       </p:ext>
     </p:extLst>
   </p:cSld>
